--- a/Spring_Security.pptx
+++ b/Spring_Security.pptx
@@ -5,7 +5,7 @@
     <p:sldMasterId id="2147483648" r:id="rId1"/>
   </p:sldMasterIdLst>
   <p:notesMasterIdLst>
-    <p:notesMasterId r:id="rId138"/>
+    <p:notesMasterId r:id="rId142"/>
   </p:notesMasterIdLst>
   <p:sldIdLst>
     <p:sldId id="256" r:id="rId2"/>
@@ -131,24 +131,28 @@
     <p:sldId id="1044" r:id="rId122"/>
     <p:sldId id="1037" r:id="rId123"/>
     <p:sldId id="1038" r:id="rId124"/>
-    <p:sldId id="1077" r:id="rId125"/>
-    <p:sldId id="1039" r:id="rId126"/>
-    <p:sldId id="1040" r:id="rId127"/>
-    <p:sldId id="1041" r:id="rId128"/>
-    <p:sldId id="1078" r:id="rId129"/>
-    <p:sldId id="1045" r:id="rId130"/>
-    <p:sldId id="1042" r:id="rId131"/>
-    <p:sldId id="1056" r:id="rId132"/>
-    <p:sldId id="993" r:id="rId133"/>
-    <p:sldId id="994" r:id="rId134"/>
-    <p:sldId id="1079" r:id="rId135"/>
-    <p:sldId id="979" r:id="rId136"/>
-    <p:sldId id="968" r:id="rId137"/>
+    <p:sldId id="1094" r:id="rId125"/>
+    <p:sldId id="1077" r:id="rId126"/>
+    <p:sldId id="1039" r:id="rId127"/>
+    <p:sldId id="1040" r:id="rId128"/>
+    <p:sldId id="1041" r:id="rId129"/>
+    <p:sldId id="1078" r:id="rId130"/>
+    <p:sldId id="1045" r:id="rId131"/>
+    <p:sldId id="1042" r:id="rId132"/>
+    <p:sldId id="1056" r:id="rId133"/>
+    <p:sldId id="993" r:id="rId134"/>
+    <p:sldId id="994" r:id="rId135"/>
+    <p:sldId id="1079" r:id="rId136"/>
+    <p:sldId id="979" r:id="rId137"/>
+    <p:sldId id="1095" r:id="rId138"/>
+    <p:sldId id="1096" r:id="rId139"/>
+    <p:sldId id="1097" r:id="rId140"/>
+    <p:sldId id="968" r:id="rId141"/>
   </p:sldIdLst>
   <p:sldSz cx="12192000" cy="6858000"/>
   <p:notesSz cx="7104063" cy="10234613"/>
   <p:custDataLst>
-    <p:tags r:id="rId139"/>
+    <p:tags r:id="rId143"/>
   </p:custDataLst>
   <p:defaultTextStyle>
     <a:defPPr>
@@ -287,7 +291,7 @@
         </p:nvSpPr>
         <p:spPr>
           <a:xfrm>
-            <a:off x="0" y="0"/>
+            <a:off x="1" y="2"/>
             <a:ext cx="3078163" cy="512763"/>
           </a:xfrm>
           <a:prstGeom prst="rect">
@@ -318,7 +322,7 @@
         </p:nvSpPr>
         <p:spPr>
           <a:xfrm>
-            <a:off x="4024313" y="0"/>
+            <a:off x="4024313" y="2"/>
             <a:ext cx="3078162" cy="512763"/>
           </a:xfrm>
           <a:prstGeom prst="rect">
@@ -386,7 +390,7 @@
         </p:nvSpPr>
         <p:spPr>
           <a:xfrm>
-            <a:off x="711200" y="4926013"/>
+            <a:off x="711200" y="4926015"/>
             <a:ext cx="5683250" cy="4029075"/>
           </a:xfrm>
           <a:prstGeom prst="rect">
@@ -445,7 +449,7 @@
         </p:nvSpPr>
         <p:spPr>
           <a:xfrm>
-            <a:off x="0" y="9721850"/>
+            <a:off x="1" y="9721852"/>
             <a:ext cx="3078163" cy="512763"/>
           </a:xfrm>
           <a:prstGeom prst="rect">
@@ -476,7 +480,7 @@
         </p:nvSpPr>
         <p:spPr>
           <a:xfrm>
-            <a:off x="4024313" y="9721850"/>
+            <a:off x="4024313" y="9721852"/>
             <a:ext cx="3078162" cy="512763"/>
           </a:xfrm>
           <a:prstGeom prst="rect">
@@ -796,7 +800,7 @@
           <a:p>
             <a:fld id="{A62ABD72-7CE5-4E13-BAF9-6682705CFA71}" type="slidenum">
               <a:rPr lang="de-DE" smtClean="0"/>
-              <a:t>125</a:t>
+              <a:t>126</a:t>
             </a:fld>
             <a:endParaRPr lang="de-DE"/>
           </a:p>
@@ -883,7 +887,7 @@
           <a:p>
             <a:fld id="{A62ABD72-7CE5-4E13-BAF9-6682705CFA71}" type="slidenum">
               <a:rPr lang="de-DE" smtClean="0"/>
-              <a:t>126</a:t>
+              <a:t>127</a:t>
             </a:fld>
             <a:endParaRPr lang="de-DE"/>
           </a:p>
@@ -994,7 +998,7 @@
           <a:p>
             <a:fld id="{A62ABD72-7CE5-4E13-BAF9-6682705CFA71}" type="slidenum">
               <a:rPr lang="de-DE" smtClean="0"/>
-              <a:t>127</a:t>
+              <a:t>128</a:t>
             </a:fld>
             <a:endParaRPr lang="de-DE"/>
           </a:p>
@@ -1185,7 +1189,7 @@
           <a:p>
             <a:fld id="{A62ABD72-7CE5-4E13-BAF9-6682705CFA71}" type="slidenum">
               <a:rPr lang="de-DE" smtClean="0"/>
-              <a:t>129</a:t>
+              <a:t>130</a:t>
             </a:fld>
             <a:endParaRPr lang="de-DE"/>
           </a:p>
@@ -1352,7 +1356,7 @@
           <a:p>
             <a:fld id="{A62ABD72-7CE5-4E13-BAF9-6682705CFA71}" type="slidenum">
               <a:rPr lang="de-DE" smtClean="0"/>
-              <a:t>130</a:t>
+              <a:t>131</a:t>
             </a:fld>
             <a:endParaRPr lang="de-DE"/>
           </a:p>
@@ -1362,6 +1366,997 @@
     <p:extLst>
       <p:ext uri="{BB962C8B-B14F-4D97-AF65-F5344CB8AC3E}">
         <p14:creationId xmlns:p14="http://schemas.microsoft.com/office/powerpoint/2010/main" val="344088665"/>
+      </p:ext>
+    </p:extLst>
+  </p:cSld>
+  <p:clrMapOvr>
+    <a:masterClrMapping/>
+  </p:clrMapOvr>
+</p:notes>
+</file>
+
+<file path=ppt/notesSlides/notesSlide15.xml><?xml version="1.0" encoding="utf-8"?>
+<p:notes xmlns:a="http://schemas.openxmlformats.org/drawingml/2006/main" xmlns:r="http://schemas.openxmlformats.org/officeDocument/2006/relationships" xmlns:p="http://schemas.openxmlformats.org/presentationml/2006/main">
+  <p:cSld>
+    <p:spTree>
+      <p:nvGrpSpPr>
+        <p:cNvPr id="1" name=""/>
+        <p:cNvGrpSpPr/>
+        <p:nvPr/>
+      </p:nvGrpSpPr>
+      <p:grpSpPr>
+        <a:xfrm>
+          <a:off x="0" y="0"/>
+          <a:ext cx="0" cy="0"/>
+          <a:chOff x="0" y="0"/>
+          <a:chExt cx="0" cy="0"/>
+        </a:xfrm>
+      </p:grpSpPr>
+      <p:sp>
+        <p:nvSpPr>
+          <p:cNvPr id="2" name="Folienbildplatzhalter 1"/>
+          <p:cNvSpPr>
+            <a:spLocks noGrp="1" noRot="1" noChangeAspect="1"/>
+          </p:cNvSpPr>
+          <p:nvPr>
+            <p:ph type="sldImg"/>
+          </p:nvPr>
+        </p:nvSpPr>
+        <p:spPr/>
+      </p:sp>
+      <p:sp>
+        <p:nvSpPr>
+          <p:cNvPr id="3" name="Notizenplatzhalter 2"/>
+          <p:cNvSpPr>
+            <a:spLocks noGrp="1"/>
+          </p:cNvSpPr>
+          <p:nvPr>
+            <p:ph type="body" idx="1"/>
+          </p:nvPr>
+        </p:nvSpPr>
+        <p:spPr/>
+        <p:txBody>
+          <a:bodyPr/>
+          <a:lstStyle/>
+          <a:p>
+            <a:r>
+              <a:rPr lang="de-DE" b="1" dirty="0"/>
+              <a:t>Starke Passwortrichtlinien &amp; Hash-Verfahren</a:t>
+            </a:r>
+            <a:br>
+              <a:rPr lang="de-DE" dirty="0"/>
+            </a:br>
+            <a:r>
+              <a:rPr lang="de-DE" dirty="0"/>
+              <a:t>„Passwörter sind nach wie vor das Einfallstor Nr. 1. Wir definieren daher Mindestlängen, Komplexität und vor allem - keine Wieder­verwendung alter Passwörter. Gespeichert wird niemals Klartext, sondern ein Hash. Die Verfahren, die heute als sicher gelten, heißen </a:t>
+            </a:r>
+            <a:r>
+              <a:rPr lang="de-DE" b="1" dirty="0" err="1"/>
+              <a:t>BCrypt</a:t>
+            </a:r>
+            <a:r>
+              <a:rPr lang="de-DE" dirty="0"/>
+              <a:t>, </a:t>
+            </a:r>
+            <a:r>
+              <a:rPr lang="de-DE" b="1" dirty="0"/>
+              <a:t>PBKDF2</a:t>
+            </a:r>
+            <a:r>
+              <a:rPr lang="de-DE" dirty="0"/>
+              <a:t> und </a:t>
+            </a:r>
+            <a:r>
+              <a:rPr lang="de-DE" b="1" dirty="0"/>
+              <a:t>Argon2</a:t>
+            </a:r>
+            <a:r>
+              <a:rPr lang="de-DE" dirty="0"/>
+              <a:t>. Alle drei sind bewusst langsam – je langsamer das </a:t>
+            </a:r>
+            <a:r>
+              <a:rPr lang="de-DE" dirty="0" err="1"/>
+              <a:t>Hashing</a:t>
+            </a:r>
+            <a:r>
+              <a:rPr lang="de-DE" dirty="0"/>
+              <a:t>, desto teurer ist ein Brute-Force-Angriff für den Angreifer.“</a:t>
+            </a:r>
+          </a:p>
+          <a:p>
+            <a:r>
+              <a:rPr lang="de-DE" b="1" dirty="0"/>
+              <a:t>Geheimnisse aus dem Code verbannen</a:t>
+            </a:r>
+            <a:br>
+              <a:rPr lang="de-DE" dirty="0"/>
+            </a:br>
+            <a:r>
+              <a:rPr lang="de-DE" dirty="0"/>
+              <a:t>„Ob JWK-Private Key oder </a:t>
+            </a:r>
+            <a:r>
+              <a:rPr lang="de-DE" dirty="0" err="1"/>
+              <a:t>client_secret</a:t>
+            </a:r>
+            <a:r>
+              <a:rPr lang="de-DE" dirty="0"/>
+              <a:t> – alles landet in einem Secret-Manager, zum Beispiel </a:t>
+            </a:r>
+            <a:r>
+              <a:rPr lang="de-DE" b="1" dirty="0"/>
+              <a:t>Spring Cloud </a:t>
+            </a:r>
+            <a:r>
+              <a:rPr lang="de-DE" b="1" dirty="0" err="1"/>
+              <a:t>Vault</a:t>
+            </a:r>
+            <a:r>
+              <a:rPr lang="de-DE" dirty="0"/>
+              <a:t> oder der Spring </a:t>
+            </a:r>
+            <a:r>
+              <a:rPr lang="de-DE" dirty="0" err="1"/>
+              <a:t>Config</a:t>
+            </a:r>
+            <a:r>
+              <a:rPr lang="de-DE" dirty="0"/>
+              <a:t> Server mit verschlüsselten </a:t>
+            </a:r>
+            <a:r>
+              <a:rPr lang="de-DE" dirty="0" err="1"/>
+              <a:t>Backends</a:t>
+            </a:r>
+            <a:r>
+              <a:rPr lang="de-DE" dirty="0"/>
+              <a:t>. In der CI/CD-Pipeline können wir Secrets rotieren, ohne Images neu zu bauen.“</a:t>
+            </a:r>
+          </a:p>
+          <a:p>
+            <a:r>
+              <a:rPr lang="de-DE" b="1" dirty="0"/>
+              <a:t>Regelmäßige Reviews &amp; Updates</a:t>
+            </a:r>
+            <a:br>
+              <a:rPr lang="de-DE" dirty="0"/>
+            </a:br>
+            <a:r>
+              <a:rPr lang="de-DE" dirty="0"/>
+              <a:t>„Security lebt – also: Pass­wortablauf, Rollen-Audit, </a:t>
+            </a:r>
+            <a:r>
+              <a:rPr lang="de-DE" dirty="0" err="1"/>
+              <a:t>Offboarding</a:t>
+            </a:r>
+            <a:r>
+              <a:rPr lang="de-DE" dirty="0"/>
+              <a:t>. Spring Security Events lassen sich über </a:t>
+            </a:r>
+            <a:r>
+              <a:rPr lang="de-DE" dirty="0" err="1"/>
+              <a:t>AuthenticationEventPublisher</a:t>
+            </a:r>
+            <a:r>
+              <a:rPr lang="de-DE" dirty="0"/>
+              <a:t> loggen und automatisiert prüfen.“</a:t>
+            </a:r>
+          </a:p>
+          <a:p>
+            <a:r>
+              <a:rPr lang="de-DE" b="1" dirty="0"/>
+              <a:t>MFA – Multi-Faktor-Authentifizierung</a:t>
+            </a:r>
+            <a:br>
+              <a:rPr lang="de-DE" dirty="0"/>
+            </a:br>
+            <a:r>
+              <a:rPr lang="de-DE" dirty="0"/>
+              <a:t>„Ein zweiter Faktor – z. B. TOTP-App oder </a:t>
+            </a:r>
+            <a:r>
+              <a:rPr lang="de-DE" dirty="0" err="1"/>
+              <a:t>WebAuthn-Passkey</a:t>
+            </a:r>
+            <a:r>
+              <a:rPr lang="de-DE" dirty="0"/>
+              <a:t> – neutralisiert gestohlene Passwörter. Spring Security 6 bringt OTP-Support out-</a:t>
+            </a:r>
+            <a:r>
+              <a:rPr lang="de-DE" dirty="0" err="1"/>
+              <a:t>of</a:t>
+            </a:r>
+            <a:r>
+              <a:rPr lang="de-DE" dirty="0"/>
+              <a:t>-</a:t>
+            </a:r>
+            <a:r>
+              <a:rPr lang="de-DE" dirty="0" err="1"/>
+              <a:t>the</a:t>
+            </a:r>
+            <a:r>
+              <a:rPr lang="de-DE" dirty="0"/>
+              <a:t>-box, oder wir integrieren einen externen </a:t>
+            </a:r>
+            <a:r>
+              <a:rPr lang="de-DE" dirty="0" err="1"/>
+              <a:t>IdP</a:t>
+            </a:r>
+            <a:r>
+              <a:rPr lang="de-DE" dirty="0"/>
+              <a:t>.“</a:t>
+            </a:r>
+          </a:p>
+          <a:p>
+            <a:endParaRPr lang="de-DE" dirty="0"/>
+          </a:p>
+        </p:txBody>
+      </p:sp>
+      <p:sp>
+        <p:nvSpPr>
+          <p:cNvPr id="4" name="Foliennummernplatzhalter 3"/>
+          <p:cNvSpPr>
+            <a:spLocks noGrp="1"/>
+          </p:cNvSpPr>
+          <p:nvPr>
+            <p:ph type="sldNum" sz="quarter" idx="5"/>
+          </p:nvPr>
+        </p:nvSpPr>
+        <p:spPr/>
+        <p:txBody>
+          <a:bodyPr/>
+          <a:lstStyle/>
+          <a:p>
+            <a:fld id="{A62ABD72-7CE5-4E13-BAF9-6682705CFA71}" type="slidenum">
+              <a:rPr lang="de-DE" smtClean="0"/>
+              <a:t>136</a:t>
+            </a:fld>
+            <a:endParaRPr lang="de-DE"/>
+          </a:p>
+        </p:txBody>
+      </p:sp>
+    </p:spTree>
+    <p:extLst>
+      <p:ext uri="{BB962C8B-B14F-4D97-AF65-F5344CB8AC3E}">
+        <p14:creationId xmlns:p14="http://schemas.microsoft.com/office/powerpoint/2010/main" val="3130951594"/>
+      </p:ext>
+    </p:extLst>
+  </p:cSld>
+  <p:clrMapOvr>
+    <a:masterClrMapping/>
+  </p:clrMapOvr>
+</p:notes>
+</file>
+
+<file path=ppt/notesSlides/notesSlide16.xml><?xml version="1.0" encoding="utf-8"?>
+<p:notes xmlns:a="http://schemas.openxmlformats.org/drawingml/2006/main" xmlns:r="http://schemas.openxmlformats.org/officeDocument/2006/relationships" xmlns:p="http://schemas.openxmlformats.org/presentationml/2006/main">
+  <p:cSld>
+    <p:spTree>
+      <p:nvGrpSpPr>
+        <p:cNvPr id="1" name=""/>
+        <p:cNvGrpSpPr/>
+        <p:nvPr/>
+      </p:nvGrpSpPr>
+      <p:grpSpPr>
+        <a:xfrm>
+          <a:off x="0" y="0"/>
+          <a:ext cx="0" cy="0"/>
+          <a:chOff x="0" y="0"/>
+          <a:chExt cx="0" cy="0"/>
+        </a:xfrm>
+      </p:grpSpPr>
+      <p:sp>
+        <p:nvSpPr>
+          <p:cNvPr id="2" name="Folienbildplatzhalter 1"/>
+          <p:cNvSpPr>
+            <a:spLocks noGrp="1" noRot="1" noChangeAspect="1"/>
+          </p:cNvSpPr>
+          <p:nvPr>
+            <p:ph type="sldImg"/>
+          </p:nvPr>
+        </p:nvSpPr>
+        <p:spPr/>
+      </p:sp>
+      <p:sp>
+        <p:nvSpPr>
+          <p:cNvPr id="3" name="Notizenplatzhalter 2"/>
+          <p:cNvSpPr>
+            <a:spLocks noGrp="1"/>
+          </p:cNvSpPr>
+          <p:nvPr>
+            <p:ph type="body" idx="1"/>
+          </p:nvPr>
+        </p:nvSpPr>
+        <p:spPr/>
+        <p:txBody>
+          <a:bodyPr/>
+          <a:lstStyle/>
+          <a:p>
+            <a:r>
+              <a:rPr lang="de-DE" b="1" dirty="0"/>
+              <a:t>Least Privilege </a:t>
+            </a:r>
+            <a:r>
+              <a:rPr lang="de-DE" b="1" dirty="0" err="1"/>
+              <a:t>Principle</a:t>
+            </a:r>
+            <a:br>
+              <a:rPr lang="de-DE" dirty="0"/>
+            </a:br>
+            <a:r>
+              <a:rPr lang="de-DE" dirty="0"/>
+              <a:t>„Jeder Benutzer und jeder Microservice bekommt nur das Minimum an Berechti­gungen, das er wirklich braucht. In Spring mappen wir das auf ROLE_… oder feine @PreAuthorize-SPEL-Ausdrücke.“</a:t>
+            </a:r>
+          </a:p>
+          <a:p>
+            <a:r>
+              <a:rPr lang="de-DE" b="1" dirty="0"/>
+              <a:t>Browser-APIs gezielt freigeben</a:t>
+            </a:r>
+            <a:br>
+              <a:rPr lang="de-DE" dirty="0"/>
+            </a:br>
+            <a:r>
+              <a:rPr lang="de-DE" dirty="0"/>
+              <a:t>„Mit der </a:t>
+            </a:r>
+            <a:r>
+              <a:rPr lang="de-DE" b="1" dirty="0" err="1"/>
+              <a:t>Permissions</a:t>
+            </a:r>
+            <a:r>
+              <a:rPr lang="de-DE" b="1" dirty="0"/>
+              <a:t>-Policy</a:t>
+            </a:r>
+            <a:r>
+              <a:rPr lang="de-DE" dirty="0"/>
+              <a:t> können wir Kamera, Mikrofon, Geolocation per Response-Header ausschalten. Das verhindert, dass bösartige </a:t>
+            </a:r>
+            <a:r>
+              <a:rPr lang="de-DE" dirty="0" err="1"/>
+              <a:t>IFrames</a:t>
+            </a:r>
+            <a:r>
+              <a:rPr lang="de-DE" dirty="0"/>
+              <a:t> unbemerkt Geräte­funktionen nutzen.“</a:t>
+            </a:r>
+          </a:p>
+          <a:p>
+            <a:r>
+              <a:rPr lang="de-DE" b="1" dirty="0"/>
+              <a:t>Session-Fixation &amp; Timeouts</a:t>
+            </a:r>
+            <a:br>
+              <a:rPr lang="de-DE" dirty="0"/>
+            </a:br>
+            <a:r>
+              <a:rPr lang="de-DE" dirty="0"/>
+              <a:t>„Spring rotiert die Session-ID beim Login automatisch – das schützt vor Session-Fixation. Zusätzlich legen wir </a:t>
+            </a:r>
+            <a:r>
+              <a:rPr lang="de-DE" dirty="0" err="1"/>
+              <a:t>server.servlet.session.timeout</a:t>
+            </a:r>
+            <a:r>
+              <a:rPr lang="de-DE" dirty="0"/>
+              <a:t>=15m fest und aktivieren </a:t>
+            </a:r>
+            <a:r>
+              <a:rPr lang="de-DE" dirty="0" err="1"/>
+              <a:t>remember-me</a:t>
+            </a:r>
+            <a:r>
+              <a:rPr lang="de-DE" dirty="0"/>
+              <a:t> nur, wenn nötig.“</a:t>
+            </a:r>
+          </a:p>
+          <a:p>
+            <a:r>
+              <a:rPr lang="de-DE" b="1" dirty="0"/>
+              <a:t>Cookie-Flags</a:t>
+            </a:r>
+            <a:br>
+              <a:rPr lang="de-DE" dirty="0"/>
+            </a:br>
+            <a:r>
+              <a:rPr lang="de-DE" dirty="0"/>
+              <a:t>„Secure sorgt dafür, dass Cookies nur über HTTPS gehen, </a:t>
+            </a:r>
+            <a:r>
+              <a:rPr lang="de-DE" dirty="0" err="1"/>
+              <a:t>HttpOnly</a:t>
+            </a:r>
+            <a:r>
+              <a:rPr lang="de-DE" dirty="0"/>
+              <a:t> blockiert JavaScript, </a:t>
+            </a:r>
+            <a:r>
+              <a:rPr lang="de-DE" dirty="0" err="1"/>
+              <a:t>SameSite</a:t>
+            </a:r>
+            <a:r>
+              <a:rPr lang="de-DE" dirty="0"/>
+              <a:t>=</a:t>
+            </a:r>
+            <a:r>
+              <a:rPr lang="de-DE" dirty="0" err="1"/>
+              <a:t>Strict</a:t>
+            </a:r>
+            <a:r>
+              <a:rPr lang="de-DE" dirty="0"/>
+              <a:t> schützt vor CSRF. Alle Flags lassen sich mit </a:t>
+            </a:r>
+            <a:r>
+              <a:rPr lang="de-DE" dirty="0" err="1"/>
+              <a:t>ServerProperties.Cookie</a:t>
+            </a:r>
+            <a:r>
+              <a:rPr lang="de-DE" dirty="0"/>
+              <a:t> oder </a:t>
+            </a:r>
+            <a:r>
+              <a:rPr lang="de-DE" dirty="0" err="1"/>
+              <a:t>ResponseCookie</a:t>
+            </a:r>
+            <a:r>
+              <a:rPr lang="de-DE" dirty="0"/>
+              <a:t> setzen.“</a:t>
+            </a:r>
+          </a:p>
+          <a:p>
+            <a:endParaRPr lang="de-DE" dirty="0"/>
+          </a:p>
+        </p:txBody>
+      </p:sp>
+      <p:sp>
+        <p:nvSpPr>
+          <p:cNvPr id="4" name="Foliennummernplatzhalter 3"/>
+          <p:cNvSpPr>
+            <a:spLocks noGrp="1"/>
+          </p:cNvSpPr>
+          <p:nvPr>
+            <p:ph type="sldNum" sz="quarter" idx="5"/>
+          </p:nvPr>
+        </p:nvSpPr>
+        <p:spPr/>
+        <p:txBody>
+          <a:bodyPr/>
+          <a:lstStyle/>
+          <a:p>
+            <a:fld id="{A62ABD72-7CE5-4E13-BAF9-6682705CFA71}" type="slidenum">
+              <a:rPr lang="de-DE" smtClean="0"/>
+              <a:t>137</a:t>
+            </a:fld>
+            <a:endParaRPr lang="de-DE"/>
+          </a:p>
+        </p:txBody>
+      </p:sp>
+    </p:spTree>
+    <p:extLst>
+      <p:ext uri="{BB962C8B-B14F-4D97-AF65-F5344CB8AC3E}">
+        <p14:creationId xmlns:p14="http://schemas.microsoft.com/office/powerpoint/2010/main" val="4290062905"/>
+      </p:ext>
+    </p:extLst>
+  </p:cSld>
+  <p:clrMapOvr>
+    <a:masterClrMapping/>
+  </p:clrMapOvr>
+</p:notes>
+</file>
+
+<file path=ppt/notesSlides/notesSlide17.xml><?xml version="1.0" encoding="utf-8"?>
+<p:notes xmlns:a="http://schemas.openxmlformats.org/drawingml/2006/main" xmlns:r="http://schemas.openxmlformats.org/officeDocument/2006/relationships" xmlns:p="http://schemas.openxmlformats.org/presentationml/2006/main">
+  <p:cSld>
+    <p:spTree>
+      <p:nvGrpSpPr>
+        <p:cNvPr id="1" name=""/>
+        <p:cNvGrpSpPr/>
+        <p:nvPr/>
+      </p:nvGrpSpPr>
+      <p:grpSpPr>
+        <a:xfrm>
+          <a:off x="0" y="0"/>
+          <a:ext cx="0" cy="0"/>
+          <a:chOff x="0" y="0"/>
+          <a:chExt cx="0" cy="0"/>
+        </a:xfrm>
+      </p:grpSpPr>
+      <p:sp>
+        <p:nvSpPr>
+          <p:cNvPr id="2" name="Folienbildplatzhalter 1"/>
+          <p:cNvSpPr>
+            <a:spLocks noGrp="1" noRot="1" noChangeAspect="1"/>
+          </p:cNvSpPr>
+          <p:nvPr>
+            <p:ph type="sldImg"/>
+          </p:nvPr>
+        </p:nvSpPr>
+        <p:spPr/>
+      </p:sp>
+      <p:sp>
+        <p:nvSpPr>
+          <p:cNvPr id="3" name="Notizenplatzhalter 2"/>
+          <p:cNvSpPr>
+            <a:spLocks noGrp="1"/>
+          </p:cNvSpPr>
+          <p:nvPr>
+            <p:ph type="body" idx="1"/>
+          </p:nvPr>
+        </p:nvSpPr>
+        <p:spPr/>
+        <p:txBody>
+          <a:bodyPr/>
+          <a:lstStyle/>
+          <a:p>
+            <a:r>
+              <a:rPr lang="de-DE" b="1" dirty="0"/>
+              <a:t>Eingabe­validierung</a:t>
+            </a:r>
+            <a:br>
+              <a:rPr lang="de-DE" dirty="0"/>
+            </a:br>
+            <a:r>
+              <a:rPr lang="de-DE" dirty="0"/>
+              <a:t>„Alles, was von außen kommt, wird zuerst mit </a:t>
+            </a:r>
+            <a:r>
+              <a:rPr lang="de-DE" b="1" dirty="0"/>
+              <a:t>Bean Validation</a:t>
+            </a:r>
+            <a:r>
+              <a:rPr lang="de-DE" dirty="0"/>
+              <a:t> geprüft – noch bevor wir die Datenbank berühren. Bei </a:t>
+            </a:r>
+            <a:r>
+              <a:rPr lang="de-DE" dirty="0" err="1"/>
+              <a:t>Thymeleaf</a:t>
+            </a:r>
+            <a:r>
+              <a:rPr lang="de-DE" dirty="0"/>
+              <a:t> und Spring MVC ist das nur eine Annotation: @Valid.“</a:t>
+            </a:r>
+          </a:p>
+          <a:p>
+            <a:r>
+              <a:rPr lang="de-DE" b="1" dirty="0"/>
+              <a:t>Content-Security-Policy (CSP)</a:t>
+            </a:r>
+            <a:br>
+              <a:rPr lang="de-DE" dirty="0"/>
+            </a:br>
+            <a:r>
+              <a:rPr lang="de-DE" dirty="0"/>
+              <a:t>„</a:t>
+            </a:r>
+            <a:r>
+              <a:rPr lang="de-DE" dirty="0" err="1"/>
+              <a:t>default-src</a:t>
+            </a:r>
+            <a:r>
+              <a:rPr lang="de-DE" dirty="0"/>
+              <a:t> '</a:t>
+            </a:r>
+            <a:r>
+              <a:rPr lang="de-DE" dirty="0" err="1"/>
+              <a:t>self</a:t>
+            </a:r>
+            <a:r>
+              <a:rPr lang="de-DE" dirty="0"/>
+              <a:t>' erlaubt Ressourcen nur von der eigenen Domain. Für Inline-Skripte arbeiten wir mit </a:t>
+            </a:r>
+            <a:r>
+              <a:rPr lang="de-DE" b="1" dirty="0" err="1"/>
+              <a:t>Nonces</a:t>
+            </a:r>
+            <a:r>
+              <a:rPr lang="de-DE" dirty="0"/>
+              <a:t>: Spring generiert pro Request einen zufälligen Wert, den wir im </a:t>
+            </a:r>
+            <a:r>
+              <a:rPr lang="de-DE" dirty="0" err="1"/>
+              <a:t>script</a:t>
+            </a:r>
+            <a:r>
+              <a:rPr lang="de-DE" dirty="0"/>
+              <a:t>-Tag referenzieren.“</a:t>
+            </a:r>
+          </a:p>
+          <a:p>
+            <a:r>
+              <a:rPr lang="de-DE" b="1" dirty="0"/>
+              <a:t>CORS-Härtung</a:t>
+            </a:r>
+            <a:br>
+              <a:rPr lang="de-DE" dirty="0"/>
+            </a:br>
+            <a:r>
+              <a:rPr lang="de-DE" dirty="0"/>
+              <a:t>„Wir definieren explizite Origins und HTTP-Methoden:</a:t>
+            </a:r>
+          </a:p>
+          <a:p>
+            <a:r>
+              <a:rPr lang="de-DE" dirty="0"/>
+              <a:t>So darf kein fremdes Frontend unsere API missbrauchen.“</a:t>
+            </a:r>
+          </a:p>
+          <a:p>
+            <a:r>
+              <a:rPr lang="de-DE" b="1" dirty="0"/>
+              <a:t>Brute-Force-Schutz / Rate </a:t>
+            </a:r>
+            <a:r>
+              <a:rPr lang="de-DE" b="1" dirty="0" err="1"/>
+              <a:t>Limiting</a:t>
+            </a:r>
+            <a:br>
+              <a:rPr lang="de-DE" dirty="0"/>
+            </a:br>
+            <a:r>
+              <a:rPr lang="de-DE" dirty="0"/>
+              <a:t>„Mit </a:t>
+            </a:r>
+            <a:r>
+              <a:rPr lang="de-DE" b="1" dirty="0"/>
+              <a:t>Resilience4j-RateLimiter</a:t>
+            </a:r>
+            <a:r>
+              <a:rPr lang="de-DE" dirty="0"/>
+              <a:t> oder Bucket4j-Filter sperren wir IP-Adressen, wenn sie z. B. 5 Logins pro Sekunde versuchen.“</a:t>
+            </a:r>
+          </a:p>
+          <a:p>
+            <a:endParaRPr lang="de-DE" dirty="0"/>
+          </a:p>
+        </p:txBody>
+      </p:sp>
+      <p:sp>
+        <p:nvSpPr>
+          <p:cNvPr id="4" name="Foliennummernplatzhalter 3"/>
+          <p:cNvSpPr>
+            <a:spLocks noGrp="1"/>
+          </p:cNvSpPr>
+          <p:nvPr>
+            <p:ph type="sldNum" sz="quarter" idx="5"/>
+          </p:nvPr>
+        </p:nvSpPr>
+        <p:spPr/>
+        <p:txBody>
+          <a:bodyPr/>
+          <a:lstStyle/>
+          <a:p>
+            <a:fld id="{A62ABD72-7CE5-4E13-BAF9-6682705CFA71}" type="slidenum">
+              <a:rPr lang="de-DE" smtClean="0"/>
+              <a:t>138</a:t>
+            </a:fld>
+            <a:endParaRPr lang="de-DE"/>
+          </a:p>
+        </p:txBody>
+      </p:sp>
+    </p:spTree>
+    <p:extLst>
+      <p:ext uri="{BB962C8B-B14F-4D97-AF65-F5344CB8AC3E}">
+        <p14:creationId xmlns:p14="http://schemas.microsoft.com/office/powerpoint/2010/main" val="1626024389"/>
+      </p:ext>
+    </p:extLst>
+  </p:cSld>
+  <p:clrMapOvr>
+    <a:masterClrMapping/>
+  </p:clrMapOvr>
+</p:notes>
+</file>
+
+<file path=ppt/notesSlides/notesSlide18.xml><?xml version="1.0" encoding="utf-8"?>
+<p:notes xmlns:a="http://schemas.openxmlformats.org/drawingml/2006/main" xmlns:r="http://schemas.openxmlformats.org/officeDocument/2006/relationships" xmlns:p="http://schemas.openxmlformats.org/presentationml/2006/main">
+  <p:cSld>
+    <p:spTree>
+      <p:nvGrpSpPr>
+        <p:cNvPr id="1" name=""/>
+        <p:cNvGrpSpPr/>
+        <p:nvPr/>
+      </p:nvGrpSpPr>
+      <p:grpSpPr>
+        <a:xfrm>
+          <a:off x="0" y="0"/>
+          <a:ext cx="0" cy="0"/>
+          <a:chOff x="0" y="0"/>
+          <a:chExt cx="0" cy="0"/>
+        </a:xfrm>
+      </p:grpSpPr>
+      <p:sp>
+        <p:nvSpPr>
+          <p:cNvPr id="2" name="Folienbildplatzhalter 1"/>
+          <p:cNvSpPr>
+            <a:spLocks noGrp="1" noRot="1" noChangeAspect="1"/>
+          </p:cNvSpPr>
+          <p:nvPr>
+            <p:ph type="sldImg"/>
+          </p:nvPr>
+        </p:nvSpPr>
+        <p:spPr/>
+      </p:sp>
+      <p:sp>
+        <p:nvSpPr>
+          <p:cNvPr id="3" name="Notizenplatzhalter 2"/>
+          <p:cNvSpPr>
+            <a:spLocks noGrp="1"/>
+          </p:cNvSpPr>
+          <p:nvPr>
+            <p:ph type="body" idx="1"/>
+          </p:nvPr>
+        </p:nvSpPr>
+        <p:spPr/>
+        <p:txBody>
+          <a:bodyPr/>
+          <a:lstStyle/>
+          <a:p>
+            <a:r>
+              <a:rPr lang="de-DE" b="1" dirty="0" err="1"/>
+              <a:t>Dependency</a:t>
+            </a:r>
+            <a:r>
+              <a:rPr lang="de-DE" b="1" dirty="0"/>
+              <a:t>-Scanning</a:t>
+            </a:r>
+            <a:br>
+              <a:rPr lang="de-DE" dirty="0"/>
+            </a:br>
+            <a:r>
+              <a:rPr lang="de-DE" dirty="0"/>
+              <a:t>„Tools wie </a:t>
+            </a:r>
+            <a:r>
+              <a:rPr lang="de-DE" b="1" dirty="0"/>
+              <a:t>OWASP </a:t>
+            </a:r>
+            <a:r>
+              <a:rPr lang="de-DE" b="1" dirty="0" err="1"/>
+              <a:t>Dependency</a:t>
+            </a:r>
+            <a:r>
+              <a:rPr lang="de-DE" b="1" dirty="0"/>
+              <a:t>-Check</a:t>
+            </a:r>
+            <a:r>
+              <a:rPr lang="de-DE" dirty="0"/>
+              <a:t> oder </a:t>
+            </a:r>
+            <a:r>
+              <a:rPr lang="de-DE" b="1" dirty="0" err="1"/>
+              <a:t>Snyk</a:t>
+            </a:r>
+            <a:r>
+              <a:rPr lang="de-DE" dirty="0"/>
+              <a:t> laufen als Maven-Goal im CI. Sie melden bekannte CVEs – </a:t>
+            </a:r>
+            <a:r>
+              <a:rPr lang="de-DE" i="1" dirty="0"/>
+              <a:t>Common </a:t>
+            </a:r>
+            <a:r>
+              <a:rPr lang="de-DE" i="1" dirty="0" err="1"/>
+              <a:t>Vulnerabilities</a:t>
+            </a:r>
+            <a:r>
+              <a:rPr lang="de-DE" i="1" dirty="0"/>
+              <a:t> and </a:t>
+            </a:r>
+            <a:r>
+              <a:rPr lang="de-DE" i="1" dirty="0" err="1"/>
+              <a:t>Exposures</a:t>
+            </a:r>
+            <a:r>
+              <a:rPr lang="de-DE" dirty="0"/>
+              <a:t> – noch bevor wir deployen.“</a:t>
+            </a:r>
+          </a:p>
+          <a:p>
+            <a:r>
+              <a:rPr lang="de-DE" b="1" dirty="0"/>
+              <a:t>Patches zeitnah einspielen</a:t>
+            </a:r>
+            <a:br>
+              <a:rPr lang="de-DE" dirty="0"/>
+            </a:br>
+            <a:r>
+              <a:rPr lang="de-DE" dirty="0"/>
+              <a:t>„Spring Boot liefert </a:t>
+            </a:r>
+            <a:r>
+              <a:rPr lang="de-DE" b="1" dirty="0" err="1"/>
+              <a:t>spring-boot-actuator:info</a:t>
+            </a:r>
+            <a:r>
+              <a:rPr lang="de-DE" dirty="0"/>
+              <a:t> mit </a:t>
+            </a:r>
+            <a:r>
+              <a:rPr lang="de-DE" dirty="0" err="1"/>
+              <a:t>Build</a:t>
+            </a:r>
+            <a:r>
+              <a:rPr lang="de-DE" dirty="0"/>
+              <a:t>-Zeit: Damit sehen wir schnell, ob eine angreifbare Version live ist. Alerts kommen aus </a:t>
+            </a:r>
+            <a:r>
+              <a:rPr lang="de-DE" dirty="0" err="1"/>
+              <a:t>Dependabot</a:t>
+            </a:r>
+            <a:r>
+              <a:rPr lang="de-DE" dirty="0"/>
+              <a:t> oder </a:t>
+            </a:r>
+            <a:r>
+              <a:rPr lang="de-DE" dirty="0" err="1"/>
+              <a:t>GitLab</a:t>
+            </a:r>
+            <a:r>
+              <a:rPr lang="de-DE" dirty="0"/>
+              <a:t> Advisory DB.“</a:t>
+            </a:r>
+          </a:p>
+          <a:p>
+            <a:r>
+              <a:rPr lang="de-DE" b="1" dirty="0"/>
+              <a:t>Security-Events zentral sammeln</a:t>
+            </a:r>
+            <a:br>
+              <a:rPr lang="de-DE" dirty="0"/>
+            </a:br>
+            <a:r>
+              <a:rPr lang="de-DE" dirty="0"/>
+              <a:t>„Audit-Events gehen per </a:t>
+            </a:r>
+            <a:r>
+              <a:rPr lang="de-DE" dirty="0" err="1"/>
+              <a:t>Logback</a:t>
+            </a:r>
+            <a:r>
+              <a:rPr lang="de-DE" dirty="0"/>
+              <a:t> JSON in </a:t>
+            </a:r>
+            <a:r>
+              <a:rPr lang="de-DE" b="1" dirty="0"/>
+              <a:t>Elasticsearch / Loki</a:t>
+            </a:r>
+            <a:r>
+              <a:rPr lang="de-DE" dirty="0"/>
+              <a:t>, Dashboards in </a:t>
+            </a:r>
+            <a:r>
+              <a:rPr lang="de-DE" dirty="0" err="1"/>
+              <a:t>Kibana</a:t>
+            </a:r>
+            <a:r>
+              <a:rPr lang="de-DE" dirty="0"/>
+              <a:t> oder </a:t>
+            </a:r>
+            <a:r>
+              <a:rPr lang="de-DE" dirty="0" err="1"/>
+              <a:t>Grafana</a:t>
+            </a:r>
+            <a:r>
+              <a:rPr lang="de-DE" dirty="0"/>
+              <a:t>. Wir merken ungewöhnliche 403-Spikes sofort.“</a:t>
+            </a:r>
+          </a:p>
+          <a:p>
+            <a:r>
+              <a:rPr lang="de-DE" b="1" dirty="0"/>
+              <a:t>Pen-</a:t>
+            </a:r>
+            <a:r>
+              <a:rPr lang="de-DE" b="1" dirty="0" err="1"/>
+              <a:t>Testing</a:t>
+            </a:r>
+            <a:r>
+              <a:rPr lang="de-DE" b="1" dirty="0"/>
+              <a:t> in der CI</a:t>
+            </a:r>
+            <a:br>
+              <a:rPr lang="de-DE" dirty="0"/>
+            </a:br>
+            <a:r>
+              <a:rPr lang="de-DE" dirty="0"/>
+              <a:t>„Ein leichter Einstieg ist </a:t>
+            </a:r>
+            <a:r>
+              <a:rPr lang="de-DE" b="1" dirty="0"/>
+              <a:t>OWASP ZAP </a:t>
+            </a:r>
+            <a:r>
+              <a:rPr lang="de-DE" b="1" dirty="0" err="1"/>
+              <a:t>baseline</a:t>
+            </a:r>
+            <a:r>
+              <a:rPr lang="de-DE" b="1" dirty="0"/>
+              <a:t>-scan</a:t>
+            </a:r>
+            <a:r>
+              <a:rPr lang="de-DE" dirty="0"/>
+              <a:t> im Docker-Stage. Er crawlt die Applikation ohne Login und liefert einen HTML-Report, den wir als </a:t>
+            </a:r>
+            <a:r>
+              <a:rPr lang="de-DE" dirty="0" err="1"/>
+              <a:t>JUnit-Artifact</a:t>
+            </a:r>
+            <a:r>
+              <a:rPr lang="de-DE" dirty="0"/>
+              <a:t> ansehen können.“</a:t>
+            </a:r>
+          </a:p>
+          <a:p>
+            <a:r>
+              <a:rPr lang="de-DE" b="1" dirty="0" err="1"/>
+              <a:t>Threat</a:t>
+            </a:r>
+            <a:r>
+              <a:rPr lang="de-DE" b="1" dirty="0"/>
+              <a:t> Modeling</a:t>
+            </a:r>
+            <a:br>
+              <a:rPr lang="de-DE" dirty="0"/>
+            </a:br>
+            <a:r>
+              <a:rPr lang="de-DE" dirty="0"/>
+              <a:t>„Tools wie </a:t>
+            </a:r>
+            <a:r>
+              <a:rPr lang="de-DE" b="1" dirty="0" err="1"/>
+              <a:t>Irius</a:t>
+            </a:r>
+            <a:r>
+              <a:rPr lang="de-DE" b="1" dirty="0"/>
+              <a:t> Risk</a:t>
+            </a:r>
+            <a:r>
+              <a:rPr lang="de-DE" dirty="0"/>
+              <a:t> oder einfach ein STRIDE-Whiteboard identifizieren Risiken früh. Jede größere Architektur-Änderung bekommt eine kurze </a:t>
+            </a:r>
+            <a:r>
+              <a:rPr lang="de-DE" dirty="0" err="1"/>
+              <a:t>Threat</a:t>
+            </a:r>
+            <a:r>
+              <a:rPr lang="de-DE" dirty="0"/>
+              <a:t>-Review. </a:t>
+            </a:r>
+            <a:r>
+              <a:rPr lang="de-DE"/>
+              <a:t>So stellen wir sicher, dass Security nicht erst am Ende passiert.“</a:t>
+            </a:r>
+          </a:p>
+          <a:p>
+            <a:endParaRPr lang="de-DE"/>
+          </a:p>
+        </p:txBody>
+      </p:sp>
+      <p:sp>
+        <p:nvSpPr>
+          <p:cNvPr id="4" name="Foliennummernplatzhalter 3"/>
+          <p:cNvSpPr>
+            <a:spLocks noGrp="1"/>
+          </p:cNvSpPr>
+          <p:nvPr>
+            <p:ph type="sldNum" sz="quarter" idx="5"/>
+          </p:nvPr>
+        </p:nvSpPr>
+        <p:spPr/>
+        <p:txBody>
+          <a:bodyPr/>
+          <a:lstStyle/>
+          <a:p>
+            <a:fld id="{A62ABD72-7CE5-4E13-BAF9-6682705CFA71}" type="slidenum">
+              <a:rPr lang="de-DE" smtClean="0"/>
+              <a:t>139</a:t>
+            </a:fld>
+            <a:endParaRPr lang="de-DE"/>
+          </a:p>
+        </p:txBody>
+      </p:sp>
+    </p:spTree>
+    <p:extLst>
+      <p:ext uri="{BB962C8B-B14F-4D97-AF65-F5344CB8AC3E}">
+        <p14:creationId xmlns:p14="http://schemas.microsoft.com/office/powerpoint/2010/main" val="2161407153"/>
       </p:ext>
     </p:extLst>
   </p:cSld>
@@ -2588,7 +3583,7 @@
                 <a:ea typeface="+mn-ea"/>
                 <a:cs typeface="+mn-cs"/>
               </a:rPr>
-              <a:t>”. Wäre es möglich den Code direkt einzutauschen, dann hätte die schädliche Applikation nun vollen Zugriff die API. Ist es aber glücklicherweise nicht. Denn die Applikation braucht den </a:t>
+              <a:t>”. Wäre es möglich den Code direkt einzutauschen, dann hätte die schädliche Applikation nun vollen Zugriff auf die API. Ist es aber glücklicherweise nicht. Denn die Applikation braucht den </a:t>
             </a:r>
             <a:r>
               <a:rPr lang="de-DE" sz="1200" b="0" i="1" kern="1200" dirty="0" err="1">
@@ -9534,11 +10529,7 @@
             </a:r>
             <a:r>
               <a:rPr lang="de-DE" dirty="0"/>
-              <a:t>, um zu merken, wenn sich da im Spring Standard etwas verändert, was man </a:t>
-            </a:r>
-            <a:r>
-              <a:rPr lang="de-DE"/>
-              <a:t>vielleicht wissen sollte</a:t>
+              <a:t>, um zu merken, wenn sich da im Spring Standard etwas verändert, was man vielleicht wissen sollte</a:t>
             </a:r>
           </a:p>
         </p:txBody>
@@ -10039,7 +11030,7 @@
           <a:p>
             <a:r>
               <a:rPr lang="de-DE" dirty="0"/>
-              <a:t>(Basic) Auth – Problemstellung 1</a:t>
+              <a:t>(Basic) Auth – Problemstellung 2</a:t>
             </a:r>
           </a:p>
         </p:txBody>
@@ -10497,7 +11488,7 @@
             </a:br>
             <a:r>
               <a:rPr lang="de-DE" dirty="0"/>
-              <a:t>– Access-Token sind zeitlich begrenzt und können individuell gesperrt.</a:t>
+              <a:t>– Access-Token sind zeitlich begrenzt und können individuell gesperrt werden.</a:t>
             </a:r>
           </a:p>
           <a:p>
@@ -10608,39 +11599,9 @@
         </p:blipFill>
         <p:spPr>
           <a:xfrm>
-            <a:off x="1301529" y="2330700"/>
-            <a:ext cx="7558147" cy="3795780"/>
+            <a:off x="1301530" y="2330700"/>
+            <a:ext cx="7381426" cy="3707029"/>
           </a:xfrm>
-        </p:spPr>
-      </p:pic>
-      <p:pic>
-        <p:nvPicPr>
-          <p:cNvPr id="7" name="Grafik 6" descr="Ein Bild, das Text, Screenshot, Diagramm, Schrift enthält.&#10;&#10;KI-generierte Inhalte können fehlerhaft sein.">
-            <a:extLst>
-              <a:ext uri="{FF2B5EF4-FFF2-40B4-BE49-F238E27FC236}">
-                <a16:creationId xmlns:a16="http://schemas.microsoft.com/office/drawing/2014/main" id="{99DC3C8A-257F-281F-C53A-AB6C0F563F05}"/>
-              </a:ext>
-            </a:extLst>
-          </p:cNvPr>
-          <p:cNvPicPr>
-            <a:picLocks noChangeAspect="1"/>
-          </p:cNvPicPr>
-          <p:nvPr/>
-        </p:nvPicPr>
-        <p:blipFill>
-          <a:blip r:embed="rId3"/>
-          <a:stretch>
-            <a:fillRect/>
-          </a:stretch>
-        </p:blipFill>
-        <p:spPr>
-          <a:xfrm>
-            <a:off x="8701445" y="3429000"/>
-            <a:ext cx="4700025" cy="3296419"/>
-          </a:xfrm>
-          <a:prstGeom prst="rect">
-            <a:avLst/>
-          </a:prstGeom>
         </p:spPr>
       </p:pic>
     </p:spTree>
@@ -12883,7 +13844,7 @@
             </a:r>
             <a:r>
               <a:rPr lang="de-DE" dirty="0"/>
-              <a:t> Server ausgegebene Tokens validieren. Dazu gibt es prinzipiell 3 Wege:</a:t>
+              <a:t> Server aus gegebene Tokens validieren. Dazu gibt es prinzipiell 3 Wege:</a:t>
             </a:r>
           </a:p>
           <a:p>
@@ -13448,6 +14409,116 @@
 </file>
 
 <file path=ppt/slides/slide124.xml><?xml version="1.0" encoding="utf-8"?>
+<p:sld xmlns:a="http://schemas.openxmlformats.org/drawingml/2006/main" xmlns:r="http://schemas.openxmlformats.org/officeDocument/2006/relationships" xmlns:p="http://schemas.openxmlformats.org/presentationml/2006/main">
+  <p:cSld>
+    <p:spTree>
+      <p:nvGrpSpPr>
+        <p:cNvPr id="1" name=""/>
+        <p:cNvGrpSpPr/>
+        <p:nvPr/>
+      </p:nvGrpSpPr>
+      <p:grpSpPr>
+        <a:xfrm>
+          <a:off x="0" y="0"/>
+          <a:ext cx="0" cy="0"/>
+          <a:chOff x="0" y="0"/>
+          <a:chExt cx="0" cy="0"/>
+        </a:xfrm>
+      </p:grpSpPr>
+      <p:sp>
+        <p:nvSpPr>
+          <p:cNvPr id="2" name="Titel 1">
+            <a:extLst>
+              <a:ext uri="{FF2B5EF4-FFF2-40B4-BE49-F238E27FC236}">
+                <a16:creationId xmlns:a16="http://schemas.microsoft.com/office/drawing/2014/main" id="{5562C60C-82D0-7C3C-2757-298B29BC2DF8}"/>
+              </a:ext>
+            </a:extLst>
+          </p:cNvPr>
+          <p:cNvSpPr>
+            <a:spLocks noGrp="1"/>
+          </p:cNvSpPr>
+          <p:nvPr>
+            <p:ph type="title"/>
+          </p:nvPr>
+        </p:nvSpPr>
+        <p:spPr/>
+        <p:txBody>
+          <a:bodyPr/>
+          <a:lstStyle/>
+          <a:p>
+            <a:r>
+              <a:rPr lang="de-DE" dirty="0"/>
+              <a:t>Wohin mit den </a:t>
+            </a:r>
+            <a:r>
+              <a:rPr lang="de-DE" dirty="0" err="1"/>
+              <a:t>client</a:t>
+            </a:r>
+            <a:r>
+              <a:rPr lang="de-DE" dirty="0"/>
+              <a:t> </a:t>
+            </a:r>
+            <a:r>
+              <a:rPr lang="de-DE" dirty="0" err="1"/>
+              <a:t>secrets</a:t>
+            </a:r>
+            <a:r>
+              <a:rPr lang="de-DE" dirty="0"/>
+              <a:t> - </a:t>
+            </a:r>
+            <a:r>
+              <a:rPr lang="de-DE" dirty="0" err="1"/>
+              <a:t>Vault</a:t>
+            </a:r>
+            <a:endParaRPr lang="de-DE" dirty="0"/>
+          </a:p>
+        </p:txBody>
+      </p:sp>
+      <p:pic>
+        <p:nvPicPr>
+          <p:cNvPr id="7" name="Grafik 6">
+            <a:extLst>
+              <a:ext uri="{FF2B5EF4-FFF2-40B4-BE49-F238E27FC236}">
+                <a16:creationId xmlns:a16="http://schemas.microsoft.com/office/drawing/2014/main" id="{2442C424-81A0-EE79-89AB-74B5CBB44E02}"/>
+              </a:ext>
+            </a:extLst>
+          </p:cNvPr>
+          <p:cNvPicPr>
+            <a:picLocks noChangeAspect="1"/>
+          </p:cNvPicPr>
+          <p:nvPr/>
+        </p:nvPicPr>
+        <p:blipFill>
+          <a:blip r:embed="rId2"/>
+          <a:srcRect r="45187"/>
+          <a:stretch>
+            <a:fillRect/>
+          </a:stretch>
+        </p:blipFill>
+        <p:spPr>
+          <a:xfrm>
+            <a:off x="1331538" y="2168292"/>
+            <a:ext cx="7425559" cy="3347844"/>
+          </a:xfrm>
+          <a:prstGeom prst="rect">
+            <a:avLst/>
+          </a:prstGeom>
+        </p:spPr>
+      </p:pic>
+    </p:spTree>
+    <p:extLst>
+      <p:ext uri="{BB962C8B-B14F-4D97-AF65-F5344CB8AC3E}">
+        <p14:creationId xmlns:p14="http://schemas.microsoft.com/office/powerpoint/2010/main" val="2783389124"/>
+      </p:ext>
+    </p:extLst>
+  </p:cSld>
+  <p:clrMapOvr>
+    <a:masterClrMapping/>
+  </p:clrMapOvr>
+</p:sld>
+</file>
+
+<file path=ppt/slides/slide125.xml><?xml version="1.0" encoding="utf-8"?>
 <p:sld xmlns:a="http://schemas.openxmlformats.org/drawingml/2006/main" xmlns:r="http://schemas.openxmlformats.org/officeDocument/2006/relationships" xmlns:p="http://schemas.openxmlformats.org/presentationml/2006/main">
   <p:cSld>
     <p:spTree>
@@ -13694,277 +14765,6 @@
 </p:sld>
 </file>
 
-<file path=ppt/slides/slide125.xml><?xml version="1.0" encoding="utf-8"?>
-<p:sld xmlns:a="http://schemas.openxmlformats.org/drawingml/2006/main" xmlns:r="http://schemas.openxmlformats.org/officeDocument/2006/relationships" xmlns:p="http://schemas.openxmlformats.org/presentationml/2006/main">
-  <p:cSld>
-    <p:spTree>
-      <p:nvGrpSpPr>
-        <p:cNvPr id="1" name=""/>
-        <p:cNvGrpSpPr/>
-        <p:nvPr/>
-      </p:nvGrpSpPr>
-      <p:grpSpPr>
-        <a:xfrm>
-          <a:off x="0" y="0"/>
-          <a:ext cx="0" cy="0"/>
-          <a:chOff x="0" y="0"/>
-          <a:chExt cx="0" cy="0"/>
-        </a:xfrm>
-      </p:grpSpPr>
-      <p:sp>
-        <p:nvSpPr>
-          <p:cNvPr id="2" name="Titel 1">
-            <a:extLst>
-              <a:ext uri="{FF2B5EF4-FFF2-40B4-BE49-F238E27FC236}">
-                <a16:creationId xmlns:a16="http://schemas.microsoft.com/office/drawing/2014/main" id="{2567AFC0-9FEB-B31D-DF79-A17529AA3CDB}"/>
-              </a:ext>
-            </a:extLst>
-          </p:cNvPr>
-          <p:cNvSpPr>
-            <a:spLocks noGrp="1"/>
-          </p:cNvSpPr>
-          <p:nvPr>
-            <p:ph type="title"/>
-          </p:nvPr>
-        </p:nvSpPr>
-        <p:spPr/>
-        <p:txBody>
-          <a:bodyPr/>
-          <a:lstStyle/>
-          <a:p>
-            <a:r>
-              <a:rPr lang="de-DE" dirty="0" err="1"/>
-              <a:t>OpenID</a:t>
-            </a:r>
-            <a:r>
-              <a:rPr lang="de-DE" dirty="0"/>
-              <a:t> Connect - Überblick</a:t>
-            </a:r>
-          </a:p>
-        </p:txBody>
-      </p:sp>
-      <p:sp>
-        <p:nvSpPr>
-          <p:cNvPr id="3" name="Inhaltsplatzhalter 2">
-            <a:extLst>
-              <a:ext uri="{FF2B5EF4-FFF2-40B4-BE49-F238E27FC236}">
-                <a16:creationId xmlns:a16="http://schemas.microsoft.com/office/drawing/2014/main" id="{9F4626F7-CFC1-9EFC-F90A-B051CB6DDAB4}"/>
-              </a:ext>
-            </a:extLst>
-          </p:cNvPr>
-          <p:cNvSpPr>
-            <a:spLocks noGrp="1"/>
-          </p:cNvSpPr>
-          <p:nvPr>
-            <p:ph idx="1"/>
-          </p:nvPr>
-        </p:nvSpPr>
-        <p:spPr>
-          <a:xfrm>
-            <a:off x="677334" y="1647265"/>
-            <a:ext cx="8596668" cy="4394097"/>
-          </a:xfrm>
-        </p:spPr>
-        <p:txBody>
-          <a:bodyPr>
-            <a:normAutofit fontScale="70000" lnSpcReduction="20000"/>
-          </a:bodyPr>
-          <a:lstStyle/>
-          <a:p>
-            <a:pPr marL="0" indent="0">
-              <a:buNone/>
-            </a:pPr>
-            <a:r>
-              <a:rPr lang="de-DE" dirty="0"/>
-              <a:t>Warum OIDC?</a:t>
-            </a:r>
-          </a:p>
-          <a:p>
-            <a:r>
-              <a:rPr lang="de-DE" dirty="0"/>
-              <a:t>OAuth 2.0 regelt nur die Autorisierung (wer darf was), liefert aber keine standardisierten Informationen darüber, wer der eingeloggte User ist.</a:t>
-            </a:r>
-          </a:p>
-          <a:p>
-            <a:r>
-              <a:rPr lang="de-DE" dirty="0"/>
-              <a:t>OIDC ergänzt OAuth 2.0 um einen Identity-Layer, sodass Clients auf einfache Weise</a:t>
-            </a:r>
-          </a:p>
-          <a:p>
-            <a:pPr lvl="1"/>
-            <a:r>
-              <a:rPr lang="de-DE" dirty="0"/>
-              <a:t>die User-Identität (Name, E-Mail, Rollen) sicher ermitteln</a:t>
-            </a:r>
-          </a:p>
-          <a:p>
-            <a:pPr lvl="1"/>
-            <a:r>
-              <a:rPr lang="de-DE" dirty="0"/>
-              <a:t>Single </a:t>
-            </a:r>
-            <a:r>
-              <a:rPr lang="de-DE" dirty="0" err="1"/>
-              <a:t>Sign</a:t>
-            </a:r>
-            <a:r>
-              <a:rPr lang="de-DE" dirty="0"/>
-              <a:t>-On (SSO) über mehrere Anwendungen hinweg realisieren können</a:t>
-            </a:r>
-          </a:p>
-          <a:p>
-            <a:pPr marL="0" indent="0">
-              <a:buNone/>
-            </a:pPr>
-            <a:r>
-              <a:rPr lang="de-DE" dirty="0"/>
-              <a:t>Was bringt OIDC konkret?</a:t>
-            </a:r>
-          </a:p>
-          <a:p>
-            <a:r>
-              <a:rPr lang="de-DE" dirty="0" err="1"/>
-              <a:t>id_token</a:t>
-            </a:r>
-            <a:r>
-              <a:rPr lang="de-DE" dirty="0"/>
-              <a:t> (JWT)</a:t>
-            </a:r>
-          </a:p>
-          <a:p>
-            <a:pPr lvl="1"/>
-            <a:r>
-              <a:rPr lang="de-DE" dirty="0"/>
-              <a:t>Enthält standardisierte Claims (</a:t>
-            </a:r>
-            <a:r>
-              <a:rPr lang="de-DE" dirty="0" err="1"/>
-              <a:t>sub</a:t>
-            </a:r>
-            <a:r>
-              <a:rPr lang="de-DE" dirty="0"/>
-              <a:t>, </a:t>
-            </a:r>
-            <a:r>
-              <a:rPr lang="de-DE" dirty="0" err="1"/>
-              <a:t>name</a:t>
-            </a:r>
-            <a:r>
-              <a:rPr lang="de-DE" dirty="0"/>
-              <a:t>, email, </a:t>
-            </a:r>
-            <a:r>
-              <a:rPr lang="de-DE" dirty="0" err="1"/>
-              <a:t>iat</a:t>
-            </a:r>
-            <a:r>
-              <a:rPr lang="de-DE" dirty="0"/>
-              <a:t>, </a:t>
-            </a:r>
-            <a:r>
-              <a:rPr lang="de-DE" dirty="0" err="1"/>
-              <a:t>exp</a:t>
-            </a:r>
-            <a:r>
-              <a:rPr lang="de-DE" dirty="0"/>
-              <a:t>)</a:t>
-            </a:r>
-          </a:p>
-          <a:p>
-            <a:pPr lvl="1"/>
-            <a:r>
-              <a:rPr lang="de-DE" dirty="0"/>
-              <a:t>Signiert vom Auth-Server, direkt im Client verifizierbar</a:t>
-            </a:r>
-          </a:p>
-          <a:p>
-            <a:r>
-              <a:rPr lang="de-DE" dirty="0" err="1"/>
-              <a:t>UserInfo-Endpoint</a:t>
-            </a:r>
-            <a:endParaRPr lang="de-DE" dirty="0"/>
-          </a:p>
-          <a:p>
-            <a:pPr lvl="1"/>
-            <a:r>
-              <a:rPr lang="de-DE" dirty="0"/>
-              <a:t>Zusätzliche Profil-Daten (z. B. Adresse, Foto) abrufbar</a:t>
-            </a:r>
-          </a:p>
-          <a:p>
-            <a:pPr lvl="1"/>
-            <a:r>
-              <a:rPr lang="de-DE" dirty="0"/>
-              <a:t>Einheitliches API über /</a:t>
-            </a:r>
-            <a:r>
-              <a:rPr lang="de-DE" dirty="0" err="1"/>
-              <a:t>userinfo</a:t>
-            </a:r>
-            <a:endParaRPr lang="de-DE" dirty="0"/>
-          </a:p>
-          <a:p>
-            <a:r>
-              <a:rPr lang="de-DE" dirty="0"/>
-              <a:t>Discovery &amp; </a:t>
-            </a:r>
-            <a:r>
-              <a:rPr lang="de-DE" dirty="0" err="1"/>
-              <a:t>Metadata</a:t>
-            </a:r>
-            <a:endParaRPr lang="de-DE" dirty="0"/>
-          </a:p>
-          <a:p>
-            <a:pPr lvl="1"/>
-            <a:r>
-              <a:rPr lang="de-DE" dirty="0"/>
-              <a:t>Automatische Konfiguration via /.well-</a:t>
-            </a:r>
-            <a:r>
-              <a:rPr lang="de-DE" dirty="0" err="1"/>
-              <a:t>known</a:t>
-            </a:r>
-            <a:r>
-              <a:rPr lang="de-DE" dirty="0"/>
-              <a:t>/</a:t>
-            </a:r>
-            <a:r>
-              <a:rPr lang="de-DE" dirty="0" err="1"/>
-              <a:t>openid-configuration</a:t>
-            </a:r>
-            <a:endParaRPr lang="de-DE" dirty="0"/>
-          </a:p>
-          <a:p>
-            <a:pPr lvl="1"/>
-            <a:r>
-              <a:rPr lang="de-DE" dirty="0"/>
-              <a:t>Clients finden Endpoints (</a:t>
-            </a:r>
-            <a:r>
-              <a:rPr lang="de-DE" dirty="0" err="1"/>
-              <a:t>Authorize</a:t>
-            </a:r>
-            <a:r>
-              <a:rPr lang="de-DE" dirty="0"/>
-              <a:t>, Token, JWKs) dynamisch</a:t>
-            </a:r>
-          </a:p>
-        </p:txBody>
-      </p:sp>
-    </p:spTree>
-    <p:extLst>
-      <p:ext uri="{BB962C8B-B14F-4D97-AF65-F5344CB8AC3E}">
-        <p14:creationId xmlns:p14="http://schemas.microsoft.com/office/powerpoint/2010/main" val="4144017294"/>
-      </p:ext>
-    </p:extLst>
-  </p:cSld>
-  <p:clrMapOvr>
-    <a:masterClrMapping/>
-  </p:clrMapOvr>
-</p:sld>
-</file>
-
 <file path=ppt/slides/slide126.xml><?xml version="1.0" encoding="utf-8"?>
 <p:sld xmlns:a="http://schemas.openxmlformats.org/drawingml/2006/main" xmlns:r="http://schemas.openxmlformats.org/officeDocument/2006/relationships" xmlns:p="http://schemas.openxmlformats.org/presentationml/2006/main">
   <p:cSld>
@@ -13987,7 +14787,7 @@
           <p:cNvPr id="2" name="Titel 1">
             <a:extLst>
               <a:ext uri="{FF2B5EF4-FFF2-40B4-BE49-F238E27FC236}">
-                <a16:creationId xmlns:a16="http://schemas.microsoft.com/office/drawing/2014/main" id="{FA33F412-FEED-0534-B877-440FCC7BB465}"/>
+                <a16:creationId xmlns:a16="http://schemas.microsoft.com/office/drawing/2014/main" id="{2567AFC0-9FEB-B31D-DF79-A17529AA3CDB}"/>
               </a:ext>
             </a:extLst>
           </p:cNvPr>
@@ -14004,14 +14804,13 @@
           <a:lstStyle/>
           <a:p>
             <a:r>
-              <a:rPr lang="de-DE" dirty="0"/>
-              <a:t>OIDC – Use </a:t>
-            </a:r>
-            <a:r>
-              <a:rPr lang="de-DE" dirty="0" err="1"/>
-              <a:t>cases</a:t>
-            </a:r>
-            <a:endParaRPr lang="de-DE" dirty="0"/>
+              <a:rPr lang="de-DE" dirty="0" err="1"/>
+              <a:t>OpenID</a:t>
+            </a:r>
+            <a:r>
+              <a:rPr lang="de-DE" dirty="0"/>
+              <a:t> Connect - Überblick</a:t>
+            </a:r>
           </a:p>
         </p:txBody>
       </p:sp>
@@ -14020,7 +14819,7 @@
           <p:cNvPr id="3" name="Inhaltsplatzhalter 2">
             <a:extLst>
               <a:ext uri="{FF2B5EF4-FFF2-40B4-BE49-F238E27FC236}">
-                <a16:creationId xmlns:a16="http://schemas.microsoft.com/office/drawing/2014/main" id="{718A051D-E99A-9316-07D6-304AC5DCBB2A}"/>
+                <a16:creationId xmlns:a16="http://schemas.microsoft.com/office/drawing/2014/main" id="{9F4626F7-CFC1-9EFC-F90A-B051CB6DDAB4}"/>
               </a:ext>
             </a:extLst>
           </p:cNvPr>
@@ -14031,11 +14830,47 @@
             <p:ph idx="1"/>
           </p:nvPr>
         </p:nvSpPr>
-        <p:spPr/>
-        <p:txBody>
-          <a:bodyPr/>
+        <p:spPr>
+          <a:xfrm>
+            <a:off x="677334" y="1647265"/>
+            <a:ext cx="8596668" cy="4394097"/>
+          </a:xfrm>
+        </p:spPr>
+        <p:txBody>
+          <a:bodyPr>
+            <a:normAutofit fontScale="70000" lnSpcReduction="20000"/>
+          </a:bodyPr>
           <a:lstStyle/>
           <a:p>
+            <a:pPr marL="0" indent="0">
+              <a:buNone/>
+            </a:pPr>
+            <a:r>
+              <a:rPr lang="de-DE" dirty="0"/>
+              <a:t>Warum OIDC?</a:t>
+            </a:r>
+          </a:p>
+          <a:p>
+            <a:r>
+              <a:rPr lang="de-DE" dirty="0"/>
+              <a:t>OAuth 2.0 regelt nur die Autorisierung (wer darf was), liefert aber keine standardisierten Informationen darüber, wer der eingeloggte User ist.</a:t>
+            </a:r>
+          </a:p>
+          <a:p>
+            <a:r>
+              <a:rPr lang="de-DE" dirty="0"/>
+              <a:t>OIDC ergänzt OAuth 2.0 um einen Identity-Layer, sodass Clients auf einfache Weise</a:t>
+            </a:r>
+          </a:p>
+          <a:p>
+            <a:pPr lvl="1"/>
+            <a:r>
+              <a:rPr lang="de-DE" dirty="0"/>
+              <a:t>die User-Identität (Name, E-Mail, Rollen) sicher ermitteln</a:t>
+            </a:r>
+          </a:p>
+          <a:p>
+            <a:pPr lvl="1"/>
             <a:r>
               <a:rPr lang="de-DE" dirty="0"/>
               <a:t>Single </a:t>
@@ -14046,48 +14881,144 @@
             </a:r>
             <a:r>
               <a:rPr lang="de-DE" dirty="0"/>
-              <a:t>-On:</a:t>
+              <a:t>-On (SSO) über mehrere Anwendungen hinweg realisieren können</a:t>
+            </a:r>
+          </a:p>
+          <a:p>
+            <a:pPr marL="0" indent="0">
+              <a:buNone/>
+            </a:pPr>
+            <a:r>
+              <a:rPr lang="de-DE" dirty="0"/>
+              <a:t>Was bringt OIDC konkret?</a:t>
+            </a:r>
+          </a:p>
+          <a:p>
+            <a:r>
+              <a:rPr lang="de-DE" dirty="0" err="1"/>
+              <a:t>id_token</a:t>
+            </a:r>
+            <a:r>
+              <a:rPr lang="de-DE" dirty="0"/>
+              <a:t> (JWT)</a:t>
             </a:r>
           </a:p>
           <a:p>
             <a:pPr lvl="1"/>
             <a:r>
               <a:rPr lang="de-DE" dirty="0"/>
-              <a:t>Nutzer loggt sich einmal am Auth-Server ein, alle Netzfilm-Subs-Apps erkennen das automatisch </a:t>
-            </a:r>
-          </a:p>
-          <a:p>
-            <a:r>
-              <a:rPr lang="de-DE" dirty="0"/>
-              <a:t>Identity </a:t>
-            </a:r>
-            <a:r>
-              <a:rPr lang="de-DE" dirty="0" err="1"/>
-              <a:t>Federation</a:t>
-            </a:r>
-            <a:r>
-              <a:rPr lang="de-DE" dirty="0"/>
-              <a:t>:</a:t>
+              <a:t>Enthält standardisierte Claims (</a:t>
+            </a:r>
+            <a:r>
+              <a:rPr lang="de-DE" dirty="0" err="1"/>
+              <a:t>sub</a:t>
+            </a:r>
+            <a:r>
+              <a:rPr lang="de-DE" dirty="0"/>
+              <a:t>, </a:t>
+            </a:r>
+            <a:r>
+              <a:rPr lang="de-DE" dirty="0" err="1"/>
+              <a:t>name</a:t>
+            </a:r>
+            <a:r>
+              <a:rPr lang="de-DE" dirty="0"/>
+              <a:t>, email, </a:t>
+            </a:r>
+            <a:r>
+              <a:rPr lang="de-DE" dirty="0" err="1"/>
+              <a:t>iat</a:t>
+            </a:r>
+            <a:r>
+              <a:rPr lang="de-DE" dirty="0"/>
+              <a:t>, </a:t>
+            </a:r>
+            <a:r>
+              <a:rPr lang="de-DE" dirty="0" err="1"/>
+              <a:t>exp</a:t>
+            </a:r>
+            <a:r>
+              <a:rPr lang="de-DE" dirty="0"/>
+              <a:t>)</a:t>
             </a:r>
           </a:p>
           <a:p>
             <a:pPr lvl="1"/>
             <a:r>
               <a:rPr lang="de-DE" dirty="0"/>
-              <a:t>Leichter Austausch von Login-Daten zwischen unabhängig entwickelten Diensten.</a:t>
-            </a:r>
-          </a:p>
-          <a:p>
-            <a:r>
-              <a:rPr lang="de-DE" dirty="0"/>
-              <a:t>Standardisierung:</a:t>
-            </a:r>
+              <a:t>Signiert vom Auth-Server, direkt im Client verifizierbar</a:t>
+            </a:r>
+          </a:p>
+          <a:p>
+            <a:r>
+              <a:rPr lang="de-DE" dirty="0" err="1"/>
+              <a:t>UserInfo-Endpoint</a:t>
+            </a:r>
+            <a:endParaRPr lang="de-DE" dirty="0"/>
           </a:p>
           <a:p>
             <a:pPr lvl="1"/>
             <a:r>
               <a:rPr lang="de-DE" dirty="0"/>
-              <a:t>Einheitliches Format und Endpunkte in allen OIDC-basierten Systemen – kein eigenes User-API nötig.</a:t>
+              <a:t>Zusätzliche Profil-Daten (z. B. Adresse, Foto) abrufbar</a:t>
+            </a:r>
+          </a:p>
+          <a:p>
+            <a:pPr lvl="1"/>
+            <a:r>
+              <a:rPr lang="de-DE" dirty="0"/>
+              <a:t>Einheitliches API über /</a:t>
+            </a:r>
+            <a:r>
+              <a:rPr lang="de-DE" dirty="0" err="1"/>
+              <a:t>userinfo</a:t>
+            </a:r>
+            <a:endParaRPr lang="de-DE" dirty="0"/>
+          </a:p>
+          <a:p>
+            <a:r>
+              <a:rPr lang="de-DE" dirty="0"/>
+              <a:t>Discovery &amp; </a:t>
+            </a:r>
+            <a:r>
+              <a:rPr lang="de-DE" dirty="0" err="1"/>
+              <a:t>Metadata</a:t>
+            </a:r>
+            <a:endParaRPr lang="de-DE" dirty="0"/>
+          </a:p>
+          <a:p>
+            <a:pPr lvl="1"/>
+            <a:r>
+              <a:rPr lang="de-DE" dirty="0"/>
+              <a:t>Automatische Konfiguration via /.well-</a:t>
+            </a:r>
+            <a:r>
+              <a:rPr lang="de-DE" dirty="0" err="1"/>
+              <a:t>known</a:t>
+            </a:r>
+            <a:r>
+              <a:rPr lang="de-DE" dirty="0"/>
+              <a:t>/</a:t>
+            </a:r>
+            <a:r>
+              <a:rPr lang="de-DE" dirty="0" err="1"/>
+              <a:t>openid-configuration</a:t>
+            </a:r>
+            <a:endParaRPr lang="de-DE" dirty="0"/>
+          </a:p>
+          <a:p>
+            <a:pPr lvl="1"/>
+            <a:r>
+              <a:rPr lang="de-DE" dirty="0"/>
+              <a:t>Clients finden Endpoints (</a:t>
+            </a:r>
+            <a:r>
+              <a:rPr lang="de-DE" dirty="0" err="1"/>
+              <a:t>Authorize</a:t>
+            </a:r>
+            <a:r>
+              <a:rPr lang="de-DE" dirty="0"/>
+              <a:t>, Token, JWKs) dynamisch</a:t>
             </a:r>
           </a:p>
         </p:txBody>
@@ -14095,7 +15026,7 @@
     </p:spTree>
     <p:extLst>
       <p:ext uri="{BB962C8B-B14F-4D97-AF65-F5344CB8AC3E}">
-        <p14:creationId xmlns:p14="http://schemas.microsoft.com/office/powerpoint/2010/main" val="3383118085"/>
+        <p14:creationId xmlns:p14="http://schemas.microsoft.com/office/powerpoint/2010/main" val="4144017294"/>
       </p:ext>
     </p:extLst>
   </p:cSld>
@@ -14127,6 +15058,146 @@
           <p:cNvPr id="2" name="Titel 1">
             <a:extLst>
               <a:ext uri="{FF2B5EF4-FFF2-40B4-BE49-F238E27FC236}">
+                <a16:creationId xmlns:a16="http://schemas.microsoft.com/office/drawing/2014/main" id="{FA33F412-FEED-0534-B877-440FCC7BB465}"/>
+              </a:ext>
+            </a:extLst>
+          </p:cNvPr>
+          <p:cNvSpPr>
+            <a:spLocks noGrp="1"/>
+          </p:cNvSpPr>
+          <p:nvPr>
+            <p:ph type="title"/>
+          </p:nvPr>
+        </p:nvSpPr>
+        <p:spPr/>
+        <p:txBody>
+          <a:bodyPr/>
+          <a:lstStyle/>
+          <a:p>
+            <a:r>
+              <a:rPr lang="de-DE" dirty="0"/>
+              <a:t>OIDC – Use </a:t>
+            </a:r>
+            <a:r>
+              <a:rPr lang="de-DE" dirty="0" err="1"/>
+              <a:t>cases</a:t>
+            </a:r>
+            <a:endParaRPr lang="de-DE" dirty="0"/>
+          </a:p>
+        </p:txBody>
+      </p:sp>
+      <p:sp>
+        <p:nvSpPr>
+          <p:cNvPr id="3" name="Inhaltsplatzhalter 2">
+            <a:extLst>
+              <a:ext uri="{FF2B5EF4-FFF2-40B4-BE49-F238E27FC236}">
+                <a16:creationId xmlns:a16="http://schemas.microsoft.com/office/drawing/2014/main" id="{718A051D-E99A-9316-07D6-304AC5DCBB2A}"/>
+              </a:ext>
+            </a:extLst>
+          </p:cNvPr>
+          <p:cNvSpPr>
+            <a:spLocks noGrp="1"/>
+          </p:cNvSpPr>
+          <p:nvPr>
+            <p:ph idx="1"/>
+          </p:nvPr>
+        </p:nvSpPr>
+        <p:spPr/>
+        <p:txBody>
+          <a:bodyPr/>
+          <a:lstStyle/>
+          <a:p>
+            <a:r>
+              <a:rPr lang="de-DE" dirty="0"/>
+              <a:t>Single </a:t>
+            </a:r>
+            <a:r>
+              <a:rPr lang="de-DE" dirty="0" err="1"/>
+              <a:t>Sign</a:t>
+            </a:r>
+            <a:r>
+              <a:rPr lang="de-DE" dirty="0"/>
+              <a:t>-On:</a:t>
+            </a:r>
+          </a:p>
+          <a:p>
+            <a:pPr lvl="1"/>
+            <a:r>
+              <a:rPr lang="de-DE" dirty="0"/>
+              <a:t>Nutzer loggt sich einmal am Auth-Server ein, alle Netzfilm-Subs-Apps erkennen das automatisch </a:t>
+            </a:r>
+          </a:p>
+          <a:p>
+            <a:r>
+              <a:rPr lang="de-DE" dirty="0"/>
+              <a:t>Identity </a:t>
+            </a:r>
+            <a:r>
+              <a:rPr lang="de-DE" dirty="0" err="1"/>
+              <a:t>Federation</a:t>
+            </a:r>
+            <a:r>
+              <a:rPr lang="de-DE" dirty="0"/>
+              <a:t>:</a:t>
+            </a:r>
+          </a:p>
+          <a:p>
+            <a:pPr lvl="1"/>
+            <a:r>
+              <a:rPr lang="de-DE" dirty="0"/>
+              <a:t>Leichter Austausch von Login-Daten zwischen unabhängig entwickelten Diensten.</a:t>
+            </a:r>
+          </a:p>
+          <a:p>
+            <a:r>
+              <a:rPr lang="de-DE" dirty="0"/>
+              <a:t>Standardisierung:</a:t>
+            </a:r>
+          </a:p>
+          <a:p>
+            <a:pPr lvl="1"/>
+            <a:r>
+              <a:rPr lang="de-DE" dirty="0"/>
+              <a:t>Einheitliches Format und Endpunkte in allen OIDC-basierten Systemen – kein eigenes User-API nötig.</a:t>
+            </a:r>
+          </a:p>
+        </p:txBody>
+      </p:sp>
+    </p:spTree>
+    <p:extLst>
+      <p:ext uri="{BB962C8B-B14F-4D97-AF65-F5344CB8AC3E}">
+        <p14:creationId xmlns:p14="http://schemas.microsoft.com/office/powerpoint/2010/main" val="3383118085"/>
+      </p:ext>
+    </p:extLst>
+  </p:cSld>
+  <p:clrMapOvr>
+    <a:masterClrMapping/>
+  </p:clrMapOvr>
+</p:sld>
+</file>
+
+<file path=ppt/slides/slide128.xml><?xml version="1.0" encoding="utf-8"?>
+<p:sld xmlns:a="http://schemas.openxmlformats.org/drawingml/2006/main" xmlns:r="http://schemas.openxmlformats.org/officeDocument/2006/relationships" xmlns:p="http://schemas.openxmlformats.org/presentationml/2006/main">
+  <p:cSld>
+    <p:spTree>
+      <p:nvGrpSpPr>
+        <p:cNvPr id="1" name=""/>
+        <p:cNvGrpSpPr/>
+        <p:nvPr/>
+      </p:nvGrpSpPr>
+      <p:grpSpPr>
+        <a:xfrm>
+          <a:off x="0" y="0"/>
+          <a:ext cx="0" cy="0"/>
+          <a:chOff x="0" y="0"/>
+          <a:chExt cx="0" cy="0"/>
+        </a:xfrm>
+      </p:grpSpPr>
+      <p:sp>
+        <p:nvSpPr>
+          <p:cNvPr id="2" name="Titel 1">
+            <a:extLst>
+              <a:ext uri="{FF2B5EF4-FFF2-40B4-BE49-F238E27FC236}">
                 <a16:creationId xmlns:a16="http://schemas.microsoft.com/office/drawing/2014/main" id="{B140ABFF-53C8-F710-8ACB-53232C300341}"/>
               </a:ext>
             </a:extLst>
@@ -14245,7 +15316,7 @@
 </p:sld>
 </file>
 
-<file path=ppt/slides/slide128.xml><?xml version="1.0" encoding="utf-8"?>
+<file path=ppt/slides/slide129.xml><?xml version="1.0" encoding="utf-8"?>
 <p:sld xmlns:a="http://schemas.openxmlformats.org/drawingml/2006/main" xmlns:r="http://schemas.openxmlformats.org/officeDocument/2006/relationships" xmlns:p="http://schemas.openxmlformats.org/presentationml/2006/main">
   <p:cSld>
     <p:spTree>
@@ -14492,167 +15563,6 @@
 </p:sld>
 </file>
 
-<file path=ppt/slides/slide129.xml><?xml version="1.0" encoding="utf-8"?>
-<p:sld xmlns:a="http://schemas.openxmlformats.org/drawingml/2006/main" xmlns:r="http://schemas.openxmlformats.org/officeDocument/2006/relationships" xmlns:p="http://schemas.openxmlformats.org/presentationml/2006/main">
-  <p:cSld>
-    <p:spTree>
-      <p:nvGrpSpPr>
-        <p:cNvPr id="1" name="">
-          <a:extLst>
-            <a:ext uri="{FF2B5EF4-FFF2-40B4-BE49-F238E27FC236}">
-              <a16:creationId xmlns:a16="http://schemas.microsoft.com/office/drawing/2014/main" id="{B475C6DD-290A-CAD5-5C9F-54A5A80DECE0}"/>
-            </a:ext>
-          </a:extLst>
-        </p:cNvPr>
-        <p:cNvGrpSpPr/>
-        <p:nvPr/>
-      </p:nvGrpSpPr>
-      <p:grpSpPr>
-        <a:xfrm>
-          <a:off x="0" y="0"/>
-          <a:ext cx="0" cy="0"/>
-          <a:chOff x="0" y="0"/>
-          <a:chExt cx="0" cy="0"/>
-        </a:xfrm>
-      </p:grpSpPr>
-      <p:sp>
-        <p:nvSpPr>
-          <p:cNvPr id="2" name="Titel 1">
-            <a:extLst>
-              <a:ext uri="{FF2B5EF4-FFF2-40B4-BE49-F238E27FC236}">
-                <a16:creationId xmlns:a16="http://schemas.microsoft.com/office/drawing/2014/main" id="{5D0CA9E8-5865-54F6-4752-B16F83AFBF1D}"/>
-              </a:ext>
-            </a:extLst>
-          </p:cNvPr>
-          <p:cNvSpPr>
-            <a:spLocks noGrp="1"/>
-          </p:cNvSpPr>
-          <p:nvPr>
-            <p:ph type="title"/>
-          </p:nvPr>
-        </p:nvSpPr>
-        <p:spPr/>
-        <p:txBody>
-          <a:bodyPr/>
-          <a:lstStyle/>
-          <a:p>
-            <a:r>
-              <a:rPr lang="de-DE" dirty="0"/>
-              <a:t>Spring </a:t>
-            </a:r>
-            <a:r>
-              <a:rPr lang="de-DE" dirty="0" err="1"/>
-              <a:t>Authorization</a:t>
-            </a:r>
-            <a:r>
-              <a:rPr lang="de-DE" dirty="0"/>
-              <a:t> Server Überblick</a:t>
-            </a:r>
-          </a:p>
-        </p:txBody>
-      </p:sp>
-      <p:sp>
-        <p:nvSpPr>
-          <p:cNvPr id="3" name="Inhaltsplatzhalter 2">
-            <a:extLst>
-              <a:ext uri="{FF2B5EF4-FFF2-40B4-BE49-F238E27FC236}">
-                <a16:creationId xmlns:a16="http://schemas.microsoft.com/office/drawing/2014/main" id="{8E7FE418-A310-3E8B-A8B4-51F9800CE338}"/>
-              </a:ext>
-            </a:extLst>
-          </p:cNvPr>
-          <p:cNvSpPr>
-            <a:spLocks noGrp="1"/>
-          </p:cNvSpPr>
-          <p:nvPr>
-            <p:ph idx="1"/>
-          </p:nvPr>
-        </p:nvSpPr>
-        <p:spPr/>
-        <p:txBody>
-          <a:bodyPr/>
-          <a:lstStyle/>
-          <a:p>
-            <a:r>
-              <a:rPr lang="de-DE" dirty="0"/>
-              <a:t>Spring Security Core liefert nur OAuth 2.0–Client und OIDC-Client, aber keinen fertigen </a:t>
-            </a:r>
-            <a:r>
-              <a:rPr lang="de-DE" dirty="0" err="1"/>
-              <a:t>Authorization</a:t>
-            </a:r>
-            <a:r>
-              <a:rPr lang="de-DE" dirty="0"/>
-              <a:t> Server</a:t>
-            </a:r>
-          </a:p>
-          <a:p>
-            <a:r>
-              <a:rPr lang="de-DE" dirty="0"/>
-              <a:t>Mit Spring </a:t>
-            </a:r>
-            <a:r>
-              <a:rPr lang="de-DE" dirty="0" err="1"/>
-              <a:t>Authorization</a:t>
-            </a:r>
-            <a:r>
-              <a:rPr lang="de-DE" dirty="0"/>
-              <a:t> Server kann man sich selber einen bauen – für Produktion sollte man sich aber eher für ein Produkt wie </a:t>
-            </a:r>
-            <a:r>
-              <a:rPr lang="de-DE" dirty="0" err="1"/>
-              <a:t>keycloak</a:t>
-            </a:r>
-            <a:r>
-              <a:rPr lang="de-DE" dirty="0"/>
-              <a:t> oder auth0 entscheiden</a:t>
-            </a:r>
-          </a:p>
-          <a:p>
-            <a:r>
-              <a:rPr lang="de-DE" dirty="0"/>
-              <a:t>Wenn man spezielle Szenarien hat, die durch </a:t>
-            </a:r>
-            <a:r>
-              <a:rPr lang="de-DE" dirty="0" err="1"/>
-              <a:t>keycloak</a:t>
-            </a:r>
-            <a:r>
-              <a:rPr lang="de-DE" dirty="0"/>
-              <a:t> et al nicht geliefert werden oder wenn man ganz </a:t>
-            </a:r>
-            <a:r>
-              <a:rPr lang="de-DE" dirty="0" err="1"/>
-              <a:t>basic</a:t>
-            </a:r>
-            <a:r>
-              <a:rPr lang="de-DE" dirty="0"/>
-              <a:t> unterwegs ist, könnte man es selber machen</a:t>
-            </a:r>
-          </a:p>
-          <a:p>
-            <a:r>
-              <a:rPr lang="de-DE" dirty="0"/>
-              <a:t>Achtung! Man braucht erfahrene OAuth/OIDC/Spring – Entwickler, um das selber aufzusetzen</a:t>
-            </a:r>
-          </a:p>
-          <a:p>
-            <a:endParaRPr lang="de-DE" dirty="0"/>
-          </a:p>
-        </p:txBody>
-      </p:sp>
-    </p:spTree>
-    <p:extLst>
-      <p:ext uri="{BB962C8B-B14F-4D97-AF65-F5344CB8AC3E}">
-        <p14:creationId xmlns:p14="http://schemas.microsoft.com/office/powerpoint/2010/main" val="1298664638"/>
-      </p:ext>
-    </p:extLst>
-  </p:cSld>
-  <p:clrMapOvr>
-    <a:masterClrMapping/>
-  </p:clrMapOvr>
-</p:sld>
-</file>
-
 <file path=ppt/slides/slide13.xml><?xml version="1.0" encoding="utf-8"?>
 <p:sld xmlns:a="http://schemas.openxmlformats.org/drawingml/2006/main" xmlns:r="http://schemas.openxmlformats.org/officeDocument/2006/relationships" xmlns:p="http://schemas.openxmlformats.org/presentationml/2006/main">
   <p:cSld>
@@ -14789,7 +15699,13 @@
   <p:cSld>
     <p:spTree>
       <p:nvGrpSpPr>
-        <p:cNvPr id="1" name=""/>
+        <p:cNvPr id="1" name="">
+          <a:extLst>
+            <a:ext uri="{FF2B5EF4-FFF2-40B4-BE49-F238E27FC236}">
+              <a16:creationId xmlns:a16="http://schemas.microsoft.com/office/drawing/2014/main" id="{B475C6DD-290A-CAD5-5C9F-54A5A80DECE0}"/>
+            </a:ext>
+          </a:extLst>
+        </p:cNvPr>
         <p:cNvGrpSpPr/>
         <p:nvPr/>
       </p:nvGrpSpPr>
@@ -14806,7 +15722,7 @@
           <p:cNvPr id="2" name="Titel 1">
             <a:extLst>
               <a:ext uri="{FF2B5EF4-FFF2-40B4-BE49-F238E27FC236}">
-                <a16:creationId xmlns:a16="http://schemas.microsoft.com/office/drawing/2014/main" id="{994F983C-7C86-E364-30ED-3815EC42C918}"/>
+                <a16:creationId xmlns:a16="http://schemas.microsoft.com/office/drawing/2014/main" id="{5D0CA9E8-5865-54F6-4752-B16F83AFBF1D}"/>
               </a:ext>
             </a:extLst>
           </p:cNvPr>
@@ -14832,7 +15748,7 @@
             </a:r>
             <a:r>
               <a:rPr lang="de-DE" dirty="0"/>
-              <a:t> Server Ziel</a:t>
+              <a:t> Server Überblick</a:t>
             </a:r>
           </a:p>
         </p:txBody>
@@ -14842,7 +15758,7 @@
           <p:cNvPr id="3" name="Inhaltsplatzhalter 2">
             <a:extLst>
               <a:ext uri="{FF2B5EF4-FFF2-40B4-BE49-F238E27FC236}">
-                <a16:creationId xmlns:a16="http://schemas.microsoft.com/office/drawing/2014/main" id="{0F324E5E-A319-F4FC-CDC2-830E88C1F612}"/>
+                <a16:creationId xmlns:a16="http://schemas.microsoft.com/office/drawing/2014/main" id="{8E7FE418-A310-3E8B-A8B4-51F9800CE338}"/>
               </a:ext>
             </a:extLst>
           </p:cNvPr>
@@ -14858,104 +15774,86 @@
           <a:bodyPr/>
           <a:lstStyle/>
           <a:p>
-            <a:pPr marL="0" indent="0">
-              <a:buNone/>
-            </a:pPr>
-            <a:r>
-              <a:rPr lang="de-DE" dirty="0"/>
-              <a:t>Zentrale Identity- und Token-Instanz</a:t>
-            </a:r>
-          </a:p>
-          <a:p>
-            <a:r>
-              <a:rPr lang="de-DE" dirty="0"/>
-              <a:t>Single </a:t>
-            </a:r>
-            <a:r>
-              <a:rPr lang="de-DE" dirty="0" err="1"/>
-              <a:t>Sign</a:t>
-            </a:r>
-            <a:r>
-              <a:rPr lang="de-DE" dirty="0"/>
-              <a:t>-On (SSO) für alle </a:t>
-            </a:r>
-            <a:r>
-              <a:rPr lang="de-DE" dirty="0" err="1"/>
-              <a:t>frontends</a:t>
-            </a:r>
-            <a:r>
-              <a:rPr lang="de-DE" dirty="0"/>
-              <a:t> </a:t>
-            </a:r>
-          </a:p>
-          <a:p>
-            <a:r>
-              <a:rPr lang="de-DE" dirty="0" err="1"/>
-              <a:t>Machine</a:t>
-            </a:r>
-            <a:r>
-              <a:rPr lang="de-DE" dirty="0"/>
-              <a:t>-</a:t>
-            </a:r>
-            <a:r>
-              <a:rPr lang="de-DE" dirty="0" err="1"/>
-              <a:t>to</a:t>
-            </a:r>
-            <a:r>
-              <a:rPr lang="de-DE" dirty="0"/>
-              <a:t>-</a:t>
-            </a:r>
-            <a:r>
-              <a:rPr lang="de-DE" dirty="0" err="1"/>
-              <a:t>Machine</a:t>
-            </a:r>
-            <a:r>
-              <a:rPr lang="de-DE" dirty="0"/>
-              <a:t>-Auth (Client-</a:t>
-            </a:r>
-            <a:r>
-              <a:rPr lang="de-DE" dirty="0" err="1"/>
-              <a:t>Credentials</a:t>
-            </a:r>
-            <a:r>
-              <a:rPr lang="de-DE" dirty="0"/>
-              <a:t>) für Hintergrund-Jobs und Batches</a:t>
-            </a:r>
-          </a:p>
-          <a:p>
-            <a:r>
-              <a:rPr lang="de-DE" dirty="0"/>
-              <a:t>Föderation: Integration externer Identity-Provider (z. B. via SAML oder </a:t>
-            </a:r>
-            <a:r>
-              <a:rPr lang="de-DE" dirty="0" err="1"/>
-              <a:t>Social</a:t>
-            </a:r>
-            <a:r>
-              <a:rPr lang="de-DE" dirty="0"/>
-              <a:t> Login)</a:t>
-            </a:r>
-          </a:p>
-          <a:p>
-            <a:r>
-              <a:rPr lang="de-DE" dirty="0"/>
-              <a:t>Feingranulare </a:t>
-            </a:r>
-            <a:r>
-              <a:rPr lang="de-DE" dirty="0" err="1"/>
-              <a:t>Policies</a:t>
-            </a:r>
-            <a:r>
-              <a:rPr lang="de-DE" dirty="0"/>
-              <a:t>: eigene Claims, Rollen ➔ zentrale Verwaltung</a:t>
-            </a:r>
+            <a:r>
+              <a:rPr lang="de-DE" dirty="0"/>
+              <a:t>Spring Security Core liefert nur OAuth 2.0–Client und OIDC-Client, aber keinen fertigen </a:t>
+            </a:r>
+            <a:r>
+              <a:rPr lang="de-DE" dirty="0" err="1"/>
+              <a:t>Authorization</a:t>
+            </a:r>
+            <a:r>
+              <a:rPr lang="de-DE" dirty="0"/>
+              <a:t> Server</a:t>
+            </a:r>
+          </a:p>
+          <a:p>
+            <a:r>
+              <a:rPr lang="de-DE" dirty="0"/>
+              <a:t>Mit Spring </a:t>
+            </a:r>
+            <a:r>
+              <a:rPr lang="de-DE" dirty="0" err="1"/>
+              <a:t>Authorization</a:t>
+            </a:r>
+            <a:r>
+              <a:rPr lang="de-DE" dirty="0"/>
+              <a:t> Server kann man sich selber einen bauen – für Produktion sollte man sich ggf. über Produkte wie </a:t>
+            </a:r>
+            <a:r>
+              <a:rPr lang="de-DE" dirty="0" err="1"/>
+              <a:t>keycloak</a:t>
+            </a:r>
+            <a:r>
+              <a:rPr lang="de-DE" dirty="0"/>
+              <a:t> oder auth0 informieren</a:t>
+            </a:r>
+          </a:p>
+          <a:p>
+            <a:r>
+              <a:rPr lang="de-DE" dirty="0"/>
+              <a:t>Wenn man spezielle Szenarien hat, die durch </a:t>
+            </a:r>
+            <a:r>
+              <a:rPr lang="de-DE" dirty="0" err="1"/>
+              <a:t>keycloak</a:t>
+            </a:r>
+            <a:r>
+              <a:rPr lang="de-DE" dirty="0"/>
+              <a:t> et al nicht geliefert werden oder wenn man ganz </a:t>
+            </a:r>
+            <a:r>
+              <a:rPr lang="de-DE" dirty="0" err="1"/>
+              <a:t>basic</a:t>
+            </a:r>
+            <a:r>
+              <a:rPr lang="de-DE" dirty="0"/>
+              <a:t> unterwegs ist, ist Spring </a:t>
+            </a:r>
+            <a:r>
+              <a:rPr lang="de-DE" dirty="0" err="1"/>
+              <a:t>Authorization</a:t>
+            </a:r>
+            <a:r>
+              <a:rPr lang="de-DE" dirty="0"/>
+              <a:t> Server eine gute Wahl</a:t>
+            </a:r>
+          </a:p>
+          <a:p>
+            <a:r>
+              <a:rPr lang="de-DE" dirty="0"/>
+              <a:t>Achtung! Man braucht erfahrene OAuth/OIDC/Spring – Entwickler, um diesen selber aufzusetzen</a:t>
+            </a:r>
+          </a:p>
+          <a:p>
+            <a:endParaRPr lang="de-DE" dirty="0"/>
           </a:p>
         </p:txBody>
       </p:sp>
     </p:spTree>
     <p:extLst>
       <p:ext uri="{BB962C8B-B14F-4D97-AF65-F5344CB8AC3E}">
-        <p14:creationId xmlns:p14="http://schemas.microsoft.com/office/powerpoint/2010/main" val="406300814"/>
+        <p14:creationId xmlns:p14="http://schemas.microsoft.com/office/powerpoint/2010/main" val="1298664638"/>
       </p:ext>
     </p:extLst>
   </p:cSld>
@@ -14987,7 +15885,7 @@
           <p:cNvPr id="2" name="Titel 1">
             <a:extLst>
               <a:ext uri="{FF2B5EF4-FFF2-40B4-BE49-F238E27FC236}">
-                <a16:creationId xmlns:a16="http://schemas.microsoft.com/office/drawing/2014/main" id="{B07AC6E8-2EC2-A0E1-A648-FF382226FECE}"/>
+                <a16:creationId xmlns:a16="http://schemas.microsoft.com/office/drawing/2014/main" id="{994F983C-7C86-E364-30ED-3815EC42C918}"/>
               </a:ext>
             </a:extLst>
           </p:cNvPr>
@@ -15013,7 +15911,7 @@
             </a:r>
             <a:r>
               <a:rPr lang="de-DE" dirty="0"/>
-              <a:t> Server - Samples</a:t>
+              <a:t> Server Ziel</a:t>
             </a:r>
           </a:p>
         </p:txBody>
@@ -15023,7 +15921,7 @@
           <p:cNvPr id="3" name="Inhaltsplatzhalter 2">
             <a:extLst>
               <a:ext uri="{FF2B5EF4-FFF2-40B4-BE49-F238E27FC236}">
-                <a16:creationId xmlns:a16="http://schemas.microsoft.com/office/drawing/2014/main" id="{14B92B51-85E8-5B7E-91CB-E63703BFB476}"/>
+                <a16:creationId xmlns:a16="http://schemas.microsoft.com/office/drawing/2014/main" id="{0F324E5E-A319-F4FC-CDC2-830E88C1F612}"/>
               </a:ext>
             </a:extLst>
           </p:cNvPr>
@@ -15039,33 +15937,104 @@
           <a:bodyPr/>
           <a:lstStyle/>
           <a:p>
-            <a:r>
-              <a:rPr lang="de-DE" dirty="0"/>
-              <a:t>Wir klonen: </a:t>
-            </a:r>
-            <a:r>
-              <a:rPr lang="de-DE" dirty="0">
-                <a:hlinkClick r:id="rId2"/>
-              </a:rPr>
-              <a:t>https://github.com/spring-projects/spring-authorization-server.git</a:t>
-            </a:r>
-            <a:endParaRPr lang="de-DE" dirty="0"/>
-          </a:p>
-          <a:p>
-            <a:r>
-              <a:rPr lang="de-DE" dirty="0"/>
-              <a:t>Und schauen und die Samples an</a:t>
-            </a:r>
-          </a:p>
-          <a:p>
-            <a:endParaRPr lang="de-DE" dirty="0"/>
+            <a:pPr marL="0" indent="0">
+              <a:buNone/>
+            </a:pPr>
+            <a:r>
+              <a:rPr lang="de-DE" dirty="0"/>
+              <a:t>Zentrale Identity- und Token-Instanz</a:t>
+            </a:r>
+          </a:p>
+          <a:p>
+            <a:r>
+              <a:rPr lang="de-DE" dirty="0"/>
+              <a:t>Single </a:t>
+            </a:r>
+            <a:r>
+              <a:rPr lang="de-DE" dirty="0" err="1"/>
+              <a:t>Sign</a:t>
+            </a:r>
+            <a:r>
+              <a:rPr lang="de-DE" dirty="0"/>
+              <a:t>-On (SSO) für alle </a:t>
+            </a:r>
+            <a:r>
+              <a:rPr lang="de-DE" dirty="0" err="1"/>
+              <a:t>frontends</a:t>
+            </a:r>
+            <a:r>
+              <a:rPr lang="de-DE" dirty="0"/>
+              <a:t> </a:t>
+            </a:r>
+          </a:p>
+          <a:p>
+            <a:r>
+              <a:rPr lang="de-DE" dirty="0" err="1"/>
+              <a:t>Machine</a:t>
+            </a:r>
+            <a:r>
+              <a:rPr lang="de-DE" dirty="0"/>
+              <a:t>-</a:t>
+            </a:r>
+            <a:r>
+              <a:rPr lang="de-DE" dirty="0" err="1"/>
+              <a:t>to</a:t>
+            </a:r>
+            <a:r>
+              <a:rPr lang="de-DE" dirty="0"/>
+              <a:t>-</a:t>
+            </a:r>
+            <a:r>
+              <a:rPr lang="de-DE" dirty="0" err="1"/>
+              <a:t>Machine</a:t>
+            </a:r>
+            <a:r>
+              <a:rPr lang="de-DE" dirty="0"/>
+              <a:t>-Auth (Client-</a:t>
+            </a:r>
+            <a:r>
+              <a:rPr lang="de-DE" dirty="0" err="1"/>
+              <a:t>Credentials</a:t>
+            </a:r>
+            <a:r>
+              <a:rPr lang="de-DE" dirty="0"/>
+              <a:t>) für Hintergrund-Jobs und Batches</a:t>
+            </a:r>
+          </a:p>
+          <a:p>
+            <a:r>
+              <a:rPr lang="de-DE" dirty="0"/>
+              <a:t>Föderation: Integration externer Identity-Provider (z. B. via SAML oder </a:t>
+            </a:r>
+            <a:r>
+              <a:rPr lang="de-DE" dirty="0" err="1"/>
+              <a:t>Social</a:t>
+            </a:r>
+            <a:r>
+              <a:rPr lang="de-DE" dirty="0"/>
+              <a:t> Login)</a:t>
+            </a:r>
+          </a:p>
+          <a:p>
+            <a:r>
+              <a:rPr lang="de-DE" dirty="0"/>
+              <a:t>Feingranulare </a:t>
+            </a:r>
+            <a:r>
+              <a:rPr lang="de-DE" dirty="0" err="1"/>
+              <a:t>Policies</a:t>
+            </a:r>
+            <a:r>
+              <a:rPr lang="de-DE" dirty="0"/>
+              <a:t>: eigene Claims, Rollen ➔ zentrale Verwaltung</a:t>
+            </a:r>
           </a:p>
         </p:txBody>
       </p:sp>
     </p:spTree>
     <p:extLst>
       <p:ext uri="{BB962C8B-B14F-4D97-AF65-F5344CB8AC3E}">
-        <p14:creationId xmlns:p14="http://schemas.microsoft.com/office/powerpoint/2010/main" val="1452782692"/>
+        <p14:creationId xmlns:p14="http://schemas.microsoft.com/office/powerpoint/2010/main" val="406300814"/>
       </p:ext>
     </p:extLst>
   </p:cSld>
@@ -15097,7 +16066,7 @@
           <p:cNvPr id="2" name="Titel 1">
             <a:extLst>
               <a:ext uri="{FF2B5EF4-FFF2-40B4-BE49-F238E27FC236}">
-                <a16:creationId xmlns:a16="http://schemas.microsoft.com/office/drawing/2014/main" id="{82802C9B-E0E8-411D-ADCA-C0712F9EDA2D}"/>
+                <a16:creationId xmlns:a16="http://schemas.microsoft.com/office/drawing/2014/main" id="{B07AC6E8-2EC2-A0E1-A648-FF382226FECE}"/>
               </a:ext>
             </a:extLst>
           </p:cNvPr>
@@ -15115,7 +16084,15 @@
           <a:p>
             <a:r>
               <a:rPr lang="de-DE" dirty="0"/>
-              <a:t>Identitätsmanagement (IDM) – Verwaltung von Benutzern und Rollen</a:t>
+              <a:t>Spring </a:t>
+            </a:r>
+            <a:r>
+              <a:rPr lang="de-DE" dirty="0" err="1"/>
+              <a:t>Authorization</a:t>
+            </a:r>
+            <a:r>
+              <a:rPr lang="de-DE" dirty="0"/>
+              <a:t> Server - Samples</a:t>
             </a:r>
           </a:p>
         </p:txBody>
@@ -15125,7 +16102,7 @@
           <p:cNvPr id="3" name="Inhaltsplatzhalter 2">
             <a:extLst>
               <a:ext uri="{FF2B5EF4-FFF2-40B4-BE49-F238E27FC236}">
-                <a16:creationId xmlns:a16="http://schemas.microsoft.com/office/drawing/2014/main" id="{48F5A954-C909-8072-C96A-FC655362A82E}"/>
+                <a16:creationId xmlns:a16="http://schemas.microsoft.com/office/drawing/2014/main" id="{14B92B51-85E8-5B7E-91CB-E63703BFB476}"/>
               </a:ext>
             </a:extLst>
           </p:cNvPr>
@@ -15138,114 +16115,36 @@
         </p:nvSpPr>
         <p:spPr/>
         <p:txBody>
-          <a:bodyPr>
-            <a:normAutofit lnSpcReduction="10000"/>
-          </a:bodyPr>
+          <a:bodyPr/>
           <a:lstStyle/>
           <a:p>
             <a:r>
-              <a:rPr lang="de-DE" b="1" dirty="0"/>
-              <a:t>Benutzerverwaltung</a:t>
-            </a:r>
-          </a:p>
-          <a:p>
-            <a:pPr lvl="1"/>
-            <a:r>
-              <a:rPr lang="de-DE" dirty="0"/>
-              <a:t>Anlegen, Ändern, Löschen von Accounts (CRUD).</a:t>
-            </a:r>
-          </a:p>
-          <a:p>
-            <a:pPr lvl="1"/>
-            <a:r>
-              <a:rPr lang="de-DE" dirty="0"/>
-              <a:t>Self-Service-Portale für </a:t>
-            </a:r>
-            <a:r>
-              <a:rPr lang="de-DE" dirty="0" err="1"/>
-              <a:t>Passwortreset</a:t>
-            </a:r>
-            <a:r>
-              <a:rPr lang="de-DE" dirty="0"/>
-              <a:t> &amp; Profilpflege.</a:t>
-            </a:r>
-          </a:p>
-          <a:p>
-            <a:r>
-              <a:rPr lang="de-DE" b="1" dirty="0"/>
-              <a:t>Rollen &amp; Gruppen</a:t>
-            </a:r>
-          </a:p>
-          <a:p>
-            <a:pPr lvl="1"/>
-            <a:r>
-              <a:rPr lang="de-DE" dirty="0"/>
-              <a:t>Hierarchien (z.B. Admin &gt; Manager &gt; User).</a:t>
-            </a:r>
-          </a:p>
-          <a:p>
-            <a:pPr lvl="1"/>
-            <a:r>
-              <a:rPr lang="de-DE" dirty="0"/>
-              <a:t>Delegation von Berechtigungen.</a:t>
-            </a:r>
-          </a:p>
-          <a:p>
-            <a:r>
-              <a:rPr lang="de-DE" b="1" dirty="0"/>
-              <a:t>Zentrale Lösungen</a:t>
-            </a:r>
-          </a:p>
-          <a:p>
-            <a:pPr lvl="1"/>
-            <a:r>
-              <a:rPr lang="de-DE" dirty="0"/>
-              <a:t>LDAP, </a:t>
-            </a:r>
-            <a:r>
-              <a:rPr lang="de-DE" dirty="0" err="1"/>
-              <a:t>Active</a:t>
-            </a:r>
-            <a:r>
-              <a:rPr lang="de-DE" dirty="0"/>
-              <a:t> Directory, </a:t>
-            </a:r>
-            <a:r>
-              <a:rPr lang="de-DE" dirty="0" err="1"/>
-              <a:t>Keycloak</a:t>
-            </a:r>
-            <a:r>
-              <a:rPr lang="de-DE" dirty="0"/>
-              <a:t>, Auth0: Zentralisierte Identitäts- und Zugriffsverwaltung.</a:t>
-            </a:r>
-          </a:p>
-          <a:p>
-            <a:r>
-              <a:rPr lang="de-DE" b="1" dirty="0"/>
-              <a:t>Single </a:t>
-            </a:r>
-            <a:r>
-              <a:rPr lang="de-DE" b="1" dirty="0" err="1"/>
-              <a:t>Sign</a:t>
-            </a:r>
-            <a:r>
-              <a:rPr lang="de-DE" b="1" dirty="0"/>
-              <a:t>-On (SSO)</a:t>
-            </a:r>
-          </a:p>
-          <a:p>
-            <a:pPr lvl="1"/>
-            <a:r>
-              <a:rPr lang="de-DE" dirty="0"/>
-              <a:t>Einmaliges Einloggen für mehrere Anwendungen (z.B. SAML, OAuth2/OIDC).</a:t>
-            </a:r>
+              <a:rPr lang="de-DE" dirty="0"/>
+              <a:t>Wir klonen: </a:t>
+            </a:r>
+            <a:r>
+              <a:rPr lang="de-DE" dirty="0">
+                <a:hlinkClick r:id="rId2"/>
+              </a:rPr>
+              <a:t>https://github.com/spring-projects/spring-authorization-server.git</a:t>
+            </a:r>
+            <a:endParaRPr lang="de-DE" dirty="0"/>
+          </a:p>
+          <a:p>
+            <a:r>
+              <a:rPr lang="de-DE" dirty="0"/>
+              <a:t>Und schauen und die Samples an</a:t>
+            </a:r>
+          </a:p>
+          <a:p>
+            <a:endParaRPr lang="de-DE" dirty="0"/>
           </a:p>
         </p:txBody>
       </p:sp>
     </p:spTree>
     <p:extLst>
       <p:ext uri="{BB962C8B-B14F-4D97-AF65-F5344CB8AC3E}">
-        <p14:creationId xmlns:p14="http://schemas.microsoft.com/office/powerpoint/2010/main" val="2936468636"/>
+        <p14:creationId xmlns:p14="http://schemas.microsoft.com/office/powerpoint/2010/main" val="1452782692"/>
       </p:ext>
     </p:extLst>
   </p:cSld>
@@ -15277,6 +16176,186 @@
           <p:cNvPr id="2" name="Titel 1">
             <a:extLst>
               <a:ext uri="{FF2B5EF4-FFF2-40B4-BE49-F238E27FC236}">
+                <a16:creationId xmlns:a16="http://schemas.microsoft.com/office/drawing/2014/main" id="{82802C9B-E0E8-411D-ADCA-C0712F9EDA2D}"/>
+              </a:ext>
+            </a:extLst>
+          </p:cNvPr>
+          <p:cNvSpPr>
+            <a:spLocks noGrp="1"/>
+          </p:cNvSpPr>
+          <p:nvPr>
+            <p:ph type="title"/>
+          </p:nvPr>
+        </p:nvSpPr>
+        <p:spPr/>
+        <p:txBody>
+          <a:bodyPr/>
+          <a:lstStyle/>
+          <a:p>
+            <a:r>
+              <a:rPr lang="de-DE" dirty="0"/>
+              <a:t>Identitätsmanagement (IDM) – Verwaltung von Benutzern und Rollen</a:t>
+            </a:r>
+          </a:p>
+        </p:txBody>
+      </p:sp>
+      <p:sp>
+        <p:nvSpPr>
+          <p:cNvPr id="3" name="Inhaltsplatzhalter 2">
+            <a:extLst>
+              <a:ext uri="{FF2B5EF4-FFF2-40B4-BE49-F238E27FC236}">
+                <a16:creationId xmlns:a16="http://schemas.microsoft.com/office/drawing/2014/main" id="{48F5A954-C909-8072-C96A-FC655362A82E}"/>
+              </a:ext>
+            </a:extLst>
+          </p:cNvPr>
+          <p:cNvSpPr>
+            <a:spLocks noGrp="1"/>
+          </p:cNvSpPr>
+          <p:nvPr>
+            <p:ph idx="1"/>
+          </p:nvPr>
+        </p:nvSpPr>
+        <p:spPr/>
+        <p:txBody>
+          <a:bodyPr>
+            <a:normAutofit lnSpcReduction="10000"/>
+          </a:bodyPr>
+          <a:lstStyle/>
+          <a:p>
+            <a:r>
+              <a:rPr lang="de-DE" b="1" dirty="0"/>
+              <a:t>Benutzerverwaltung</a:t>
+            </a:r>
+          </a:p>
+          <a:p>
+            <a:pPr lvl="1"/>
+            <a:r>
+              <a:rPr lang="de-DE" dirty="0"/>
+              <a:t>Anlegen, Ändern, Löschen von Accounts (CRUD).</a:t>
+            </a:r>
+          </a:p>
+          <a:p>
+            <a:pPr lvl="1"/>
+            <a:r>
+              <a:rPr lang="de-DE" dirty="0"/>
+              <a:t>Self-Service-Portale für </a:t>
+            </a:r>
+            <a:r>
+              <a:rPr lang="de-DE" dirty="0" err="1"/>
+              <a:t>Passwortreset</a:t>
+            </a:r>
+            <a:r>
+              <a:rPr lang="de-DE" dirty="0"/>
+              <a:t> &amp; Profilpflege.</a:t>
+            </a:r>
+          </a:p>
+          <a:p>
+            <a:r>
+              <a:rPr lang="de-DE" b="1" dirty="0"/>
+              <a:t>Rollen &amp; Gruppen</a:t>
+            </a:r>
+          </a:p>
+          <a:p>
+            <a:pPr lvl="1"/>
+            <a:r>
+              <a:rPr lang="de-DE" dirty="0"/>
+              <a:t>Hierarchien (z.B. Admin &gt; Manager &gt; User).</a:t>
+            </a:r>
+          </a:p>
+          <a:p>
+            <a:pPr lvl="1"/>
+            <a:r>
+              <a:rPr lang="de-DE" dirty="0"/>
+              <a:t>Delegation von Berechtigungen.</a:t>
+            </a:r>
+          </a:p>
+          <a:p>
+            <a:r>
+              <a:rPr lang="de-DE" b="1" dirty="0"/>
+              <a:t>Zentrale Lösungen</a:t>
+            </a:r>
+          </a:p>
+          <a:p>
+            <a:pPr lvl="1"/>
+            <a:r>
+              <a:rPr lang="de-DE" dirty="0"/>
+              <a:t>LDAP, </a:t>
+            </a:r>
+            <a:r>
+              <a:rPr lang="de-DE" dirty="0" err="1"/>
+              <a:t>Active</a:t>
+            </a:r>
+            <a:r>
+              <a:rPr lang="de-DE" dirty="0"/>
+              <a:t> Directory, </a:t>
+            </a:r>
+            <a:r>
+              <a:rPr lang="de-DE" dirty="0" err="1"/>
+              <a:t>Keycloak</a:t>
+            </a:r>
+            <a:r>
+              <a:rPr lang="de-DE" dirty="0"/>
+              <a:t>, Auth0: Zentralisierte Identitäts- und Zugriffsverwaltung.</a:t>
+            </a:r>
+          </a:p>
+          <a:p>
+            <a:r>
+              <a:rPr lang="de-DE" b="1" dirty="0"/>
+              <a:t>Single </a:t>
+            </a:r>
+            <a:r>
+              <a:rPr lang="de-DE" b="1" dirty="0" err="1"/>
+              <a:t>Sign</a:t>
+            </a:r>
+            <a:r>
+              <a:rPr lang="de-DE" b="1" dirty="0"/>
+              <a:t>-On (SSO)</a:t>
+            </a:r>
+          </a:p>
+          <a:p>
+            <a:pPr lvl="1"/>
+            <a:r>
+              <a:rPr lang="de-DE" dirty="0"/>
+              <a:t>Einmaliges Einloggen für mehrere Anwendungen (z.B. SAML, OAuth2/OIDC).</a:t>
+            </a:r>
+          </a:p>
+        </p:txBody>
+      </p:sp>
+    </p:spTree>
+    <p:extLst>
+      <p:ext uri="{BB962C8B-B14F-4D97-AF65-F5344CB8AC3E}">
+        <p14:creationId xmlns:p14="http://schemas.microsoft.com/office/powerpoint/2010/main" val="2936468636"/>
+      </p:ext>
+    </p:extLst>
+  </p:cSld>
+  <p:clrMapOvr>
+    <a:masterClrMapping/>
+  </p:clrMapOvr>
+</p:sld>
+</file>
+
+<file path=ppt/slides/slide134.xml><?xml version="1.0" encoding="utf-8"?>
+<p:sld xmlns:a="http://schemas.openxmlformats.org/drawingml/2006/main" xmlns:r="http://schemas.openxmlformats.org/officeDocument/2006/relationships" xmlns:p="http://schemas.openxmlformats.org/presentationml/2006/main">
+  <p:cSld>
+    <p:spTree>
+      <p:nvGrpSpPr>
+        <p:cNvPr id="1" name=""/>
+        <p:cNvGrpSpPr/>
+        <p:nvPr/>
+      </p:nvGrpSpPr>
+      <p:grpSpPr>
+        <a:xfrm>
+          <a:off x="0" y="0"/>
+          <a:ext cx="0" cy="0"/>
+          <a:chOff x="0" y="0"/>
+          <a:chExt cx="0" cy="0"/>
+        </a:xfrm>
+      </p:grpSpPr>
+      <p:sp>
+        <p:nvSpPr>
+          <p:cNvPr id="2" name="Titel 1">
+            <a:extLst>
+              <a:ext uri="{FF2B5EF4-FFF2-40B4-BE49-F238E27FC236}">
                 <a16:creationId xmlns:a16="http://schemas.microsoft.com/office/drawing/2014/main" id="{7AC89425-3A0D-38A8-5B9A-B3E4B79182E6}"/>
               </a:ext>
             </a:extLst>
@@ -15365,7 +16444,7 @@
 </p:sld>
 </file>
 
-<file path=ppt/slides/slide134.xml><?xml version="1.0" encoding="utf-8"?>
+<file path=ppt/slides/slide135.xml><?xml version="1.0" encoding="utf-8"?>
 <p:sld xmlns:a="http://schemas.openxmlformats.org/drawingml/2006/main" xmlns:r="http://schemas.openxmlformats.org/officeDocument/2006/relationships" xmlns:p="http://schemas.openxmlformats.org/presentationml/2006/main">
   <p:cSld>
     <p:spTree>
@@ -15612,174 +16691,6 @@
 </p:sld>
 </file>
 
-<file path=ppt/slides/slide135.xml><?xml version="1.0" encoding="utf-8"?>
-<p:sld xmlns:a="http://schemas.openxmlformats.org/drawingml/2006/main" xmlns:r="http://schemas.openxmlformats.org/officeDocument/2006/relationships" xmlns:p="http://schemas.openxmlformats.org/presentationml/2006/main">
-  <p:cSld>
-    <p:spTree>
-      <p:nvGrpSpPr>
-        <p:cNvPr id="1" name=""/>
-        <p:cNvGrpSpPr/>
-        <p:nvPr/>
-      </p:nvGrpSpPr>
-      <p:grpSpPr>
-        <a:xfrm>
-          <a:off x="0" y="0"/>
-          <a:ext cx="0" cy="0"/>
-          <a:chOff x="0" y="0"/>
-          <a:chExt cx="0" cy="0"/>
-        </a:xfrm>
-      </p:grpSpPr>
-      <p:sp>
-        <p:nvSpPr>
-          <p:cNvPr id="2" name="Titel 1">
-            <a:extLst>
-              <a:ext uri="{FF2B5EF4-FFF2-40B4-BE49-F238E27FC236}">
-                <a16:creationId xmlns:a16="http://schemas.microsoft.com/office/drawing/2014/main" id="{8F97EDC5-439A-23F8-C562-7C77037FB61D}"/>
-              </a:ext>
-            </a:extLst>
-          </p:cNvPr>
-          <p:cNvSpPr>
-            <a:spLocks noGrp="1"/>
-          </p:cNvSpPr>
-          <p:nvPr>
-            <p:ph type="title"/>
-          </p:nvPr>
-        </p:nvSpPr>
-        <p:spPr/>
-        <p:txBody>
-          <a:bodyPr/>
-          <a:lstStyle/>
-          <a:p>
-            <a:r>
-              <a:rPr lang="de-DE" dirty="0"/>
-              <a:t>Best Practices für sichere Webanwendungen</a:t>
-            </a:r>
-          </a:p>
-        </p:txBody>
-      </p:sp>
-      <p:sp>
-        <p:nvSpPr>
-          <p:cNvPr id="5" name="Inhaltsplatzhalter 4">
-            <a:extLst>
-              <a:ext uri="{FF2B5EF4-FFF2-40B4-BE49-F238E27FC236}">
-                <a16:creationId xmlns:a16="http://schemas.microsoft.com/office/drawing/2014/main" id="{100B0195-0DDB-6FEB-31AF-78CE724FF4D4}"/>
-              </a:ext>
-            </a:extLst>
-          </p:cNvPr>
-          <p:cNvSpPr>
-            <a:spLocks noGrp="1"/>
-          </p:cNvSpPr>
-          <p:nvPr>
-            <p:ph idx="1"/>
-          </p:nvPr>
-        </p:nvSpPr>
-        <p:spPr/>
-        <p:txBody>
-          <a:bodyPr>
-            <a:normAutofit fontScale="92500"/>
-          </a:bodyPr>
-          <a:lstStyle/>
-          <a:p>
-            <a:r>
-              <a:rPr lang="de-DE" dirty="0"/>
-              <a:t>Starke Passwortrichtlinien &amp; Hash-Verfahren</a:t>
-            </a:r>
-          </a:p>
-          <a:p>
-            <a:pPr lvl="1"/>
-            <a:r>
-              <a:rPr lang="de-DE" dirty="0"/>
-              <a:t>Passwörter nicht im Klartext speichern, sondern mit </a:t>
-            </a:r>
-            <a:r>
-              <a:rPr lang="de-DE" dirty="0" err="1"/>
-              <a:t>BCrypt</a:t>
-            </a:r>
-            <a:r>
-              <a:rPr lang="de-DE" dirty="0"/>
-              <a:t>/PBKDF2/Argon2.</a:t>
-            </a:r>
-          </a:p>
-          <a:p>
-            <a:r>
-              <a:rPr lang="de-DE" dirty="0"/>
-              <a:t>Least Privilege </a:t>
-            </a:r>
-            <a:r>
-              <a:rPr lang="de-DE" dirty="0" err="1"/>
-              <a:t>Principle</a:t>
-            </a:r>
-            <a:endParaRPr lang="de-DE" dirty="0"/>
-          </a:p>
-          <a:p>
-            <a:pPr lvl="1"/>
-            <a:r>
-              <a:rPr lang="de-DE" dirty="0"/>
-              <a:t>Nutzer und Dienste erhalten nur die Rechte, die sie wirklich brauchen.</a:t>
-            </a:r>
-          </a:p>
-          <a:p>
-            <a:r>
-              <a:rPr lang="de-DE" dirty="0"/>
-              <a:t>Regelmäßige Reviews &amp; Updates</a:t>
-            </a:r>
-          </a:p>
-          <a:p>
-            <a:pPr lvl="1"/>
-            <a:r>
-              <a:rPr lang="de-DE" dirty="0"/>
-              <a:t>Passwortablauf, Rollen-Überprüfung (z.B. </a:t>
-            </a:r>
-            <a:r>
-              <a:rPr lang="de-DE" dirty="0" err="1"/>
-              <a:t>Offboarding</a:t>
-            </a:r>
-            <a:r>
-              <a:rPr lang="de-DE" dirty="0"/>
-              <a:t> von Mitarbeitern).</a:t>
-            </a:r>
-          </a:p>
-          <a:p>
-            <a:r>
-              <a:rPr lang="de-DE" dirty="0"/>
-              <a:t>Protokollierung &amp; Monitoring</a:t>
-            </a:r>
-          </a:p>
-          <a:p>
-            <a:pPr lvl="1"/>
-            <a:r>
-              <a:rPr lang="de-DE" dirty="0"/>
-              <a:t>Sicherheitsrelevante Aktionen (z.B. Login/Logout, Rollenänderungen) ordentlich loggen.</a:t>
-            </a:r>
-          </a:p>
-          <a:p>
-            <a:r>
-              <a:rPr lang="de-DE" dirty="0"/>
-              <a:t>Multi-Faktor-Authentifizierung (MFA)</a:t>
-            </a:r>
-          </a:p>
-          <a:p>
-            <a:pPr lvl="1"/>
-            <a:r>
-              <a:rPr lang="de-DE" dirty="0"/>
-              <a:t>Wann immer möglich – reduziert stark das Risiko bei kompromittierten Passwörtern.</a:t>
-            </a:r>
-          </a:p>
-        </p:txBody>
-      </p:sp>
-    </p:spTree>
-    <p:extLst>
-      <p:ext uri="{BB962C8B-B14F-4D97-AF65-F5344CB8AC3E}">
-        <p14:creationId xmlns:p14="http://schemas.microsoft.com/office/powerpoint/2010/main" val="1984847707"/>
-      </p:ext>
-    </p:extLst>
-  </p:cSld>
-  <p:clrMapOvr>
-    <a:masterClrMapping/>
-  </p:clrMapOvr>
-</p:sld>
-</file>
-
 <file path=ppt/slides/slide136.xml><?xml version="1.0" encoding="utf-8"?>
 <p:sld xmlns:a="http://schemas.openxmlformats.org/drawingml/2006/main" xmlns:r="http://schemas.openxmlformats.org/officeDocument/2006/relationships" xmlns:p="http://schemas.openxmlformats.org/presentationml/2006/main">
   <p:cSld>
@@ -15802,7 +16713,7 @@
           <p:cNvPr id="2" name="Titel 1">
             <a:extLst>
               <a:ext uri="{FF2B5EF4-FFF2-40B4-BE49-F238E27FC236}">
-                <a16:creationId xmlns:a16="http://schemas.microsoft.com/office/drawing/2014/main" id="{17AD56F2-52B0-C4CB-F9F1-3E55421AF1A3}"/>
+                <a16:creationId xmlns:a16="http://schemas.microsoft.com/office/drawing/2014/main" id="{8F97EDC5-439A-23F8-C562-7C77037FB61D}"/>
               </a:ext>
             </a:extLst>
           </p:cNvPr>
@@ -15820,17 +16731,17 @@
           <a:p>
             <a:r>
               <a:rPr lang="de-DE" dirty="0"/>
-              <a:t>Abschluss</a:t>
-            </a:r>
-          </a:p>
-        </p:txBody>
-      </p:sp>
-      <p:sp>
-        <p:nvSpPr>
-          <p:cNvPr id="3" name="Inhaltsplatzhalter 2">
+              <a:t>Best Practices für sichere Webanwendungen - Passwörter</a:t>
+            </a:r>
+          </a:p>
+        </p:txBody>
+      </p:sp>
+      <p:sp>
+        <p:nvSpPr>
+          <p:cNvPr id="5" name="Inhaltsplatzhalter 4">
             <a:extLst>
               <a:ext uri="{FF2B5EF4-FFF2-40B4-BE49-F238E27FC236}">
-                <a16:creationId xmlns:a16="http://schemas.microsoft.com/office/drawing/2014/main" id="{7C029D89-4EA0-A009-0A31-E10D35E1E1A4}"/>
+                <a16:creationId xmlns:a16="http://schemas.microsoft.com/office/drawing/2014/main" id="{100B0195-0DDB-6FEB-31AF-78CE724FF4D4}"/>
               </a:ext>
             </a:extLst>
           </p:cNvPr>
@@ -15843,21 +16754,666 @@
         </p:nvSpPr>
         <p:spPr/>
         <p:txBody>
-          <a:bodyPr/>
+          <a:bodyPr>
+            <a:normAutofit/>
+          </a:bodyPr>
           <a:lstStyle/>
           <a:p>
             <a:r>
-              <a:rPr lang="de-DE"/>
-              <a:t>Fragen?</a:t>
-            </a:r>
-            <a:endParaRPr lang="de-DE" dirty="0"/>
+              <a:rPr lang="de-DE" dirty="0"/>
+              <a:t>Starke Passwortrichtlinien &amp; Hash-Verfahren</a:t>
+            </a:r>
+          </a:p>
+          <a:p>
+            <a:pPr lvl="1"/>
+            <a:r>
+              <a:rPr lang="de-DE" dirty="0"/>
+              <a:t>Passwörter nicht im Klartext speichern, sondern mit </a:t>
+            </a:r>
+            <a:r>
+              <a:rPr lang="de-DE" dirty="0" err="1"/>
+              <a:t>BCrypt</a:t>
+            </a:r>
+            <a:r>
+              <a:rPr lang="de-DE" dirty="0"/>
+              <a:t>/PBKDF2/Argon2.</a:t>
+            </a:r>
+          </a:p>
+          <a:p>
+            <a:r>
+              <a:rPr lang="de-DE" dirty="0"/>
+              <a:t>Geheimnisse aus dem Code verbannen</a:t>
+            </a:r>
+          </a:p>
+          <a:p>
+            <a:pPr lvl="1"/>
+            <a:r>
+              <a:rPr lang="de-DE" dirty="0"/>
+              <a:t>Spring Cloud </a:t>
+            </a:r>
+            <a:r>
+              <a:rPr lang="de-DE" dirty="0" err="1"/>
+              <a:t>Vault</a:t>
+            </a:r>
+            <a:r>
+              <a:rPr lang="de-DE" dirty="0"/>
+              <a:t>/Spring </a:t>
+            </a:r>
+            <a:r>
+              <a:rPr lang="de-DE" dirty="0" err="1"/>
+              <a:t>Config</a:t>
+            </a:r>
+            <a:r>
+              <a:rPr lang="de-DE" dirty="0"/>
+              <a:t> Server einbinden; Rotation automatisieren</a:t>
+            </a:r>
+          </a:p>
+          <a:p>
+            <a:r>
+              <a:rPr lang="de-DE" dirty="0"/>
+              <a:t>Regelmäßige Reviews &amp; Updates</a:t>
+            </a:r>
+          </a:p>
+          <a:p>
+            <a:pPr lvl="1"/>
+            <a:r>
+              <a:rPr lang="de-DE" dirty="0"/>
+              <a:t>Passwortablauf, Rollen-Überprüfung (z.B. </a:t>
+            </a:r>
+            <a:r>
+              <a:rPr lang="de-DE" dirty="0" err="1"/>
+              <a:t>Offboarding</a:t>
+            </a:r>
+            <a:r>
+              <a:rPr lang="de-DE" dirty="0"/>
+              <a:t> von Mitarbeitern).</a:t>
+            </a:r>
+          </a:p>
+          <a:p>
+            <a:r>
+              <a:rPr lang="de-DE" dirty="0"/>
+              <a:t>Multi-Faktor-Authentifizierung (MFA)</a:t>
+            </a:r>
+          </a:p>
+          <a:p>
+            <a:pPr lvl="1"/>
+            <a:r>
+              <a:rPr lang="de-DE" dirty="0"/>
+              <a:t>Wann immer möglich – reduziert stark das Risiko bei kompromittierten Passwörtern.</a:t>
+            </a:r>
           </a:p>
         </p:txBody>
       </p:sp>
     </p:spTree>
     <p:extLst>
       <p:ext uri="{BB962C8B-B14F-4D97-AF65-F5344CB8AC3E}">
-        <p14:creationId xmlns:p14="http://schemas.microsoft.com/office/powerpoint/2010/main" val="1593829000"/>
+        <p14:creationId xmlns:p14="http://schemas.microsoft.com/office/powerpoint/2010/main" val="1984847707"/>
+      </p:ext>
+    </p:extLst>
+  </p:cSld>
+  <p:clrMapOvr>
+    <a:masterClrMapping/>
+  </p:clrMapOvr>
+</p:sld>
+</file>
+
+<file path=ppt/slides/slide137.xml><?xml version="1.0" encoding="utf-8"?>
+<p:sld xmlns:a="http://schemas.openxmlformats.org/drawingml/2006/main" xmlns:r="http://schemas.openxmlformats.org/officeDocument/2006/relationships" xmlns:p="http://schemas.openxmlformats.org/presentationml/2006/main">
+  <p:cSld>
+    <p:spTree>
+      <p:nvGrpSpPr>
+        <p:cNvPr id="1" name="">
+          <a:extLst>
+            <a:ext uri="{FF2B5EF4-FFF2-40B4-BE49-F238E27FC236}">
+              <a16:creationId xmlns:a16="http://schemas.microsoft.com/office/drawing/2014/main" id="{AE96F067-1313-E841-F25F-C9A4D0F577E8}"/>
+            </a:ext>
+          </a:extLst>
+        </p:cNvPr>
+        <p:cNvGrpSpPr/>
+        <p:nvPr/>
+      </p:nvGrpSpPr>
+      <p:grpSpPr>
+        <a:xfrm>
+          <a:off x="0" y="0"/>
+          <a:ext cx="0" cy="0"/>
+          <a:chOff x="0" y="0"/>
+          <a:chExt cx="0" cy="0"/>
+        </a:xfrm>
+      </p:grpSpPr>
+      <p:sp>
+        <p:nvSpPr>
+          <p:cNvPr id="2" name="Titel 1">
+            <a:extLst>
+              <a:ext uri="{FF2B5EF4-FFF2-40B4-BE49-F238E27FC236}">
+                <a16:creationId xmlns:a16="http://schemas.microsoft.com/office/drawing/2014/main" id="{560C8779-CCE8-0BD8-3447-40097A50B25E}"/>
+              </a:ext>
+            </a:extLst>
+          </p:cNvPr>
+          <p:cNvSpPr>
+            <a:spLocks noGrp="1"/>
+          </p:cNvSpPr>
+          <p:nvPr>
+            <p:ph type="title"/>
+          </p:nvPr>
+        </p:nvSpPr>
+        <p:spPr/>
+        <p:txBody>
+          <a:bodyPr/>
+          <a:lstStyle/>
+          <a:p>
+            <a:r>
+              <a:rPr lang="de-DE" dirty="0"/>
+              <a:t>Best Practices für sichere Webanwendungen - Rechte</a:t>
+            </a:r>
+          </a:p>
+        </p:txBody>
+      </p:sp>
+      <p:sp>
+        <p:nvSpPr>
+          <p:cNvPr id="5" name="Inhaltsplatzhalter 4">
+            <a:extLst>
+              <a:ext uri="{FF2B5EF4-FFF2-40B4-BE49-F238E27FC236}">
+                <a16:creationId xmlns:a16="http://schemas.microsoft.com/office/drawing/2014/main" id="{3C4655A7-1748-1597-1651-23C178400E20}"/>
+              </a:ext>
+            </a:extLst>
+          </p:cNvPr>
+          <p:cNvSpPr>
+            <a:spLocks noGrp="1"/>
+          </p:cNvSpPr>
+          <p:nvPr>
+            <p:ph idx="1"/>
+          </p:nvPr>
+        </p:nvSpPr>
+        <p:spPr/>
+        <p:txBody>
+          <a:bodyPr>
+            <a:normAutofit/>
+          </a:bodyPr>
+          <a:lstStyle/>
+          <a:p>
+            <a:r>
+              <a:rPr lang="de-DE" dirty="0"/>
+              <a:t>Least Privilege </a:t>
+            </a:r>
+            <a:r>
+              <a:rPr lang="de-DE" dirty="0" err="1"/>
+              <a:t>Principle</a:t>
+            </a:r>
+            <a:endParaRPr lang="de-DE" dirty="0"/>
+          </a:p>
+          <a:p>
+            <a:pPr lvl="1"/>
+            <a:r>
+              <a:rPr lang="de-DE" dirty="0"/>
+              <a:t>Nutzer und Dienste erhalten nur die Rechte, die sie wirklich brauchen.</a:t>
+            </a:r>
+          </a:p>
+          <a:p>
+            <a:r>
+              <a:rPr lang="de-DE" dirty="0"/>
+              <a:t>Browser-APIs gezielt freigeben</a:t>
+            </a:r>
+          </a:p>
+          <a:p>
+            <a:pPr lvl="1"/>
+            <a:r>
+              <a:rPr lang="de-DE" dirty="0"/>
+              <a:t>Mikrofon, Kamera, Geo-Location aus wenn nicht benötigt</a:t>
+            </a:r>
+          </a:p>
+          <a:p>
+            <a:r>
+              <a:rPr lang="de-DE" dirty="0"/>
+              <a:t>Session-Fixation verhindern, Timeouts setzen</a:t>
+            </a:r>
+          </a:p>
+          <a:p>
+            <a:pPr lvl="1"/>
+            <a:r>
+              <a:rPr lang="de-DE" dirty="0"/>
+              <a:t>Spring hat </a:t>
+            </a:r>
+            <a:r>
+              <a:rPr lang="de-DE" dirty="0" err="1"/>
+              <a:t>ChangeSessionIdAuthenticationStrategy</a:t>
+            </a:r>
+            <a:r>
+              <a:rPr lang="de-DE" dirty="0"/>
+              <a:t> standardmäßig aktiv.- </a:t>
+            </a:r>
+            <a:r>
+              <a:rPr lang="de-DE" dirty="0" err="1"/>
+              <a:t>server.servlet.session.timeout</a:t>
+            </a:r>
+            <a:r>
+              <a:rPr lang="de-DE" dirty="0"/>
+              <a:t> </a:t>
+            </a:r>
+            <a:r>
+              <a:rPr lang="de-DE" dirty="0" err="1"/>
+              <a:t>und„Remember</a:t>
+            </a:r>
+            <a:r>
+              <a:rPr lang="de-DE" dirty="0"/>
+              <a:t> Me“ bewusst entscheiden.</a:t>
+            </a:r>
+          </a:p>
+          <a:p>
+            <a:r>
+              <a:rPr lang="de-DE" dirty="0"/>
+              <a:t>Cookies</a:t>
+            </a:r>
+          </a:p>
+          <a:p>
+            <a:pPr lvl="1"/>
+            <a:r>
+              <a:rPr lang="de-DE" dirty="0" err="1"/>
+              <a:t>SameSite</a:t>
+            </a:r>
+            <a:r>
+              <a:rPr lang="de-DE" dirty="0"/>
+              <a:t>, Secure, </a:t>
+            </a:r>
+            <a:r>
+              <a:rPr lang="de-DE" dirty="0" err="1"/>
+              <a:t>HttpOnly</a:t>
+            </a:r>
+            <a:r>
+              <a:rPr lang="de-DE" dirty="0"/>
+              <a:t> konsistent</a:t>
+            </a:r>
+          </a:p>
+        </p:txBody>
+      </p:sp>
+    </p:spTree>
+    <p:extLst>
+      <p:ext uri="{BB962C8B-B14F-4D97-AF65-F5344CB8AC3E}">
+        <p14:creationId xmlns:p14="http://schemas.microsoft.com/office/powerpoint/2010/main" val="214868068"/>
+      </p:ext>
+    </p:extLst>
+  </p:cSld>
+  <p:clrMapOvr>
+    <a:masterClrMapping/>
+  </p:clrMapOvr>
+</p:sld>
+</file>
+
+<file path=ppt/slides/slide138.xml><?xml version="1.0" encoding="utf-8"?>
+<p:sld xmlns:a="http://schemas.openxmlformats.org/drawingml/2006/main" xmlns:r="http://schemas.openxmlformats.org/officeDocument/2006/relationships" xmlns:p="http://schemas.openxmlformats.org/presentationml/2006/main">
+  <p:cSld>
+    <p:spTree>
+      <p:nvGrpSpPr>
+        <p:cNvPr id="1" name="">
+          <a:extLst>
+            <a:ext uri="{FF2B5EF4-FFF2-40B4-BE49-F238E27FC236}">
+              <a16:creationId xmlns:a16="http://schemas.microsoft.com/office/drawing/2014/main" id="{20A898C2-960E-5DE2-CD69-D3E09108A63D}"/>
+            </a:ext>
+          </a:extLst>
+        </p:cNvPr>
+        <p:cNvGrpSpPr/>
+        <p:nvPr/>
+      </p:nvGrpSpPr>
+      <p:grpSpPr>
+        <a:xfrm>
+          <a:off x="0" y="0"/>
+          <a:ext cx="0" cy="0"/>
+          <a:chOff x="0" y="0"/>
+          <a:chExt cx="0" cy="0"/>
+        </a:xfrm>
+      </p:grpSpPr>
+      <p:sp>
+        <p:nvSpPr>
+          <p:cNvPr id="2" name="Titel 1">
+            <a:extLst>
+              <a:ext uri="{FF2B5EF4-FFF2-40B4-BE49-F238E27FC236}">
+                <a16:creationId xmlns:a16="http://schemas.microsoft.com/office/drawing/2014/main" id="{3F0B1397-2FF8-D5DF-97CE-80DEA75C6800}"/>
+              </a:ext>
+            </a:extLst>
+          </p:cNvPr>
+          <p:cNvSpPr>
+            <a:spLocks noGrp="1"/>
+          </p:cNvSpPr>
+          <p:nvPr>
+            <p:ph type="title"/>
+          </p:nvPr>
+        </p:nvSpPr>
+        <p:spPr/>
+        <p:txBody>
+          <a:bodyPr/>
+          <a:lstStyle/>
+          <a:p>
+            <a:r>
+              <a:rPr lang="de-DE" dirty="0"/>
+              <a:t>Best Practices für sichere Webanwendungen – Web Basics</a:t>
+            </a:r>
+          </a:p>
+        </p:txBody>
+      </p:sp>
+      <p:sp>
+        <p:nvSpPr>
+          <p:cNvPr id="5" name="Inhaltsplatzhalter 4">
+            <a:extLst>
+              <a:ext uri="{FF2B5EF4-FFF2-40B4-BE49-F238E27FC236}">
+                <a16:creationId xmlns:a16="http://schemas.microsoft.com/office/drawing/2014/main" id="{930D7833-8270-3D9A-CA5B-5E46879C1B81}"/>
+              </a:ext>
+            </a:extLst>
+          </p:cNvPr>
+          <p:cNvSpPr>
+            <a:spLocks noGrp="1"/>
+          </p:cNvSpPr>
+          <p:nvPr>
+            <p:ph idx="1"/>
+          </p:nvPr>
+        </p:nvSpPr>
+        <p:spPr/>
+        <p:txBody>
+          <a:bodyPr>
+            <a:normAutofit/>
+          </a:bodyPr>
+          <a:lstStyle/>
+          <a:p>
+            <a:r>
+              <a:rPr lang="de-DE" dirty="0"/>
+              <a:t>Eingabevalidierung</a:t>
+            </a:r>
+          </a:p>
+          <a:p>
+            <a:pPr lvl="1"/>
+            <a:r>
+              <a:rPr lang="de-DE" dirty="0"/>
+              <a:t>Bean Validation (@NotBlank, @Pattern, @Min) VOR DB-Zugriff.</a:t>
+            </a:r>
+          </a:p>
+          <a:p>
+            <a:pPr lvl="1"/>
+            <a:r>
+              <a:rPr lang="de-DE" dirty="0" err="1"/>
+              <a:t>Thymeleaf</a:t>
+            </a:r>
+            <a:r>
+              <a:rPr lang="de-DE" dirty="0"/>
+              <a:t>/Spring </a:t>
+            </a:r>
+            <a:r>
+              <a:rPr lang="de-DE" dirty="0" err="1"/>
+              <a:t>WebMvc</a:t>
+            </a:r>
+            <a:r>
+              <a:rPr lang="de-DE" dirty="0"/>
+              <a:t> </a:t>
+            </a:r>
+            <a:r>
+              <a:rPr lang="de-DE" dirty="0" err="1"/>
+              <a:t>encoden</a:t>
+            </a:r>
+            <a:r>
+              <a:rPr lang="de-DE" dirty="0"/>
+              <a:t> automatisch – nicht abschalten</a:t>
+            </a:r>
+          </a:p>
+          <a:p>
+            <a:r>
+              <a:rPr lang="de-DE" dirty="0"/>
+              <a:t>Content Security Policy</a:t>
+            </a:r>
+          </a:p>
+          <a:p>
+            <a:pPr lvl="1"/>
+            <a:r>
+              <a:rPr lang="de-DE" dirty="0"/>
+              <a:t>CSP „</a:t>
+            </a:r>
+            <a:r>
+              <a:rPr lang="de-DE" dirty="0" err="1"/>
+              <a:t>default-src</a:t>
+            </a:r>
+            <a:r>
+              <a:rPr lang="de-DE" dirty="0"/>
+              <a:t> '</a:t>
+            </a:r>
+            <a:r>
+              <a:rPr lang="de-DE" dirty="0" err="1"/>
+              <a:t>self</a:t>
+            </a:r>
+            <a:r>
+              <a:rPr lang="de-DE" dirty="0"/>
+              <a:t>'“ + </a:t>
+            </a:r>
+            <a:r>
+              <a:rPr lang="de-DE" dirty="0" err="1"/>
+              <a:t>Nonces</a:t>
+            </a:r>
+            <a:endParaRPr lang="de-DE" dirty="0"/>
+          </a:p>
+          <a:p>
+            <a:r>
+              <a:rPr lang="de-DE" dirty="0"/>
+              <a:t>CORS-Härtung</a:t>
+            </a:r>
+          </a:p>
+          <a:p>
+            <a:pPr lvl="1"/>
+            <a:r>
+              <a:rPr lang="de-DE" dirty="0"/>
+              <a:t>Nur explizite Origins + Methoden</a:t>
+            </a:r>
+          </a:p>
+          <a:p>
+            <a:r>
+              <a:rPr lang="de-DE" dirty="0"/>
+              <a:t>Brute-Force-Schutz auf Endpoints</a:t>
+            </a:r>
+          </a:p>
+          <a:p>
+            <a:pPr lvl="1"/>
+            <a:r>
+              <a:rPr lang="en-US" dirty="0"/>
+              <a:t>Resilience4j-RateLimiter</a:t>
+            </a:r>
+            <a:endParaRPr lang="de-DE" dirty="0"/>
+          </a:p>
+        </p:txBody>
+      </p:sp>
+    </p:spTree>
+    <p:extLst>
+      <p:ext uri="{BB962C8B-B14F-4D97-AF65-F5344CB8AC3E}">
+        <p14:creationId xmlns:p14="http://schemas.microsoft.com/office/powerpoint/2010/main" val="1315917947"/>
+      </p:ext>
+    </p:extLst>
+  </p:cSld>
+  <p:clrMapOvr>
+    <a:masterClrMapping/>
+  </p:clrMapOvr>
+</p:sld>
+</file>
+
+<file path=ppt/slides/slide139.xml><?xml version="1.0" encoding="utf-8"?>
+<p:sld xmlns:a="http://schemas.openxmlformats.org/drawingml/2006/main" xmlns:r="http://schemas.openxmlformats.org/officeDocument/2006/relationships" xmlns:p="http://schemas.openxmlformats.org/presentationml/2006/main">
+  <p:cSld>
+    <p:spTree>
+      <p:nvGrpSpPr>
+        <p:cNvPr id="1" name="">
+          <a:extLst>
+            <a:ext uri="{FF2B5EF4-FFF2-40B4-BE49-F238E27FC236}">
+              <a16:creationId xmlns:a16="http://schemas.microsoft.com/office/drawing/2014/main" id="{1DD3B17A-70C6-8239-46F5-1C8257EEA056}"/>
+            </a:ext>
+          </a:extLst>
+        </p:cNvPr>
+        <p:cNvGrpSpPr/>
+        <p:nvPr/>
+      </p:nvGrpSpPr>
+      <p:grpSpPr>
+        <a:xfrm>
+          <a:off x="0" y="0"/>
+          <a:ext cx="0" cy="0"/>
+          <a:chOff x="0" y="0"/>
+          <a:chExt cx="0" cy="0"/>
+        </a:xfrm>
+      </p:grpSpPr>
+      <p:sp>
+        <p:nvSpPr>
+          <p:cNvPr id="2" name="Titel 1">
+            <a:extLst>
+              <a:ext uri="{FF2B5EF4-FFF2-40B4-BE49-F238E27FC236}">
+                <a16:creationId xmlns:a16="http://schemas.microsoft.com/office/drawing/2014/main" id="{64DAE91C-9289-835B-0B9C-F77E658B3591}"/>
+              </a:ext>
+            </a:extLst>
+          </p:cNvPr>
+          <p:cNvSpPr>
+            <a:spLocks noGrp="1"/>
+          </p:cNvSpPr>
+          <p:nvPr>
+            <p:ph type="title"/>
+          </p:nvPr>
+        </p:nvSpPr>
+        <p:spPr/>
+        <p:txBody>
+          <a:bodyPr/>
+          <a:lstStyle/>
+          <a:p>
+            <a:r>
+              <a:rPr lang="de-DE" dirty="0"/>
+              <a:t>Best Practices für sichere Webanwendungen – Prozesse</a:t>
+            </a:r>
+          </a:p>
+        </p:txBody>
+      </p:sp>
+      <p:sp>
+        <p:nvSpPr>
+          <p:cNvPr id="5" name="Inhaltsplatzhalter 4">
+            <a:extLst>
+              <a:ext uri="{FF2B5EF4-FFF2-40B4-BE49-F238E27FC236}">
+                <a16:creationId xmlns:a16="http://schemas.microsoft.com/office/drawing/2014/main" id="{4D642509-DF1D-FB63-E612-D0F0BDF92EE7}"/>
+              </a:ext>
+            </a:extLst>
+          </p:cNvPr>
+          <p:cNvSpPr>
+            <a:spLocks noGrp="1"/>
+          </p:cNvSpPr>
+          <p:nvPr>
+            <p:ph idx="1"/>
+          </p:nvPr>
+        </p:nvSpPr>
+        <p:spPr/>
+        <p:txBody>
+          <a:bodyPr>
+            <a:normAutofit/>
+          </a:bodyPr>
+          <a:lstStyle/>
+          <a:p>
+            <a:r>
+              <a:rPr lang="de-DE" dirty="0" err="1"/>
+              <a:t>Dependency</a:t>
+            </a:r>
+            <a:r>
+              <a:rPr lang="de-DE" dirty="0"/>
+              <a:t>-Scanning</a:t>
+            </a:r>
+          </a:p>
+          <a:p>
+            <a:pPr lvl="1"/>
+            <a:r>
+              <a:rPr lang="en-US" dirty="0"/>
+              <a:t>Z.B. ./</a:t>
+            </a:r>
+            <a:r>
+              <a:rPr lang="en-US" dirty="0" err="1"/>
+              <a:t>mvnw</a:t>
+            </a:r>
+            <a:r>
+              <a:rPr lang="en-US" dirty="0"/>
+              <a:t> </a:t>
+            </a:r>
+            <a:r>
+              <a:rPr lang="en-US" dirty="0" err="1"/>
+              <a:t>org.owasp:dependency-check-maven:check</a:t>
+            </a:r>
+            <a:r>
+              <a:rPr lang="en-US" dirty="0"/>
+              <a:t> in die CI.</a:t>
+            </a:r>
+            <a:endParaRPr lang="de-DE" dirty="0"/>
+          </a:p>
+          <a:p>
+            <a:pPr lvl="1"/>
+            <a:r>
+              <a:rPr lang="de-DE" dirty="0"/>
+              <a:t>Patches zeitnah einspielen (CVE-Alarme).</a:t>
+            </a:r>
+          </a:p>
+          <a:p>
+            <a:r>
+              <a:rPr lang="de-DE" dirty="0"/>
+              <a:t>Security-Events zentral sammeln</a:t>
+            </a:r>
+          </a:p>
+          <a:p>
+            <a:pPr lvl="1"/>
+            <a:r>
+              <a:rPr lang="de-DE" dirty="0"/>
+              <a:t>Spring Security Auditing ⟶ ELK/Splunk/</a:t>
+            </a:r>
+            <a:r>
+              <a:rPr lang="de-DE" dirty="0" err="1"/>
+              <a:t>Grafana</a:t>
+            </a:r>
+            <a:r>
+              <a:rPr lang="de-DE" dirty="0"/>
+              <a:t>…</a:t>
+            </a:r>
+          </a:p>
+          <a:p>
+            <a:r>
+              <a:rPr lang="de-DE" dirty="0"/>
+              <a:t>Pen-</a:t>
+            </a:r>
+            <a:r>
+              <a:rPr lang="de-DE" dirty="0" err="1"/>
+              <a:t>Testing</a:t>
+            </a:r>
+            <a:r>
+              <a:rPr lang="de-DE" dirty="0"/>
+              <a:t> im CI</a:t>
+            </a:r>
+          </a:p>
+          <a:p>
+            <a:pPr lvl="1"/>
+            <a:r>
+              <a:rPr lang="de-DE" dirty="0"/>
+              <a:t>Docker-ZAP </a:t>
+            </a:r>
+            <a:r>
+              <a:rPr lang="de-DE" dirty="0" err="1"/>
+              <a:t>baseline</a:t>
+            </a:r>
+            <a:r>
+              <a:rPr lang="de-DE" dirty="0"/>
+              <a:t>-Scan gegen</a:t>
+            </a:r>
+          </a:p>
+          <a:p>
+            <a:r>
+              <a:rPr lang="de-DE" dirty="0" err="1"/>
+              <a:t>Threat</a:t>
+            </a:r>
+            <a:r>
+              <a:rPr lang="de-DE" dirty="0"/>
+              <a:t> Modeling</a:t>
+            </a:r>
+          </a:p>
+          <a:p>
+            <a:pPr lvl="1"/>
+            <a:r>
+              <a:rPr lang="de-DE" dirty="0"/>
+              <a:t>Früh &amp; wiederholt (STRIDE, PASTA)</a:t>
+            </a:r>
+          </a:p>
+        </p:txBody>
+      </p:sp>
+    </p:spTree>
+    <p:extLst>
+      <p:ext uri="{BB962C8B-B14F-4D97-AF65-F5344CB8AC3E}">
+        <p14:creationId xmlns:p14="http://schemas.microsoft.com/office/powerpoint/2010/main" val="1115922637"/>
       </p:ext>
     </p:extLst>
   </p:cSld>
@@ -16083,6 +17639,93 @@
     <p:extLst>
       <p:ext uri="{BB962C8B-B14F-4D97-AF65-F5344CB8AC3E}">
         <p14:creationId xmlns:p14="http://schemas.microsoft.com/office/powerpoint/2010/main" val="212615482"/>
+      </p:ext>
+    </p:extLst>
+  </p:cSld>
+  <p:clrMapOvr>
+    <a:masterClrMapping/>
+  </p:clrMapOvr>
+</p:sld>
+</file>
+
+<file path=ppt/slides/slide140.xml><?xml version="1.0" encoding="utf-8"?>
+<p:sld xmlns:a="http://schemas.openxmlformats.org/drawingml/2006/main" xmlns:r="http://schemas.openxmlformats.org/officeDocument/2006/relationships" xmlns:p="http://schemas.openxmlformats.org/presentationml/2006/main">
+  <p:cSld>
+    <p:spTree>
+      <p:nvGrpSpPr>
+        <p:cNvPr id="1" name=""/>
+        <p:cNvGrpSpPr/>
+        <p:nvPr/>
+      </p:nvGrpSpPr>
+      <p:grpSpPr>
+        <a:xfrm>
+          <a:off x="0" y="0"/>
+          <a:ext cx="0" cy="0"/>
+          <a:chOff x="0" y="0"/>
+          <a:chExt cx="0" cy="0"/>
+        </a:xfrm>
+      </p:grpSpPr>
+      <p:sp>
+        <p:nvSpPr>
+          <p:cNvPr id="2" name="Titel 1">
+            <a:extLst>
+              <a:ext uri="{FF2B5EF4-FFF2-40B4-BE49-F238E27FC236}">
+                <a16:creationId xmlns:a16="http://schemas.microsoft.com/office/drawing/2014/main" id="{17AD56F2-52B0-C4CB-F9F1-3E55421AF1A3}"/>
+              </a:ext>
+            </a:extLst>
+          </p:cNvPr>
+          <p:cNvSpPr>
+            <a:spLocks noGrp="1"/>
+          </p:cNvSpPr>
+          <p:nvPr>
+            <p:ph type="title"/>
+          </p:nvPr>
+        </p:nvSpPr>
+        <p:spPr/>
+        <p:txBody>
+          <a:bodyPr/>
+          <a:lstStyle/>
+          <a:p>
+            <a:r>
+              <a:rPr lang="de-DE" dirty="0"/>
+              <a:t>Abschluss</a:t>
+            </a:r>
+          </a:p>
+        </p:txBody>
+      </p:sp>
+      <p:sp>
+        <p:nvSpPr>
+          <p:cNvPr id="3" name="Inhaltsplatzhalter 2">
+            <a:extLst>
+              <a:ext uri="{FF2B5EF4-FFF2-40B4-BE49-F238E27FC236}">
+                <a16:creationId xmlns:a16="http://schemas.microsoft.com/office/drawing/2014/main" id="{7C029D89-4EA0-A009-0A31-E10D35E1E1A4}"/>
+              </a:ext>
+            </a:extLst>
+          </p:cNvPr>
+          <p:cNvSpPr>
+            <a:spLocks noGrp="1"/>
+          </p:cNvSpPr>
+          <p:nvPr>
+            <p:ph idx="1"/>
+          </p:nvPr>
+        </p:nvSpPr>
+        <p:spPr/>
+        <p:txBody>
+          <a:bodyPr/>
+          <a:lstStyle/>
+          <a:p>
+            <a:r>
+              <a:rPr lang="de-DE"/>
+              <a:t>Fragen?</a:t>
+            </a:r>
+            <a:endParaRPr lang="de-DE" dirty="0"/>
+          </a:p>
+        </p:txBody>
+      </p:sp>
+    </p:spTree>
+    <p:extLst>
+      <p:ext uri="{BB962C8B-B14F-4D97-AF65-F5344CB8AC3E}">
+        <p14:creationId xmlns:p14="http://schemas.microsoft.com/office/powerpoint/2010/main" val="1593829000"/>
       </p:ext>
     </p:extLst>
   </p:cSld>

--- a/Spring_Security.pptx
+++ b/Spring_Security.pptx
@@ -343,7 +343,7 @@
           <a:p>
             <a:fld id="{A2040813-E246-4EEE-B198-3EDEA39B1BE1}" type="datetimeFigureOut">
               <a:rPr lang="de-DE" smtClean="0"/>
-              <a:t>07.07.2025</a:t>
+              <a:t>08.07.2025</a:t>
             </a:fld>
             <a:endParaRPr lang="de-DE"/>
           </a:p>
@@ -4721,7 +4721,7 @@
             <a:fld id="{B61BEF0D-F0BB-DE4B-95CE-6DB70DBA9567}" type="datetimeFigureOut">
               <a:rPr lang="en-US" dirty="0"/>
               <a:pPr/>
-              <a:t>7/7/2025</a:t>
+              <a:t>7/8/2025</a:t>
             </a:fld>
             <a:endParaRPr lang="en-US" dirty="0"/>
           </a:p>
@@ -4969,7 +4969,7 @@
             <a:fld id="{B61BEF0D-F0BB-DE4B-95CE-6DB70DBA9567}" type="datetimeFigureOut">
               <a:rPr lang="en-US" dirty="0"/>
               <a:pPr/>
-              <a:t>7/7/2025</a:t>
+              <a:t>7/8/2025</a:t>
             </a:fld>
             <a:endParaRPr lang="en-US" dirty="0"/>
           </a:p>
@@ -5280,7 +5280,7 @@
             <a:fld id="{B61BEF0D-F0BB-DE4B-95CE-6DB70DBA9567}" type="datetimeFigureOut">
               <a:rPr lang="en-US" dirty="0"/>
               <a:pPr/>
-              <a:t>7/7/2025</a:t>
+              <a:t>7/8/2025</a:t>
             </a:fld>
             <a:endParaRPr lang="en-US" dirty="0"/>
           </a:p>
@@ -5618,7 +5618,7 @@
             <a:fld id="{B61BEF0D-F0BB-DE4B-95CE-6DB70DBA9567}" type="datetimeFigureOut">
               <a:rPr lang="en-US" dirty="0"/>
               <a:pPr/>
-              <a:t>7/7/2025</a:t>
+              <a:t>7/8/2025</a:t>
             </a:fld>
             <a:endParaRPr lang="en-US" dirty="0"/>
           </a:p>
@@ -5929,7 +5929,7 @@
             <a:fld id="{B61BEF0D-F0BB-DE4B-95CE-6DB70DBA9567}" type="datetimeFigureOut">
               <a:rPr lang="en-US" dirty="0"/>
               <a:pPr/>
-              <a:t>7/7/2025</a:t>
+              <a:t>7/8/2025</a:t>
             </a:fld>
             <a:endParaRPr lang="en-US" dirty="0"/>
           </a:p>
@@ -6319,7 +6319,7 @@
             <a:fld id="{B61BEF0D-F0BB-DE4B-95CE-6DB70DBA9567}" type="datetimeFigureOut">
               <a:rPr lang="en-US" dirty="0"/>
               <a:pPr/>
-              <a:t>7/7/2025</a:t>
+              <a:t>7/8/2025</a:t>
             </a:fld>
             <a:endParaRPr lang="en-US" dirty="0"/>
           </a:p>
@@ -6485,7 +6485,7 @@
           <a:p>
             <a:fld id="{55C6B4A9-1611-4792-9094-5F34BCA07E0B}" type="datetimeFigureOut">
               <a:rPr lang="en-US" dirty="0"/>
-              <a:t>7/7/2025</a:t>
+              <a:t>7/8/2025</a:t>
             </a:fld>
             <a:endParaRPr lang="en-US" dirty="0"/>
           </a:p>
@@ -6661,7 +6661,7 @@
             <a:fld id="{B61BEF0D-F0BB-DE4B-95CE-6DB70DBA9567}" type="datetimeFigureOut">
               <a:rPr lang="en-US" dirty="0"/>
               <a:pPr/>
-              <a:t>7/7/2025</a:t>
+              <a:t>7/8/2025</a:t>
             </a:fld>
             <a:endParaRPr lang="en-US" dirty="0"/>
           </a:p>
@@ -6834,7 +6834,7 @@
             <a:fld id="{B61BEF0D-F0BB-DE4B-95CE-6DB70DBA9567}" type="datetimeFigureOut">
               <a:rPr lang="en-US" dirty="0"/>
               <a:pPr/>
-              <a:t>7/7/2025</a:t>
+              <a:t>7/8/2025</a:t>
             </a:fld>
             <a:endParaRPr lang="en-US" dirty="0"/>
           </a:p>
@@ -7078,7 +7078,7 @@
             <a:fld id="{B61BEF0D-F0BB-DE4B-95CE-6DB70DBA9567}" type="datetimeFigureOut">
               <a:rPr lang="en-US" dirty="0"/>
               <a:pPr/>
-              <a:t>7/7/2025</a:t>
+              <a:t>7/8/2025</a:t>
             </a:fld>
             <a:endParaRPr lang="en-US" dirty="0"/>
           </a:p>
@@ -7306,7 +7306,7 @@
           <a:p>
             <a:fld id="{EB712588-04B1-427B-82EE-E8DB90309F08}" type="datetimeFigureOut">
               <a:rPr lang="en-US" dirty="0"/>
-              <a:t>7/7/2025</a:t>
+              <a:t>7/8/2025</a:t>
             </a:fld>
             <a:endParaRPr lang="en-US" dirty="0"/>
           </a:p>
@@ -7676,7 +7676,7 @@
             <a:fld id="{B61BEF0D-F0BB-DE4B-95CE-6DB70DBA9567}" type="datetimeFigureOut">
               <a:rPr lang="en-US" dirty="0"/>
               <a:pPr/>
-              <a:t>7/7/2025</a:t>
+              <a:t>7/8/2025</a:t>
             </a:fld>
             <a:endParaRPr lang="en-US" dirty="0"/>
           </a:p>
@@ -7796,7 +7796,7 @@
             <a:fld id="{B61BEF0D-F0BB-DE4B-95CE-6DB70DBA9567}" type="datetimeFigureOut">
               <a:rPr lang="en-US" dirty="0"/>
               <a:pPr/>
-              <a:t>7/7/2025</a:t>
+              <a:t>7/8/2025</a:t>
             </a:fld>
             <a:endParaRPr lang="en-US" dirty="0"/>
           </a:p>
@@ -7888,7 +7888,7 @@
             <a:fld id="{B61BEF0D-F0BB-DE4B-95CE-6DB70DBA9567}" type="datetimeFigureOut">
               <a:rPr lang="en-US" dirty="0"/>
               <a:pPr/>
-              <a:t>7/7/2025</a:t>
+              <a:t>7/8/2025</a:t>
             </a:fld>
             <a:endParaRPr lang="en-US" dirty="0"/>
           </a:p>
@@ -8139,7 +8139,7 @@
           <a:p>
             <a:fld id="{42A54C80-263E-416B-A8E0-580EDEADCBDC}" type="datetimeFigureOut">
               <a:rPr lang="en-US" dirty="0"/>
-              <a:t>7/7/2025</a:t>
+              <a:t>7/8/2025</a:t>
             </a:fld>
             <a:endParaRPr lang="en-US" dirty="0"/>
           </a:p>
@@ -8398,7 +8398,7 @@
             <a:fld id="{B61BEF0D-F0BB-DE4B-95CE-6DB70DBA9567}" type="datetimeFigureOut">
               <a:rPr lang="en-US" dirty="0"/>
               <a:pPr/>
-              <a:t>7/7/2025</a:t>
+              <a:t>7/8/2025</a:t>
             </a:fld>
             <a:endParaRPr lang="en-US" dirty="0"/>
           </a:p>
@@ -9204,7 +9204,7 @@
             <a:fld id="{B61BEF0D-F0BB-DE4B-95CE-6DB70DBA9567}" type="datetimeFigureOut">
               <a:rPr lang="en-US" dirty="0"/>
               <a:pPr/>
-              <a:t>7/7/2025</a:t>
+              <a:t>7/8/2025</a:t>
             </a:fld>
             <a:endParaRPr lang="en-US" dirty="0"/>
           </a:p>
@@ -21916,12 +21916,14 @@
           </a:p>
           <a:p>
             <a:r>
-              <a:rPr lang="de-DE" sz="2000" dirty="0" err="1"/>
-              <a:t>AutorisierungCSRF</a:t>
-            </a:r>
-            <a:r>
               <a:rPr lang="de-DE" sz="2000" dirty="0"/>
-              <a:t> &amp; CORS</a:t>
+              <a:t>Autorisierung</a:t>
+            </a:r>
+          </a:p>
+          <a:p>
+            <a:r>
+              <a:rPr lang="de-DE" sz="2000" dirty="0"/>
+              <a:t>CSRF &amp; CORS</a:t>
             </a:r>
           </a:p>
           <a:p>
@@ -21964,18 +21966,14 @@
               <a:t>Authorization</a:t>
             </a:r>
             <a:r>
-              <a:rPr lang="de-DE" sz="2000"/>
+              <a:rPr lang="de-DE" sz="2000" dirty="0"/>
               <a:t> Server</a:t>
             </a:r>
           </a:p>
           <a:p>
             <a:r>
-              <a:rPr lang="de-DE" sz="2000"/>
-              <a:t>Spring </a:t>
-            </a:r>
-            <a:r>
               <a:rPr lang="de-DE" sz="2000" dirty="0"/>
-              <a:t>Security Best Practices</a:t>
+              <a:t>Spring Security Best Practices</a:t>
             </a:r>
           </a:p>
         </p:txBody>
@@ -27211,7 +27209,7 @@
           <a:p>
             <a:r>
               <a:rPr lang="de-DE" dirty="0"/>
-              <a:t>Natürlich mit einem</a:t>
+              <a:t>Natürlich mit einem Test</a:t>
             </a:r>
           </a:p>
         </p:txBody>

--- a/Spring_Security.pptx
+++ b/Spring_Security.pptx
@@ -5,7 +5,7 @@
     <p:sldMasterId id="2147483648" r:id="rId1"/>
   </p:sldMasterIdLst>
   <p:notesMasterIdLst>
-    <p:notesMasterId r:id="rId146"/>
+    <p:notesMasterId r:id="rId143"/>
   </p:notesMasterIdLst>
   <p:sldIdLst>
     <p:sldId id="256" r:id="rId2"/>
@@ -122,41 +122,38 @@
     <p:sldId id="1019" r:id="rId113"/>
     <p:sldId id="1048" r:id="rId114"/>
     <p:sldId id="1033" r:id="rId115"/>
-    <p:sldId id="1034" r:id="rId116"/>
-    <p:sldId id="1049" r:id="rId117"/>
-    <p:sldId id="1051" r:id="rId118"/>
-    <p:sldId id="1050" r:id="rId119"/>
-    <p:sldId id="1052" r:id="rId120"/>
-    <p:sldId id="1043" r:id="rId121"/>
-    <p:sldId id="1053" r:id="rId122"/>
-    <p:sldId id="1054" r:id="rId123"/>
-    <p:sldId id="1036" r:id="rId124"/>
-    <p:sldId id="1055" r:id="rId125"/>
-    <p:sldId id="1044" r:id="rId126"/>
-    <p:sldId id="1037" r:id="rId127"/>
-    <p:sldId id="1038" r:id="rId128"/>
-    <p:sldId id="1094" r:id="rId129"/>
-    <p:sldId id="1077" r:id="rId130"/>
-    <p:sldId id="1039" r:id="rId131"/>
-    <p:sldId id="1040" r:id="rId132"/>
-    <p:sldId id="1041" r:id="rId133"/>
-    <p:sldId id="1078" r:id="rId134"/>
-    <p:sldId id="1045" r:id="rId135"/>
-    <p:sldId id="1042" r:id="rId136"/>
-    <p:sldId id="1056" r:id="rId137"/>
-    <p:sldId id="993" r:id="rId138"/>
-    <p:sldId id="994" r:id="rId139"/>
-    <p:sldId id="1079" r:id="rId140"/>
-    <p:sldId id="979" r:id="rId141"/>
-    <p:sldId id="1095" r:id="rId142"/>
-    <p:sldId id="1096" r:id="rId143"/>
-    <p:sldId id="1097" r:id="rId144"/>
-    <p:sldId id="968" r:id="rId145"/>
+    <p:sldId id="1102" r:id="rId116"/>
+    <p:sldId id="1044" r:id="rId117"/>
+    <p:sldId id="1034" r:id="rId118"/>
+    <p:sldId id="1049" r:id="rId119"/>
+    <p:sldId id="1043" r:id="rId120"/>
+    <p:sldId id="1103" r:id="rId121"/>
+    <p:sldId id="1051" r:id="rId122"/>
+    <p:sldId id="1052" r:id="rId123"/>
+    <p:sldId id="1037" r:id="rId124"/>
+    <p:sldId id="1038" r:id="rId125"/>
+    <p:sldId id="1094" r:id="rId126"/>
+    <p:sldId id="1077" r:id="rId127"/>
+    <p:sldId id="1039" r:id="rId128"/>
+    <p:sldId id="1104" r:id="rId129"/>
+    <p:sldId id="1040" r:id="rId130"/>
+    <p:sldId id="1041" r:id="rId131"/>
+    <p:sldId id="1078" r:id="rId132"/>
+    <p:sldId id="1045" r:id="rId133"/>
+    <p:sldId id="1042" r:id="rId134"/>
+    <p:sldId id="1105" r:id="rId135"/>
+    <p:sldId id="1056" r:id="rId136"/>
+    <p:sldId id="1079" r:id="rId137"/>
+    <p:sldId id="979" r:id="rId138"/>
+    <p:sldId id="1095" r:id="rId139"/>
+    <p:sldId id="1096" r:id="rId140"/>
+    <p:sldId id="1097" r:id="rId141"/>
+    <p:sldId id="968" r:id="rId142"/>
   </p:sldIdLst>
   <p:sldSz cx="12192000" cy="6858000"/>
   <p:notesSz cx="7104063" cy="10234613"/>
   <p:custDataLst>
-    <p:tags r:id="rId147"/>
+    <p:tags r:id="rId144"/>
   </p:custDataLst>
   <p:defaultTextStyle>
     <a:defPPr>
@@ -725,7 +722,13 @@
   <p:cSld>
     <p:spTree>
       <p:nvGrpSpPr>
-        <p:cNvPr id="1" name=""/>
+        <p:cNvPr id="1" name="">
+          <a:extLst>
+            <a:ext uri="{FF2B5EF4-FFF2-40B4-BE49-F238E27FC236}">
+              <a16:creationId xmlns:a16="http://schemas.microsoft.com/office/drawing/2014/main" id="{493EB76F-739E-DDE8-035D-231A82D73176}"/>
+            </a:ext>
+          </a:extLst>
+        </p:cNvPr>
         <p:cNvGrpSpPr/>
         <p:nvPr/>
       </p:nvGrpSpPr>
@@ -739,7 +742,13 @@
       </p:grpSpPr>
       <p:sp>
         <p:nvSpPr>
-          <p:cNvPr id="2" name="Folienbildplatzhalter 1"/>
+          <p:cNvPr id="2" name="Folienbildplatzhalter 1">
+            <a:extLst>
+              <a:ext uri="{FF2B5EF4-FFF2-40B4-BE49-F238E27FC236}">
+                <a16:creationId xmlns:a16="http://schemas.microsoft.com/office/drawing/2014/main" id="{191E4033-C793-FFFD-F790-E9F3E4247E41}"/>
+              </a:ext>
+            </a:extLst>
+          </p:cNvPr>
           <p:cNvSpPr>
             <a:spLocks noGrp="1" noRot="1" noChangeAspect="1"/>
           </p:cNvSpPr>
@@ -751,7 +760,13 @@
       </p:sp>
       <p:sp>
         <p:nvSpPr>
-          <p:cNvPr id="3" name="Notizenplatzhalter 2"/>
+          <p:cNvPr id="3" name="Notizenplatzhalter 2">
+            <a:extLst>
+              <a:ext uri="{FF2B5EF4-FFF2-40B4-BE49-F238E27FC236}">
+                <a16:creationId xmlns:a16="http://schemas.microsoft.com/office/drawing/2014/main" id="{ED7017CA-017E-619C-A3A5-CA2F1851C4E7}"/>
+              </a:ext>
+            </a:extLst>
+          </p:cNvPr>
           <p:cNvSpPr>
             <a:spLocks noGrp="1"/>
           </p:cNvSpPr>
@@ -789,7 +804,13 @@
       </p:sp>
       <p:sp>
         <p:nvSpPr>
-          <p:cNvPr id="4" name="Foliennummernplatzhalter 3"/>
+          <p:cNvPr id="4" name="Foliennummernplatzhalter 3">
+            <a:extLst>
+              <a:ext uri="{FF2B5EF4-FFF2-40B4-BE49-F238E27FC236}">
+                <a16:creationId xmlns:a16="http://schemas.microsoft.com/office/drawing/2014/main" id="{BB61E4CE-DE88-6A94-958A-623A331E7B3B}"/>
+              </a:ext>
+            </a:extLst>
+          </p:cNvPr>
           <p:cNvSpPr>
             <a:spLocks noGrp="1"/>
           </p:cNvSpPr>
@@ -804,7 +825,7 @@
           <a:p>
             <a:fld id="{A62ABD72-7CE5-4E13-BAF9-6682705CFA71}" type="slidenum">
               <a:rPr lang="de-DE" smtClean="0"/>
-              <a:t>130</a:t>
+              <a:t>128</a:t>
             </a:fld>
             <a:endParaRPr lang="de-DE"/>
           </a:p>
@@ -813,7 +834,7 @@
     </p:spTree>
     <p:extLst>
       <p:ext uri="{BB962C8B-B14F-4D97-AF65-F5344CB8AC3E}">
-        <p14:creationId xmlns:p14="http://schemas.microsoft.com/office/powerpoint/2010/main" val="1222485660"/>
+        <p14:creationId xmlns:p14="http://schemas.microsoft.com/office/powerpoint/2010/main" val="3056620724"/>
       </p:ext>
     </p:extLst>
   </p:cSld>
@@ -891,7 +912,7 @@
           <a:p>
             <a:fld id="{A62ABD72-7CE5-4E13-BAF9-6682705CFA71}" type="slidenum">
               <a:rPr lang="de-DE" smtClean="0"/>
-              <a:t>131</a:t>
+              <a:t>129</a:t>
             </a:fld>
             <a:endParaRPr lang="de-DE"/>
           </a:p>
@@ -1002,7 +1023,7 @@
           <a:p>
             <a:fld id="{A62ABD72-7CE5-4E13-BAF9-6682705CFA71}" type="slidenum">
               <a:rPr lang="de-DE" smtClean="0"/>
-              <a:t>132</a:t>
+              <a:t>130</a:t>
             </a:fld>
             <a:endParaRPr lang="de-DE"/>
           </a:p>
@@ -1193,7 +1214,7 @@
           <a:p>
             <a:fld id="{A62ABD72-7CE5-4E13-BAF9-6682705CFA71}" type="slidenum">
               <a:rPr lang="de-DE" smtClean="0"/>
-              <a:t>134</a:t>
+              <a:t>132</a:t>
             </a:fld>
             <a:endParaRPr lang="de-DE"/>
           </a:p>
@@ -1360,7 +1381,7 @@
           <a:p>
             <a:fld id="{A62ABD72-7CE5-4E13-BAF9-6682705CFA71}" type="slidenum">
               <a:rPr lang="de-DE" smtClean="0"/>
-              <a:t>135</a:t>
+              <a:t>133</a:t>
             </a:fld>
             <a:endParaRPr lang="de-DE"/>
           </a:p>
@@ -1612,7 +1633,7 @@
           <a:p>
             <a:fld id="{A62ABD72-7CE5-4E13-BAF9-6682705CFA71}" type="slidenum">
               <a:rPr lang="de-DE" smtClean="0"/>
-              <a:t>140</a:t>
+              <a:t>137</a:t>
             </a:fld>
             <a:endParaRPr lang="de-DE"/>
           </a:p>
@@ -1828,7 +1849,7 @@
           <a:p>
             <a:fld id="{A62ABD72-7CE5-4E13-BAF9-6682705CFA71}" type="slidenum">
               <a:rPr lang="de-DE" smtClean="0"/>
-              <a:t>141</a:t>
+              <a:t>138</a:t>
             </a:fld>
             <a:endParaRPr lang="de-DE"/>
           </a:p>
@@ -2030,7 +2051,7 @@
           <a:p>
             <a:fld id="{A62ABD72-7CE5-4E13-BAF9-6682705CFA71}" type="slidenum">
               <a:rPr lang="de-DE" smtClean="0"/>
-              <a:t>142</a:t>
+              <a:t>139</a:t>
             </a:fld>
             <a:endParaRPr lang="de-DE"/>
           </a:p>
@@ -2347,7 +2368,7 @@
           <a:p>
             <a:fld id="{A62ABD72-7CE5-4E13-BAF9-6682705CFA71}" type="slidenum">
               <a:rPr lang="de-DE" smtClean="0"/>
-              <a:t>143</a:t>
+              <a:t>140</a:t>
             </a:fld>
             <a:endParaRPr lang="de-DE"/>
           </a:p>
@@ -2704,7 +2725,7 @@
           <a:p>
             <a:fld id="{A62ABD72-7CE5-4E13-BAF9-6682705CFA71}" type="slidenum">
               <a:rPr lang="de-DE" smtClean="0"/>
-              <a:t>115</a:t>
+              <a:t>117</a:t>
             </a:fld>
             <a:endParaRPr lang="de-DE"/>
           </a:p>
@@ -2768,650 +2789,33 @@
           <a:lstStyle/>
           <a:p>
             <a:r>
-              <a:rPr lang="de-DE" sz="1200" b="0" i="0" kern="1200" dirty="0">
-                <a:solidFill>
-                  <a:schemeClr val="tx1"/>
-                </a:solidFill>
-                <a:effectLst/>
-                <a:latin typeface="+mn-lt"/>
-                <a:ea typeface="+mn-ea"/>
-                <a:cs typeface="+mn-cs"/>
-              </a:rPr>
-              <a:t>Die Applikation generiert dann zwei Dinge: Zum einen wird eine zufällige, kryptografisch sichere, Zahl generiert. Diese Zahl ist der </a:t>
-            </a:r>
-            <a:r>
-              <a:rPr lang="de-DE" sz="1200" b="0" i="1" kern="1200" dirty="0">
-                <a:solidFill>
-                  <a:schemeClr val="tx1"/>
-                </a:solidFill>
-                <a:effectLst/>
-                <a:latin typeface="+mn-lt"/>
-                <a:ea typeface="+mn-ea"/>
-                <a:cs typeface="+mn-cs"/>
-              </a:rPr>
-              <a:t>code </a:t>
-            </a:r>
-            <a:r>
-              <a:rPr lang="de-DE" sz="1200" b="0" i="1" kern="1200" dirty="0" err="1">
-                <a:solidFill>
-                  <a:schemeClr val="tx1"/>
-                </a:solidFill>
-                <a:effectLst/>
-                <a:latin typeface="+mn-lt"/>
-                <a:ea typeface="+mn-ea"/>
-                <a:cs typeface="+mn-cs"/>
-              </a:rPr>
-              <a:t>verifier</a:t>
-            </a:r>
-            <a:r>
-              <a:rPr lang="de-DE" sz="1200" b="0" i="0" kern="1200" dirty="0">
-                <a:solidFill>
-                  <a:schemeClr val="tx1"/>
-                </a:solidFill>
-                <a:effectLst/>
-                <a:latin typeface="+mn-lt"/>
-                <a:ea typeface="+mn-ea"/>
-                <a:cs typeface="+mn-cs"/>
-              </a:rPr>
-              <a:t>. Zum Anderen wird diese Zahl mit einer Hash-Funktion (</a:t>
-            </a:r>
-            <a:r>
-              <a:rPr lang="de-DE" sz="1200" b="0" i="1" kern="1200" dirty="0" err="1">
-                <a:solidFill>
-                  <a:schemeClr val="tx1"/>
-                </a:solidFill>
-                <a:effectLst/>
-                <a:latin typeface="+mn-lt"/>
-                <a:ea typeface="+mn-ea"/>
-                <a:cs typeface="+mn-cs"/>
-              </a:rPr>
-              <a:t>code_challenge_method</a:t>
-            </a:r>
-            <a:r>
-              <a:rPr lang="de-DE" sz="1200" b="0" i="0" kern="1200" dirty="0">
-                <a:solidFill>
-                  <a:schemeClr val="tx1"/>
-                </a:solidFill>
-                <a:effectLst/>
-                <a:latin typeface="+mn-lt"/>
-                <a:ea typeface="+mn-ea"/>
-                <a:cs typeface="+mn-cs"/>
-              </a:rPr>
-              <a:t>, in der Regel SHA256) </a:t>
-            </a:r>
-            <a:r>
-              <a:rPr lang="de-DE" sz="1200" b="0" i="0" kern="1200" dirty="0" err="1">
-                <a:solidFill>
-                  <a:schemeClr val="tx1"/>
-                </a:solidFill>
-                <a:effectLst/>
-                <a:latin typeface="+mn-lt"/>
-                <a:ea typeface="+mn-ea"/>
-                <a:cs typeface="+mn-cs"/>
-              </a:rPr>
-              <a:t>gehasht</a:t>
-            </a:r>
-            <a:r>
-              <a:rPr lang="de-DE" sz="1200" b="0" i="0" kern="1200" dirty="0">
-                <a:solidFill>
-                  <a:schemeClr val="tx1"/>
-                </a:solidFill>
-                <a:effectLst/>
-                <a:latin typeface="+mn-lt"/>
-                <a:ea typeface="+mn-ea"/>
-                <a:cs typeface="+mn-cs"/>
-              </a:rPr>
-              <a:t>. Das Ergebnis dieser Operation ist die </a:t>
-            </a:r>
-            <a:r>
-              <a:rPr lang="de-DE" sz="1200" b="0" i="1" kern="1200" dirty="0" err="1">
-                <a:solidFill>
-                  <a:schemeClr val="tx1"/>
-                </a:solidFill>
-                <a:effectLst/>
-                <a:latin typeface="+mn-lt"/>
-                <a:ea typeface="+mn-ea"/>
-                <a:cs typeface="+mn-cs"/>
-              </a:rPr>
-              <a:t>code_challenge</a:t>
-            </a:r>
-            <a:r>
-              <a:rPr lang="de-DE" sz="1200" b="0" i="0" kern="1200" dirty="0">
-                <a:solidFill>
-                  <a:schemeClr val="tx1"/>
-                </a:solidFill>
-                <a:effectLst/>
-                <a:latin typeface="+mn-lt"/>
-                <a:ea typeface="+mn-ea"/>
-                <a:cs typeface="+mn-cs"/>
-              </a:rPr>
-              <a:t>. Ab hier beginnt der der spannende Teil des PKCE-Flow. Der </a:t>
-            </a:r>
-            <a:r>
-              <a:rPr lang="de-DE" sz="1200" b="0" i="0" kern="1200" dirty="0" err="1">
-                <a:solidFill>
-                  <a:schemeClr val="tx1"/>
-                </a:solidFill>
-                <a:effectLst/>
-                <a:latin typeface="+mn-lt"/>
-                <a:ea typeface="+mn-ea"/>
-                <a:cs typeface="+mn-cs"/>
-              </a:rPr>
+              <a:rPr lang="de-DE" dirty="0"/>
+              <a:t>Schritt 4-6 waren früher beim impliziten </a:t>
+            </a:r>
+            <a:r>
+              <a:rPr lang="de-DE" dirty="0" err="1"/>
+              <a:t>grant</a:t>
+            </a:r>
+            <a:r>
+              <a:rPr lang="de-DE" dirty="0"/>
+              <a:t> type 1 Schritt. Zur Erhöhung der Sicherheit wurde ein erneuter Login mit </a:t>
+            </a:r>
+            <a:r>
+              <a:rPr lang="de-DE" dirty="0" err="1"/>
               <a:t>Authorization</a:t>
             </a:r>
             <a:r>
-              <a:rPr lang="de-DE" sz="1200" b="0" i="0" kern="1200" dirty="0">
-                <a:solidFill>
-                  <a:schemeClr val="tx1"/>
-                </a:solidFill>
-                <a:effectLst/>
-                <a:latin typeface="+mn-lt"/>
-                <a:ea typeface="+mn-ea"/>
-                <a:cs typeface="+mn-cs"/>
-              </a:rPr>
-              <a:t>-Server generiert einen </a:t>
-            </a:r>
-            <a:r>
-              <a:rPr lang="de-DE" sz="1200" b="0" i="1" kern="1200" dirty="0">
-                <a:solidFill>
-                  <a:schemeClr val="tx1"/>
-                </a:solidFill>
-                <a:effectLst/>
-                <a:latin typeface="+mn-lt"/>
-                <a:ea typeface="+mn-ea"/>
-                <a:cs typeface="+mn-cs"/>
-              </a:rPr>
-              <a:t>Auth-Code</a:t>
-            </a:r>
-            <a:r>
-              <a:rPr lang="de-DE" sz="1200" b="0" i="0" kern="1200" dirty="0">
-                <a:solidFill>
-                  <a:schemeClr val="tx1"/>
-                </a:solidFill>
-                <a:effectLst/>
-                <a:latin typeface="+mn-lt"/>
-                <a:ea typeface="+mn-ea"/>
-                <a:cs typeface="+mn-cs"/>
-              </a:rPr>
-              <a:t>, der gegen den </a:t>
-            </a:r>
-            <a:r>
-              <a:rPr lang="de-DE" sz="1200" b="0" i="1" kern="1200" dirty="0">
-                <a:solidFill>
-                  <a:schemeClr val="tx1"/>
-                </a:solidFill>
-                <a:effectLst/>
-                <a:latin typeface="+mn-lt"/>
-                <a:ea typeface="+mn-ea"/>
-                <a:cs typeface="+mn-cs"/>
-              </a:rPr>
-              <a:t>Token</a:t>
-            </a:r>
-            <a:r>
-              <a:rPr lang="de-DE" sz="1200" b="0" i="0" kern="1200" dirty="0">
-                <a:solidFill>
-                  <a:schemeClr val="tx1"/>
-                </a:solidFill>
-                <a:effectLst/>
-                <a:latin typeface="+mn-lt"/>
-                <a:ea typeface="+mn-ea"/>
-                <a:cs typeface="+mn-cs"/>
-              </a:rPr>
-              <a:t> mit den entsprechenden </a:t>
-            </a:r>
-            <a:r>
-              <a:rPr lang="de-DE" sz="1200" b="0" i="1" kern="1200" dirty="0" err="1">
-                <a:solidFill>
-                  <a:schemeClr val="tx1"/>
-                </a:solidFill>
-                <a:effectLst/>
-                <a:latin typeface="+mn-lt"/>
-                <a:ea typeface="+mn-ea"/>
-                <a:cs typeface="+mn-cs"/>
-              </a:rPr>
-              <a:t>scopes</a:t>
-            </a:r>
-            <a:r>
-              <a:rPr lang="de-DE" sz="1200" b="0" i="0" kern="1200" dirty="0">
-                <a:solidFill>
-                  <a:schemeClr val="tx1"/>
-                </a:solidFill>
-                <a:effectLst/>
-                <a:latin typeface="+mn-lt"/>
-                <a:ea typeface="+mn-ea"/>
-                <a:cs typeface="+mn-cs"/>
-              </a:rPr>
-              <a:t> eingetauscht werden kann.</a:t>
-            </a:r>
-          </a:p>
-          <a:p>
-            <a:r>
-              <a:rPr lang="de-DE" sz="1200" b="0" i="0" kern="1200" dirty="0">
-                <a:solidFill>
-                  <a:schemeClr val="tx1"/>
-                </a:solidFill>
-                <a:effectLst/>
-                <a:latin typeface="+mn-lt"/>
-                <a:ea typeface="+mn-ea"/>
-                <a:cs typeface="+mn-cs"/>
-              </a:rPr>
-              <a:t>Dieser wird in Schritt </a:t>
-            </a:r>
-            <a:r>
-              <a:rPr lang="de-DE" sz="1200" b="1" i="0" kern="1200" dirty="0">
-                <a:solidFill>
-                  <a:schemeClr val="tx1"/>
-                </a:solidFill>
-                <a:effectLst/>
-                <a:latin typeface="+mn-lt"/>
-                <a:ea typeface="+mn-ea"/>
-                <a:cs typeface="+mn-cs"/>
-              </a:rPr>
-              <a:t>(8)</a:t>
-            </a:r>
-            <a:r>
-              <a:rPr lang="de-DE" sz="1200" b="0" i="0" kern="1200" dirty="0">
-                <a:solidFill>
-                  <a:schemeClr val="tx1"/>
-                </a:solidFill>
-                <a:effectLst/>
-                <a:latin typeface="+mn-lt"/>
-                <a:ea typeface="+mn-ea"/>
-                <a:cs typeface="+mn-cs"/>
-              </a:rPr>
-              <a:t> zusammen mit dem </a:t>
-            </a:r>
-            <a:r>
-              <a:rPr lang="de-DE" sz="1200" b="0" i="0" kern="1200" dirty="0" err="1">
-                <a:solidFill>
-                  <a:schemeClr val="tx1"/>
-                </a:solidFill>
-                <a:effectLst/>
-                <a:latin typeface="+mn-lt"/>
-                <a:ea typeface="+mn-ea"/>
-                <a:cs typeface="+mn-cs"/>
-              </a:rPr>
-              <a:t>Authorization</a:t>
-            </a:r>
-            <a:r>
-              <a:rPr lang="de-DE" sz="1200" b="0" i="0" kern="1200" dirty="0">
-                <a:solidFill>
-                  <a:schemeClr val="tx1"/>
-                </a:solidFill>
-                <a:effectLst/>
-                <a:latin typeface="+mn-lt"/>
-                <a:ea typeface="+mn-ea"/>
-                <a:cs typeface="+mn-cs"/>
-              </a:rPr>
-              <a:t>-Code übertragen. Zu diesem Zeitpunkt wurde die </a:t>
-            </a:r>
-            <a:r>
-              <a:rPr lang="de-DE" sz="1200" b="0" i="1" kern="1200" dirty="0" err="1">
-                <a:solidFill>
-                  <a:schemeClr val="tx1"/>
-                </a:solidFill>
-                <a:effectLst/>
-                <a:latin typeface="+mn-lt"/>
-                <a:ea typeface="+mn-ea"/>
-                <a:cs typeface="+mn-cs"/>
-              </a:rPr>
-              <a:t>code_challenge</a:t>
-            </a:r>
-            <a:r>
-              <a:rPr lang="de-DE" sz="1200" b="0" i="0" kern="1200" dirty="0">
-                <a:solidFill>
-                  <a:schemeClr val="tx1"/>
-                </a:solidFill>
-                <a:effectLst/>
-                <a:latin typeface="+mn-lt"/>
-                <a:ea typeface="+mn-ea"/>
-                <a:cs typeface="+mn-cs"/>
-              </a:rPr>
-              <a:t> bereits übertragen. Der </a:t>
-            </a:r>
-            <a:r>
-              <a:rPr lang="de-DE" sz="1200" b="0" i="1" kern="1200" dirty="0" err="1">
-                <a:solidFill>
-                  <a:schemeClr val="tx1"/>
-                </a:solidFill>
-                <a:effectLst/>
-                <a:latin typeface="+mn-lt"/>
-                <a:ea typeface="+mn-ea"/>
-                <a:cs typeface="+mn-cs"/>
-              </a:rPr>
-              <a:t>code_verifier</a:t>
-            </a:r>
-            <a:r>
-              <a:rPr lang="de-DE" sz="1200" b="0" i="0" kern="1200" dirty="0">
-                <a:solidFill>
-                  <a:schemeClr val="tx1"/>
-                </a:solidFill>
-                <a:effectLst/>
-                <a:latin typeface="+mn-lt"/>
-                <a:ea typeface="+mn-ea"/>
-                <a:cs typeface="+mn-cs"/>
-              </a:rPr>
-              <a:t> ist das, was den Client letztlich verifiziert. Dadurch, dass die </a:t>
-            </a:r>
-            <a:r>
-              <a:rPr lang="de-DE" sz="1200" b="0" i="1" kern="1200" dirty="0" err="1">
-                <a:solidFill>
-                  <a:schemeClr val="tx1"/>
-                </a:solidFill>
-                <a:effectLst/>
-                <a:latin typeface="+mn-lt"/>
-                <a:ea typeface="+mn-ea"/>
-                <a:cs typeface="+mn-cs"/>
-              </a:rPr>
-              <a:t>code_challenge</a:t>
-            </a:r>
-            <a:r>
-              <a:rPr lang="de-DE" sz="1200" b="0" i="0" kern="1200" dirty="0">
-                <a:solidFill>
-                  <a:schemeClr val="tx1"/>
-                </a:solidFill>
-                <a:effectLst/>
-                <a:latin typeface="+mn-lt"/>
-                <a:ea typeface="+mn-ea"/>
-                <a:cs typeface="+mn-cs"/>
-              </a:rPr>
-              <a:t> der </a:t>
-            </a:r>
-            <a:r>
-              <a:rPr lang="de-DE" sz="1200" b="0" i="1" kern="1200" dirty="0">
-                <a:solidFill>
-                  <a:schemeClr val="tx1"/>
-                </a:solidFill>
-                <a:effectLst/>
-                <a:latin typeface="+mn-lt"/>
-                <a:ea typeface="+mn-ea"/>
-                <a:cs typeface="+mn-cs"/>
-              </a:rPr>
-              <a:t>Hash-Wert</a:t>
-            </a:r>
-            <a:r>
-              <a:rPr lang="de-DE" sz="1200" b="0" i="0" kern="1200" dirty="0">
-                <a:solidFill>
-                  <a:schemeClr val="tx1"/>
-                </a:solidFill>
-                <a:effectLst/>
-                <a:latin typeface="+mn-lt"/>
-                <a:ea typeface="+mn-ea"/>
-                <a:cs typeface="+mn-cs"/>
-              </a:rPr>
-              <a:t> des </a:t>
-            </a:r>
-            <a:r>
-              <a:rPr lang="de-DE" sz="1200" b="0" i="1" kern="1200" dirty="0" err="1">
-                <a:solidFill>
-                  <a:schemeClr val="tx1"/>
-                </a:solidFill>
-                <a:effectLst/>
-                <a:latin typeface="+mn-lt"/>
-                <a:ea typeface="+mn-ea"/>
-                <a:cs typeface="+mn-cs"/>
-              </a:rPr>
-              <a:t>code_verifiers</a:t>
-            </a:r>
-            <a:r>
-              <a:rPr lang="de-DE" sz="1200" b="0" i="0" kern="1200" dirty="0">
-                <a:solidFill>
-                  <a:schemeClr val="tx1"/>
-                </a:solidFill>
-                <a:effectLst/>
-                <a:latin typeface="+mn-lt"/>
-                <a:ea typeface="+mn-ea"/>
-                <a:cs typeface="+mn-cs"/>
-              </a:rPr>
-              <a:t> ist, kann die </a:t>
-            </a:r>
-            <a:r>
-              <a:rPr lang="de-DE" sz="1200" b="0" i="1" kern="1200" dirty="0" err="1">
-                <a:solidFill>
-                  <a:schemeClr val="tx1"/>
-                </a:solidFill>
-                <a:effectLst/>
-                <a:latin typeface="+mn-lt"/>
-                <a:ea typeface="+mn-ea"/>
-                <a:cs typeface="+mn-cs"/>
-              </a:rPr>
-              <a:t>code_challenge</a:t>
-            </a:r>
-            <a:r>
-              <a:rPr lang="de-DE" sz="1200" b="0" i="0" kern="1200" dirty="0">
-                <a:solidFill>
-                  <a:schemeClr val="tx1"/>
-                </a:solidFill>
-                <a:effectLst/>
-                <a:latin typeface="+mn-lt"/>
-                <a:ea typeface="+mn-ea"/>
-                <a:cs typeface="+mn-cs"/>
-              </a:rPr>
-              <a:t> aus dem </a:t>
-            </a:r>
-            <a:r>
-              <a:rPr lang="de-DE" sz="1200" b="0" i="1" kern="1200" dirty="0" err="1">
-                <a:solidFill>
-                  <a:schemeClr val="tx1"/>
-                </a:solidFill>
-                <a:effectLst/>
-                <a:latin typeface="+mn-lt"/>
-                <a:ea typeface="+mn-ea"/>
-                <a:cs typeface="+mn-cs"/>
-              </a:rPr>
-              <a:t>code_verifier</a:t>
-            </a:r>
-            <a:r>
-              <a:rPr lang="de-DE" sz="1200" b="0" i="0" kern="1200" dirty="0">
-                <a:solidFill>
-                  <a:schemeClr val="tx1"/>
-                </a:solidFill>
-                <a:effectLst/>
-                <a:latin typeface="+mn-lt"/>
-                <a:ea typeface="+mn-ea"/>
-                <a:cs typeface="+mn-cs"/>
-              </a:rPr>
-              <a:t> errechnet werden.</a:t>
-            </a:r>
-          </a:p>
-          <a:p>
-            <a:r>
-              <a:rPr lang="de-DE" sz="1200" b="0" i="0" kern="1200" dirty="0">
-                <a:solidFill>
-                  <a:schemeClr val="tx1"/>
-                </a:solidFill>
-                <a:effectLst/>
-                <a:latin typeface="+mn-lt"/>
-                <a:ea typeface="+mn-ea"/>
-                <a:cs typeface="+mn-cs"/>
-              </a:rPr>
-              <a:t>Das heißt also, dass der </a:t>
-            </a:r>
-            <a:r>
-              <a:rPr lang="de-DE" sz="1200" b="0" i="0" kern="1200" dirty="0" err="1">
-                <a:solidFill>
-                  <a:schemeClr val="tx1"/>
-                </a:solidFill>
-                <a:effectLst/>
-                <a:latin typeface="+mn-lt"/>
-                <a:ea typeface="+mn-ea"/>
-                <a:cs typeface="+mn-cs"/>
-              </a:rPr>
-              <a:t>Authorization</a:t>
-            </a:r>
-            <a:r>
-              <a:rPr lang="de-DE" sz="1200" b="0" i="0" kern="1200" dirty="0">
-                <a:solidFill>
-                  <a:schemeClr val="tx1"/>
-                </a:solidFill>
-                <a:effectLst/>
-                <a:latin typeface="+mn-lt"/>
-                <a:ea typeface="+mn-ea"/>
-                <a:cs typeface="+mn-cs"/>
-              </a:rPr>
-              <a:t>-Server im Schritt </a:t>
-            </a:r>
-            <a:r>
-              <a:rPr lang="de-DE" sz="1200" b="1" i="0" kern="1200" dirty="0">
-                <a:solidFill>
-                  <a:schemeClr val="tx1"/>
-                </a:solidFill>
-                <a:effectLst/>
-                <a:latin typeface="+mn-lt"/>
-                <a:ea typeface="+mn-ea"/>
-                <a:cs typeface="+mn-cs"/>
-              </a:rPr>
-              <a:t>(9)</a:t>
-            </a:r>
-            <a:r>
-              <a:rPr lang="de-DE" sz="1200" b="0" i="0" kern="1200" dirty="0">
-                <a:solidFill>
-                  <a:schemeClr val="tx1"/>
-                </a:solidFill>
-                <a:effectLst/>
-                <a:latin typeface="+mn-lt"/>
-                <a:ea typeface="+mn-ea"/>
-                <a:cs typeface="+mn-cs"/>
-              </a:rPr>
-              <a:t> den enthaltenden </a:t>
-            </a:r>
-            <a:r>
-              <a:rPr lang="de-DE" sz="1200" b="0" i="1" kern="1200" dirty="0" err="1">
-                <a:solidFill>
-                  <a:schemeClr val="tx1"/>
-                </a:solidFill>
-                <a:effectLst/>
-                <a:latin typeface="+mn-lt"/>
-                <a:ea typeface="+mn-ea"/>
-                <a:cs typeface="+mn-cs"/>
-              </a:rPr>
-              <a:t>code_verifier</a:t>
-            </a:r>
-            <a:r>
-              <a:rPr lang="de-DE" sz="1200" b="0" i="0" kern="1200" dirty="0">
-                <a:solidFill>
-                  <a:schemeClr val="tx1"/>
-                </a:solidFill>
-                <a:effectLst/>
-                <a:latin typeface="+mn-lt"/>
-                <a:ea typeface="+mn-ea"/>
-                <a:cs typeface="+mn-cs"/>
-              </a:rPr>
-              <a:t> mit dem angegebenen Algorithmus (SHA256) </a:t>
-            </a:r>
-            <a:r>
-              <a:rPr lang="de-DE" sz="1200" b="0" i="0" kern="1200" dirty="0" err="1">
-                <a:solidFill>
-                  <a:schemeClr val="tx1"/>
-                </a:solidFill>
-                <a:effectLst/>
-                <a:latin typeface="+mn-lt"/>
-                <a:ea typeface="+mn-ea"/>
-                <a:cs typeface="+mn-cs"/>
-              </a:rPr>
-              <a:t>hashen</a:t>
-            </a:r>
-            <a:r>
-              <a:rPr lang="de-DE" sz="1200" b="0" i="0" kern="1200" dirty="0">
-                <a:solidFill>
-                  <a:schemeClr val="tx1"/>
-                </a:solidFill>
-                <a:effectLst/>
-                <a:latin typeface="+mn-lt"/>
-                <a:ea typeface="+mn-ea"/>
-                <a:cs typeface="+mn-cs"/>
-              </a:rPr>
-              <a:t>, und letztlich mit dem aus Schritt (4) erhaltenden </a:t>
-            </a:r>
-            <a:r>
-              <a:rPr lang="de-DE" sz="1200" b="0" i="0" kern="1200" dirty="0" err="1">
-                <a:solidFill>
-                  <a:schemeClr val="tx1"/>
-                </a:solidFill>
-                <a:effectLst/>
-                <a:latin typeface="+mn-lt"/>
-                <a:ea typeface="+mn-ea"/>
-                <a:cs typeface="+mn-cs"/>
-              </a:rPr>
-              <a:t>challenge</a:t>
-            </a:r>
-            <a:r>
-              <a:rPr lang="de-DE" sz="1200" b="0" i="0" kern="1200" dirty="0">
-                <a:solidFill>
-                  <a:schemeClr val="tx1"/>
-                </a:solidFill>
-                <a:effectLst/>
-                <a:latin typeface="+mn-lt"/>
-                <a:ea typeface="+mn-ea"/>
-                <a:cs typeface="+mn-cs"/>
-              </a:rPr>
-              <a:t> vergleichen muss.</a:t>
-            </a:r>
-          </a:p>
-          <a:p>
-            <a:r>
-              <a:rPr lang="de-DE" sz="1200" b="0" i="0" kern="1200" dirty="0">
-                <a:solidFill>
-                  <a:schemeClr val="tx1"/>
-                </a:solidFill>
-                <a:effectLst/>
-                <a:latin typeface="+mn-lt"/>
-                <a:ea typeface="+mn-ea"/>
-                <a:cs typeface="+mn-cs"/>
-              </a:rPr>
-              <a:t>Gleicht das das Ergebnis der im Schritt </a:t>
-            </a:r>
-            <a:r>
-              <a:rPr lang="de-DE" sz="1200" b="1" i="0" kern="1200" dirty="0">
-                <a:solidFill>
-                  <a:schemeClr val="tx1"/>
-                </a:solidFill>
-                <a:effectLst/>
-                <a:latin typeface="+mn-lt"/>
-                <a:ea typeface="+mn-ea"/>
-                <a:cs typeface="+mn-cs"/>
-              </a:rPr>
-              <a:t>(4)</a:t>
-            </a:r>
-            <a:r>
-              <a:rPr lang="de-DE" sz="1200" b="0" i="0" kern="1200" dirty="0">
-                <a:solidFill>
-                  <a:schemeClr val="tx1"/>
-                </a:solidFill>
-                <a:effectLst/>
-                <a:latin typeface="+mn-lt"/>
-                <a:ea typeface="+mn-ea"/>
-                <a:cs typeface="+mn-cs"/>
-              </a:rPr>
-              <a:t> erhaltenen </a:t>
-            </a:r>
-            <a:r>
-              <a:rPr lang="de-DE" sz="1200" b="0" i="1" kern="1200" dirty="0" err="1">
-                <a:solidFill>
-                  <a:schemeClr val="tx1"/>
-                </a:solidFill>
-                <a:effectLst/>
-                <a:latin typeface="+mn-lt"/>
-                <a:ea typeface="+mn-ea"/>
-                <a:cs typeface="+mn-cs"/>
-              </a:rPr>
-              <a:t>code_challenge</a:t>
-            </a:r>
-            <a:r>
-              <a:rPr lang="de-DE" sz="1200" b="0" i="0" kern="1200" dirty="0">
-                <a:solidFill>
-                  <a:schemeClr val="tx1"/>
-                </a:solidFill>
-                <a:effectLst/>
-                <a:latin typeface="+mn-lt"/>
-                <a:ea typeface="+mn-ea"/>
-                <a:cs typeface="+mn-cs"/>
-              </a:rPr>
-              <a:t> ist die Applikation verifiziert.</a:t>
-            </a:r>
-          </a:p>
-          <a:p>
-            <a:endParaRPr lang="de-DE" dirty="0"/>
+              <a:rPr lang="de-DE" dirty="0"/>
+              <a:t> Code und </a:t>
+            </a:r>
+            <a:r>
+              <a:rPr lang="de-DE" dirty="0" err="1"/>
+              <a:t>Credentials</a:t>
+            </a:r>
+            <a:r>
+              <a:rPr lang="de-DE" dirty="0"/>
+              <a:t> (User bekommt das nicht direkt mit) eingeführt.</a:t>
+            </a:r>
           </a:p>
         </p:txBody>
       </p:sp>
@@ -3432,7 +2836,7 @@
           <a:p>
             <a:fld id="{A62ABD72-7CE5-4E13-BAF9-6682705CFA71}" type="slidenum">
               <a:rPr lang="de-DE" smtClean="0"/>
-              <a:t>121</a:t>
+              <a:t>118</a:t>
             </a:fld>
             <a:endParaRPr lang="de-DE"/>
           </a:p>
@@ -3441,7 +2845,7 @@
     </p:spTree>
     <p:extLst>
       <p:ext uri="{BB962C8B-B14F-4D97-AF65-F5344CB8AC3E}">
-        <p14:creationId xmlns:p14="http://schemas.microsoft.com/office/powerpoint/2010/main" val="1131003765"/>
+        <p14:creationId xmlns:p14="http://schemas.microsoft.com/office/powerpoint/2010/main" val="2204279931"/>
       </p:ext>
     </p:extLst>
   </p:cSld>
@@ -3456,13 +2860,7 @@
   <p:cSld>
     <p:spTree>
       <p:nvGrpSpPr>
-        <p:cNvPr id="1" name="">
-          <a:extLst>
-            <a:ext uri="{FF2B5EF4-FFF2-40B4-BE49-F238E27FC236}">
-              <a16:creationId xmlns:a16="http://schemas.microsoft.com/office/drawing/2014/main" id="{EE3BD96F-5DF3-662D-3178-48B753273F59}"/>
-            </a:ext>
-          </a:extLst>
-        </p:cNvPr>
+        <p:cNvPr id="1" name=""/>
         <p:cNvGrpSpPr/>
         <p:nvPr/>
       </p:nvGrpSpPr>
@@ -3476,13 +2874,7 @@
       </p:grpSpPr>
       <p:sp>
         <p:nvSpPr>
-          <p:cNvPr id="2" name="Folienbildplatzhalter 1">
-            <a:extLst>
-              <a:ext uri="{FF2B5EF4-FFF2-40B4-BE49-F238E27FC236}">
-                <a16:creationId xmlns:a16="http://schemas.microsoft.com/office/drawing/2014/main" id="{29BC3ED6-1FCF-27C7-D3D6-6B1C73BCEF11}"/>
-              </a:ext>
-            </a:extLst>
-          </p:cNvPr>
+          <p:cNvPr id="2" name="Folienbildplatzhalter 1"/>
           <p:cNvSpPr>
             <a:spLocks noGrp="1" noRot="1" noChangeAspect="1"/>
           </p:cNvSpPr>
@@ -3494,13 +2886,7 @@
       </p:sp>
       <p:sp>
         <p:nvSpPr>
-          <p:cNvPr id="3" name="Notizenplatzhalter 2">
-            <a:extLst>
-              <a:ext uri="{FF2B5EF4-FFF2-40B4-BE49-F238E27FC236}">
-                <a16:creationId xmlns:a16="http://schemas.microsoft.com/office/drawing/2014/main" id="{DDED8AD9-2A46-F4EB-6E93-5D843EDF35C5}"/>
-              </a:ext>
-            </a:extLst>
-          </p:cNvPr>
+          <p:cNvPr id="3" name="Notizenplatzhalter 2"/>
           <p:cNvSpPr>
             <a:spLocks noGrp="1"/>
           </p:cNvSpPr>
@@ -3514,172 +2900,23 @@
           <a:lstStyle/>
           <a:p>
             <a:r>
-              <a:rPr lang="de-DE" sz="1200" b="0" i="0" kern="1200" dirty="0">
-                <a:solidFill>
-                  <a:schemeClr val="tx1"/>
-                </a:solidFill>
-                <a:effectLst/>
-                <a:latin typeface="+mn-lt"/>
-                <a:ea typeface="+mn-ea"/>
-                <a:cs typeface="+mn-cs"/>
-              </a:rPr>
-              <a:t>Es geht primär darum </a:t>
-            </a:r>
-            <a:r>
-              <a:rPr lang="de-DE" sz="1200" b="0" i="1" kern="1200" dirty="0" err="1">
-                <a:solidFill>
-                  <a:schemeClr val="tx1"/>
-                </a:solidFill>
-                <a:effectLst/>
-                <a:latin typeface="+mn-lt"/>
-                <a:ea typeface="+mn-ea"/>
-                <a:cs typeface="+mn-cs"/>
-              </a:rPr>
-              <a:t>Attack</a:t>
-            </a:r>
-            <a:r>
-              <a:rPr lang="de-DE" sz="1200" b="0" i="1" kern="1200" dirty="0">
-                <a:solidFill>
-                  <a:schemeClr val="tx1"/>
-                </a:solidFill>
-                <a:effectLst/>
-                <a:latin typeface="+mn-lt"/>
-                <a:ea typeface="+mn-ea"/>
-                <a:cs typeface="+mn-cs"/>
-              </a:rPr>
-              <a:t>-Vektoren</a:t>
-            </a:r>
-            <a:r>
-              <a:rPr lang="de-DE" sz="1200" b="0" i="0" kern="1200" dirty="0">
-                <a:solidFill>
-                  <a:schemeClr val="tx1"/>
-                </a:solidFill>
-                <a:effectLst/>
-                <a:latin typeface="+mn-lt"/>
-                <a:ea typeface="+mn-ea"/>
-                <a:cs typeface="+mn-cs"/>
-              </a:rPr>
-              <a:t> zu reduzieren. Speziell kann es passieren, dass es einem Angreifer irgendwie gelingt in Schritt (7) auf seine Applikation weiterzuleiten. Im Bild dargestellt durch den roten Bereich mit der Aufschrift “</a:t>
-            </a:r>
-            <a:r>
-              <a:rPr lang="de-DE" sz="1200" b="0" i="0" kern="1200" dirty="0" err="1">
-                <a:solidFill>
-                  <a:schemeClr val="tx1"/>
-                </a:solidFill>
-                <a:effectLst/>
-                <a:latin typeface="+mn-lt"/>
-                <a:ea typeface="+mn-ea"/>
-                <a:cs typeface="+mn-cs"/>
-              </a:rPr>
-              <a:t>Maclicous</a:t>
-            </a:r>
-            <a:r>
-              <a:rPr lang="de-DE" sz="1200" b="0" i="0" kern="1200" dirty="0">
-                <a:solidFill>
-                  <a:schemeClr val="tx1"/>
-                </a:solidFill>
-                <a:effectLst/>
-                <a:latin typeface="+mn-lt"/>
-                <a:ea typeface="+mn-ea"/>
-                <a:cs typeface="+mn-cs"/>
-              </a:rPr>
-              <a:t>”. Wäre es möglich den Code direkt einzutauschen, dann hätte die schädliche Applikation nun vollen Zugriff auf die API. Ist es aber glücklicherweise nicht. Denn die Applikation braucht den </a:t>
-            </a:r>
-            <a:r>
-              <a:rPr lang="de-DE" sz="1200" b="0" i="1" kern="1200" dirty="0" err="1">
-                <a:solidFill>
-                  <a:schemeClr val="tx1"/>
-                </a:solidFill>
-                <a:effectLst/>
-                <a:latin typeface="+mn-lt"/>
-                <a:ea typeface="+mn-ea"/>
-                <a:cs typeface="+mn-cs"/>
-              </a:rPr>
-              <a:t>code_verifier</a:t>
-            </a:r>
-            <a:r>
-              <a:rPr lang="de-DE" sz="1200" b="0" i="0" kern="1200" dirty="0">
-                <a:solidFill>
-                  <a:schemeClr val="tx1"/>
-                </a:solidFill>
-                <a:effectLst/>
-                <a:latin typeface="+mn-lt"/>
-                <a:ea typeface="+mn-ea"/>
-                <a:cs typeface="+mn-cs"/>
-              </a:rPr>
-              <a:t> und wie zu sehen, ist </a:t>
-            </a:r>
-            <a:r>
-              <a:rPr lang="de-DE" sz="1200" b="0" i="1" kern="1200" dirty="0">
-                <a:solidFill>
-                  <a:schemeClr val="tx1"/>
-                </a:solidFill>
-                <a:effectLst/>
-                <a:latin typeface="+mn-lt"/>
-                <a:ea typeface="+mn-ea"/>
-                <a:cs typeface="+mn-cs"/>
-              </a:rPr>
-              <a:t>dieser nur im Speicher der </a:t>
-            </a:r>
-            <a:r>
-              <a:rPr lang="de-DE" sz="1200" b="0" i="1" kern="1200" dirty="0" err="1">
-                <a:solidFill>
-                  <a:schemeClr val="tx1"/>
-                </a:solidFill>
-                <a:effectLst/>
-                <a:latin typeface="+mn-lt"/>
-                <a:ea typeface="+mn-ea"/>
-                <a:cs typeface="+mn-cs"/>
-              </a:rPr>
-              <a:t>orignalen</a:t>
-            </a:r>
-            <a:r>
-              <a:rPr lang="de-DE" sz="1200" b="0" i="1" kern="1200" dirty="0">
-                <a:solidFill>
-                  <a:schemeClr val="tx1"/>
-                </a:solidFill>
-                <a:effectLst/>
-                <a:latin typeface="+mn-lt"/>
-                <a:ea typeface="+mn-ea"/>
-                <a:cs typeface="+mn-cs"/>
-              </a:rPr>
-              <a:t> Applikation</a:t>
-            </a:r>
-            <a:r>
-              <a:rPr lang="de-DE" sz="1200" b="0" i="0" kern="1200" dirty="0">
-                <a:solidFill>
-                  <a:schemeClr val="tx1"/>
-                </a:solidFill>
-                <a:effectLst/>
-                <a:latin typeface="+mn-lt"/>
-                <a:ea typeface="+mn-ea"/>
-                <a:cs typeface="+mn-cs"/>
-              </a:rPr>
-              <a:t> verfügbar. Die schädliche Applikation hat deshalb keine Möglichkeit die Berechtigung zum Erhalten des Token zu verifizieren und die API bleibt geschützt.</a:t>
-            </a:r>
-          </a:p>
-          <a:p>
-            <a:endParaRPr lang="de-DE" sz="1200" b="0" i="0" kern="1200" dirty="0">
-              <a:solidFill>
-                <a:schemeClr val="tx1"/>
-              </a:solidFill>
-              <a:effectLst/>
-              <a:latin typeface="+mn-lt"/>
-              <a:ea typeface="+mn-ea"/>
-              <a:cs typeface="+mn-cs"/>
-            </a:endParaRPr>
-          </a:p>
-        </p:txBody>
-      </p:sp>
-      <p:sp>
-        <p:nvSpPr>
-          <p:cNvPr id="4" name="Foliennummernplatzhalter 3">
-            <a:extLst>
-              <a:ext uri="{FF2B5EF4-FFF2-40B4-BE49-F238E27FC236}">
-                <a16:creationId xmlns:a16="http://schemas.microsoft.com/office/drawing/2014/main" id="{2A574F69-63DA-9F6B-E8CA-FCFBA7F002E3}"/>
-              </a:ext>
-            </a:extLst>
-          </p:cNvPr>
+              <a:rPr lang="de-DE" dirty="0"/>
+              <a:t>Wenn z.B. ein </a:t>
+            </a:r>
+            <a:r>
+              <a:rPr lang="de-DE" dirty="0" err="1"/>
+              <a:t>Timer</a:t>
+            </a:r>
+            <a:r>
+              <a:rPr lang="de-DE" dirty="0"/>
+              <a:t> gesteuertes Ereignis passiert, kann der Client auch nur sich selber authentifizieren</a:t>
+            </a:r>
+          </a:p>
+        </p:txBody>
+      </p:sp>
+      <p:sp>
+        <p:nvSpPr>
+          <p:cNvPr id="4" name="Foliennummernplatzhalter 3"/>
           <p:cNvSpPr>
             <a:spLocks noGrp="1"/>
           </p:cNvSpPr>
@@ -3694,7 +2931,7 @@
           <a:p>
             <a:fld id="{A62ABD72-7CE5-4E13-BAF9-6682705CFA71}" type="slidenum">
               <a:rPr lang="de-DE" smtClean="0"/>
-              <a:t>122</a:t>
+              <a:t>121</a:t>
             </a:fld>
             <a:endParaRPr lang="de-DE"/>
           </a:p>
@@ -3703,7 +2940,7 @@
     </p:spTree>
     <p:extLst>
       <p:ext uri="{BB962C8B-B14F-4D97-AF65-F5344CB8AC3E}">
-        <p14:creationId xmlns:p14="http://schemas.microsoft.com/office/powerpoint/2010/main" val="1728647485"/>
+        <p14:creationId xmlns:p14="http://schemas.microsoft.com/office/powerpoint/2010/main" val="981362875"/>
       </p:ext>
     </p:extLst>
   </p:cSld>
@@ -3759,23 +2996,15 @@
           <a:p>
             <a:r>
               <a:rPr lang="de-DE" dirty="0"/>
-              <a:t>Access Tokens können </a:t>
-            </a:r>
-            <a:r>
-              <a:rPr lang="de-DE" dirty="0" err="1"/>
-              <a:t>opaque</a:t>
-            </a:r>
-            <a:r>
-              <a:rPr lang="de-DE" dirty="0"/>
-              <a:t> sein, also nur eine Kennung für den Server, oder ein JWT, das direkt Claims transportiert. Bei JWT-Tokens sichert der Auth-Server sie mit einem privaten Schlüssel, und der </a:t>
-            </a:r>
-            <a:r>
-              <a:rPr lang="de-DE" dirty="0" err="1"/>
-              <a:t>Resource</a:t>
-            </a:r>
-            <a:r>
-              <a:rPr lang="de-DE" dirty="0"/>
-              <a:t> Server lädt die öffentlichen JWKs, um die Signatur zu prüfen.</a:t>
+              <a:t>Scopes sind grafische Abziehbilder für Zugriffsrechte, Claims sind Daten im Token. Typischerweise prüfen wir im Code mit Spring Security direkt die </a:t>
+            </a:r>
+            <a:r>
+              <a:rPr lang="de-DE" dirty="0" err="1"/>
+              <a:t>Scope-Authorities</a:t>
+            </a:r>
+            <a:r>
+              <a:rPr lang="de-DE" dirty="0"/>
+              <a:t>, um Endpoints zu schützen – das ist sehr flexibel.</a:t>
             </a:r>
           </a:p>
         </p:txBody>
@@ -3806,7 +3035,7 @@
     </p:spTree>
     <p:extLst>
       <p:ext uri="{BB962C8B-B14F-4D97-AF65-F5344CB8AC3E}">
-        <p14:creationId xmlns:p14="http://schemas.microsoft.com/office/powerpoint/2010/main" val="2135031584"/>
+        <p14:creationId xmlns:p14="http://schemas.microsoft.com/office/powerpoint/2010/main" val="81808858"/>
       </p:ext>
     </p:extLst>
   </p:cSld>
@@ -3862,15 +3091,7 @@
           <a:p>
             <a:r>
               <a:rPr lang="de-DE" dirty="0"/>
-              <a:t>Scopes sind grafische Abziehbilder für Zugriffsrechte, Claims sind Daten im Token. Typischerweise prüfen wir im Code mit Spring Security direkt die </a:t>
-            </a:r>
-            <a:r>
-              <a:rPr lang="de-DE" dirty="0" err="1"/>
-              <a:t>Scope-Authorities</a:t>
-            </a:r>
-            <a:r>
-              <a:rPr lang="de-DE" dirty="0"/>
-              <a:t>, um Endpoints zu schützen – das ist sehr flexibel.</a:t>
+              <a:t>OAuth2 lebt von HTTPS. Für SPAs brauchen wir PKCE, damit kein Geheimnis im Browser liegt. Wir sollten auch regelmäßig Tokens widerrufen können und Refresh Tokens rotieren, um Missbrauch einzudämmen. Und unsere üblichen Web-Security-Header bleiben unverzichtbar.</a:t>
             </a:r>
           </a:p>
         </p:txBody>
@@ -3892,7 +3113,7 @@
           <a:p>
             <a:fld id="{A62ABD72-7CE5-4E13-BAF9-6682705CFA71}" type="slidenum">
               <a:rPr lang="de-DE" smtClean="0"/>
-              <a:t>126</a:t>
+              <a:t>124</a:t>
             </a:fld>
             <a:endParaRPr lang="de-DE"/>
           </a:p>
@@ -3901,7 +3122,7 @@
     </p:spTree>
     <p:extLst>
       <p:ext uri="{BB962C8B-B14F-4D97-AF65-F5344CB8AC3E}">
-        <p14:creationId xmlns:p14="http://schemas.microsoft.com/office/powerpoint/2010/main" val="81808858"/>
+        <p14:creationId xmlns:p14="http://schemas.microsoft.com/office/powerpoint/2010/main" val="3185821220"/>
       </p:ext>
     </p:extLst>
   </p:cSld>
@@ -3957,7 +3178,23 @@
           <a:p>
             <a:r>
               <a:rPr lang="de-DE" dirty="0"/>
-              <a:t>OAuth2 lebt von HTTPS. Für SPAs brauchen wir PKCE, damit kein Geheimnis im Browser liegt. Wir sollten auch regelmäßig Tokens widerrufen können und Refresh Tokens rotieren, um Missbrauch einzudämmen. Und unsere üblichen Web-Security-Header bleiben unverzichtbar.</a:t>
+              <a:t>Mit OIDC fügen wir zu OAuth 2.0 einen klaren Identity-Layer hinzu: Der Auth-Server liefert nicht nur zugewiesene Rechte (Scopes), sondern auch ein </a:t>
+            </a:r>
+            <a:r>
+              <a:rPr lang="de-DE" b="1" dirty="0" err="1"/>
+              <a:t>id_token</a:t>
+            </a:r>
+            <a:r>
+              <a:rPr lang="de-DE" dirty="0"/>
+              <a:t> mit den wichtigsten User-Informationen. Über den </a:t>
+            </a:r>
+            <a:r>
+              <a:rPr lang="de-DE" dirty="0" err="1"/>
+              <a:t>UserInfo-Endpoint</a:t>
+            </a:r>
+            <a:r>
+              <a:rPr lang="de-DE" dirty="0"/>
+              <a:t> lassen sich darüber hinaus beliebige Profil-Attribute abfragen.</a:t>
             </a:r>
           </a:p>
         </p:txBody>
@@ -3988,7 +3225,7 @@
     </p:spTree>
     <p:extLst>
       <p:ext uri="{BB962C8B-B14F-4D97-AF65-F5344CB8AC3E}">
-        <p14:creationId xmlns:p14="http://schemas.microsoft.com/office/powerpoint/2010/main" val="3185821220"/>
+        <p14:creationId xmlns:p14="http://schemas.microsoft.com/office/powerpoint/2010/main" val="1222485660"/>
       </p:ext>
     </p:extLst>
   </p:cSld>
@@ -12431,19 +11668,17 @@
       </p:sp>
       <p:pic>
         <p:nvPicPr>
-          <p:cNvPr id="5" name="Inhaltsplatzhalter 4" descr="Ein Bild, das Text, Screenshot, Schrift, Diagramm enthält.&#10;&#10;KI-generierte Inhalte können fehlerhaft sein.">
+          <p:cNvPr id="7" name="Grafik 6">
             <a:extLst>
               <a:ext uri="{FF2B5EF4-FFF2-40B4-BE49-F238E27FC236}">
-                <a16:creationId xmlns:a16="http://schemas.microsoft.com/office/drawing/2014/main" id="{BD801C4A-6D2D-726D-B9AF-566ED9B7FECF}"/>
+                <a16:creationId xmlns:a16="http://schemas.microsoft.com/office/drawing/2014/main" id="{BCF632BF-9805-6CAD-8E6B-9579D562B98B}"/>
               </a:ext>
             </a:extLst>
           </p:cNvPr>
           <p:cNvPicPr>
-            <a:picLocks noGrp="1" noChangeAspect="1"/>
+            <a:picLocks noChangeAspect="1"/>
           </p:cNvPicPr>
-          <p:nvPr>
-            <p:ph idx="1"/>
-          </p:nvPr>
+          <p:nvPr/>
         </p:nvPicPr>
         <p:blipFill>
           <a:blip r:embed="rId2"/>
@@ -12453,9 +11688,12 @@
         </p:blipFill>
         <p:spPr>
           <a:xfrm>
-            <a:off x="1301530" y="2330700"/>
-            <a:ext cx="7381426" cy="3707029"/>
+            <a:off x="1028172" y="1423677"/>
+            <a:ext cx="7563906" cy="4448796"/>
           </a:xfrm>
+          <a:prstGeom prst="rect">
+            <a:avLst/>
+          </a:prstGeom>
         </p:spPr>
       </p:pic>
     </p:spTree>
@@ -13036,6 +12274,374 @@
           <p:cNvPr id="2" name="Titel 1">
             <a:extLst>
               <a:ext uri="{FF2B5EF4-FFF2-40B4-BE49-F238E27FC236}">
+                <a16:creationId xmlns:a16="http://schemas.microsoft.com/office/drawing/2014/main" id="{9211E773-EAAF-9370-E343-A2DB91BDAD61}"/>
+              </a:ext>
+            </a:extLst>
+          </p:cNvPr>
+          <p:cNvSpPr>
+            <a:spLocks noGrp="1"/>
+          </p:cNvSpPr>
+          <p:nvPr>
+            <p:ph type="title"/>
+          </p:nvPr>
+        </p:nvSpPr>
+        <p:spPr/>
+        <p:txBody>
+          <a:bodyPr/>
+          <a:lstStyle/>
+          <a:p>
+            <a:r>
+              <a:rPr lang="de-DE" dirty="0"/>
+              <a:t>2 unterschiedliche Arten von Tokens</a:t>
+            </a:r>
+          </a:p>
+        </p:txBody>
+      </p:sp>
+      <p:sp>
+        <p:nvSpPr>
+          <p:cNvPr id="3" name="Inhaltsplatzhalter 2">
+            <a:extLst>
+              <a:ext uri="{FF2B5EF4-FFF2-40B4-BE49-F238E27FC236}">
+                <a16:creationId xmlns:a16="http://schemas.microsoft.com/office/drawing/2014/main" id="{BC4D7D59-1BF8-B214-54FA-F8842CF151B1}"/>
+              </a:ext>
+            </a:extLst>
+          </p:cNvPr>
+          <p:cNvSpPr>
+            <a:spLocks noGrp="1"/>
+          </p:cNvSpPr>
+          <p:nvPr>
+            <p:ph idx="1"/>
+          </p:nvPr>
+        </p:nvSpPr>
+        <p:spPr>
+          <a:xfrm>
+            <a:off x="677334" y="1736599"/>
+            <a:ext cx="5365134" cy="4304764"/>
+          </a:xfrm>
+        </p:spPr>
+        <p:txBody>
+          <a:bodyPr/>
+          <a:lstStyle/>
+          <a:p>
+            <a:r>
+              <a:rPr lang="de-DE" b="1" dirty="0" err="1"/>
+              <a:t>Opaque</a:t>
+            </a:r>
+            <a:r>
+              <a:rPr lang="de-DE" dirty="0"/>
+              <a:t>: speichern keine Daten. Sind nur der Nachweis eines </a:t>
+            </a:r>
+            <a:r>
+              <a:rPr lang="de-DE" dirty="0" err="1"/>
+              <a:t>Autorisierungversuches</a:t>
+            </a:r>
+            <a:r>
+              <a:rPr lang="de-DE" dirty="0"/>
+              <a:t>. Müssen daher durch den ausstellenden Auth Server verifiziert werden</a:t>
+            </a:r>
+          </a:p>
+          <a:p>
+            <a:endParaRPr lang="de-DE" dirty="0"/>
+          </a:p>
+          <a:p>
+            <a:endParaRPr lang="de-DE" dirty="0"/>
+          </a:p>
+          <a:p>
+            <a:endParaRPr lang="de-DE" dirty="0"/>
+          </a:p>
+          <a:p>
+            <a:r>
+              <a:rPr lang="de-DE" b="1" dirty="0"/>
+              <a:t>Non-</a:t>
+            </a:r>
+            <a:r>
+              <a:rPr lang="de-DE" b="1" dirty="0" err="1"/>
+              <a:t>Opaque</a:t>
+            </a:r>
+            <a:r>
+              <a:rPr lang="de-DE" dirty="0"/>
+              <a:t>: Speichern Daten, so dass der </a:t>
+            </a:r>
+            <a:r>
+              <a:rPr lang="de-DE" dirty="0" err="1"/>
+              <a:t>Resource</a:t>
+            </a:r>
+            <a:r>
+              <a:rPr lang="de-DE" dirty="0"/>
+              <a:t>-Server selber auswerten kann, was autorisiert ist. Bekanntestes Beispiel: JWT</a:t>
+            </a:r>
+          </a:p>
+          <a:p>
+            <a:endParaRPr lang="de-DE" dirty="0"/>
+          </a:p>
+        </p:txBody>
+      </p:sp>
+      <p:pic>
+        <p:nvPicPr>
+          <p:cNvPr id="5" name="Grafik 4">
+            <a:extLst>
+              <a:ext uri="{FF2B5EF4-FFF2-40B4-BE49-F238E27FC236}">
+                <a16:creationId xmlns:a16="http://schemas.microsoft.com/office/drawing/2014/main" id="{A3D72160-44E4-1776-200A-6D7AA348B9C0}"/>
+              </a:ext>
+            </a:extLst>
+          </p:cNvPr>
+          <p:cNvPicPr>
+            <a:picLocks noChangeAspect="1"/>
+          </p:cNvPicPr>
+          <p:nvPr/>
+        </p:nvPicPr>
+        <p:blipFill>
+          <a:blip r:embed="rId2"/>
+          <a:stretch>
+            <a:fillRect/>
+          </a:stretch>
+        </p:blipFill>
+        <p:spPr>
+          <a:xfrm>
+            <a:off x="6042468" y="1402701"/>
+            <a:ext cx="2415732" cy="2226916"/>
+          </a:xfrm>
+          <a:prstGeom prst="rect">
+            <a:avLst/>
+          </a:prstGeom>
+        </p:spPr>
+      </p:pic>
+      <p:pic>
+        <p:nvPicPr>
+          <p:cNvPr id="7" name="Grafik 6">
+            <a:extLst>
+              <a:ext uri="{FF2B5EF4-FFF2-40B4-BE49-F238E27FC236}">
+                <a16:creationId xmlns:a16="http://schemas.microsoft.com/office/drawing/2014/main" id="{D44E16CC-51F6-611E-697E-EAE67B1332D6}"/>
+              </a:ext>
+            </a:extLst>
+          </p:cNvPr>
+          <p:cNvPicPr>
+            <a:picLocks noChangeAspect="1"/>
+          </p:cNvPicPr>
+          <p:nvPr/>
+        </p:nvPicPr>
+        <p:blipFill>
+          <a:blip r:embed="rId3"/>
+          <a:stretch>
+            <a:fillRect/>
+          </a:stretch>
+        </p:blipFill>
+        <p:spPr>
+          <a:xfrm>
+            <a:off x="6042468" y="4099712"/>
+            <a:ext cx="2171702" cy="2351567"/>
+          </a:xfrm>
+          <a:prstGeom prst="rect">
+            <a:avLst/>
+          </a:prstGeom>
+        </p:spPr>
+      </p:pic>
+    </p:spTree>
+    <p:extLst>
+      <p:ext uri="{BB962C8B-B14F-4D97-AF65-F5344CB8AC3E}">
+        <p14:creationId xmlns:p14="http://schemas.microsoft.com/office/powerpoint/2010/main" val="3303465515"/>
+      </p:ext>
+    </p:extLst>
+  </p:cSld>
+  <p:clrMapOvr>
+    <a:masterClrMapping/>
+  </p:clrMapOvr>
+</p:sld>
+</file>
+
+<file path=ppt/slides/slide116.xml><?xml version="1.0" encoding="utf-8"?>
+<p:sld xmlns:a="http://schemas.openxmlformats.org/drawingml/2006/main" xmlns:r="http://schemas.openxmlformats.org/officeDocument/2006/relationships" xmlns:p="http://schemas.openxmlformats.org/presentationml/2006/main">
+  <p:cSld>
+    <p:spTree>
+      <p:nvGrpSpPr>
+        <p:cNvPr id="1" name=""/>
+        <p:cNvGrpSpPr/>
+        <p:nvPr/>
+      </p:nvGrpSpPr>
+      <p:grpSpPr>
+        <a:xfrm>
+          <a:off x="0" y="0"/>
+          <a:ext cx="0" cy="0"/>
+          <a:chOff x="0" y="0"/>
+          <a:chExt cx="0" cy="0"/>
+        </a:xfrm>
+      </p:grpSpPr>
+      <p:sp>
+        <p:nvSpPr>
+          <p:cNvPr id="2" name="Titel 1">
+            <a:extLst>
+              <a:ext uri="{FF2B5EF4-FFF2-40B4-BE49-F238E27FC236}">
+                <a16:creationId xmlns:a16="http://schemas.microsoft.com/office/drawing/2014/main" id="{981B9BE2-B294-DFCF-AF24-6AFD7644E9E9}"/>
+              </a:ext>
+            </a:extLst>
+          </p:cNvPr>
+          <p:cNvSpPr>
+            <a:spLocks noGrp="1"/>
+          </p:cNvSpPr>
+          <p:nvPr>
+            <p:ph type="title"/>
+          </p:nvPr>
+        </p:nvSpPr>
+        <p:spPr/>
+        <p:txBody>
+          <a:bodyPr/>
+          <a:lstStyle/>
+          <a:p>
+            <a:r>
+              <a:rPr lang="de-DE" dirty="0"/>
+              <a:t>JWT</a:t>
+            </a:r>
+          </a:p>
+        </p:txBody>
+      </p:sp>
+      <p:sp>
+        <p:nvSpPr>
+          <p:cNvPr id="3" name="Inhaltsplatzhalter 2">
+            <a:extLst>
+              <a:ext uri="{FF2B5EF4-FFF2-40B4-BE49-F238E27FC236}">
+                <a16:creationId xmlns:a16="http://schemas.microsoft.com/office/drawing/2014/main" id="{B34886C7-49A5-7399-AFDD-69FA364D67E0}"/>
+              </a:ext>
+            </a:extLst>
+          </p:cNvPr>
+          <p:cNvSpPr>
+            <a:spLocks noGrp="1"/>
+          </p:cNvSpPr>
+          <p:nvPr>
+            <p:ph idx="1"/>
+          </p:nvPr>
+        </p:nvSpPr>
+        <p:spPr>
+          <a:xfrm>
+            <a:off x="677334" y="3000375"/>
+            <a:ext cx="8596668" cy="3040987"/>
+          </a:xfrm>
+        </p:spPr>
+        <p:txBody>
+          <a:bodyPr>
+            <a:normAutofit fontScale="92500" lnSpcReduction="10000"/>
+          </a:bodyPr>
+          <a:lstStyle/>
+          <a:p>
+            <a:r>
+              <a:rPr lang="de-DE" dirty="0"/>
+              <a:t>Ein </a:t>
+            </a:r>
+            <a:r>
+              <a:rPr lang="de-DE" b="1" dirty="0"/>
+              <a:t>JWT</a:t>
+            </a:r>
+            <a:r>
+              <a:rPr lang="de-DE" dirty="0"/>
+              <a:t> (JSON Web Token) ist ein kompakter, URL-sicherer Token-Standard, mit dem man Claims (Ansprüche) in einem JSON-Struktur‐Format zwischen zwei Parteien übertragen und kryptographisch absichern kann. </a:t>
+            </a:r>
+          </a:p>
+          <a:p>
+            <a:r>
+              <a:rPr lang="de-DE" dirty="0"/>
+              <a:t>Selbst-enthaltend: Alle nötigen Claims stecken im Token, kein zusätzlicher Datenbank-Lookup erforderlich.</a:t>
+            </a:r>
+          </a:p>
+          <a:p>
+            <a:r>
+              <a:rPr lang="de-DE" dirty="0"/>
+              <a:t>Dezentrale Verifikation: </a:t>
+            </a:r>
+            <a:r>
+              <a:rPr lang="de-DE" dirty="0" err="1"/>
+              <a:t>Resource</a:t>
+            </a:r>
+            <a:r>
+              <a:rPr lang="de-DE" dirty="0"/>
+              <a:t> Server kann mittels Public Key (bei RSA/ECDSA) oder </a:t>
+            </a:r>
+            <a:r>
+              <a:rPr lang="de-DE" dirty="0" err="1"/>
+              <a:t>Shared</a:t>
+            </a:r>
+            <a:r>
+              <a:rPr lang="de-DE" dirty="0"/>
+              <a:t> Secret (bei HMAC) offline prüfen.</a:t>
+            </a:r>
+          </a:p>
+          <a:p>
+            <a:r>
+              <a:rPr lang="de-DE" dirty="0"/>
+              <a:t>Standardisiert: Viele Bibliotheken in allen Sprachen unterstützen JWT aus der Box.</a:t>
+            </a:r>
+          </a:p>
+          <a:p>
+            <a:r>
+              <a:rPr lang="de-DE" dirty="0"/>
+              <a:t>Flexibel: Eigene Claims lassen sich beliebig hinzufügen (z. B. Rollen, Organisations-ID).</a:t>
+            </a:r>
+          </a:p>
+        </p:txBody>
+      </p:sp>
+      <p:pic>
+        <p:nvPicPr>
+          <p:cNvPr id="5" name="Grafik 4">
+            <a:extLst>
+              <a:ext uri="{FF2B5EF4-FFF2-40B4-BE49-F238E27FC236}">
+                <a16:creationId xmlns:a16="http://schemas.microsoft.com/office/drawing/2014/main" id="{3F3A5528-1837-7726-383D-1C1D383545AF}"/>
+              </a:ext>
+            </a:extLst>
+          </p:cNvPr>
+          <p:cNvPicPr>
+            <a:picLocks noChangeAspect="1"/>
+          </p:cNvPicPr>
+          <p:nvPr/>
+        </p:nvPicPr>
+        <p:blipFill>
+          <a:blip r:embed="rId2"/>
+          <a:stretch>
+            <a:fillRect/>
+          </a:stretch>
+        </p:blipFill>
+        <p:spPr>
+          <a:xfrm>
+            <a:off x="3314171" y="306207"/>
+            <a:ext cx="7582958" cy="2581635"/>
+          </a:xfrm>
+          <a:prstGeom prst="rect">
+            <a:avLst/>
+          </a:prstGeom>
+        </p:spPr>
+      </p:pic>
+    </p:spTree>
+    <p:extLst>
+      <p:ext uri="{BB962C8B-B14F-4D97-AF65-F5344CB8AC3E}">
+        <p14:creationId xmlns:p14="http://schemas.microsoft.com/office/powerpoint/2010/main" val="1701972014"/>
+      </p:ext>
+    </p:extLst>
+  </p:cSld>
+  <p:clrMapOvr>
+    <a:masterClrMapping/>
+  </p:clrMapOvr>
+</p:sld>
+</file>
+
+<file path=ppt/slides/slide117.xml><?xml version="1.0" encoding="utf-8"?>
+<p:sld xmlns:a="http://schemas.openxmlformats.org/drawingml/2006/main" xmlns:r="http://schemas.openxmlformats.org/officeDocument/2006/relationships" xmlns:p="http://schemas.openxmlformats.org/presentationml/2006/main">
+  <p:cSld>
+    <p:spTree>
+      <p:nvGrpSpPr>
+        <p:cNvPr id="1" name=""/>
+        <p:cNvGrpSpPr/>
+        <p:nvPr/>
+      </p:nvGrpSpPr>
+      <p:grpSpPr>
+        <a:xfrm>
+          <a:off x="0" y="0"/>
+          <a:ext cx="0" cy="0"/>
+          <a:chOff x="0" y="0"/>
+          <a:chExt cx="0" cy="0"/>
+        </a:xfrm>
+      </p:grpSpPr>
+      <p:sp>
+        <p:nvSpPr>
+          <p:cNvPr id="2" name="Titel 1">
+            <a:extLst>
+              <a:ext uri="{FF2B5EF4-FFF2-40B4-BE49-F238E27FC236}">
                 <a16:creationId xmlns:a16="http://schemas.microsoft.com/office/drawing/2014/main" id="{275EE876-4D2E-BCA8-3060-16A2E9C69E33}"/>
               </a:ext>
             </a:extLst>
@@ -13134,51 +12740,6 @@
             <a:r>
               <a:rPr lang="de-DE" dirty="0"/>
               <a:t>: kein User-Kontext, nur Client-ID/Secret</a:t>
-            </a:r>
-          </a:p>
-          <a:p>
-            <a:r>
-              <a:rPr lang="de-DE" b="1" dirty="0" err="1"/>
-              <a:t>Resource</a:t>
-            </a:r>
-            <a:r>
-              <a:rPr lang="de-DE" b="1" dirty="0"/>
-              <a:t> </a:t>
-            </a:r>
-            <a:r>
-              <a:rPr lang="de-DE" b="1" dirty="0" err="1"/>
-              <a:t>Owner</a:t>
-            </a:r>
-            <a:r>
-              <a:rPr lang="de-DE" b="1" dirty="0"/>
-              <a:t> Password </a:t>
-            </a:r>
-            <a:r>
-              <a:rPr lang="de-DE" b="1" dirty="0" err="1"/>
-              <a:t>Credentials</a:t>
-            </a:r>
-            <a:r>
-              <a:rPr lang="de-DE" b="1" dirty="0"/>
-              <a:t> (</a:t>
-            </a:r>
-            <a:r>
-              <a:rPr lang="de-DE" b="1" i="1" dirty="0"/>
-              <a:t>meist </a:t>
-            </a:r>
-            <a:r>
-              <a:rPr lang="de-DE" b="1" i="1" dirty="0" err="1"/>
-              <a:t>deprecated</a:t>
-            </a:r>
-            <a:r>
-              <a:rPr lang="de-DE" b="1" dirty="0"/>
-              <a:t>)</a:t>
-            </a:r>
-            <a:br>
-              <a:rPr lang="de-DE" b="1" dirty="0"/>
-            </a:br>
-            <a:r>
-              <a:rPr lang="de-DE" dirty="0"/>
-              <a:t>– User gibt Passwort direkt an Client, heute aus Security-Gründen selten empfohlen</a:t>
             </a:r>
           </a:p>
           <a:p>
@@ -13209,7 +12770,7 @@
 </p:sld>
 </file>
 
-<file path=ppt/slides/slide116.xml><?xml version="1.0" encoding="utf-8"?>
+<file path=ppt/slides/slide118.xml><?xml version="1.0" encoding="utf-8"?>
 <p:sld xmlns:a="http://schemas.openxmlformats.org/drawingml/2006/main" xmlns:r="http://schemas.openxmlformats.org/officeDocument/2006/relationships" xmlns:p="http://schemas.openxmlformats.org/presentationml/2006/main">
   <p:cSld>
     <p:spTree>
@@ -13270,10 +12831,10 @@
       </p:sp>
       <p:pic>
         <p:nvPicPr>
-          <p:cNvPr id="7" name="Grafik 6" descr="Ein Bild, das Text, Screenshot, Diagramm, Schrift enthält.&#10;&#10;KI-generierte Inhalte können fehlerhaft sein.">
+          <p:cNvPr id="4" name="Grafik 3">
             <a:extLst>
               <a:ext uri="{FF2B5EF4-FFF2-40B4-BE49-F238E27FC236}">
-                <a16:creationId xmlns:a16="http://schemas.microsoft.com/office/drawing/2014/main" id="{3ED00FB4-B399-6E94-BF7E-005A9B656681}"/>
+                <a16:creationId xmlns:a16="http://schemas.microsoft.com/office/drawing/2014/main" id="{9FCA86DD-F5B9-0542-2CE8-3272287CBF6F}"/>
               </a:ext>
             </a:extLst>
           </p:cNvPr>
@@ -13283,15 +12844,15 @@
           <p:nvPr/>
         </p:nvPicPr>
         <p:blipFill>
-          <a:blip r:embed="rId2"/>
+          <a:blip r:embed="rId3"/>
           <a:stretch>
             <a:fillRect/>
           </a:stretch>
         </p:blipFill>
         <p:spPr>
           <a:xfrm>
-            <a:off x="918885" y="1930400"/>
-            <a:ext cx="6386155" cy="4479007"/>
+            <a:off x="1743075" y="1930400"/>
+            <a:ext cx="6839458" cy="4261233"/>
           </a:xfrm>
           <a:prstGeom prst="rect">
             <a:avLst/>
@@ -13311,18 +12872,12 @@
 </p:sld>
 </file>
 
-<file path=ppt/slides/slide117.xml><?xml version="1.0" encoding="utf-8"?>
+<file path=ppt/slides/slide119.xml><?xml version="1.0" encoding="utf-8"?>
 <p:sld xmlns:a="http://schemas.openxmlformats.org/drawingml/2006/main" xmlns:r="http://schemas.openxmlformats.org/officeDocument/2006/relationships" xmlns:p="http://schemas.openxmlformats.org/presentationml/2006/main">
   <p:cSld>
     <p:spTree>
       <p:nvGrpSpPr>
-        <p:cNvPr id="1" name="">
-          <a:extLst>
-            <a:ext uri="{FF2B5EF4-FFF2-40B4-BE49-F238E27FC236}">
-              <a16:creationId xmlns:a16="http://schemas.microsoft.com/office/drawing/2014/main" id="{AA5AA933-ED2A-5F95-C14C-B9A204E961BF}"/>
-            </a:ext>
-          </a:extLst>
-        </p:cNvPr>
+        <p:cNvPr id="1" name=""/>
         <p:cNvGrpSpPr/>
         <p:nvPr/>
       </p:nvGrpSpPr>
@@ -13339,7 +12894,7 @@
           <p:cNvPr id="2" name="Titel 1">
             <a:extLst>
               <a:ext uri="{FF2B5EF4-FFF2-40B4-BE49-F238E27FC236}">
-                <a16:creationId xmlns:a16="http://schemas.microsoft.com/office/drawing/2014/main" id="{B9AF4F57-8165-73AF-4AA5-A33B088B86DC}"/>
+                <a16:creationId xmlns:a16="http://schemas.microsoft.com/office/drawing/2014/main" id="{85B08022-FC1E-D927-D6C3-FFC5ECAFC9E9}"/>
               </a:ext>
             </a:extLst>
           </p:cNvPr>
@@ -13356,242 +12911,125 @@
           <a:lstStyle/>
           <a:p>
             <a:r>
-              <a:rPr lang="de-DE" dirty="0"/>
-              <a:t>OAUTH 2 – Ablauf (Client </a:t>
-            </a:r>
-            <a:r>
-              <a:rPr lang="de-DE" dirty="0" err="1"/>
-              <a:t>Credentials</a:t>
-            </a:r>
-            <a:r>
-              <a:rPr lang="de-DE" dirty="0"/>
-              <a:t> Grant Type)</a:t>
-            </a:r>
-          </a:p>
-        </p:txBody>
-      </p:sp>
-      <p:pic>
-        <p:nvPicPr>
-          <p:cNvPr id="5" name="Grafik 4" descr="Ein Bild, das Text, Screenshot, Diagramm, Schrift enthält.&#10;&#10;KI-generierte Inhalte können fehlerhaft sein.">
+              <a:rPr lang="en-US" dirty="0"/>
+              <a:t>PKCE (Proof Key for Code Exchange)</a:t>
+            </a:r>
+            <a:endParaRPr lang="de-DE" dirty="0"/>
+          </a:p>
+        </p:txBody>
+      </p:sp>
+      <p:sp>
+        <p:nvSpPr>
+          <p:cNvPr id="3" name="Inhaltsplatzhalter 2">
             <a:extLst>
               <a:ext uri="{FF2B5EF4-FFF2-40B4-BE49-F238E27FC236}">
-                <a16:creationId xmlns:a16="http://schemas.microsoft.com/office/drawing/2014/main" id="{D93DC882-37A7-5C79-A0F5-0CEC9699E417}"/>
+                <a16:creationId xmlns:a16="http://schemas.microsoft.com/office/drawing/2014/main" id="{90E4EA1D-60FF-3F10-AF36-D059E90D6517}"/>
               </a:ext>
             </a:extLst>
           </p:cNvPr>
-          <p:cNvPicPr>
-            <a:picLocks noChangeAspect="1"/>
-          </p:cNvPicPr>
-          <p:nvPr/>
-        </p:nvPicPr>
-        <p:blipFill>
-          <a:blip r:embed="rId2"/>
-          <a:stretch>
-            <a:fillRect/>
-          </a:stretch>
-        </p:blipFill>
-        <p:spPr>
-          <a:xfrm>
-            <a:off x="834698" y="1924139"/>
-            <a:ext cx="5982961" cy="4324261"/>
-          </a:xfrm>
-          <a:prstGeom prst="rect">
-            <a:avLst/>
-          </a:prstGeom>
-        </p:spPr>
-      </p:pic>
+          <p:cNvSpPr>
+            <a:spLocks noGrp="1"/>
+          </p:cNvSpPr>
+          <p:nvPr>
+            <p:ph idx="1"/>
+          </p:nvPr>
+        </p:nvSpPr>
+        <p:spPr/>
+        <p:txBody>
+          <a:bodyPr/>
+          <a:lstStyle/>
+          <a:p>
+            <a:r>
+              <a:rPr lang="de-DE" dirty="0"/>
+              <a:t>Problem: </a:t>
+            </a:r>
+            <a:r>
+              <a:rPr lang="de-DE" dirty="0" err="1"/>
+              <a:t>Authorization</a:t>
+            </a:r>
+            <a:r>
+              <a:rPr lang="de-DE" dirty="0"/>
+              <a:t> Code Flow ohne Client Secret (z. B. SPAs/Mobile) ist anfällig für Code-Interception–Angriffe</a:t>
+            </a:r>
+          </a:p>
+          <a:p>
+            <a:r>
+              <a:rPr lang="de-DE" dirty="0"/>
+              <a:t>Lösung: Zusätzlicher Geheimnis-Schritt mit</a:t>
+            </a:r>
+          </a:p>
+          <a:p>
+            <a:pPr lvl="1"/>
+            <a:r>
+              <a:rPr lang="de-DE" dirty="0"/>
+              <a:t>Code </a:t>
+            </a:r>
+            <a:r>
+              <a:rPr lang="de-DE" dirty="0" err="1"/>
+              <a:t>Verifier</a:t>
+            </a:r>
+            <a:r>
+              <a:rPr lang="de-DE" dirty="0"/>
+              <a:t>: zufälliger String, nur dem Client bekannt</a:t>
+            </a:r>
+          </a:p>
+          <a:p>
+            <a:pPr lvl="1"/>
+            <a:r>
+              <a:rPr lang="de-DE" dirty="0"/>
+              <a:t>Code Challenge: Hash(</a:t>
+            </a:r>
+            <a:r>
+              <a:rPr lang="de-DE" dirty="0" err="1"/>
+              <a:t>Verifier</a:t>
+            </a:r>
+            <a:r>
+              <a:rPr lang="de-DE" dirty="0"/>
+              <a:t>) → im </a:t>
+            </a:r>
+            <a:r>
+              <a:rPr lang="de-DE" dirty="0" err="1"/>
+              <a:t>Authorize</a:t>
+            </a:r>
+            <a:r>
+              <a:rPr lang="de-DE" dirty="0"/>
+              <a:t>-Request übermittelt</a:t>
+            </a:r>
+          </a:p>
+          <a:p>
+            <a:r>
+              <a:rPr lang="de-DE" dirty="0"/>
+              <a:t>Vorteil: Selbst wenn ein Angreifer den </a:t>
+            </a:r>
+            <a:r>
+              <a:rPr lang="de-DE" dirty="0" err="1"/>
+              <a:t>Authorization</a:t>
+            </a:r>
+            <a:r>
+              <a:rPr lang="de-DE" dirty="0"/>
+              <a:t> Code abfängt, kann er ohne den geheimen </a:t>
+            </a:r>
+            <a:r>
+              <a:rPr lang="de-DE" dirty="0" err="1"/>
+              <a:t>Verifier</a:t>
+            </a:r>
+            <a:r>
+              <a:rPr lang="de-DE" dirty="0"/>
+              <a:t> kein Token tauschen</a:t>
+            </a:r>
+          </a:p>
+          <a:p>
+            <a:r>
+              <a:rPr lang="de-DE" dirty="0"/>
+              <a:t>Empfehlung: Bei allen Public Clients verpflichtend (OAuth 2.1)</a:t>
+            </a:r>
+          </a:p>
+        </p:txBody>
+      </p:sp>
     </p:spTree>
     <p:extLst>
       <p:ext uri="{BB962C8B-B14F-4D97-AF65-F5344CB8AC3E}">
-        <p14:creationId xmlns:p14="http://schemas.microsoft.com/office/powerpoint/2010/main" val="2027704784"/>
-      </p:ext>
-    </p:extLst>
-  </p:cSld>
-  <p:clrMapOvr>
-    <a:masterClrMapping/>
-  </p:clrMapOvr>
-</p:sld>
-</file>
-
-<file path=ppt/slides/slide118.xml><?xml version="1.0" encoding="utf-8"?>
-<p:sld xmlns:a="http://schemas.openxmlformats.org/drawingml/2006/main" xmlns:r="http://schemas.openxmlformats.org/officeDocument/2006/relationships" xmlns:p="http://schemas.openxmlformats.org/presentationml/2006/main">
-  <p:cSld>
-    <p:spTree>
-      <p:nvGrpSpPr>
-        <p:cNvPr id="1" name="">
-          <a:extLst>
-            <a:ext uri="{FF2B5EF4-FFF2-40B4-BE49-F238E27FC236}">
-              <a16:creationId xmlns:a16="http://schemas.microsoft.com/office/drawing/2014/main" id="{87A02F55-CA0A-538D-9444-619D215FE056}"/>
-            </a:ext>
-          </a:extLst>
-        </p:cNvPr>
-        <p:cNvGrpSpPr/>
-        <p:nvPr/>
-      </p:nvGrpSpPr>
-      <p:grpSpPr>
-        <a:xfrm>
-          <a:off x="0" y="0"/>
-          <a:ext cx="0" cy="0"/>
-          <a:chOff x="0" y="0"/>
-          <a:chExt cx="0" cy="0"/>
-        </a:xfrm>
-      </p:grpSpPr>
-      <p:sp>
-        <p:nvSpPr>
-          <p:cNvPr id="2" name="Titel 1">
-            <a:extLst>
-              <a:ext uri="{FF2B5EF4-FFF2-40B4-BE49-F238E27FC236}">
-                <a16:creationId xmlns:a16="http://schemas.microsoft.com/office/drawing/2014/main" id="{796D7A4B-2AAA-210A-0AC6-5D19BAEAEDFA}"/>
-              </a:ext>
-            </a:extLst>
-          </p:cNvPr>
-          <p:cNvSpPr>
-            <a:spLocks noGrp="1"/>
-          </p:cNvSpPr>
-          <p:nvPr>
-            <p:ph type="title"/>
-          </p:nvPr>
-        </p:nvSpPr>
-        <p:spPr/>
-        <p:txBody>
-          <a:bodyPr/>
-          <a:lstStyle/>
-          <a:p>
-            <a:r>
-              <a:rPr lang="de-DE" dirty="0"/>
-              <a:t>OAUTH 2 – Ablauf (Password Grant Type)</a:t>
-            </a:r>
-          </a:p>
-        </p:txBody>
-      </p:sp>
-      <p:pic>
-        <p:nvPicPr>
-          <p:cNvPr id="4" name="Grafik 3" descr="Ein Bild, das Text, Screenshot, Diagramm, Schrift enthält.&#10;&#10;KI-generierte Inhalte können fehlerhaft sein.">
-            <a:extLst>
-              <a:ext uri="{FF2B5EF4-FFF2-40B4-BE49-F238E27FC236}">
-                <a16:creationId xmlns:a16="http://schemas.microsoft.com/office/drawing/2014/main" id="{89E6A54B-997A-3674-7124-5C118D0FF6BA}"/>
-              </a:ext>
-            </a:extLst>
-          </p:cNvPr>
-          <p:cNvPicPr>
-            <a:picLocks noChangeAspect="1"/>
-          </p:cNvPicPr>
-          <p:nvPr/>
-        </p:nvPicPr>
-        <p:blipFill>
-          <a:blip r:embed="rId2"/>
-          <a:stretch>
-            <a:fillRect/>
-          </a:stretch>
-        </p:blipFill>
-        <p:spPr>
-          <a:xfrm>
-            <a:off x="1526685" y="1525161"/>
-            <a:ext cx="6784762" cy="4723239"/>
-          </a:xfrm>
-          <a:prstGeom prst="rect">
-            <a:avLst/>
-          </a:prstGeom>
-        </p:spPr>
-      </p:pic>
-    </p:spTree>
-    <p:extLst>
-      <p:ext uri="{BB962C8B-B14F-4D97-AF65-F5344CB8AC3E}">
-        <p14:creationId xmlns:p14="http://schemas.microsoft.com/office/powerpoint/2010/main" val="2802332252"/>
-      </p:ext>
-    </p:extLst>
-  </p:cSld>
-  <p:clrMapOvr>
-    <a:masterClrMapping/>
-  </p:clrMapOvr>
-</p:sld>
-</file>
-
-<file path=ppt/slides/slide119.xml><?xml version="1.0" encoding="utf-8"?>
-<p:sld xmlns:a="http://schemas.openxmlformats.org/drawingml/2006/main" xmlns:r="http://schemas.openxmlformats.org/officeDocument/2006/relationships" xmlns:p="http://schemas.openxmlformats.org/presentationml/2006/main">
-  <p:cSld>
-    <p:spTree>
-      <p:nvGrpSpPr>
-        <p:cNvPr id="1" name="">
-          <a:extLst>
-            <a:ext uri="{FF2B5EF4-FFF2-40B4-BE49-F238E27FC236}">
-              <a16:creationId xmlns:a16="http://schemas.microsoft.com/office/drawing/2014/main" id="{6B112DE7-7444-F60E-703E-85063E9E9C19}"/>
-            </a:ext>
-          </a:extLst>
-        </p:cNvPr>
-        <p:cNvGrpSpPr/>
-        <p:nvPr/>
-      </p:nvGrpSpPr>
-      <p:grpSpPr>
-        <a:xfrm>
-          <a:off x="0" y="0"/>
-          <a:ext cx="0" cy="0"/>
-          <a:chOff x="0" y="0"/>
-          <a:chExt cx="0" cy="0"/>
-        </a:xfrm>
-      </p:grpSpPr>
-      <p:sp>
-        <p:nvSpPr>
-          <p:cNvPr id="2" name="Titel 1">
-            <a:extLst>
-              <a:ext uri="{FF2B5EF4-FFF2-40B4-BE49-F238E27FC236}">
-                <a16:creationId xmlns:a16="http://schemas.microsoft.com/office/drawing/2014/main" id="{3D17264C-7F88-7F62-2C32-69F12FD90662}"/>
-              </a:ext>
-            </a:extLst>
-          </p:cNvPr>
-          <p:cNvSpPr>
-            <a:spLocks noGrp="1"/>
-          </p:cNvSpPr>
-          <p:nvPr>
-            <p:ph type="title"/>
-          </p:nvPr>
-        </p:nvSpPr>
-        <p:spPr/>
-        <p:txBody>
-          <a:bodyPr/>
-          <a:lstStyle/>
-          <a:p>
-            <a:r>
-              <a:rPr lang="de-DE" dirty="0"/>
-              <a:t>OAUTH 2 – Ablauf (Refresh Token Grant Type)</a:t>
-            </a:r>
-          </a:p>
-        </p:txBody>
-      </p:sp>
-      <p:pic>
-        <p:nvPicPr>
-          <p:cNvPr id="5" name="Grafik 4" descr="Ein Bild, das Text, Screenshot, Schrift, Diagramm enthält.&#10;&#10;KI-generierte Inhalte können fehlerhaft sein.">
-            <a:extLst>
-              <a:ext uri="{FF2B5EF4-FFF2-40B4-BE49-F238E27FC236}">
-                <a16:creationId xmlns:a16="http://schemas.microsoft.com/office/drawing/2014/main" id="{C4852A8C-CC01-36C7-0BE7-CFD8516EEBD7}"/>
-              </a:ext>
-            </a:extLst>
-          </p:cNvPr>
-          <p:cNvPicPr>
-            <a:picLocks noChangeAspect="1"/>
-          </p:cNvPicPr>
-          <p:nvPr/>
-        </p:nvPicPr>
-        <p:blipFill>
-          <a:blip r:embed="rId2"/>
-          <a:stretch>
-            <a:fillRect/>
-          </a:stretch>
-        </p:blipFill>
-        <p:spPr>
-          <a:xfrm>
-            <a:off x="904624" y="1865373"/>
-            <a:ext cx="6323170" cy="4049670"/>
-          </a:xfrm>
-          <a:prstGeom prst="rect">
-            <a:avLst/>
-          </a:prstGeom>
-        </p:spPr>
-      </p:pic>
-    </p:spTree>
-    <p:extLst>
-      <p:ext uri="{BB962C8B-B14F-4D97-AF65-F5344CB8AC3E}">
-        <p14:creationId xmlns:p14="http://schemas.microsoft.com/office/powerpoint/2010/main" val="3740400425"/>
+        <p14:creationId xmlns:p14="http://schemas.microsoft.com/office/powerpoint/2010/main" val="815416366"/>
       </p:ext>
     </p:extLst>
   </p:cSld>
@@ -13843,7 +13281,7 @@
           <p:cNvPr id="2" name="Titel 1">
             <a:extLst>
               <a:ext uri="{FF2B5EF4-FFF2-40B4-BE49-F238E27FC236}">
-                <a16:creationId xmlns:a16="http://schemas.microsoft.com/office/drawing/2014/main" id="{85B08022-FC1E-D927-D6C3-FFC5ECAFC9E9}"/>
+                <a16:creationId xmlns:a16="http://schemas.microsoft.com/office/drawing/2014/main" id="{50EEF71D-B2D8-0312-9CF4-ACA76B93C8E1}"/>
               </a:ext>
             </a:extLst>
           </p:cNvPr>
@@ -13860,125 +13298,50 @@
           <a:lstStyle/>
           <a:p>
             <a:r>
-              <a:rPr lang="en-US" dirty="0"/>
-              <a:t>PKCE (Proof Key for Code Exchange)</a:t>
-            </a:r>
-            <a:endParaRPr lang="de-DE" dirty="0"/>
-          </a:p>
-        </p:txBody>
-      </p:sp>
-      <p:sp>
-        <p:nvSpPr>
-          <p:cNvPr id="3" name="Inhaltsplatzhalter 2">
+              <a:rPr lang="de-DE" dirty="0" err="1"/>
+              <a:t>Authorization</a:t>
+            </a:r>
+            <a:r>
+              <a:rPr lang="de-DE" dirty="0"/>
+              <a:t> Grant mit PKCE</a:t>
+            </a:r>
+          </a:p>
+        </p:txBody>
+      </p:sp>
+      <p:pic>
+        <p:nvPicPr>
+          <p:cNvPr id="5" name="Grafik 4">
             <a:extLst>
               <a:ext uri="{FF2B5EF4-FFF2-40B4-BE49-F238E27FC236}">
-                <a16:creationId xmlns:a16="http://schemas.microsoft.com/office/drawing/2014/main" id="{90E4EA1D-60FF-3F10-AF36-D059E90D6517}"/>
+                <a16:creationId xmlns:a16="http://schemas.microsoft.com/office/drawing/2014/main" id="{1B76F5FC-7C08-14BD-F8A8-81C5BCD36096}"/>
               </a:ext>
             </a:extLst>
           </p:cNvPr>
-          <p:cNvSpPr>
-            <a:spLocks noGrp="1"/>
-          </p:cNvSpPr>
-          <p:nvPr>
-            <p:ph idx="1"/>
-          </p:nvPr>
-        </p:nvSpPr>
-        <p:spPr/>
-        <p:txBody>
-          <a:bodyPr/>
-          <a:lstStyle/>
-          <a:p>
-            <a:r>
-              <a:rPr lang="de-DE" dirty="0"/>
-              <a:t>Problem: </a:t>
-            </a:r>
-            <a:r>
-              <a:rPr lang="de-DE" dirty="0" err="1"/>
-              <a:t>Authorization</a:t>
-            </a:r>
-            <a:r>
-              <a:rPr lang="de-DE" dirty="0"/>
-              <a:t> Code Flow ohne Client Secret (z. B. SPAs/Mobile) ist anfällig für Code-Interception–Angriffe</a:t>
-            </a:r>
-          </a:p>
-          <a:p>
-            <a:r>
-              <a:rPr lang="de-DE" dirty="0"/>
-              <a:t>Lösung: Zusätzlicher Geheimnis-Schritt mit</a:t>
-            </a:r>
-          </a:p>
-          <a:p>
-            <a:pPr lvl="1"/>
-            <a:r>
-              <a:rPr lang="de-DE" dirty="0"/>
-              <a:t>Code </a:t>
-            </a:r>
-            <a:r>
-              <a:rPr lang="de-DE" dirty="0" err="1"/>
-              <a:t>Verifier</a:t>
-            </a:r>
-            <a:r>
-              <a:rPr lang="de-DE" dirty="0"/>
-              <a:t>: zufälliger String, nur dem Client bekannt</a:t>
-            </a:r>
-          </a:p>
-          <a:p>
-            <a:pPr lvl="1"/>
-            <a:r>
-              <a:rPr lang="de-DE" dirty="0"/>
-              <a:t>Code Challenge: Hash(</a:t>
-            </a:r>
-            <a:r>
-              <a:rPr lang="de-DE" dirty="0" err="1"/>
-              <a:t>Verifier</a:t>
-            </a:r>
-            <a:r>
-              <a:rPr lang="de-DE" dirty="0"/>
-              <a:t>) → im </a:t>
-            </a:r>
-            <a:r>
-              <a:rPr lang="de-DE" dirty="0" err="1"/>
-              <a:t>Authorize</a:t>
-            </a:r>
-            <a:r>
-              <a:rPr lang="de-DE" dirty="0"/>
-              <a:t>-Request übermittelt</a:t>
-            </a:r>
-          </a:p>
-          <a:p>
-            <a:r>
-              <a:rPr lang="de-DE" dirty="0"/>
-              <a:t>Vorteil: Selbst wenn ein Angreifer den </a:t>
-            </a:r>
-            <a:r>
-              <a:rPr lang="de-DE" dirty="0" err="1"/>
-              <a:t>Authorization</a:t>
-            </a:r>
-            <a:r>
-              <a:rPr lang="de-DE" dirty="0"/>
-              <a:t> Code abfängt, kann er ohne den geheimen </a:t>
-            </a:r>
-            <a:r>
-              <a:rPr lang="de-DE" dirty="0" err="1"/>
-              <a:t>Verifier</a:t>
-            </a:r>
-            <a:r>
-              <a:rPr lang="de-DE" dirty="0"/>
-              <a:t> kein Token tauschen</a:t>
-            </a:r>
-          </a:p>
-          <a:p>
-            <a:r>
-              <a:rPr lang="de-DE" dirty="0"/>
-              <a:t>Empfehlung: Bei allen Public Clients verpflichtend (OAuth 2.1)</a:t>
-            </a:r>
-          </a:p>
-        </p:txBody>
-      </p:sp>
+          <p:cNvPicPr>
+            <a:picLocks noChangeAspect="1"/>
+          </p:cNvPicPr>
+          <p:nvPr/>
+        </p:nvPicPr>
+        <p:blipFill>
+          <a:blip r:embed="rId2"/>
+          <a:stretch>
+            <a:fillRect/>
+          </a:stretch>
+        </p:blipFill>
+        <p:spPr>
+          <a:xfrm>
+            <a:off x="1628775" y="1916478"/>
+            <a:ext cx="7277630" cy="4331922"/>
+          </a:xfrm>
+          <a:prstGeom prst="rect">
+            <a:avLst/>
+          </a:prstGeom>
+        </p:spPr>
+      </p:pic>
     </p:spTree>
     <p:extLst>
       <p:ext uri="{BB962C8B-B14F-4D97-AF65-F5344CB8AC3E}">
-        <p14:creationId xmlns:p14="http://schemas.microsoft.com/office/powerpoint/2010/main" val="815416366"/>
+        <p14:creationId xmlns:p14="http://schemas.microsoft.com/office/powerpoint/2010/main" val="384931282"/>
       </p:ext>
     </p:extLst>
   </p:cSld>
@@ -13993,7 +13356,13 @@
   <p:cSld>
     <p:spTree>
       <p:nvGrpSpPr>
-        <p:cNvPr id="1" name=""/>
+        <p:cNvPr id="1" name="">
+          <a:extLst>
+            <a:ext uri="{FF2B5EF4-FFF2-40B4-BE49-F238E27FC236}">
+              <a16:creationId xmlns:a16="http://schemas.microsoft.com/office/drawing/2014/main" id="{AA5AA933-ED2A-5F95-C14C-B9A204E961BF}"/>
+            </a:ext>
+          </a:extLst>
+        </p:cNvPr>
         <p:cNvGrpSpPr/>
         <p:nvPr/>
       </p:nvGrpSpPr>
@@ -14010,7 +13379,7 @@
           <p:cNvPr id="2" name="Titel 1">
             <a:extLst>
               <a:ext uri="{FF2B5EF4-FFF2-40B4-BE49-F238E27FC236}">
-                <a16:creationId xmlns:a16="http://schemas.microsoft.com/office/drawing/2014/main" id="{A4F3568B-5490-1F6C-0FB6-E8F8BB6F779C}"/>
+                <a16:creationId xmlns:a16="http://schemas.microsoft.com/office/drawing/2014/main" id="{B9AF4F57-8165-73AF-4AA5-A33B088B86DC}"/>
               </a:ext>
             </a:extLst>
           </p:cNvPr>
@@ -14028,26 +13397,32 @@
           <a:p>
             <a:r>
               <a:rPr lang="de-DE" dirty="0"/>
-              <a:t>PKCE-Flow</a:t>
+              <a:t>OAUTH 2 – Ablauf (Client </a:t>
+            </a:r>
+            <a:r>
+              <a:rPr lang="de-DE" dirty="0" err="1"/>
+              <a:t>Credentials</a:t>
+            </a:r>
+            <a:r>
+              <a:rPr lang="de-DE" dirty="0"/>
+              <a:t> Grant Type)</a:t>
             </a:r>
           </a:p>
         </p:txBody>
       </p:sp>
       <p:pic>
         <p:nvPicPr>
-          <p:cNvPr id="5" name="Inhaltsplatzhalter 4" descr="Ein Bild, das Text, Diagramm, Screenshot, parallel enthält.&#10;&#10;KI-generierte Inhalte können fehlerhaft sein.">
+          <p:cNvPr id="4" name="Grafik 3">
             <a:extLst>
               <a:ext uri="{FF2B5EF4-FFF2-40B4-BE49-F238E27FC236}">
-                <a16:creationId xmlns:a16="http://schemas.microsoft.com/office/drawing/2014/main" id="{6CF30CFE-010D-7671-ABA4-C75AD41A6DA4}"/>
+                <a16:creationId xmlns:a16="http://schemas.microsoft.com/office/drawing/2014/main" id="{56B0DC63-0250-0B23-9FFA-CAF96DD95C4D}"/>
               </a:ext>
             </a:extLst>
           </p:cNvPr>
           <p:cNvPicPr>
-            <a:picLocks noGrp="1" noChangeAspect="1"/>
+            <a:picLocks noChangeAspect="1"/>
           </p:cNvPicPr>
-          <p:nvPr>
-            <p:ph idx="1"/>
-          </p:nvPr>
+          <p:nvPr/>
         </p:nvPicPr>
         <p:blipFill>
           <a:blip r:embed="rId3"/>
@@ -14057,49 +13432,18 @@
         </p:blipFill>
         <p:spPr>
           <a:xfrm>
-            <a:off x="1355020" y="1420999"/>
-            <a:ext cx="6457721" cy="4950110"/>
-          </a:xfrm>
-        </p:spPr>
-      </p:pic>
-      <p:sp>
-        <p:nvSpPr>
-          <p:cNvPr id="6" name="Rechteck 5">
-            <a:extLst>
-              <a:ext uri="{FF2B5EF4-FFF2-40B4-BE49-F238E27FC236}">
-                <a16:creationId xmlns:a16="http://schemas.microsoft.com/office/drawing/2014/main" id="{C5BDB492-2599-2719-831F-99D306465B43}"/>
-              </a:ext>
-            </a:extLst>
-          </p:cNvPr>
-          <p:cNvSpPr/>
-          <p:nvPr/>
-        </p:nvSpPr>
-        <p:spPr>
-          <a:xfrm>
-            <a:off x="677334" y="6361358"/>
-            <a:ext cx="8473451" cy="276999"/>
+            <a:off x="2547507" y="2004747"/>
+            <a:ext cx="6163535" cy="3801005"/>
           </a:xfrm>
           <a:prstGeom prst="rect">
             <a:avLst/>
           </a:prstGeom>
         </p:spPr>
-        <p:txBody>
-          <a:bodyPr wrap="square">
-            <a:spAutoFit/>
-          </a:bodyPr>
-          <a:lstStyle/>
-          <a:p>
-            <a:r>
-              <a:rPr lang="de-DE" sz="1200" dirty="0"/>
-              <a:t>https://larskoelpin.de/2022-09-11-oauth-pkce/</a:t>
-            </a:r>
-          </a:p>
-        </p:txBody>
-      </p:sp>
+      </p:pic>
     </p:spTree>
     <p:extLst>
       <p:ext uri="{BB962C8B-B14F-4D97-AF65-F5344CB8AC3E}">
-        <p14:creationId xmlns:p14="http://schemas.microsoft.com/office/powerpoint/2010/main" val="1925509871"/>
+        <p14:creationId xmlns:p14="http://schemas.microsoft.com/office/powerpoint/2010/main" val="2027704784"/>
       </p:ext>
     </p:extLst>
   </p:cSld>
@@ -14117,7 +13461,7 @@
         <p:cNvPr id="1" name="">
           <a:extLst>
             <a:ext uri="{FF2B5EF4-FFF2-40B4-BE49-F238E27FC236}">
-              <a16:creationId xmlns:a16="http://schemas.microsoft.com/office/drawing/2014/main" id="{CA13FCDE-17EA-32D4-4174-5EC4A6763CDD}"/>
+              <a16:creationId xmlns:a16="http://schemas.microsoft.com/office/drawing/2014/main" id="{6B112DE7-7444-F60E-703E-85063E9E9C19}"/>
             </a:ext>
           </a:extLst>
         </p:cNvPr>
@@ -14137,7 +13481,7 @@
           <p:cNvPr id="2" name="Titel 1">
             <a:extLst>
               <a:ext uri="{FF2B5EF4-FFF2-40B4-BE49-F238E27FC236}">
-                <a16:creationId xmlns:a16="http://schemas.microsoft.com/office/drawing/2014/main" id="{DD459BD3-195F-6A53-6E48-3772CB2FEE1A}"/>
+                <a16:creationId xmlns:a16="http://schemas.microsoft.com/office/drawing/2014/main" id="{3D17264C-7F88-7F62-2C32-69F12FD90662}"/>
               </a:ext>
             </a:extLst>
           </p:cNvPr>
@@ -14155,51 +13499,17 @@
           <a:p>
             <a:r>
               <a:rPr lang="de-DE" dirty="0"/>
-              <a:t>PKCE – verhindert Angriff</a:t>
-            </a:r>
-          </a:p>
-        </p:txBody>
-      </p:sp>
-      <p:sp>
-        <p:nvSpPr>
-          <p:cNvPr id="6" name="Rechteck 5">
+              <a:t>OAUTH 2 – Ablauf (Refresh Token Grant Type)</a:t>
+            </a:r>
+          </a:p>
+        </p:txBody>
+      </p:sp>
+      <p:pic>
+        <p:nvPicPr>
+          <p:cNvPr id="4" name="Grafik 3">
             <a:extLst>
               <a:ext uri="{FF2B5EF4-FFF2-40B4-BE49-F238E27FC236}">
-                <a16:creationId xmlns:a16="http://schemas.microsoft.com/office/drawing/2014/main" id="{BB73C3CB-6BDE-C70E-CF7D-77CAF536DBFB}"/>
-              </a:ext>
-            </a:extLst>
-          </p:cNvPr>
-          <p:cNvSpPr/>
-          <p:nvPr/>
-        </p:nvSpPr>
-        <p:spPr>
-          <a:xfrm>
-            <a:off x="677334" y="6361358"/>
-            <a:ext cx="8473451" cy="276999"/>
-          </a:xfrm>
-          <a:prstGeom prst="rect">
-            <a:avLst/>
-          </a:prstGeom>
-        </p:spPr>
-        <p:txBody>
-          <a:bodyPr wrap="square">
-            <a:spAutoFit/>
-          </a:bodyPr>
-          <a:lstStyle/>
-          <a:p>
-            <a:r>
-              <a:rPr lang="de-DE" sz="1200" dirty="0"/>
-              <a:t>https://larskoelpin.de/2022-09-11-oauth-pkce/</a:t>
-            </a:r>
-          </a:p>
-        </p:txBody>
-      </p:sp>
-      <p:pic>
-        <p:nvPicPr>
-          <p:cNvPr id="8" name="Grafik 7" descr="Ein Bild, das Text, Diagramm, Screenshot, parallel enthält.&#10;&#10;KI-generierte Inhalte können fehlerhaft sein.">
-            <a:extLst>
-              <a:ext uri="{FF2B5EF4-FFF2-40B4-BE49-F238E27FC236}">
-                <a16:creationId xmlns:a16="http://schemas.microsoft.com/office/drawing/2014/main" id="{CC9EB988-5F7A-BD63-2699-96DA25297B2E}"/>
+                <a16:creationId xmlns:a16="http://schemas.microsoft.com/office/drawing/2014/main" id="{9536DE3B-049C-33BE-9CA7-DC1BFA464442}"/>
               </a:ext>
             </a:extLst>
           </p:cNvPr>
@@ -14209,15 +13519,15 @@
           <p:nvPr/>
         </p:nvPicPr>
         <p:blipFill>
-          <a:blip r:embed="rId3"/>
+          <a:blip r:embed="rId2"/>
           <a:stretch>
             <a:fillRect/>
           </a:stretch>
         </p:blipFill>
         <p:spPr>
           <a:xfrm>
-            <a:off x="806823" y="1270000"/>
-            <a:ext cx="6540778" cy="4700492"/>
+            <a:off x="1799712" y="2080964"/>
+            <a:ext cx="7354326" cy="3553321"/>
           </a:xfrm>
           <a:prstGeom prst="rect">
             <a:avLst/>
@@ -14227,7 +13537,7 @@
     </p:spTree>
     <p:extLst>
       <p:ext uri="{BB962C8B-B14F-4D97-AF65-F5344CB8AC3E}">
-        <p14:creationId xmlns:p14="http://schemas.microsoft.com/office/powerpoint/2010/main" val="2023250884"/>
+        <p14:creationId xmlns:p14="http://schemas.microsoft.com/office/powerpoint/2010/main" val="3740400425"/>
       </p:ext>
     </p:extLst>
   </p:cSld>
@@ -14259,7 +13569,7 @@
           <p:cNvPr id="2" name="Titel 1">
             <a:extLst>
               <a:ext uri="{FF2B5EF4-FFF2-40B4-BE49-F238E27FC236}">
-                <a16:creationId xmlns:a16="http://schemas.microsoft.com/office/drawing/2014/main" id="{B9978D1E-0F43-B176-29CD-C42579938865}"/>
+                <a16:creationId xmlns:a16="http://schemas.microsoft.com/office/drawing/2014/main" id="{DE0AA519-E696-1D55-1DD3-8BD16648DC28}"/>
               </a:ext>
             </a:extLst>
           </p:cNvPr>
@@ -14277,7 +13587,7 @@
           <a:p>
             <a:r>
               <a:rPr lang="de-DE" dirty="0"/>
-              <a:t>Token-Typen &amp; Inhalte</a:t>
+              <a:t>Scopes, Claims &amp; Autorisierung</a:t>
             </a:r>
           </a:p>
         </p:txBody>
@@ -14287,7 +13597,7 @@
           <p:cNvPr id="3" name="Inhaltsplatzhalter 2">
             <a:extLst>
               <a:ext uri="{FF2B5EF4-FFF2-40B4-BE49-F238E27FC236}">
-                <a16:creationId xmlns:a16="http://schemas.microsoft.com/office/drawing/2014/main" id="{3F1A2E53-7CF0-F4DB-4053-47B25D4E4E03}"/>
+                <a16:creationId xmlns:a16="http://schemas.microsoft.com/office/drawing/2014/main" id="{0DF963B5-543B-F645-E628-0B3A41A99751}"/>
               </a:ext>
             </a:extLst>
           </p:cNvPr>
@@ -14305,37 +13615,43 @@
           <a:p>
             <a:r>
               <a:rPr lang="de-DE" dirty="0"/>
-              <a:t>Access Token vs. Refresh Token</a:t>
-            </a:r>
-          </a:p>
-          <a:p>
-            <a:r>
-              <a:rPr lang="de-DE" dirty="0" err="1"/>
-              <a:t>Opaque</a:t>
-            </a:r>
-            <a:r>
-              <a:rPr lang="de-DE" dirty="0"/>
-              <a:t> Token</a:t>
+              <a:t>Scopes</a:t>
             </a:r>
             <a:br>
               <a:rPr lang="de-DE" dirty="0"/>
             </a:br>
             <a:r>
               <a:rPr lang="de-DE" dirty="0"/>
-              <a:t>– rein serverseitig geprüft, kein Einblick im Client</a:t>
-            </a:r>
-          </a:p>
-          <a:p>
-            <a:r>
-              <a:rPr lang="de-DE" dirty="0"/>
-              <a:t>JWT (JSON Web Token)</a:t>
+              <a:t>– dienen als minimale Berechtigungen (</a:t>
+            </a:r>
+            <a:r>
+              <a:rPr lang="de-DE" dirty="0" err="1"/>
+              <a:t>movies.read</a:t>
+            </a:r>
+            <a:r>
+              <a:rPr lang="de-DE" dirty="0"/>
+              <a:t>, </a:t>
+            </a:r>
+            <a:r>
+              <a:rPr lang="de-DE" dirty="0" err="1"/>
+              <a:t>rents.write</a:t>
+            </a:r>
+            <a:r>
+              <a:rPr lang="de-DE" dirty="0"/>
+              <a:t>)</a:t>
+            </a:r>
+          </a:p>
+          <a:p>
+            <a:r>
+              <a:rPr lang="de-DE" dirty="0"/>
+              <a:t>Standard-Claims</a:t>
             </a:r>
             <a:br>
               <a:rPr lang="de-DE" dirty="0"/>
             </a:br>
             <a:r>
               <a:rPr lang="de-DE" dirty="0"/>
-              <a:t>– selbst-beschreibend: enthielt Claims wie iss, </a:t>
+              <a:t>– iss, </a:t>
             </a:r>
             <a:r>
               <a:rPr lang="de-DE" dirty="0" err="1"/>
@@ -14363,6 +13679,14 @@
             </a:r>
             <a:r>
               <a:rPr lang="de-DE" dirty="0" err="1"/>
+              <a:t>iat</a:t>
+            </a:r>
+            <a:r>
+              <a:rPr lang="de-DE" dirty="0"/>
+              <a:t>, </a:t>
+            </a:r>
+            <a:r>
+              <a:rPr lang="de-DE" dirty="0" err="1"/>
               <a:t>scope</a:t>
             </a:r>
             <a:endParaRPr lang="de-DE" dirty="0"/>
@@ -14370,38 +13694,35 @@
           <a:p>
             <a:r>
               <a:rPr lang="de-DE" dirty="0"/>
-              <a:t>JWKs</a:t>
+              <a:t>Custom Claims</a:t>
             </a:r>
             <a:br>
               <a:rPr lang="de-DE" dirty="0"/>
             </a:br>
             <a:r>
               <a:rPr lang="de-DE" dirty="0"/>
+              <a:t>– z. B. Rollen, Benutzerattribute</a:t>
+            </a:r>
+          </a:p>
+          <a:p>
+            <a:r>
+              <a:rPr lang="de-DE" dirty="0"/>
+              <a:t>Feingranulare Autorisierung</a:t>
+            </a:r>
+            <a:br>
+              <a:rPr lang="de-DE" dirty="0"/>
+            </a:br>
+            <a:r>
+              <a:rPr lang="de-DE" dirty="0"/>
               <a:t>– </a:t>
             </a:r>
             <a:r>
               <a:rPr lang="de-DE" dirty="0" err="1"/>
-              <a:t>Endpoint</a:t>
-            </a:r>
-            <a:r>
-              <a:rPr lang="de-DE" dirty="0"/>
-              <a:t> /oauth2/</a:t>
-            </a:r>
-            <a:r>
-              <a:rPr lang="de-DE" dirty="0" err="1"/>
-              <a:t>jwks</a:t>
-            </a:r>
-            <a:r>
-              <a:rPr lang="de-DE" dirty="0"/>
-              <a:t> liefert Public Keys, mit denen </a:t>
-            </a:r>
-            <a:r>
-              <a:rPr lang="de-DE" dirty="0" err="1"/>
               <a:t>Resource</a:t>
             </a:r>
             <a:r>
               <a:rPr lang="de-DE" dirty="0"/>
-              <a:t> Server JWT-Signaturen verifizieren</a:t>
+              <a:t> Server verwendet z. B. @PreAuthorize("hasAuthority('SCOPE_movies.read')")</a:t>
             </a:r>
           </a:p>
         </p:txBody>
@@ -14409,7 +13730,7 @@
     </p:spTree>
     <p:extLst>
       <p:ext uri="{BB962C8B-B14F-4D97-AF65-F5344CB8AC3E}">
-        <p14:creationId xmlns:p14="http://schemas.microsoft.com/office/powerpoint/2010/main" val="3064811000"/>
+        <p14:creationId xmlns:p14="http://schemas.microsoft.com/office/powerpoint/2010/main" val="2208623028"/>
       </p:ext>
     </p:extLst>
   </p:cSld>
@@ -14441,520 +13762,6 @@
           <p:cNvPr id="2" name="Titel 1">
             <a:extLst>
               <a:ext uri="{FF2B5EF4-FFF2-40B4-BE49-F238E27FC236}">
-                <a16:creationId xmlns:a16="http://schemas.microsoft.com/office/drawing/2014/main" id="{407AFD07-A211-0243-275A-8A25F89F7A82}"/>
-              </a:ext>
-            </a:extLst>
-          </p:cNvPr>
-          <p:cNvSpPr>
-            <a:spLocks noGrp="1"/>
-          </p:cNvSpPr>
-          <p:nvPr>
-            <p:ph type="title"/>
-          </p:nvPr>
-        </p:nvSpPr>
-        <p:spPr/>
-        <p:txBody>
-          <a:bodyPr/>
-          <a:lstStyle/>
-          <a:p>
-            <a:r>
-              <a:rPr lang="de-DE" dirty="0"/>
-              <a:t>JWT und </a:t>
-            </a:r>
-            <a:r>
-              <a:rPr lang="de-DE" dirty="0" err="1"/>
-              <a:t>kyptographische</a:t>
-            </a:r>
-            <a:r>
-              <a:rPr lang="de-DE" dirty="0"/>
-              <a:t> Signaturen</a:t>
-            </a:r>
-          </a:p>
-        </p:txBody>
-      </p:sp>
-      <p:sp>
-        <p:nvSpPr>
-          <p:cNvPr id="3" name="Inhaltsplatzhalter 2">
-            <a:extLst>
-              <a:ext uri="{FF2B5EF4-FFF2-40B4-BE49-F238E27FC236}">
-                <a16:creationId xmlns:a16="http://schemas.microsoft.com/office/drawing/2014/main" id="{E6714C54-5368-7D41-D179-29E7EE4843D2}"/>
-              </a:ext>
-            </a:extLst>
-          </p:cNvPr>
-          <p:cNvSpPr>
-            <a:spLocks noGrp="1"/>
-          </p:cNvSpPr>
-          <p:nvPr>
-            <p:ph idx="1"/>
-          </p:nvPr>
-        </p:nvSpPr>
-        <p:spPr/>
-        <p:txBody>
-          <a:bodyPr/>
-          <a:lstStyle/>
-          <a:p>
-            <a:pPr marL="0" indent="0">
-              <a:buNone/>
-            </a:pPr>
-            <a:r>
-              <a:rPr lang="de-DE" dirty="0"/>
-              <a:t>Der Ressource Server muss vom </a:t>
-            </a:r>
-            <a:r>
-              <a:rPr lang="de-DE" dirty="0" err="1"/>
-              <a:t>Authorization</a:t>
-            </a:r>
-            <a:r>
-              <a:rPr lang="de-DE" dirty="0"/>
-              <a:t> Server aus gegebene Tokens validieren. Dazu gibt es prinzipiell 3 Wege:</a:t>
-            </a:r>
-          </a:p>
-          <a:p>
-            <a:r>
-              <a:rPr lang="de-DE" dirty="0"/>
-              <a:t>Direkte Aufrufe zwischen dem Ressourcenserver und dem Autorisierungsserver</a:t>
-            </a:r>
-          </a:p>
-          <a:p>
-            <a:r>
-              <a:rPr lang="de-DE" dirty="0"/>
-              <a:t>Verwendung einer gemeinsamen Datenbank zum Speichern der Token</a:t>
-            </a:r>
-          </a:p>
-          <a:p>
-            <a:r>
-              <a:rPr lang="de-DE" dirty="0"/>
-              <a:t>Verwendung kryptografischer Signaturen, was </a:t>
-            </a:r>
-            <a:r>
-              <a:rPr lang="de-DE" dirty="0" err="1"/>
-              <a:t>state</a:t>
-            </a:r>
-            <a:r>
-              <a:rPr lang="de-DE" dirty="0"/>
-              <a:t> </a:t>
-            </a:r>
-            <a:r>
-              <a:rPr lang="de-DE" dirty="0" err="1"/>
-              <a:t>of</a:t>
-            </a:r>
-            <a:r>
-              <a:rPr lang="de-DE" dirty="0"/>
-              <a:t> </a:t>
-            </a:r>
-            <a:r>
-              <a:rPr lang="de-DE" dirty="0" err="1"/>
-              <a:t>the</a:t>
-            </a:r>
-            <a:r>
-              <a:rPr lang="de-DE" dirty="0"/>
-              <a:t> </a:t>
-            </a:r>
-            <a:r>
-              <a:rPr lang="de-DE" dirty="0" err="1"/>
-              <a:t>art</a:t>
-            </a:r>
-            <a:r>
-              <a:rPr lang="de-DE" dirty="0"/>
-              <a:t> ist, da der RS das ohne den AS kann</a:t>
-            </a:r>
-          </a:p>
-        </p:txBody>
-      </p:sp>
-    </p:spTree>
-    <p:extLst>
-      <p:ext uri="{BB962C8B-B14F-4D97-AF65-F5344CB8AC3E}">
-        <p14:creationId xmlns:p14="http://schemas.microsoft.com/office/powerpoint/2010/main" val="557393502"/>
-      </p:ext>
-    </p:extLst>
-  </p:cSld>
-  <p:clrMapOvr>
-    <a:masterClrMapping/>
-  </p:clrMapOvr>
-</p:sld>
-</file>
-
-<file path=ppt/slides/slide125.xml><?xml version="1.0" encoding="utf-8"?>
-<p:sld xmlns:a="http://schemas.openxmlformats.org/drawingml/2006/main" xmlns:r="http://schemas.openxmlformats.org/officeDocument/2006/relationships" xmlns:p="http://schemas.openxmlformats.org/presentationml/2006/main">
-  <p:cSld>
-    <p:spTree>
-      <p:nvGrpSpPr>
-        <p:cNvPr id="1" name=""/>
-        <p:cNvGrpSpPr/>
-        <p:nvPr/>
-      </p:nvGrpSpPr>
-      <p:grpSpPr>
-        <a:xfrm>
-          <a:off x="0" y="0"/>
-          <a:ext cx="0" cy="0"/>
-          <a:chOff x="0" y="0"/>
-          <a:chExt cx="0" cy="0"/>
-        </a:xfrm>
-      </p:grpSpPr>
-      <p:sp>
-        <p:nvSpPr>
-          <p:cNvPr id="2" name="Titel 1">
-            <a:extLst>
-              <a:ext uri="{FF2B5EF4-FFF2-40B4-BE49-F238E27FC236}">
-                <a16:creationId xmlns:a16="http://schemas.microsoft.com/office/drawing/2014/main" id="{981B9BE2-B294-DFCF-AF24-6AFD7644E9E9}"/>
-              </a:ext>
-            </a:extLst>
-          </p:cNvPr>
-          <p:cNvSpPr>
-            <a:spLocks noGrp="1"/>
-          </p:cNvSpPr>
-          <p:nvPr>
-            <p:ph type="title"/>
-          </p:nvPr>
-        </p:nvSpPr>
-        <p:spPr/>
-        <p:txBody>
-          <a:bodyPr/>
-          <a:lstStyle/>
-          <a:p>
-            <a:r>
-              <a:rPr lang="de-DE" dirty="0"/>
-              <a:t>JWT</a:t>
-            </a:r>
-          </a:p>
-        </p:txBody>
-      </p:sp>
-      <p:sp>
-        <p:nvSpPr>
-          <p:cNvPr id="3" name="Inhaltsplatzhalter 2">
-            <a:extLst>
-              <a:ext uri="{FF2B5EF4-FFF2-40B4-BE49-F238E27FC236}">
-                <a16:creationId xmlns:a16="http://schemas.microsoft.com/office/drawing/2014/main" id="{B34886C7-49A5-7399-AFDD-69FA364D67E0}"/>
-              </a:ext>
-            </a:extLst>
-          </p:cNvPr>
-          <p:cNvSpPr>
-            <a:spLocks noGrp="1"/>
-          </p:cNvSpPr>
-          <p:nvPr>
-            <p:ph idx="1"/>
-          </p:nvPr>
-        </p:nvSpPr>
-        <p:spPr/>
-        <p:txBody>
-          <a:bodyPr>
-            <a:normAutofit fontScale="92500"/>
-          </a:bodyPr>
-          <a:lstStyle/>
-          <a:p>
-            <a:r>
-              <a:rPr lang="de-DE" dirty="0"/>
-              <a:t>Ein </a:t>
-            </a:r>
-            <a:r>
-              <a:rPr lang="de-DE" b="1" dirty="0"/>
-              <a:t>JWT</a:t>
-            </a:r>
-            <a:r>
-              <a:rPr lang="de-DE" dirty="0"/>
-              <a:t> (JSON Web Token) ist ein kompakter, URL-sicherer Token-Standard, mit dem man Claims (Ansprüche) in einem JSON-Struktur‐Format zwischen zwei Parteien übertragen und kryptographisch absichern kann.</a:t>
-            </a:r>
-          </a:p>
-          <a:p>
-            <a:r>
-              <a:rPr lang="de-DE" dirty="0"/>
-              <a:t>Ein JWT besteht immer aus drei Base64URL-kodierten Teilen, durch Punkte getrennt: &lt;</a:t>
-            </a:r>
-            <a:r>
-              <a:rPr lang="de-DE" dirty="0" err="1"/>
-              <a:t>header</a:t>
-            </a:r>
-            <a:r>
-              <a:rPr lang="de-DE" dirty="0"/>
-              <a:t>&gt;.&lt;</a:t>
-            </a:r>
-            <a:r>
-              <a:rPr lang="de-DE" dirty="0" err="1"/>
-              <a:t>payload</a:t>
-            </a:r>
-            <a:r>
-              <a:rPr lang="de-DE" dirty="0"/>
-              <a:t>&gt;.&lt;</a:t>
-            </a:r>
-            <a:r>
-              <a:rPr lang="de-DE" dirty="0" err="1"/>
-              <a:t>signature</a:t>
-            </a:r>
-            <a:r>
-              <a:rPr lang="de-DE" dirty="0"/>
-              <a:t>&gt;</a:t>
-            </a:r>
-          </a:p>
-          <a:p>
-            <a:r>
-              <a:rPr lang="de-DE" dirty="0"/>
-              <a:t>Selbst-enthaltend: Alle nötigen Claims stecken im Token, kein zusätzlicher Datenbank-Lookup erforderlich.</a:t>
-            </a:r>
-          </a:p>
-          <a:p>
-            <a:r>
-              <a:rPr lang="de-DE" dirty="0"/>
-              <a:t>Dezentrale Verifikation: </a:t>
-            </a:r>
-            <a:r>
-              <a:rPr lang="de-DE" dirty="0" err="1"/>
-              <a:t>Resource</a:t>
-            </a:r>
-            <a:r>
-              <a:rPr lang="de-DE" dirty="0"/>
-              <a:t> Server kann mittels Public Key (bei RSA/ECDSA) oder </a:t>
-            </a:r>
-            <a:r>
-              <a:rPr lang="de-DE" dirty="0" err="1"/>
-              <a:t>Shared</a:t>
-            </a:r>
-            <a:r>
-              <a:rPr lang="de-DE" dirty="0"/>
-              <a:t> Secret (bei HMAC) offline prüfen.</a:t>
-            </a:r>
-          </a:p>
-          <a:p>
-            <a:r>
-              <a:rPr lang="de-DE" dirty="0"/>
-              <a:t>Standardisiert: Viele Bibliotheken in allen Sprachen unterstützen JWT aus der Box.</a:t>
-            </a:r>
-          </a:p>
-          <a:p>
-            <a:r>
-              <a:rPr lang="de-DE" dirty="0"/>
-              <a:t>Flexibel: Eigene Claims lassen sich beliebig hinzufügen (z. B. Rollen, Organisations-ID).</a:t>
-            </a:r>
-          </a:p>
-        </p:txBody>
-      </p:sp>
-    </p:spTree>
-    <p:extLst>
-      <p:ext uri="{BB962C8B-B14F-4D97-AF65-F5344CB8AC3E}">
-        <p14:creationId xmlns:p14="http://schemas.microsoft.com/office/powerpoint/2010/main" val="1701972014"/>
-      </p:ext>
-    </p:extLst>
-  </p:cSld>
-  <p:clrMapOvr>
-    <a:masterClrMapping/>
-  </p:clrMapOvr>
-</p:sld>
-</file>
-
-<file path=ppt/slides/slide126.xml><?xml version="1.0" encoding="utf-8"?>
-<p:sld xmlns:a="http://schemas.openxmlformats.org/drawingml/2006/main" xmlns:r="http://schemas.openxmlformats.org/officeDocument/2006/relationships" xmlns:p="http://schemas.openxmlformats.org/presentationml/2006/main">
-  <p:cSld>
-    <p:spTree>
-      <p:nvGrpSpPr>
-        <p:cNvPr id="1" name=""/>
-        <p:cNvGrpSpPr/>
-        <p:nvPr/>
-      </p:nvGrpSpPr>
-      <p:grpSpPr>
-        <a:xfrm>
-          <a:off x="0" y="0"/>
-          <a:ext cx="0" cy="0"/>
-          <a:chOff x="0" y="0"/>
-          <a:chExt cx="0" cy="0"/>
-        </a:xfrm>
-      </p:grpSpPr>
-      <p:sp>
-        <p:nvSpPr>
-          <p:cNvPr id="2" name="Titel 1">
-            <a:extLst>
-              <a:ext uri="{FF2B5EF4-FFF2-40B4-BE49-F238E27FC236}">
-                <a16:creationId xmlns:a16="http://schemas.microsoft.com/office/drawing/2014/main" id="{DE0AA519-E696-1D55-1DD3-8BD16648DC28}"/>
-              </a:ext>
-            </a:extLst>
-          </p:cNvPr>
-          <p:cNvSpPr>
-            <a:spLocks noGrp="1"/>
-          </p:cNvSpPr>
-          <p:nvPr>
-            <p:ph type="title"/>
-          </p:nvPr>
-        </p:nvSpPr>
-        <p:spPr/>
-        <p:txBody>
-          <a:bodyPr/>
-          <a:lstStyle/>
-          <a:p>
-            <a:r>
-              <a:rPr lang="de-DE" dirty="0"/>
-              <a:t>Scopes, Claims &amp; Autorisierung</a:t>
-            </a:r>
-          </a:p>
-        </p:txBody>
-      </p:sp>
-      <p:sp>
-        <p:nvSpPr>
-          <p:cNvPr id="3" name="Inhaltsplatzhalter 2">
-            <a:extLst>
-              <a:ext uri="{FF2B5EF4-FFF2-40B4-BE49-F238E27FC236}">
-                <a16:creationId xmlns:a16="http://schemas.microsoft.com/office/drawing/2014/main" id="{0DF963B5-543B-F645-E628-0B3A41A99751}"/>
-              </a:ext>
-            </a:extLst>
-          </p:cNvPr>
-          <p:cNvSpPr>
-            <a:spLocks noGrp="1"/>
-          </p:cNvSpPr>
-          <p:nvPr>
-            <p:ph idx="1"/>
-          </p:nvPr>
-        </p:nvSpPr>
-        <p:spPr/>
-        <p:txBody>
-          <a:bodyPr/>
-          <a:lstStyle/>
-          <a:p>
-            <a:r>
-              <a:rPr lang="de-DE" dirty="0"/>
-              <a:t>Scopes</a:t>
-            </a:r>
-            <a:br>
-              <a:rPr lang="de-DE" dirty="0"/>
-            </a:br>
-            <a:r>
-              <a:rPr lang="de-DE" dirty="0"/>
-              <a:t>– dienen als minimale Berechtigungen (</a:t>
-            </a:r>
-            <a:r>
-              <a:rPr lang="de-DE" dirty="0" err="1"/>
-              <a:t>movies.read</a:t>
-            </a:r>
-            <a:r>
-              <a:rPr lang="de-DE" dirty="0"/>
-              <a:t>, </a:t>
-            </a:r>
-            <a:r>
-              <a:rPr lang="de-DE" dirty="0" err="1"/>
-              <a:t>rents.write</a:t>
-            </a:r>
-            <a:r>
-              <a:rPr lang="de-DE" dirty="0"/>
-              <a:t>)</a:t>
-            </a:r>
-          </a:p>
-          <a:p>
-            <a:r>
-              <a:rPr lang="de-DE" dirty="0"/>
-              <a:t>Standard-Claims</a:t>
-            </a:r>
-            <a:br>
-              <a:rPr lang="de-DE" dirty="0"/>
-            </a:br>
-            <a:r>
-              <a:rPr lang="de-DE" dirty="0"/>
-              <a:t>– iss, </a:t>
-            </a:r>
-            <a:r>
-              <a:rPr lang="de-DE" dirty="0" err="1"/>
-              <a:t>sub</a:t>
-            </a:r>
-            <a:r>
-              <a:rPr lang="de-DE" dirty="0"/>
-              <a:t>, </a:t>
-            </a:r>
-            <a:r>
-              <a:rPr lang="de-DE" dirty="0" err="1"/>
-              <a:t>aud</a:t>
-            </a:r>
-            <a:r>
-              <a:rPr lang="de-DE" dirty="0"/>
-              <a:t>, </a:t>
-            </a:r>
-            <a:r>
-              <a:rPr lang="de-DE" dirty="0" err="1"/>
-              <a:t>exp</a:t>
-            </a:r>
-            <a:r>
-              <a:rPr lang="de-DE" dirty="0"/>
-              <a:t>, </a:t>
-            </a:r>
-            <a:r>
-              <a:rPr lang="de-DE" dirty="0" err="1"/>
-              <a:t>iat</a:t>
-            </a:r>
-            <a:r>
-              <a:rPr lang="de-DE" dirty="0"/>
-              <a:t>, </a:t>
-            </a:r>
-            <a:r>
-              <a:rPr lang="de-DE" dirty="0" err="1"/>
-              <a:t>scope</a:t>
-            </a:r>
-            <a:endParaRPr lang="de-DE" dirty="0"/>
-          </a:p>
-          <a:p>
-            <a:r>
-              <a:rPr lang="de-DE" dirty="0"/>
-              <a:t>Custom Claims</a:t>
-            </a:r>
-            <a:br>
-              <a:rPr lang="de-DE" dirty="0"/>
-            </a:br>
-            <a:r>
-              <a:rPr lang="de-DE" dirty="0"/>
-              <a:t>– z. B. Rollen, Benutzerattribute</a:t>
-            </a:r>
-          </a:p>
-          <a:p>
-            <a:r>
-              <a:rPr lang="de-DE" dirty="0"/>
-              <a:t>Feingranulare Autorisierung</a:t>
-            </a:r>
-            <a:br>
-              <a:rPr lang="de-DE" dirty="0"/>
-            </a:br>
-            <a:r>
-              <a:rPr lang="de-DE" dirty="0"/>
-              <a:t>– </a:t>
-            </a:r>
-            <a:r>
-              <a:rPr lang="de-DE" dirty="0" err="1"/>
-              <a:t>Resource</a:t>
-            </a:r>
-            <a:r>
-              <a:rPr lang="de-DE" dirty="0"/>
-              <a:t> Server verwendet z. B. @PreAuthorize("hasAuthority('SCOPE_movies.read')")</a:t>
-            </a:r>
-          </a:p>
-        </p:txBody>
-      </p:sp>
-    </p:spTree>
-    <p:extLst>
-      <p:ext uri="{BB962C8B-B14F-4D97-AF65-F5344CB8AC3E}">
-        <p14:creationId xmlns:p14="http://schemas.microsoft.com/office/powerpoint/2010/main" val="2208623028"/>
-      </p:ext>
-    </p:extLst>
-  </p:cSld>
-  <p:clrMapOvr>
-    <a:masterClrMapping/>
-  </p:clrMapOvr>
-</p:sld>
-</file>
-
-<file path=ppt/slides/slide127.xml><?xml version="1.0" encoding="utf-8"?>
-<p:sld xmlns:a="http://schemas.openxmlformats.org/drawingml/2006/main" xmlns:r="http://schemas.openxmlformats.org/officeDocument/2006/relationships" xmlns:p="http://schemas.openxmlformats.org/presentationml/2006/main">
-  <p:cSld>
-    <p:spTree>
-      <p:nvGrpSpPr>
-        <p:cNvPr id="1" name=""/>
-        <p:cNvGrpSpPr/>
-        <p:nvPr/>
-      </p:nvGrpSpPr>
-      <p:grpSpPr>
-        <a:xfrm>
-          <a:off x="0" y="0"/>
-          <a:ext cx="0" cy="0"/>
-          <a:chOff x="0" y="0"/>
-          <a:chExt cx="0" cy="0"/>
-        </a:xfrm>
-      </p:grpSpPr>
-      <p:sp>
-        <p:nvSpPr>
-          <p:cNvPr id="2" name="Titel 1">
-            <a:extLst>
-              <a:ext uri="{FF2B5EF4-FFF2-40B4-BE49-F238E27FC236}">
                 <a16:creationId xmlns:a16="http://schemas.microsoft.com/office/drawing/2014/main" id="{EF05D819-2E8F-8244-B630-87A9AA065148}"/>
               </a:ext>
             </a:extLst>
@@ -15013,7 +13820,15 @@
           <a:p>
             <a:r>
               <a:rPr lang="de-DE" dirty="0"/>
-              <a:t>Client Secrets sicher verwahren (z. B. </a:t>
+              <a:t>Client Secrets sicher verwahren (z.B. </a:t>
+            </a:r>
+            <a:r>
+              <a:rPr lang="de-DE" dirty="0" err="1"/>
+              <a:t>HashiCorp</a:t>
+            </a:r>
+            <a:r>
+              <a:rPr lang="de-DE" dirty="0"/>
+              <a:t> </a:t>
             </a:r>
             <a:r>
               <a:rPr lang="de-DE" dirty="0" err="1"/>
@@ -15070,7 +13885,7 @@
 </p:sld>
 </file>
 
-<file path=ppt/slides/slide128.xml><?xml version="1.0" encoding="utf-8"?>
+<file path=ppt/slides/slide125.xml><?xml version="1.0" encoding="utf-8"?>
 <p:sld xmlns:a="http://schemas.openxmlformats.org/drawingml/2006/main" xmlns:r="http://schemas.openxmlformats.org/officeDocument/2006/relationships" xmlns:p="http://schemas.openxmlformats.org/presentationml/2006/main">
   <p:cSld>
     <p:spTree>
@@ -15180,7 +13995,7 @@
 </p:sld>
 </file>
 
-<file path=ppt/slides/slide129.xml><?xml version="1.0" encoding="utf-8"?>
+<file path=ppt/slides/slide126.xml><?xml version="1.0" encoding="utf-8"?>
 <p:sld xmlns:a="http://schemas.openxmlformats.org/drawingml/2006/main" xmlns:r="http://schemas.openxmlformats.org/officeDocument/2006/relationships" xmlns:p="http://schemas.openxmlformats.org/presentationml/2006/main">
   <p:cSld>
     <p:spTree>
@@ -15427,6 +14242,570 @@
 </p:sld>
 </file>
 
+<file path=ppt/slides/slide127.xml><?xml version="1.0" encoding="utf-8"?>
+<p:sld xmlns:a="http://schemas.openxmlformats.org/drawingml/2006/main" xmlns:r="http://schemas.openxmlformats.org/officeDocument/2006/relationships" xmlns:p="http://schemas.openxmlformats.org/presentationml/2006/main">
+  <p:cSld>
+    <p:spTree>
+      <p:nvGrpSpPr>
+        <p:cNvPr id="1" name=""/>
+        <p:cNvGrpSpPr/>
+        <p:nvPr/>
+      </p:nvGrpSpPr>
+      <p:grpSpPr>
+        <a:xfrm>
+          <a:off x="0" y="0"/>
+          <a:ext cx="0" cy="0"/>
+          <a:chOff x="0" y="0"/>
+          <a:chExt cx="0" cy="0"/>
+        </a:xfrm>
+      </p:grpSpPr>
+      <p:sp>
+        <p:nvSpPr>
+          <p:cNvPr id="2" name="Titel 1">
+            <a:extLst>
+              <a:ext uri="{FF2B5EF4-FFF2-40B4-BE49-F238E27FC236}">
+                <a16:creationId xmlns:a16="http://schemas.microsoft.com/office/drawing/2014/main" id="{2567AFC0-9FEB-B31D-DF79-A17529AA3CDB}"/>
+              </a:ext>
+            </a:extLst>
+          </p:cNvPr>
+          <p:cNvSpPr>
+            <a:spLocks noGrp="1"/>
+          </p:cNvSpPr>
+          <p:nvPr>
+            <p:ph type="title"/>
+          </p:nvPr>
+        </p:nvSpPr>
+        <p:spPr/>
+        <p:txBody>
+          <a:bodyPr/>
+          <a:lstStyle/>
+          <a:p>
+            <a:r>
+              <a:rPr lang="de-DE" dirty="0" err="1"/>
+              <a:t>OpenID</a:t>
+            </a:r>
+            <a:r>
+              <a:rPr lang="de-DE" dirty="0"/>
+              <a:t> Connect - Überblick</a:t>
+            </a:r>
+          </a:p>
+        </p:txBody>
+      </p:sp>
+      <p:sp>
+        <p:nvSpPr>
+          <p:cNvPr id="3" name="Inhaltsplatzhalter 2">
+            <a:extLst>
+              <a:ext uri="{FF2B5EF4-FFF2-40B4-BE49-F238E27FC236}">
+                <a16:creationId xmlns:a16="http://schemas.microsoft.com/office/drawing/2014/main" id="{9F4626F7-CFC1-9EFC-F90A-B051CB6DDAB4}"/>
+              </a:ext>
+            </a:extLst>
+          </p:cNvPr>
+          <p:cNvSpPr>
+            <a:spLocks noGrp="1"/>
+          </p:cNvSpPr>
+          <p:nvPr>
+            <p:ph idx="1"/>
+          </p:nvPr>
+        </p:nvSpPr>
+        <p:spPr>
+          <a:xfrm>
+            <a:off x="677334" y="1647265"/>
+            <a:ext cx="8596668" cy="4394097"/>
+          </a:xfrm>
+        </p:spPr>
+        <p:txBody>
+          <a:bodyPr>
+            <a:normAutofit/>
+          </a:bodyPr>
+          <a:lstStyle/>
+          <a:p>
+            <a:pPr marL="0" indent="0">
+              <a:buNone/>
+            </a:pPr>
+            <a:r>
+              <a:rPr lang="de-DE" dirty="0"/>
+              <a:t>Warum OIDC?</a:t>
+            </a:r>
+          </a:p>
+          <a:p>
+            <a:r>
+              <a:rPr lang="de-DE" dirty="0"/>
+              <a:t>OAuth 2.0 regelt nur die Autorisierung (wer darf was), liefert aber keine standardisierten Informationen darüber, wer der eingeloggte User ist.</a:t>
+            </a:r>
+          </a:p>
+          <a:p>
+            <a:r>
+              <a:rPr lang="de-DE" dirty="0"/>
+              <a:t>OIDC ergänzt OAuth 2.0 um einen Identity-Layer, sodass Clients auf einfache Weise</a:t>
+            </a:r>
+          </a:p>
+          <a:p>
+            <a:pPr lvl="1"/>
+            <a:r>
+              <a:rPr lang="de-DE" dirty="0"/>
+              <a:t>die User-Identität (Name, E-Mail, Rollen) sicher ermitteln</a:t>
+            </a:r>
+          </a:p>
+          <a:p>
+            <a:pPr lvl="1"/>
+            <a:r>
+              <a:rPr lang="de-DE" dirty="0"/>
+              <a:t>Single </a:t>
+            </a:r>
+            <a:r>
+              <a:rPr lang="de-DE" dirty="0" err="1"/>
+              <a:t>Sign</a:t>
+            </a:r>
+            <a:r>
+              <a:rPr lang="de-DE" dirty="0"/>
+              <a:t>-On (SSO) über mehrere Anwendungen hinweg realisieren können</a:t>
+            </a:r>
+          </a:p>
+          <a:p>
+            <a:r>
+              <a:rPr lang="de-DE" dirty="0"/>
+              <a:t>Standarisierung von einigen Scopes wie </a:t>
+            </a:r>
+            <a:r>
+              <a:rPr lang="de-DE" dirty="0" err="1"/>
+              <a:t>openid</a:t>
+            </a:r>
+            <a:r>
+              <a:rPr lang="de-DE" dirty="0"/>
+              <a:t>, </a:t>
+            </a:r>
+            <a:r>
+              <a:rPr lang="de-DE" dirty="0" err="1"/>
+              <a:t>profile</a:t>
+            </a:r>
+            <a:endParaRPr lang="de-DE" dirty="0"/>
+          </a:p>
+          <a:p>
+            <a:r>
+              <a:rPr lang="de-DE" dirty="0" err="1"/>
+              <a:t>Authorization</a:t>
+            </a:r>
+            <a:r>
+              <a:rPr lang="de-DE" dirty="0"/>
+              <a:t> </a:t>
+            </a:r>
+            <a:r>
+              <a:rPr lang="de-DE" dirty="0" err="1"/>
+              <a:t>server</a:t>
+            </a:r>
+            <a:r>
+              <a:rPr lang="de-DE" dirty="0"/>
+              <a:t> = </a:t>
+            </a:r>
+            <a:r>
+              <a:rPr lang="de-DE" dirty="0" err="1"/>
+              <a:t>identity</a:t>
+            </a:r>
+            <a:r>
+              <a:rPr lang="de-DE" dirty="0"/>
+              <a:t> </a:t>
+            </a:r>
+            <a:r>
+              <a:rPr lang="de-DE" dirty="0" err="1"/>
+              <a:t>provider</a:t>
+            </a:r>
+            <a:endParaRPr lang="de-DE" dirty="0"/>
+          </a:p>
+          <a:p>
+            <a:pPr marL="0" indent="0">
+              <a:buNone/>
+            </a:pPr>
+            <a:endParaRPr lang="de-DE" dirty="0"/>
+          </a:p>
+        </p:txBody>
+      </p:sp>
+    </p:spTree>
+    <p:extLst>
+      <p:ext uri="{BB962C8B-B14F-4D97-AF65-F5344CB8AC3E}">
+        <p14:creationId xmlns:p14="http://schemas.microsoft.com/office/powerpoint/2010/main" val="4144017294"/>
+      </p:ext>
+    </p:extLst>
+  </p:cSld>
+  <p:clrMapOvr>
+    <a:masterClrMapping/>
+  </p:clrMapOvr>
+</p:sld>
+</file>
+
+<file path=ppt/slides/slide128.xml><?xml version="1.0" encoding="utf-8"?>
+<p:sld xmlns:a="http://schemas.openxmlformats.org/drawingml/2006/main" xmlns:r="http://schemas.openxmlformats.org/officeDocument/2006/relationships" xmlns:p="http://schemas.openxmlformats.org/presentationml/2006/main">
+  <p:cSld>
+    <p:spTree>
+      <p:nvGrpSpPr>
+        <p:cNvPr id="1" name="">
+          <a:extLst>
+            <a:ext uri="{FF2B5EF4-FFF2-40B4-BE49-F238E27FC236}">
+              <a16:creationId xmlns:a16="http://schemas.microsoft.com/office/drawing/2014/main" id="{687DA3FB-5C22-AB35-CCEC-1F5883693976}"/>
+            </a:ext>
+          </a:extLst>
+        </p:cNvPr>
+        <p:cNvGrpSpPr/>
+        <p:nvPr/>
+      </p:nvGrpSpPr>
+      <p:grpSpPr>
+        <a:xfrm>
+          <a:off x="0" y="0"/>
+          <a:ext cx="0" cy="0"/>
+          <a:chOff x="0" y="0"/>
+          <a:chExt cx="0" cy="0"/>
+        </a:xfrm>
+      </p:grpSpPr>
+      <p:sp>
+        <p:nvSpPr>
+          <p:cNvPr id="2" name="Titel 1">
+            <a:extLst>
+              <a:ext uri="{FF2B5EF4-FFF2-40B4-BE49-F238E27FC236}">
+                <a16:creationId xmlns:a16="http://schemas.microsoft.com/office/drawing/2014/main" id="{101CD0ED-70A4-7B7C-5601-8B8F5D37927E}"/>
+              </a:ext>
+            </a:extLst>
+          </p:cNvPr>
+          <p:cNvSpPr>
+            <a:spLocks noGrp="1"/>
+          </p:cNvSpPr>
+          <p:nvPr>
+            <p:ph type="title"/>
+          </p:nvPr>
+        </p:nvSpPr>
+        <p:spPr/>
+        <p:txBody>
+          <a:bodyPr/>
+          <a:lstStyle/>
+          <a:p>
+            <a:r>
+              <a:rPr lang="de-DE" dirty="0" err="1"/>
+              <a:t>OpenID</a:t>
+            </a:r>
+            <a:r>
+              <a:rPr lang="de-DE" dirty="0"/>
+              <a:t> Connect - Überblick</a:t>
+            </a:r>
+          </a:p>
+        </p:txBody>
+      </p:sp>
+      <p:sp>
+        <p:nvSpPr>
+          <p:cNvPr id="3" name="Inhaltsplatzhalter 2">
+            <a:extLst>
+              <a:ext uri="{FF2B5EF4-FFF2-40B4-BE49-F238E27FC236}">
+                <a16:creationId xmlns:a16="http://schemas.microsoft.com/office/drawing/2014/main" id="{1C323869-6D1D-C7E1-1B22-EDDCA6168153}"/>
+              </a:ext>
+            </a:extLst>
+          </p:cNvPr>
+          <p:cNvSpPr>
+            <a:spLocks noGrp="1"/>
+          </p:cNvSpPr>
+          <p:nvPr>
+            <p:ph idx="1"/>
+          </p:nvPr>
+        </p:nvSpPr>
+        <p:spPr>
+          <a:xfrm>
+            <a:off x="677334" y="1647265"/>
+            <a:ext cx="8596668" cy="4394097"/>
+          </a:xfrm>
+        </p:spPr>
+        <p:txBody>
+          <a:bodyPr>
+            <a:normAutofit/>
+          </a:bodyPr>
+          <a:lstStyle/>
+          <a:p>
+            <a:pPr marL="0" indent="0">
+              <a:buNone/>
+            </a:pPr>
+            <a:r>
+              <a:rPr lang="de-DE" dirty="0"/>
+              <a:t>Was bringt OIDC konkret?</a:t>
+            </a:r>
+          </a:p>
+          <a:p>
+            <a:r>
+              <a:rPr lang="de-DE" dirty="0" err="1"/>
+              <a:t>id_token</a:t>
+            </a:r>
+            <a:r>
+              <a:rPr lang="de-DE" dirty="0"/>
+              <a:t> (JWT)</a:t>
+            </a:r>
+          </a:p>
+          <a:p>
+            <a:pPr lvl="1"/>
+            <a:r>
+              <a:rPr lang="de-DE" dirty="0"/>
+              <a:t>Enthält standardisierte Claims (</a:t>
+            </a:r>
+            <a:r>
+              <a:rPr lang="de-DE" dirty="0" err="1"/>
+              <a:t>sub</a:t>
+            </a:r>
+            <a:r>
+              <a:rPr lang="de-DE" dirty="0"/>
+              <a:t>, </a:t>
+            </a:r>
+            <a:r>
+              <a:rPr lang="de-DE" dirty="0" err="1"/>
+              <a:t>name</a:t>
+            </a:r>
+            <a:r>
+              <a:rPr lang="de-DE" dirty="0"/>
+              <a:t>, email, </a:t>
+            </a:r>
+            <a:r>
+              <a:rPr lang="de-DE" dirty="0" err="1"/>
+              <a:t>iat</a:t>
+            </a:r>
+            <a:r>
+              <a:rPr lang="de-DE" dirty="0"/>
+              <a:t>, </a:t>
+            </a:r>
+            <a:r>
+              <a:rPr lang="de-DE" dirty="0" err="1"/>
+              <a:t>exp</a:t>
+            </a:r>
+            <a:r>
+              <a:rPr lang="de-DE" dirty="0"/>
+              <a:t>)</a:t>
+            </a:r>
+          </a:p>
+          <a:p>
+            <a:pPr lvl="1"/>
+            <a:r>
+              <a:rPr lang="de-DE" dirty="0"/>
+              <a:t>Signiert vom Auth-Server, direkt im Client verifizierbar</a:t>
+            </a:r>
+          </a:p>
+          <a:p>
+            <a:r>
+              <a:rPr lang="de-DE" dirty="0" err="1"/>
+              <a:t>UserInfo-Endpoint</a:t>
+            </a:r>
+            <a:endParaRPr lang="de-DE" dirty="0"/>
+          </a:p>
+          <a:p>
+            <a:pPr lvl="1"/>
+            <a:r>
+              <a:rPr lang="de-DE" dirty="0"/>
+              <a:t>Zusätzliche Profil-Daten (z. B. Adresse, Foto) abrufbar</a:t>
+            </a:r>
+          </a:p>
+          <a:p>
+            <a:pPr lvl="1"/>
+            <a:r>
+              <a:rPr lang="de-DE" dirty="0"/>
+              <a:t>Einheitliches API über /</a:t>
+            </a:r>
+            <a:r>
+              <a:rPr lang="de-DE" dirty="0" err="1"/>
+              <a:t>userinfo</a:t>
+            </a:r>
+            <a:endParaRPr lang="de-DE" dirty="0"/>
+          </a:p>
+          <a:p>
+            <a:r>
+              <a:rPr lang="de-DE" dirty="0"/>
+              <a:t>Discovery &amp; </a:t>
+            </a:r>
+            <a:r>
+              <a:rPr lang="de-DE" dirty="0" err="1"/>
+              <a:t>Metadata</a:t>
+            </a:r>
+            <a:endParaRPr lang="de-DE" dirty="0"/>
+          </a:p>
+          <a:p>
+            <a:pPr lvl="1"/>
+            <a:r>
+              <a:rPr lang="de-DE" dirty="0"/>
+              <a:t>Automatische Konfiguration via /.well-</a:t>
+            </a:r>
+            <a:r>
+              <a:rPr lang="de-DE" dirty="0" err="1"/>
+              <a:t>known</a:t>
+            </a:r>
+            <a:r>
+              <a:rPr lang="de-DE" dirty="0"/>
+              <a:t>/</a:t>
+            </a:r>
+            <a:r>
+              <a:rPr lang="de-DE" dirty="0" err="1"/>
+              <a:t>openid-configuration</a:t>
+            </a:r>
+            <a:endParaRPr lang="de-DE" dirty="0"/>
+          </a:p>
+          <a:p>
+            <a:pPr lvl="1"/>
+            <a:r>
+              <a:rPr lang="de-DE" dirty="0"/>
+              <a:t>Clients finden Endpoints (</a:t>
+            </a:r>
+            <a:r>
+              <a:rPr lang="de-DE" dirty="0" err="1"/>
+              <a:t>Authorize</a:t>
+            </a:r>
+            <a:r>
+              <a:rPr lang="de-DE" dirty="0"/>
+              <a:t>, Token, JWKs) dynamisch</a:t>
+            </a:r>
+          </a:p>
+        </p:txBody>
+      </p:sp>
+    </p:spTree>
+    <p:extLst>
+      <p:ext uri="{BB962C8B-B14F-4D97-AF65-F5344CB8AC3E}">
+        <p14:creationId xmlns:p14="http://schemas.microsoft.com/office/powerpoint/2010/main" val="1356354380"/>
+      </p:ext>
+    </p:extLst>
+  </p:cSld>
+  <p:clrMapOvr>
+    <a:masterClrMapping/>
+  </p:clrMapOvr>
+</p:sld>
+</file>
+
+<file path=ppt/slides/slide129.xml><?xml version="1.0" encoding="utf-8"?>
+<p:sld xmlns:a="http://schemas.openxmlformats.org/drawingml/2006/main" xmlns:r="http://schemas.openxmlformats.org/officeDocument/2006/relationships" xmlns:p="http://schemas.openxmlformats.org/presentationml/2006/main">
+  <p:cSld>
+    <p:spTree>
+      <p:nvGrpSpPr>
+        <p:cNvPr id="1" name=""/>
+        <p:cNvGrpSpPr/>
+        <p:nvPr/>
+      </p:nvGrpSpPr>
+      <p:grpSpPr>
+        <a:xfrm>
+          <a:off x="0" y="0"/>
+          <a:ext cx="0" cy="0"/>
+          <a:chOff x="0" y="0"/>
+          <a:chExt cx="0" cy="0"/>
+        </a:xfrm>
+      </p:grpSpPr>
+      <p:sp>
+        <p:nvSpPr>
+          <p:cNvPr id="2" name="Titel 1">
+            <a:extLst>
+              <a:ext uri="{FF2B5EF4-FFF2-40B4-BE49-F238E27FC236}">
+                <a16:creationId xmlns:a16="http://schemas.microsoft.com/office/drawing/2014/main" id="{FA33F412-FEED-0534-B877-440FCC7BB465}"/>
+              </a:ext>
+            </a:extLst>
+          </p:cNvPr>
+          <p:cNvSpPr>
+            <a:spLocks noGrp="1"/>
+          </p:cNvSpPr>
+          <p:nvPr>
+            <p:ph type="title"/>
+          </p:nvPr>
+        </p:nvSpPr>
+        <p:spPr/>
+        <p:txBody>
+          <a:bodyPr/>
+          <a:lstStyle/>
+          <a:p>
+            <a:r>
+              <a:rPr lang="de-DE" dirty="0"/>
+              <a:t>OIDC – Use </a:t>
+            </a:r>
+            <a:r>
+              <a:rPr lang="de-DE" dirty="0" err="1"/>
+              <a:t>cases</a:t>
+            </a:r>
+            <a:endParaRPr lang="de-DE" dirty="0"/>
+          </a:p>
+        </p:txBody>
+      </p:sp>
+      <p:sp>
+        <p:nvSpPr>
+          <p:cNvPr id="3" name="Inhaltsplatzhalter 2">
+            <a:extLst>
+              <a:ext uri="{FF2B5EF4-FFF2-40B4-BE49-F238E27FC236}">
+                <a16:creationId xmlns:a16="http://schemas.microsoft.com/office/drawing/2014/main" id="{718A051D-E99A-9316-07D6-304AC5DCBB2A}"/>
+              </a:ext>
+            </a:extLst>
+          </p:cNvPr>
+          <p:cNvSpPr>
+            <a:spLocks noGrp="1"/>
+          </p:cNvSpPr>
+          <p:nvPr>
+            <p:ph idx="1"/>
+          </p:nvPr>
+        </p:nvSpPr>
+        <p:spPr/>
+        <p:txBody>
+          <a:bodyPr/>
+          <a:lstStyle/>
+          <a:p>
+            <a:r>
+              <a:rPr lang="de-DE" dirty="0"/>
+              <a:t>Single </a:t>
+            </a:r>
+            <a:r>
+              <a:rPr lang="de-DE" dirty="0" err="1"/>
+              <a:t>Sign</a:t>
+            </a:r>
+            <a:r>
+              <a:rPr lang="de-DE" dirty="0"/>
+              <a:t>-On:</a:t>
+            </a:r>
+          </a:p>
+          <a:p>
+            <a:pPr lvl="1"/>
+            <a:r>
+              <a:rPr lang="de-DE" dirty="0"/>
+              <a:t>Nutzer loggt sich einmal am Auth-Server ein, alle Netzfilm-Subs-Apps erkennen das automatisch </a:t>
+            </a:r>
+          </a:p>
+          <a:p>
+            <a:r>
+              <a:rPr lang="de-DE" dirty="0"/>
+              <a:t>Identity </a:t>
+            </a:r>
+            <a:r>
+              <a:rPr lang="de-DE" dirty="0" err="1"/>
+              <a:t>Federation</a:t>
+            </a:r>
+            <a:r>
+              <a:rPr lang="de-DE" dirty="0"/>
+              <a:t>:</a:t>
+            </a:r>
+          </a:p>
+          <a:p>
+            <a:pPr lvl="1"/>
+            <a:r>
+              <a:rPr lang="de-DE" dirty="0"/>
+              <a:t>Leichter Austausch von Login-Daten zwischen unabhängig entwickelten Diensten.</a:t>
+            </a:r>
+          </a:p>
+          <a:p>
+            <a:r>
+              <a:rPr lang="de-DE" dirty="0"/>
+              <a:t>Standardisierung:</a:t>
+            </a:r>
+          </a:p>
+          <a:p>
+            <a:pPr lvl="1"/>
+            <a:r>
+              <a:rPr lang="de-DE" dirty="0"/>
+              <a:t>Einheitliches Format und Endpunkte in allen OIDC-basierten Systemen – kein eigenes User-API nötig.</a:t>
+            </a:r>
+          </a:p>
+        </p:txBody>
+      </p:sp>
+    </p:spTree>
+    <p:extLst>
+      <p:ext uri="{BB962C8B-B14F-4D97-AF65-F5344CB8AC3E}">
+        <p14:creationId xmlns:p14="http://schemas.microsoft.com/office/powerpoint/2010/main" val="3383118085"/>
+      </p:ext>
+    </p:extLst>
+  </p:cSld>
+  <p:clrMapOvr>
+    <a:masterClrMapping/>
+  </p:clrMapOvr>
+</p:sld>
+</file>
+
 <file path=ppt/slides/slide13.xml><?xml version="1.0" encoding="utf-8"?>
 <p:sld xmlns:a="http://schemas.openxmlformats.org/drawingml/2006/main" xmlns:r="http://schemas.openxmlformats.org/officeDocument/2006/relationships" xmlns:p="http://schemas.openxmlformats.org/presentationml/2006/main">
   <p:cSld>
@@ -15580,417 +14959,6 @@
           <p:cNvPr id="2" name="Titel 1">
             <a:extLst>
               <a:ext uri="{FF2B5EF4-FFF2-40B4-BE49-F238E27FC236}">
-                <a16:creationId xmlns:a16="http://schemas.microsoft.com/office/drawing/2014/main" id="{2567AFC0-9FEB-B31D-DF79-A17529AA3CDB}"/>
-              </a:ext>
-            </a:extLst>
-          </p:cNvPr>
-          <p:cNvSpPr>
-            <a:spLocks noGrp="1"/>
-          </p:cNvSpPr>
-          <p:nvPr>
-            <p:ph type="title"/>
-          </p:nvPr>
-        </p:nvSpPr>
-        <p:spPr/>
-        <p:txBody>
-          <a:bodyPr/>
-          <a:lstStyle/>
-          <a:p>
-            <a:r>
-              <a:rPr lang="de-DE" dirty="0" err="1"/>
-              <a:t>OpenID</a:t>
-            </a:r>
-            <a:r>
-              <a:rPr lang="de-DE" dirty="0"/>
-              <a:t> Connect - Überblick</a:t>
-            </a:r>
-          </a:p>
-        </p:txBody>
-      </p:sp>
-      <p:sp>
-        <p:nvSpPr>
-          <p:cNvPr id="3" name="Inhaltsplatzhalter 2">
-            <a:extLst>
-              <a:ext uri="{FF2B5EF4-FFF2-40B4-BE49-F238E27FC236}">
-                <a16:creationId xmlns:a16="http://schemas.microsoft.com/office/drawing/2014/main" id="{9F4626F7-CFC1-9EFC-F90A-B051CB6DDAB4}"/>
-              </a:ext>
-            </a:extLst>
-          </p:cNvPr>
-          <p:cNvSpPr>
-            <a:spLocks noGrp="1"/>
-          </p:cNvSpPr>
-          <p:nvPr>
-            <p:ph idx="1"/>
-          </p:nvPr>
-        </p:nvSpPr>
-        <p:spPr>
-          <a:xfrm>
-            <a:off x="677334" y="1647265"/>
-            <a:ext cx="8596668" cy="4394097"/>
-          </a:xfrm>
-        </p:spPr>
-        <p:txBody>
-          <a:bodyPr>
-            <a:normAutofit fontScale="70000" lnSpcReduction="20000"/>
-          </a:bodyPr>
-          <a:lstStyle/>
-          <a:p>
-            <a:pPr marL="0" indent="0">
-              <a:buNone/>
-            </a:pPr>
-            <a:r>
-              <a:rPr lang="de-DE" dirty="0"/>
-              <a:t>Warum OIDC?</a:t>
-            </a:r>
-          </a:p>
-          <a:p>
-            <a:r>
-              <a:rPr lang="de-DE" dirty="0"/>
-              <a:t>OAuth 2.0 regelt nur die Autorisierung (wer darf was), liefert aber keine standardisierten Informationen darüber, wer der eingeloggte User ist.</a:t>
-            </a:r>
-          </a:p>
-          <a:p>
-            <a:r>
-              <a:rPr lang="de-DE" dirty="0"/>
-              <a:t>OIDC ergänzt OAuth 2.0 um einen Identity-Layer, sodass Clients auf einfache Weise</a:t>
-            </a:r>
-          </a:p>
-          <a:p>
-            <a:pPr lvl="1"/>
-            <a:r>
-              <a:rPr lang="de-DE" dirty="0"/>
-              <a:t>die User-Identität (Name, E-Mail, Rollen) sicher ermitteln</a:t>
-            </a:r>
-          </a:p>
-          <a:p>
-            <a:pPr lvl="1"/>
-            <a:r>
-              <a:rPr lang="de-DE" dirty="0"/>
-              <a:t>Single </a:t>
-            </a:r>
-            <a:r>
-              <a:rPr lang="de-DE" dirty="0" err="1"/>
-              <a:t>Sign</a:t>
-            </a:r>
-            <a:r>
-              <a:rPr lang="de-DE" dirty="0"/>
-              <a:t>-On (SSO) über mehrere Anwendungen hinweg realisieren können</a:t>
-            </a:r>
-          </a:p>
-          <a:p>
-            <a:pPr marL="0" indent="0">
-              <a:buNone/>
-            </a:pPr>
-            <a:r>
-              <a:rPr lang="de-DE" dirty="0"/>
-              <a:t>Was bringt OIDC konkret?</a:t>
-            </a:r>
-          </a:p>
-          <a:p>
-            <a:r>
-              <a:rPr lang="de-DE" dirty="0" err="1"/>
-              <a:t>id_token</a:t>
-            </a:r>
-            <a:r>
-              <a:rPr lang="de-DE" dirty="0"/>
-              <a:t> (JWT)</a:t>
-            </a:r>
-          </a:p>
-          <a:p>
-            <a:pPr lvl="1"/>
-            <a:r>
-              <a:rPr lang="de-DE" dirty="0"/>
-              <a:t>Enthält standardisierte Claims (</a:t>
-            </a:r>
-            <a:r>
-              <a:rPr lang="de-DE" dirty="0" err="1"/>
-              <a:t>sub</a:t>
-            </a:r>
-            <a:r>
-              <a:rPr lang="de-DE" dirty="0"/>
-              <a:t>, </a:t>
-            </a:r>
-            <a:r>
-              <a:rPr lang="de-DE" dirty="0" err="1"/>
-              <a:t>name</a:t>
-            </a:r>
-            <a:r>
-              <a:rPr lang="de-DE" dirty="0"/>
-              <a:t>, email, </a:t>
-            </a:r>
-            <a:r>
-              <a:rPr lang="de-DE" dirty="0" err="1"/>
-              <a:t>iat</a:t>
-            </a:r>
-            <a:r>
-              <a:rPr lang="de-DE" dirty="0"/>
-              <a:t>, </a:t>
-            </a:r>
-            <a:r>
-              <a:rPr lang="de-DE" dirty="0" err="1"/>
-              <a:t>exp</a:t>
-            </a:r>
-            <a:r>
-              <a:rPr lang="de-DE" dirty="0"/>
-              <a:t>)</a:t>
-            </a:r>
-          </a:p>
-          <a:p>
-            <a:pPr lvl="1"/>
-            <a:r>
-              <a:rPr lang="de-DE" dirty="0"/>
-              <a:t>Signiert vom Auth-Server, direkt im Client verifizierbar</a:t>
-            </a:r>
-          </a:p>
-          <a:p>
-            <a:r>
-              <a:rPr lang="de-DE" dirty="0" err="1"/>
-              <a:t>UserInfo-Endpoint</a:t>
-            </a:r>
-            <a:endParaRPr lang="de-DE" dirty="0"/>
-          </a:p>
-          <a:p>
-            <a:pPr lvl="1"/>
-            <a:r>
-              <a:rPr lang="de-DE" dirty="0"/>
-              <a:t>Zusätzliche Profil-Daten (z. B. Adresse, Foto) abrufbar</a:t>
-            </a:r>
-          </a:p>
-          <a:p>
-            <a:pPr lvl="1"/>
-            <a:r>
-              <a:rPr lang="de-DE" dirty="0"/>
-              <a:t>Einheitliches API über /</a:t>
-            </a:r>
-            <a:r>
-              <a:rPr lang="de-DE" dirty="0" err="1"/>
-              <a:t>userinfo</a:t>
-            </a:r>
-            <a:endParaRPr lang="de-DE" dirty="0"/>
-          </a:p>
-          <a:p>
-            <a:r>
-              <a:rPr lang="de-DE" dirty="0"/>
-              <a:t>Discovery &amp; </a:t>
-            </a:r>
-            <a:r>
-              <a:rPr lang="de-DE" dirty="0" err="1"/>
-              <a:t>Metadata</a:t>
-            </a:r>
-            <a:endParaRPr lang="de-DE" dirty="0"/>
-          </a:p>
-          <a:p>
-            <a:pPr lvl="1"/>
-            <a:r>
-              <a:rPr lang="de-DE" dirty="0"/>
-              <a:t>Automatische Konfiguration via /.well-</a:t>
-            </a:r>
-            <a:r>
-              <a:rPr lang="de-DE" dirty="0" err="1"/>
-              <a:t>known</a:t>
-            </a:r>
-            <a:r>
-              <a:rPr lang="de-DE" dirty="0"/>
-              <a:t>/</a:t>
-            </a:r>
-            <a:r>
-              <a:rPr lang="de-DE" dirty="0" err="1"/>
-              <a:t>openid-configuration</a:t>
-            </a:r>
-            <a:endParaRPr lang="de-DE" dirty="0"/>
-          </a:p>
-          <a:p>
-            <a:pPr lvl="1"/>
-            <a:r>
-              <a:rPr lang="de-DE" dirty="0"/>
-              <a:t>Clients finden Endpoints (</a:t>
-            </a:r>
-            <a:r>
-              <a:rPr lang="de-DE" dirty="0" err="1"/>
-              <a:t>Authorize</a:t>
-            </a:r>
-            <a:r>
-              <a:rPr lang="de-DE" dirty="0"/>
-              <a:t>, Token, JWKs) dynamisch</a:t>
-            </a:r>
-          </a:p>
-        </p:txBody>
-      </p:sp>
-    </p:spTree>
-    <p:extLst>
-      <p:ext uri="{BB962C8B-B14F-4D97-AF65-F5344CB8AC3E}">
-        <p14:creationId xmlns:p14="http://schemas.microsoft.com/office/powerpoint/2010/main" val="4144017294"/>
-      </p:ext>
-    </p:extLst>
-  </p:cSld>
-  <p:clrMapOvr>
-    <a:masterClrMapping/>
-  </p:clrMapOvr>
-</p:sld>
-</file>
-
-<file path=ppt/slides/slide131.xml><?xml version="1.0" encoding="utf-8"?>
-<p:sld xmlns:a="http://schemas.openxmlformats.org/drawingml/2006/main" xmlns:r="http://schemas.openxmlformats.org/officeDocument/2006/relationships" xmlns:p="http://schemas.openxmlformats.org/presentationml/2006/main">
-  <p:cSld>
-    <p:spTree>
-      <p:nvGrpSpPr>
-        <p:cNvPr id="1" name=""/>
-        <p:cNvGrpSpPr/>
-        <p:nvPr/>
-      </p:nvGrpSpPr>
-      <p:grpSpPr>
-        <a:xfrm>
-          <a:off x="0" y="0"/>
-          <a:ext cx="0" cy="0"/>
-          <a:chOff x="0" y="0"/>
-          <a:chExt cx="0" cy="0"/>
-        </a:xfrm>
-      </p:grpSpPr>
-      <p:sp>
-        <p:nvSpPr>
-          <p:cNvPr id="2" name="Titel 1">
-            <a:extLst>
-              <a:ext uri="{FF2B5EF4-FFF2-40B4-BE49-F238E27FC236}">
-                <a16:creationId xmlns:a16="http://schemas.microsoft.com/office/drawing/2014/main" id="{FA33F412-FEED-0534-B877-440FCC7BB465}"/>
-              </a:ext>
-            </a:extLst>
-          </p:cNvPr>
-          <p:cNvSpPr>
-            <a:spLocks noGrp="1"/>
-          </p:cNvSpPr>
-          <p:nvPr>
-            <p:ph type="title"/>
-          </p:nvPr>
-        </p:nvSpPr>
-        <p:spPr/>
-        <p:txBody>
-          <a:bodyPr/>
-          <a:lstStyle/>
-          <a:p>
-            <a:r>
-              <a:rPr lang="de-DE" dirty="0"/>
-              <a:t>OIDC – Use </a:t>
-            </a:r>
-            <a:r>
-              <a:rPr lang="de-DE" dirty="0" err="1"/>
-              <a:t>cases</a:t>
-            </a:r>
-            <a:endParaRPr lang="de-DE" dirty="0"/>
-          </a:p>
-        </p:txBody>
-      </p:sp>
-      <p:sp>
-        <p:nvSpPr>
-          <p:cNvPr id="3" name="Inhaltsplatzhalter 2">
-            <a:extLst>
-              <a:ext uri="{FF2B5EF4-FFF2-40B4-BE49-F238E27FC236}">
-                <a16:creationId xmlns:a16="http://schemas.microsoft.com/office/drawing/2014/main" id="{718A051D-E99A-9316-07D6-304AC5DCBB2A}"/>
-              </a:ext>
-            </a:extLst>
-          </p:cNvPr>
-          <p:cNvSpPr>
-            <a:spLocks noGrp="1"/>
-          </p:cNvSpPr>
-          <p:nvPr>
-            <p:ph idx="1"/>
-          </p:nvPr>
-        </p:nvSpPr>
-        <p:spPr/>
-        <p:txBody>
-          <a:bodyPr/>
-          <a:lstStyle/>
-          <a:p>
-            <a:r>
-              <a:rPr lang="de-DE" dirty="0"/>
-              <a:t>Single </a:t>
-            </a:r>
-            <a:r>
-              <a:rPr lang="de-DE" dirty="0" err="1"/>
-              <a:t>Sign</a:t>
-            </a:r>
-            <a:r>
-              <a:rPr lang="de-DE" dirty="0"/>
-              <a:t>-On:</a:t>
-            </a:r>
-          </a:p>
-          <a:p>
-            <a:pPr lvl="1"/>
-            <a:r>
-              <a:rPr lang="de-DE" dirty="0"/>
-              <a:t>Nutzer loggt sich einmal am Auth-Server ein, alle Netzfilm-Subs-Apps erkennen das automatisch </a:t>
-            </a:r>
-          </a:p>
-          <a:p>
-            <a:r>
-              <a:rPr lang="de-DE" dirty="0"/>
-              <a:t>Identity </a:t>
-            </a:r>
-            <a:r>
-              <a:rPr lang="de-DE" dirty="0" err="1"/>
-              <a:t>Federation</a:t>
-            </a:r>
-            <a:r>
-              <a:rPr lang="de-DE" dirty="0"/>
-              <a:t>:</a:t>
-            </a:r>
-          </a:p>
-          <a:p>
-            <a:pPr lvl="1"/>
-            <a:r>
-              <a:rPr lang="de-DE" dirty="0"/>
-              <a:t>Leichter Austausch von Login-Daten zwischen unabhängig entwickelten Diensten.</a:t>
-            </a:r>
-          </a:p>
-          <a:p>
-            <a:r>
-              <a:rPr lang="de-DE" dirty="0"/>
-              <a:t>Standardisierung:</a:t>
-            </a:r>
-          </a:p>
-          <a:p>
-            <a:pPr lvl="1"/>
-            <a:r>
-              <a:rPr lang="de-DE" dirty="0"/>
-              <a:t>Einheitliches Format und Endpunkte in allen OIDC-basierten Systemen – kein eigenes User-API nötig.</a:t>
-            </a:r>
-          </a:p>
-        </p:txBody>
-      </p:sp>
-    </p:spTree>
-    <p:extLst>
-      <p:ext uri="{BB962C8B-B14F-4D97-AF65-F5344CB8AC3E}">
-        <p14:creationId xmlns:p14="http://schemas.microsoft.com/office/powerpoint/2010/main" val="3383118085"/>
-      </p:ext>
-    </p:extLst>
-  </p:cSld>
-  <p:clrMapOvr>
-    <a:masterClrMapping/>
-  </p:clrMapOvr>
-</p:sld>
-</file>
-
-<file path=ppt/slides/slide132.xml><?xml version="1.0" encoding="utf-8"?>
-<p:sld xmlns:a="http://schemas.openxmlformats.org/drawingml/2006/main" xmlns:r="http://schemas.openxmlformats.org/officeDocument/2006/relationships" xmlns:p="http://schemas.openxmlformats.org/presentationml/2006/main">
-  <p:cSld>
-    <p:spTree>
-      <p:nvGrpSpPr>
-        <p:cNvPr id="1" name=""/>
-        <p:cNvGrpSpPr/>
-        <p:nvPr/>
-      </p:nvGrpSpPr>
-      <p:grpSpPr>
-        <a:xfrm>
-          <a:off x="0" y="0"/>
-          <a:ext cx="0" cy="0"/>
-          <a:chOff x="0" y="0"/>
-          <a:chExt cx="0" cy="0"/>
-        </a:xfrm>
-      </p:grpSpPr>
-      <p:sp>
-        <p:nvSpPr>
-          <p:cNvPr id="2" name="Titel 1">
-            <a:extLst>
-              <a:ext uri="{FF2B5EF4-FFF2-40B4-BE49-F238E27FC236}">
                 <a16:creationId xmlns:a16="http://schemas.microsoft.com/office/drawing/2014/main" id="{B140ABFF-53C8-F710-8ACB-53232C300341}"/>
               </a:ext>
             </a:extLst>
@@ -16109,7 +15077,7 @@
 </p:sld>
 </file>
 
-<file path=ppt/slides/slide133.xml><?xml version="1.0" encoding="utf-8"?>
+<file path=ppt/slides/slide131.xml><?xml version="1.0" encoding="utf-8"?>
 <p:sld xmlns:a="http://schemas.openxmlformats.org/drawingml/2006/main" xmlns:r="http://schemas.openxmlformats.org/officeDocument/2006/relationships" xmlns:p="http://schemas.openxmlformats.org/presentationml/2006/main">
   <p:cSld>
     <p:spTree>
@@ -16356,7 +15324,7 @@
 </p:sld>
 </file>
 
-<file path=ppt/slides/slide134.xml><?xml version="1.0" encoding="utf-8"?>
+<file path=ppt/slides/slide132.xml><?xml version="1.0" encoding="utf-8"?>
 <p:sld xmlns:a="http://schemas.openxmlformats.org/drawingml/2006/main" xmlns:r="http://schemas.openxmlformats.org/officeDocument/2006/relationships" xmlns:p="http://schemas.openxmlformats.org/presentationml/2006/main">
   <p:cSld>
     <p:spTree>
@@ -16516,6 +15484,279 @@
     <p:extLst>
       <p:ext uri="{BB962C8B-B14F-4D97-AF65-F5344CB8AC3E}">
         <p14:creationId xmlns:p14="http://schemas.microsoft.com/office/powerpoint/2010/main" val="1298664638"/>
+      </p:ext>
+    </p:extLst>
+  </p:cSld>
+  <p:clrMapOvr>
+    <a:masterClrMapping/>
+  </p:clrMapOvr>
+</p:sld>
+</file>
+
+<file path=ppt/slides/slide133.xml><?xml version="1.0" encoding="utf-8"?>
+<p:sld xmlns:a="http://schemas.openxmlformats.org/drawingml/2006/main" xmlns:r="http://schemas.openxmlformats.org/officeDocument/2006/relationships" xmlns:p="http://schemas.openxmlformats.org/presentationml/2006/main">
+  <p:cSld>
+    <p:spTree>
+      <p:nvGrpSpPr>
+        <p:cNvPr id="1" name=""/>
+        <p:cNvGrpSpPr/>
+        <p:nvPr/>
+      </p:nvGrpSpPr>
+      <p:grpSpPr>
+        <a:xfrm>
+          <a:off x="0" y="0"/>
+          <a:ext cx="0" cy="0"/>
+          <a:chOff x="0" y="0"/>
+          <a:chExt cx="0" cy="0"/>
+        </a:xfrm>
+      </p:grpSpPr>
+      <p:sp>
+        <p:nvSpPr>
+          <p:cNvPr id="2" name="Titel 1">
+            <a:extLst>
+              <a:ext uri="{FF2B5EF4-FFF2-40B4-BE49-F238E27FC236}">
+                <a16:creationId xmlns:a16="http://schemas.microsoft.com/office/drawing/2014/main" id="{994F983C-7C86-E364-30ED-3815EC42C918}"/>
+              </a:ext>
+            </a:extLst>
+          </p:cNvPr>
+          <p:cNvSpPr>
+            <a:spLocks noGrp="1"/>
+          </p:cNvSpPr>
+          <p:nvPr>
+            <p:ph type="title"/>
+          </p:nvPr>
+        </p:nvSpPr>
+        <p:spPr/>
+        <p:txBody>
+          <a:bodyPr/>
+          <a:lstStyle/>
+          <a:p>
+            <a:r>
+              <a:rPr lang="de-DE" dirty="0"/>
+              <a:t>Spring </a:t>
+            </a:r>
+            <a:r>
+              <a:rPr lang="de-DE" dirty="0" err="1"/>
+              <a:t>Authorization</a:t>
+            </a:r>
+            <a:r>
+              <a:rPr lang="de-DE" dirty="0"/>
+              <a:t> Server Ziel</a:t>
+            </a:r>
+          </a:p>
+        </p:txBody>
+      </p:sp>
+      <p:sp>
+        <p:nvSpPr>
+          <p:cNvPr id="3" name="Inhaltsplatzhalter 2">
+            <a:extLst>
+              <a:ext uri="{FF2B5EF4-FFF2-40B4-BE49-F238E27FC236}">
+                <a16:creationId xmlns:a16="http://schemas.microsoft.com/office/drawing/2014/main" id="{0F324E5E-A319-F4FC-CDC2-830E88C1F612}"/>
+              </a:ext>
+            </a:extLst>
+          </p:cNvPr>
+          <p:cNvSpPr>
+            <a:spLocks noGrp="1"/>
+          </p:cNvSpPr>
+          <p:nvPr>
+            <p:ph idx="1"/>
+          </p:nvPr>
+        </p:nvSpPr>
+        <p:spPr/>
+        <p:txBody>
+          <a:bodyPr/>
+          <a:lstStyle/>
+          <a:p>
+            <a:pPr marL="0" indent="0">
+              <a:buNone/>
+            </a:pPr>
+            <a:r>
+              <a:rPr lang="de-DE" dirty="0"/>
+              <a:t>Zentrale Identity- und Token-Instanz</a:t>
+            </a:r>
+          </a:p>
+          <a:p>
+            <a:r>
+              <a:rPr lang="de-DE" dirty="0"/>
+              <a:t>Single </a:t>
+            </a:r>
+            <a:r>
+              <a:rPr lang="de-DE" dirty="0" err="1"/>
+              <a:t>Sign</a:t>
+            </a:r>
+            <a:r>
+              <a:rPr lang="de-DE" dirty="0"/>
+              <a:t>-On (SSO) für alle </a:t>
+            </a:r>
+            <a:r>
+              <a:rPr lang="de-DE" dirty="0" err="1"/>
+              <a:t>frontends</a:t>
+            </a:r>
+            <a:r>
+              <a:rPr lang="de-DE" dirty="0"/>
+              <a:t> </a:t>
+            </a:r>
+          </a:p>
+          <a:p>
+            <a:r>
+              <a:rPr lang="de-DE" dirty="0" err="1"/>
+              <a:t>Machine</a:t>
+            </a:r>
+            <a:r>
+              <a:rPr lang="de-DE" dirty="0"/>
+              <a:t>-</a:t>
+            </a:r>
+            <a:r>
+              <a:rPr lang="de-DE" dirty="0" err="1"/>
+              <a:t>to</a:t>
+            </a:r>
+            <a:r>
+              <a:rPr lang="de-DE" dirty="0"/>
+              <a:t>-</a:t>
+            </a:r>
+            <a:r>
+              <a:rPr lang="de-DE" dirty="0" err="1"/>
+              <a:t>Machine</a:t>
+            </a:r>
+            <a:r>
+              <a:rPr lang="de-DE" dirty="0"/>
+              <a:t>-Auth (Client-</a:t>
+            </a:r>
+            <a:r>
+              <a:rPr lang="de-DE" dirty="0" err="1"/>
+              <a:t>Credentials</a:t>
+            </a:r>
+            <a:r>
+              <a:rPr lang="de-DE" dirty="0"/>
+              <a:t>) für Hintergrund-Jobs und Batches</a:t>
+            </a:r>
+          </a:p>
+          <a:p>
+            <a:r>
+              <a:rPr lang="de-DE" dirty="0"/>
+              <a:t>Föderation: Integration externer Identity-Provider (z. B. via SAML oder </a:t>
+            </a:r>
+            <a:r>
+              <a:rPr lang="de-DE" dirty="0" err="1"/>
+              <a:t>Social</a:t>
+            </a:r>
+            <a:r>
+              <a:rPr lang="de-DE" dirty="0"/>
+              <a:t> Login)</a:t>
+            </a:r>
+          </a:p>
+          <a:p>
+            <a:r>
+              <a:rPr lang="de-DE" dirty="0"/>
+              <a:t>Feingranulare </a:t>
+            </a:r>
+            <a:r>
+              <a:rPr lang="de-DE" dirty="0" err="1"/>
+              <a:t>Policies</a:t>
+            </a:r>
+            <a:r>
+              <a:rPr lang="de-DE" dirty="0"/>
+              <a:t>: eigene Claims, Rollen ➔ zentrale Verwaltung</a:t>
+            </a:r>
+          </a:p>
+        </p:txBody>
+      </p:sp>
+    </p:spTree>
+    <p:extLst>
+      <p:ext uri="{BB962C8B-B14F-4D97-AF65-F5344CB8AC3E}">
+        <p14:creationId xmlns:p14="http://schemas.microsoft.com/office/powerpoint/2010/main" val="406300814"/>
+      </p:ext>
+    </p:extLst>
+  </p:cSld>
+  <p:clrMapOvr>
+    <a:masterClrMapping/>
+  </p:clrMapOvr>
+</p:sld>
+</file>
+
+<file path=ppt/slides/slide134.xml><?xml version="1.0" encoding="utf-8"?>
+<p:sld xmlns:a="http://schemas.openxmlformats.org/drawingml/2006/main" xmlns:r="http://schemas.openxmlformats.org/officeDocument/2006/relationships" xmlns:p="http://schemas.openxmlformats.org/presentationml/2006/main">
+  <p:cSld>
+    <p:spTree>
+      <p:nvGrpSpPr>
+        <p:cNvPr id="1" name=""/>
+        <p:cNvGrpSpPr/>
+        <p:nvPr/>
+      </p:nvGrpSpPr>
+      <p:grpSpPr>
+        <a:xfrm>
+          <a:off x="0" y="0"/>
+          <a:ext cx="0" cy="0"/>
+          <a:chOff x="0" y="0"/>
+          <a:chExt cx="0" cy="0"/>
+        </a:xfrm>
+      </p:grpSpPr>
+      <p:sp>
+        <p:nvSpPr>
+          <p:cNvPr id="2" name="Titel 1">
+            <a:extLst>
+              <a:ext uri="{FF2B5EF4-FFF2-40B4-BE49-F238E27FC236}">
+                <a16:creationId xmlns:a16="http://schemas.microsoft.com/office/drawing/2014/main" id="{313F5EA7-3EC5-B047-80AF-EA22A032683E}"/>
+              </a:ext>
+            </a:extLst>
+          </p:cNvPr>
+          <p:cNvSpPr>
+            <a:spLocks noGrp="1"/>
+          </p:cNvSpPr>
+          <p:nvPr>
+            <p:ph type="title"/>
+          </p:nvPr>
+        </p:nvSpPr>
+        <p:spPr/>
+        <p:txBody>
+          <a:bodyPr/>
+          <a:lstStyle/>
+          <a:p>
+            <a:r>
+              <a:rPr lang="de-DE" dirty="0" err="1"/>
+              <a:t>Authorization</a:t>
+            </a:r>
+            <a:r>
+              <a:rPr lang="de-DE" dirty="0"/>
+              <a:t> Server Komponenten</a:t>
+            </a:r>
+          </a:p>
+        </p:txBody>
+      </p:sp>
+      <p:pic>
+        <p:nvPicPr>
+          <p:cNvPr id="5" name="Grafik 4">
+            <a:extLst>
+              <a:ext uri="{FF2B5EF4-FFF2-40B4-BE49-F238E27FC236}">
+                <a16:creationId xmlns:a16="http://schemas.microsoft.com/office/drawing/2014/main" id="{1F9478B7-55CE-EFC4-31BF-BC4E2684B76E}"/>
+              </a:ext>
+            </a:extLst>
+          </p:cNvPr>
+          <p:cNvPicPr>
+            <a:picLocks noChangeAspect="1"/>
+          </p:cNvPicPr>
+          <p:nvPr/>
+        </p:nvPicPr>
+        <p:blipFill>
+          <a:blip r:embed="rId2"/>
+          <a:stretch>
+            <a:fillRect/>
+          </a:stretch>
+        </p:blipFill>
+        <p:spPr>
+          <a:xfrm>
+            <a:off x="1295400" y="1930400"/>
+            <a:ext cx="6548959" cy="3820921"/>
+          </a:xfrm>
+          <a:prstGeom prst="rect">
+            <a:avLst/>
+          </a:prstGeom>
+        </p:spPr>
+      </p:pic>
+    </p:spTree>
+    <p:extLst>
+      <p:ext uri="{BB962C8B-B14F-4D97-AF65-F5344CB8AC3E}">
+        <p14:creationId xmlns:p14="http://schemas.microsoft.com/office/powerpoint/2010/main" val="1228064072"/>
       </p:ext>
     </p:extLst>
   </p:cSld>
@@ -16547,187 +15788,6 @@
           <p:cNvPr id="2" name="Titel 1">
             <a:extLst>
               <a:ext uri="{FF2B5EF4-FFF2-40B4-BE49-F238E27FC236}">
-                <a16:creationId xmlns:a16="http://schemas.microsoft.com/office/drawing/2014/main" id="{994F983C-7C86-E364-30ED-3815EC42C918}"/>
-              </a:ext>
-            </a:extLst>
-          </p:cNvPr>
-          <p:cNvSpPr>
-            <a:spLocks noGrp="1"/>
-          </p:cNvSpPr>
-          <p:nvPr>
-            <p:ph type="title"/>
-          </p:nvPr>
-        </p:nvSpPr>
-        <p:spPr/>
-        <p:txBody>
-          <a:bodyPr/>
-          <a:lstStyle/>
-          <a:p>
-            <a:r>
-              <a:rPr lang="de-DE" dirty="0"/>
-              <a:t>Spring </a:t>
-            </a:r>
-            <a:r>
-              <a:rPr lang="de-DE" dirty="0" err="1"/>
-              <a:t>Authorization</a:t>
-            </a:r>
-            <a:r>
-              <a:rPr lang="de-DE" dirty="0"/>
-              <a:t> Server Ziel</a:t>
-            </a:r>
-          </a:p>
-        </p:txBody>
-      </p:sp>
-      <p:sp>
-        <p:nvSpPr>
-          <p:cNvPr id="3" name="Inhaltsplatzhalter 2">
-            <a:extLst>
-              <a:ext uri="{FF2B5EF4-FFF2-40B4-BE49-F238E27FC236}">
-                <a16:creationId xmlns:a16="http://schemas.microsoft.com/office/drawing/2014/main" id="{0F324E5E-A319-F4FC-CDC2-830E88C1F612}"/>
-              </a:ext>
-            </a:extLst>
-          </p:cNvPr>
-          <p:cNvSpPr>
-            <a:spLocks noGrp="1"/>
-          </p:cNvSpPr>
-          <p:nvPr>
-            <p:ph idx="1"/>
-          </p:nvPr>
-        </p:nvSpPr>
-        <p:spPr/>
-        <p:txBody>
-          <a:bodyPr/>
-          <a:lstStyle/>
-          <a:p>
-            <a:pPr marL="0" indent="0">
-              <a:buNone/>
-            </a:pPr>
-            <a:r>
-              <a:rPr lang="de-DE" dirty="0"/>
-              <a:t>Zentrale Identity- und Token-Instanz</a:t>
-            </a:r>
-          </a:p>
-          <a:p>
-            <a:r>
-              <a:rPr lang="de-DE" dirty="0"/>
-              <a:t>Single </a:t>
-            </a:r>
-            <a:r>
-              <a:rPr lang="de-DE" dirty="0" err="1"/>
-              <a:t>Sign</a:t>
-            </a:r>
-            <a:r>
-              <a:rPr lang="de-DE" dirty="0"/>
-              <a:t>-On (SSO) für alle </a:t>
-            </a:r>
-            <a:r>
-              <a:rPr lang="de-DE" dirty="0" err="1"/>
-              <a:t>frontends</a:t>
-            </a:r>
-            <a:r>
-              <a:rPr lang="de-DE" dirty="0"/>
-              <a:t> </a:t>
-            </a:r>
-          </a:p>
-          <a:p>
-            <a:r>
-              <a:rPr lang="de-DE" dirty="0" err="1"/>
-              <a:t>Machine</a:t>
-            </a:r>
-            <a:r>
-              <a:rPr lang="de-DE" dirty="0"/>
-              <a:t>-</a:t>
-            </a:r>
-            <a:r>
-              <a:rPr lang="de-DE" dirty="0" err="1"/>
-              <a:t>to</a:t>
-            </a:r>
-            <a:r>
-              <a:rPr lang="de-DE" dirty="0"/>
-              <a:t>-</a:t>
-            </a:r>
-            <a:r>
-              <a:rPr lang="de-DE" dirty="0" err="1"/>
-              <a:t>Machine</a:t>
-            </a:r>
-            <a:r>
-              <a:rPr lang="de-DE" dirty="0"/>
-              <a:t>-Auth (Client-</a:t>
-            </a:r>
-            <a:r>
-              <a:rPr lang="de-DE" dirty="0" err="1"/>
-              <a:t>Credentials</a:t>
-            </a:r>
-            <a:r>
-              <a:rPr lang="de-DE" dirty="0"/>
-              <a:t>) für Hintergrund-Jobs und Batches</a:t>
-            </a:r>
-          </a:p>
-          <a:p>
-            <a:r>
-              <a:rPr lang="de-DE" dirty="0"/>
-              <a:t>Föderation: Integration externer Identity-Provider (z. B. via SAML oder </a:t>
-            </a:r>
-            <a:r>
-              <a:rPr lang="de-DE" dirty="0" err="1"/>
-              <a:t>Social</a:t>
-            </a:r>
-            <a:r>
-              <a:rPr lang="de-DE" dirty="0"/>
-              <a:t> Login)</a:t>
-            </a:r>
-          </a:p>
-          <a:p>
-            <a:r>
-              <a:rPr lang="de-DE" dirty="0"/>
-              <a:t>Feingranulare </a:t>
-            </a:r>
-            <a:r>
-              <a:rPr lang="de-DE" dirty="0" err="1"/>
-              <a:t>Policies</a:t>
-            </a:r>
-            <a:r>
-              <a:rPr lang="de-DE" dirty="0"/>
-              <a:t>: eigene Claims, Rollen ➔ zentrale Verwaltung</a:t>
-            </a:r>
-          </a:p>
-        </p:txBody>
-      </p:sp>
-    </p:spTree>
-    <p:extLst>
-      <p:ext uri="{BB962C8B-B14F-4D97-AF65-F5344CB8AC3E}">
-        <p14:creationId xmlns:p14="http://schemas.microsoft.com/office/powerpoint/2010/main" val="406300814"/>
-      </p:ext>
-    </p:extLst>
-  </p:cSld>
-  <p:clrMapOvr>
-    <a:masterClrMapping/>
-  </p:clrMapOvr>
-</p:sld>
-</file>
-
-<file path=ppt/slides/slide136.xml><?xml version="1.0" encoding="utf-8"?>
-<p:sld xmlns:a="http://schemas.openxmlformats.org/drawingml/2006/main" xmlns:r="http://schemas.openxmlformats.org/officeDocument/2006/relationships" xmlns:p="http://schemas.openxmlformats.org/presentationml/2006/main">
-  <p:cSld>
-    <p:spTree>
-      <p:nvGrpSpPr>
-        <p:cNvPr id="1" name=""/>
-        <p:cNvGrpSpPr/>
-        <p:nvPr/>
-      </p:nvGrpSpPr>
-      <p:grpSpPr>
-        <a:xfrm>
-          <a:off x="0" y="0"/>
-          <a:ext cx="0" cy="0"/>
-          <a:chOff x="0" y="0"/>
-          <a:chExt cx="0" cy="0"/>
-        </a:xfrm>
-      </p:grpSpPr>
-      <p:sp>
-        <p:nvSpPr>
-          <p:cNvPr id="2" name="Titel 1">
-            <a:extLst>
-              <a:ext uri="{FF2B5EF4-FFF2-40B4-BE49-F238E27FC236}">
                 <a16:creationId xmlns:a16="http://schemas.microsoft.com/office/drawing/2014/main" id="{B07AC6E8-2EC2-A0E1-A648-FF382226FECE}"/>
               </a:ext>
             </a:extLst>
@@ -16816,297 +15876,7 @@
 </p:sld>
 </file>
 
-<file path=ppt/slides/slide137.xml><?xml version="1.0" encoding="utf-8"?>
-<p:sld xmlns:a="http://schemas.openxmlformats.org/drawingml/2006/main" xmlns:r="http://schemas.openxmlformats.org/officeDocument/2006/relationships" xmlns:p="http://schemas.openxmlformats.org/presentationml/2006/main">
-  <p:cSld>
-    <p:spTree>
-      <p:nvGrpSpPr>
-        <p:cNvPr id="1" name=""/>
-        <p:cNvGrpSpPr/>
-        <p:nvPr/>
-      </p:nvGrpSpPr>
-      <p:grpSpPr>
-        <a:xfrm>
-          <a:off x="0" y="0"/>
-          <a:ext cx="0" cy="0"/>
-          <a:chOff x="0" y="0"/>
-          <a:chExt cx="0" cy="0"/>
-        </a:xfrm>
-      </p:grpSpPr>
-      <p:sp>
-        <p:nvSpPr>
-          <p:cNvPr id="2" name="Titel 1">
-            <a:extLst>
-              <a:ext uri="{FF2B5EF4-FFF2-40B4-BE49-F238E27FC236}">
-                <a16:creationId xmlns:a16="http://schemas.microsoft.com/office/drawing/2014/main" id="{82802C9B-E0E8-411D-ADCA-C0712F9EDA2D}"/>
-              </a:ext>
-            </a:extLst>
-          </p:cNvPr>
-          <p:cNvSpPr>
-            <a:spLocks noGrp="1"/>
-          </p:cNvSpPr>
-          <p:nvPr>
-            <p:ph type="title"/>
-          </p:nvPr>
-        </p:nvSpPr>
-        <p:spPr/>
-        <p:txBody>
-          <a:bodyPr/>
-          <a:lstStyle/>
-          <a:p>
-            <a:r>
-              <a:rPr lang="de-DE" dirty="0"/>
-              <a:t>Identitätsmanagement (IDM) – Verwaltung von Benutzern und Rollen</a:t>
-            </a:r>
-          </a:p>
-        </p:txBody>
-      </p:sp>
-      <p:sp>
-        <p:nvSpPr>
-          <p:cNvPr id="3" name="Inhaltsplatzhalter 2">
-            <a:extLst>
-              <a:ext uri="{FF2B5EF4-FFF2-40B4-BE49-F238E27FC236}">
-                <a16:creationId xmlns:a16="http://schemas.microsoft.com/office/drawing/2014/main" id="{48F5A954-C909-8072-C96A-FC655362A82E}"/>
-              </a:ext>
-            </a:extLst>
-          </p:cNvPr>
-          <p:cNvSpPr>
-            <a:spLocks noGrp="1"/>
-          </p:cNvSpPr>
-          <p:nvPr>
-            <p:ph idx="1"/>
-          </p:nvPr>
-        </p:nvSpPr>
-        <p:spPr/>
-        <p:txBody>
-          <a:bodyPr>
-            <a:normAutofit lnSpcReduction="10000"/>
-          </a:bodyPr>
-          <a:lstStyle/>
-          <a:p>
-            <a:r>
-              <a:rPr lang="de-DE" b="1" dirty="0"/>
-              <a:t>Benutzerverwaltung</a:t>
-            </a:r>
-          </a:p>
-          <a:p>
-            <a:pPr lvl="1"/>
-            <a:r>
-              <a:rPr lang="de-DE" dirty="0"/>
-              <a:t>Anlegen, Ändern, Löschen von Accounts (CRUD).</a:t>
-            </a:r>
-          </a:p>
-          <a:p>
-            <a:pPr lvl="1"/>
-            <a:r>
-              <a:rPr lang="de-DE" dirty="0"/>
-              <a:t>Self-Service-Portale für </a:t>
-            </a:r>
-            <a:r>
-              <a:rPr lang="de-DE" dirty="0" err="1"/>
-              <a:t>Passwortreset</a:t>
-            </a:r>
-            <a:r>
-              <a:rPr lang="de-DE" dirty="0"/>
-              <a:t> &amp; Profilpflege.</a:t>
-            </a:r>
-          </a:p>
-          <a:p>
-            <a:r>
-              <a:rPr lang="de-DE" b="1" dirty="0"/>
-              <a:t>Rollen &amp; Gruppen</a:t>
-            </a:r>
-          </a:p>
-          <a:p>
-            <a:pPr lvl="1"/>
-            <a:r>
-              <a:rPr lang="de-DE" dirty="0"/>
-              <a:t>Hierarchien (z.B. Admin &gt; Manager &gt; User).</a:t>
-            </a:r>
-          </a:p>
-          <a:p>
-            <a:pPr lvl="1"/>
-            <a:r>
-              <a:rPr lang="de-DE" dirty="0"/>
-              <a:t>Delegation von Berechtigungen.</a:t>
-            </a:r>
-          </a:p>
-          <a:p>
-            <a:r>
-              <a:rPr lang="de-DE" b="1" dirty="0"/>
-              <a:t>Zentrale Lösungen</a:t>
-            </a:r>
-          </a:p>
-          <a:p>
-            <a:pPr lvl="1"/>
-            <a:r>
-              <a:rPr lang="de-DE" dirty="0"/>
-              <a:t>LDAP, </a:t>
-            </a:r>
-            <a:r>
-              <a:rPr lang="de-DE" dirty="0" err="1"/>
-              <a:t>Active</a:t>
-            </a:r>
-            <a:r>
-              <a:rPr lang="de-DE" dirty="0"/>
-              <a:t> Directory, </a:t>
-            </a:r>
-            <a:r>
-              <a:rPr lang="de-DE" dirty="0" err="1"/>
-              <a:t>Keycloak</a:t>
-            </a:r>
-            <a:r>
-              <a:rPr lang="de-DE" dirty="0"/>
-              <a:t>, Auth0: Zentralisierte Identitäts- und Zugriffsverwaltung.</a:t>
-            </a:r>
-          </a:p>
-          <a:p>
-            <a:r>
-              <a:rPr lang="de-DE" b="1" dirty="0"/>
-              <a:t>Single </a:t>
-            </a:r>
-            <a:r>
-              <a:rPr lang="de-DE" b="1" dirty="0" err="1"/>
-              <a:t>Sign</a:t>
-            </a:r>
-            <a:r>
-              <a:rPr lang="de-DE" b="1" dirty="0"/>
-              <a:t>-On (SSO)</a:t>
-            </a:r>
-          </a:p>
-          <a:p>
-            <a:pPr lvl="1"/>
-            <a:r>
-              <a:rPr lang="de-DE" dirty="0"/>
-              <a:t>Einmaliges Einloggen für mehrere Anwendungen (z.B. SAML, OAuth2/OIDC).</a:t>
-            </a:r>
-          </a:p>
-        </p:txBody>
-      </p:sp>
-    </p:spTree>
-    <p:extLst>
-      <p:ext uri="{BB962C8B-B14F-4D97-AF65-F5344CB8AC3E}">
-        <p14:creationId xmlns:p14="http://schemas.microsoft.com/office/powerpoint/2010/main" val="2936468636"/>
-      </p:ext>
-    </p:extLst>
-  </p:cSld>
-  <p:clrMapOvr>
-    <a:masterClrMapping/>
-  </p:clrMapOvr>
-</p:sld>
-</file>
-
-<file path=ppt/slides/slide138.xml><?xml version="1.0" encoding="utf-8"?>
-<p:sld xmlns:a="http://schemas.openxmlformats.org/drawingml/2006/main" xmlns:r="http://schemas.openxmlformats.org/officeDocument/2006/relationships" xmlns:p="http://schemas.openxmlformats.org/presentationml/2006/main">
-  <p:cSld>
-    <p:spTree>
-      <p:nvGrpSpPr>
-        <p:cNvPr id="1" name=""/>
-        <p:cNvGrpSpPr/>
-        <p:nvPr/>
-      </p:nvGrpSpPr>
-      <p:grpSpPr>
-        <a:xfrm>
-          <a:off x="0" y="0"/>
-          <a:ext cx="0" cy="0"/>
-          <a:chOff x="0" y="0"/>
-          <a:chExt cx="0" cy="0"/>
-        </a:xfrm>
-      </p:grpSpPr>
-      <p:sp>
-        <p:nvSpPr>
-          <p:cNvPr id="2" name="Titel 1">
-            <a:extLst>
-              <a:ext uri="{FF2B5EF4-FFF2-40B4-BE49-F238E27FC236}">
-                <a16:creationId xmlns:a16="http://schemas.microsoft.com/office/drawing/2014/main" id="{7AC89425-3A0D-38A8-5B9A-B3E4B79182E6}"/>
-              </a:ext>
-            </a:extLst>
-          </p:cNvPr>
-          <p:cNvSpPr>
-            <a:spLocks noGrp="1"/>
-          </p:cNvSpPr>
-          <p:nvPr>
-            <p:ph type="title"/>
-          </p:nvPr>
-        </p:nvSpPr>
-        <p:spPr/>
-        <p:txBody>
-          <a:bodyPr/>
-          <a:lstStyle/>
-          <a:p>
-            <a:r>
-              <a:rPr lang="de-DE" dirty="0"/>
-              <a:t>Zusammenspiel</a:t>
-            </a:r>
-          </a:p>
-        </p:txBody>
-      </p:sp>
-      <p:sp>
-        <p:nvSpPr>
-          <p:cNvPr id="3" name="Inhaltsplatzhalter 2">
-            <a:extLst>
-              <a:ext uri="{FF2B5EF4-FFF2-40B4-BE49-F238E27FC236}">
-                <a16:creationId xmlns:a16="http://schemas.microsoft.com/office/drawing/2014/main" id="{5102DB04-DEF2-547E-3093-0A474CE8E05C}"/>
-              </a:ext>
-            </a:extLst>
-          </p:cNvPr>
-          <p:cNvSpPr>
-            <a:spLocks noGrp="1"/>
-          </p:cNvSpPr>
-          <p:nvPr>
-            <p:ph idx="1"/>
-          </p:nvPr>
-        </p:nvSpPr>
-        <p:spPr/>
-        <p:txBody>
-          <a:bodyPr/>
-          <a:lstStyle/>
-          <a:p>
-            <a:r>
-              <a:rPr lang="de-DE" dirty="0"/>
-              <a:t>Benutzer meldet sich an (Authentifizierung)</a:t>
-            </a:r>
-          </a:p>
-          <a:p>
-            <a:r>
-              <a:rPr lang="de-DE" dirty="0"/>
-              <a:t>System prüft Identität (Passwort, Token, …)</a:t>
-            </a:r>
-          </a:p>
-          <a:p>
-            <a:r>
-              <a:rPr lang="de-DE" dirty="0"/>
-              <a:t>System lädt Rollen/Rechte (aus dem IDM oder Datenbank)</a:t>
-            </a:r>
-          </a:p>
-          <a:p>
-            <a:r>
-              <a:rPr lang="de-DE" dirty="0"/>
-              <a:t>Nutzer führt Aktion durch (Autorisierung wird geprüft)</a:t>
-            </a:r>
-          </a:p>
-          <a:p>
-            <a:r>
-              <a:rPr lang="de-DE" dirty="0"/>
-              <a:t>Aktion erlaubt oder abgewiesen</a:t>
-            </a:r>
-          </a:p>
-        </p:txBody>
-      </p:sp>
-    </p:spTree>
-    <p:extLst>
-      <p:ext uri="{BB962C8B-B14F-4D97-AF65-F5344CB8AC3E}">
-        <p14:creationId xmlns:p14="http://schemas.microsoft.com/office/powerpoint/2010/main" val="126014746"/>
-      </p:ext>
-    </p:extLst>
-  </p:cSld>
-  <p:clrMapOvr>
-    <a:masterClrMapping/>
-  </p:clrMapOvr>
-</p:sld>
-</file>
-
-<file path=ppt/slides/slide139.xml><?xml version="1.0" encoding="utf-8"?>
+<file path=ppt/slides/slide136.xml><?xml version="1.0" encoding="utf-8"?>
 <p:sld xmlns:a="http://schemas.openxmlformats.org/drawingml/2006/main" xmlns:r="http://schemas.openxmlformats.org/officeDocument/2006/relationships" xmlns:p="http://schemas.openxmlformats.org/presentationml/2006/main">
   <p:cSld>
     <p:spTree>
@@ -17344,6 +16114,542 @@
     <p:extLst>
       <p:ext uri="{BB962C8B-B14F-4D97-AF65-F5344CB8AC3E}">
         <p14:creationId xmlns:p14="http://schemas.microsoft.com/office/powerpoint/2010/main" val="448219485"/>
+      </p:ext>
+    </p:extLst>
+  </p:cSld>
+  <p:clrMapOvr>
+    <a:masterClrMapping/>
+  </p:clrMapOvr>
+</p:sld>
+</file>
+
+<file path=ppt/slides/slide137.xml><?xml version="1.0" encoding="utf-8"?>
+<p:sld xmlns:a="http://schemas.openxmlformats.org/drawingml/2006/main" xmlns:r="http://schemas.openxmlformats.org/officeDocument/2006/relationships" xmlns:p="http://schemas.openxmlformats.org/presentationml/2006/main">
+  <p:cSld>
+    <p:spTree>
+      <p:nvGrpSpPr>
+        <p:cNvPr id="1" name=""/>
+        <p:cNvGrpSpPr/>
+        <p:nvPr/>
+      </p:nvGrpSpPr>
+      <p:grpSpPr>
+        <a:xfrm>
+          <a:off x="0" y="0"/>
+          <a:ext cx="0" cy="0"/>
+          <a:chOff x="0" y="0"/>
+          <a:chExt cx="0" cy="0"/>
+        </a:xfrm>
+      </p:grpSpPr>
+      <p:sp>
+        <p:nvSpPr>
+          <p:cNvPr id="2" name="Titel 1">
+            <a:extLst>
+              <a:ext uri="{FF2B5EF4-FFF2-40B4-BE49-F238E27FC236}">
+                <a16:creationId xmlns:a16="http://schemas.microsoft.com/office/drawing/2014/main" id="{8F97EDC5-439A-23F8-C562-7C77037FB61D}"/>
+              </a:ext>
+            </a:extLst>
+          </p:cNvPr>
+          <p:cNvSpPr>
+            <a:spLocks noGrp="1"/>
+          </p:cNvSpPr>
+          <p:nvPr>
+            <p:ph type="title"/>
+          </p:nvPr>
+        </p:nvSpPr>
+        <p:spPr/>
+        <p:txBody>
+          <a:bodyPr/>
+          <a:lstStyle/>
+          <a:p>
+            <a:r>
+              <a:rPr lang="de-DE" dirty="0"/>
+              <a:t>Best Practices für sichere Webanwendungen - Passwörter</a:t>
+            </a:r>
+          </a:p>
+        </p:txBody>
+      </p:sp>
+      <p:sp>
+        <p:nvSpPr>
+          <p:cNvPr id="5" name="Inhaltsplatzhalter 4">
+            <a:extLst>
+              <a:ext uri="{FF2B5EF4-FFF2-40B4-BE49-F238E27FC236}">
+                <a16:creationId xmlns:a16="http://schemas.microsoft.com/office/drawing/2014/main" id="{100B0195-0DDB-6FEB-31AF-78CE724FF4D4}"/>
+              </a:ext>
+            </a:extLst>
+          </p:cNvPr>
+          <p:cNvSpPr>
+            <a:spLocks noGrp="1"/>
+          </p:cNvSpPr>
+          <p:nvPr>
+            <p:ph idx="1"/>
+          </p:nvPr>
+        </p:nvSpPr>
+        <p:spPr/>
+        <p:txBody>
+          <a:bodyPr>
+            <a:normAutofit/>
+          </a:bodyPr>
+          <a:lstStyle/>
+          <a:p>
+            <a:r>
+              <a:rPr lang="de-DE" dirty="0"/>
+              <a:t>Starke Passwortrichtlinien &amp; Hash-Verfahren</a:t>
+            </a:r>
+          </a:p>
+          <a:p>
+            <a:pPr lvl="1"/>
+            <a:r>
+              <a:rPr lang="de-DE" dirty="0"/>
+              <a:t>Passwörter nicht im Klartext speichern, sondern mit </a:t>
+            </a:r>
+            <a:r>
+              <a:rPr lang="de-DE" dirty="0" err="1"/>
+              <a:t>BCrypt</a:t>
+            </a:r>
+            <a:r>
+              <a:rPr lang="de-DE" dirty="0"/>
+              <a:t>/PBKDF2/Argon2.</a:t>
+            </a:r>
+          </a:p>
+          <a:p>
+            <a:r>
+              <a:rPr lang="de-DE" dirty="0"/>
+              <a:t>Geheimnisse aus dem Code verbannen</a:t>
+            </a:r>
+          </a:p>
+          <a:p>
+            <a:pPr lvl="1"/>
+            <a:r>
+              <a:rPr lang="de-DE" dirty="0"/>
+              <a:t>Spring Cloud </a:t>
+            </a:r>
+            <a:r>
+              <a:rPr lang="de-DE" dirty="0" err="1"/>
+              <a:t>Vault</a:t>
+            </a:r>
+            <a:r>
+              <a:rPr lang="de-DE" dirty="0"/>
+              <a:t>/Spring </a:t>
+            </a:r>
+            <a:r>
+              <a:rPr lang="de-DE" dirty="0" err="1"/>
+              <a:t>Config</a:t>
+            </a:r>
+            <a:r>
+              <a:rPr lang="de-DE" dirty="0"/>
+              <a:t> Server einbinden; Rotation automatisieren</a:t>
+            </a:r>
+          </a:p>
+          <a:p>
+            <a:r>
+              <a:rPr lang="de-DE" dirty="0"/>
+              <a:t>Regelmäßige Reviews &amp; Updates</a:t>
+            </a:r>
+          </a:p>
+          <a:p>
+            <a:pPr lvl="1"/>
+            <a:r>
+              <a:rPr lang="de-DE" dirty="0"/>
+              <a:t>Passwortablauf, Rollen-Überprüfung (z.B. </a:t>
+            </a:r>
+            <a:r>
+              <a:rPr lang="de-DE" dirty="0" err="1"/>
+              <a:t>Offboarding</a:t>
+            </a:r>
+            <a:r>
+              <a:rPr lang="de-DE" dirty="0"/>
+              <a:t> von Mitarbeitern).</a:t>
+            </a:r>
+          </a:p>
+          <a:p>
+            <a:r>
+              <a:rPr lang="de-DE" dirty="0"/>
+              <a:t>Multi-Faktor-Authentifizierung (MFA)</a:t>
+            </a:r>
+          </a:p>
+          <a:p>
+            <a:pPr lvl="1"/>
+            <a:r>
+              <a:rPr lang="de-DE" dirty="0"/>
+              <a:t>Wann immer möglich – reduziert stark das Risiko bei kompromittierten Passwörtern.</a:t>
+            </a:r>
+          </a:p>
+        </p:txBody>
+      </p:sp>
+    </p:spTree>
+    <p:extLst>
+      <p:ext uri="{BB962C8B-B14F-4D97-AF65-F5344CB8AC3E}">
+        <p14:creationId xmlns:p14="http://schemas.microsoft.com/office/powerpoint/2010/main" val="1984847707"/>
+      </p:ext>
+    </p:extLst>
+  </p:cSld>
+  <p:clrMapOvr>
+    <a:masterClrMapping/>
+  </p:clrMapOvr>
+</p:sld>
+</file>
+
+<file path=ppt/slides/slide138.xml><?xml version="1.0" encoding="utf-8"?>
+<p:sld xmlns:a="http://schemas.openxmlformats.org/drawingml/2006/main" xmlns:r="http://schemas.openxmlformats.org/officeDocument/2006/relationships" xmlns:p="http://schemas.openxmlformats.org/presentationml/2006/main">
+  <p:cSld>
+    <p:spTree>
+      <p:nvGrpSpPr>
+        <p:cNvPr id="1" name="">
+          <a:extLst>
+            <a:ext uri="{FF2B5EF4-FFF2-40B4-BE49-F238E27FC236}">
+              <a16:creationId xmlns:a16="http://schemas.microsoft.com/office/drawing/2014/main" id="{AE96F067-1313-E841-F25F-C9A4D0F577E8}"/>
+            </a:ext>
+          </a:extLst>
+        </p:cNvPr>
+        <p:cNvGrpSpPr/>
+        <p:nvPr/>
+      </p:nvGrpSpPr>
+      <p:grpSpPr>
+        <a:xfrm>
+          <a:off x="0" y="0"/>
+          <a:ext cx="0" cy="0"/>
+          <a:chOff x="0" y="0"/>
+          <a:chExt cx="0" cy="0"/>
+        </a:xfrm>
+      </p:grpSpPr>
+      <p:sp>
+        <p:nvSpPr>
+          <p:cNvPr id="2" name="Titel 1">
+            <a:extLst>
+              <a:ext uri="{FF2B5EF4-FFF2-40B4-BE49-F238E27FC236}">
+                <a16:creationId xmlns:a16="http://schemas.microsoft.com/office/drawing/2014/main" id="{560C8779-CCE8-0BD8-3447-40097A50B25E}"/>
+              </a:ext>
+            </a:extLst>
+          </p:cNvPr>
+          <p:cNvSpPr>
+            <a:spLocks noGrp="1"/>
+          </p:cNvSpPr>
+          <p:nvPr>
+            <p:ph type="title"/>
+          </p:nvPr>
+        </p:nvSpPr>
+        <p:spPr/>
+        <p:txBody>
+          <a:bodyPr/>
+          <a:lstStyle/>
+          <a:p>
+            <a:r>
+              <a:rPr lang="de-DE" dirty="0"/>
+              <a:t>Best Practices für sichere Webanwendungen - Rechte</a:t>
+            </a:r>
+          </a:p>
+        </p:txBody>
+      </p:sp>
+      <p:sp>
+        <p:nvSpPr>
+          <p:cNvPr id="5" name="Inhaltsplatzhalter 4">
+            <a:extLst>
+              <a:ext uri="{FF2B5EF4-FFF2-40B4-BE49-F238E27FC236}">
+                <a16:creationId xmlns:a16="http://schemas.microsoft.com/office/drawing/2014/main" id="{3C4655A7-1748-1597-1651-23C178400E20}"/>
+              </a:ext>
+            </a:extLst>
+          </p:cNvPr>
+          <p:cNvSpPr>
+            <a:spLocks noGrp="1"/>
+          </p:cNvSpPr>
+          <p:nvPr>
+            <p:ph idx="1"/>
+          </p:nvPr>
+        </p:nvSpPr>
+        <p:spPr/>
+        <p:txBody>
+          <a:bodyPr>
+            <a:normAutofit/>
+          </a:bodyPr>
+          <a:lstStyle/>
+          <a:p>
+            <a:r>
+              <a:rPr lang="de-DE" dirty="0"/>
+              <a:t>Least Privilege </a:t>
+            </a:r>
+            <a:r>
+              <a:rPr lang="de-DE" dirty="0" err="1"/>
+              <a:t>Principle</a:t>
+            </a:r>
+            <a:endParaRPr lang="de-DE" dirty="0"/>
+          </a:p>
+          <a:p>
+            <a:pPr lvl="1"/>
+            <a:r>
+              <a:rPr lang="de-DE" dirty="0"/>
+              <a:t>Nutzer und Dienste erhalten nur die Rechte, die sie wirklich brauchen.</a:t>
+            </a:r>
+          </a:p>
+          <a:p>
+            <a:r>
+              <a:rPr lang="de-DE" dirty="0"/>
+              <a:t>Browser-APIs gezielt freigeben</a:t>
+            </a:r>
+          </a:p>
+          <a:p>
+            <a:pPr lvl="1"/>
+            <a:r>
+              <a:rPr lang="de-DE" dirty="0"/>
+              <a:t>Mikrofon, Kamera, Geo-Location aus wenn nicht benötigt</a:t>
+            </a:r>
+          </a:p>
+          <a:p>
+            <a:r>
+              <a:rPr lang="de-DE" dirty="0"/>
+              <a:t>Session-Fixation verhindern, Timeouts setzen</a:t>
+            </a:r>
+          </a:p>
+          <a:p>
+            <a:pPr lvl="1"/>
+            <a:r>
+              <a:rPr lang="de-DE" dirty="0"/>
+              <a:t>Spring hat </a:t>
+            </a:r>
+            <a:r>
+              <a:rPr lang="de-DE" dirty="0" err="1"/>
+              <a:t>ChangeSessionIdAuthenticationStrategy</a:t>
+            </a:r>
+            <a:r>
+              <a:rPr lang="de-DE" dirty="0"/>
+              <a:t> standardmäßig aktiv.- </a:t>
+            </a:r>
+            <a:r>
+              <a:rPr lang="de-DE" dirty="0" err="1"/>
+              <a:t>server.servlet.session.timeout</a:t>
+            </a:r>
+            <a:r>
+              <a:rPr lang="de-DE" dirty="0"/>
+              <a:t> </a:t>
+            </a:r>
+            <a:r>
+              <a:rPr lang="de-DE" dirty="0" err="1"/>
+              <a:t>und„Remember</a:t>
+            </a:r>
+            <a:r>
+              <a:rPr lang="de-DE" dirty="0"/>
+              <a:t> Me“ bewusst entscheiden.</a:t>
+            </a:r>
+          </a:p>
+          <a:p>
+            <a:r>
+              <a:rPr lang="de-DE" dirty="0"/>
+              <a:t>Cookies</a:t>
+            </a:r>
+          </a:p>
+          <a:p>
+            <a:pPr lvl="1"/>
+            <a:r>
+              <a:rPr lang="de-DE" dirty="0" err="1"/>
+              <a:t>SameSite</a:t>
+            </a:r>
+            <a:r>
+              <a:rPr lang="de-DE" dirty="0"/>
+              <a:t>, Secure, </a:t>
+            </a:r>
+            <a:r>
+              <a:rPr lang="de-DE" dirty="0" err="1"/>
+              <a:t>HttpOnly</a:t>
+            </a:r>
+            <a:r>
+              <a:rPr lang="de-DE" dirty="0"/>
+              <a:t> konsistent</a:t>
+            </a:r>
+          </a:p>
+        </p:txBody>
+      </p:sp>
+    </p:spTree>
+    <p:extLst>
+      <p:ext uri="{BB962C8B-B14F-4D97-AF65-F5344CB8AC3E}">
+        <p14:creationId xmlns:p14="http://schemas.microsoft.com/office/powerpoint/2010/main" val="214868068"/>
+      </p:ext>
+    </p:extLst>
+  </p:cSld>
+  <p:clrMapOvr>
+    <a:masterClrMapping/>
+  </p:clrMapOvr>
+</p:sld>
+</file>
+
+<file path=ppt/slides/slide139.xml><?xml version="1.0" encoding="utf-8"?>
+<p:sld xmlns:a="http://schemas.openxmlformats.org/drawingml/2006/main" xmlns:r="http://schemas.openxmlformats.org/officeDocument/2006/relationships" xmlns:p="http://schemas.openxmlformats.org/presentationml/2006/main">
+  <p:cSld>
+    <p:spTree>
+      <p:nvGrpSpPr>
+        <p:cNvPr id="1" name="">
+          <a:extLst>
+            <a:ext uri="{FF2B5EF4-FFF2-40B4-BE49-F238E27FC236}">
+              <a16:creationId xmlns:a16="http://schemas.microsoft.com/office/drawing/2014/main" id="{20A898C2-960E-5DE2-CD69-D3E09108A63D}"/>
+            </a:ext>
+          </a:extLst>
+        </p:cNvPr>
+        <p:cNvGrpSpPr/>
+        <p:nvPr/>
+      </p:nvGrpSpPr>
+      <p:grpSpPr>
+        <a:xfrm>
+          <a:off x="0" y="0"/>
+          <a:ext cx="0" cy="0"/>
+          <a:chOff x="0" y="0"/>
+          <a:chExt cx="0" cy="0"/>
+        </a:xfrm>
+      </p:grpSpPr>
+      <p:sp>
+        <p:nvSpPr>
+          <p:cNvPr id="2" name="Titel 1">
+            <a:extLst>
+              <a:ext uri="{FF2B5EF4-FFF2-40B4-BE49-F238E27FC236}">
+                <a16:creationId xmlns:a16="http://schemas.microsoft.com/office/drawing/2014/main" id="{3F0B1397-2FF8-D5DF-97CE-80DEA75C6800}"/>
+              </a:ext>
+            </a:extLst>
+          </p:cNvPr>
+          <p:cNvSpPr>
+            <a:spLocks noGrp="1"/>
+          </p:cNvSpPr>
+          <p:nvPr>
+            <p:ph type="title"/>
+          </p:nvPr>
+        </p:nvSpPr>
+        <p:spPr/>
+        <p:txBody>
+          <a:bodyPr/>
+          <a:lstStyle/>
+          <a:p>
+            <a:r>
+              <a:rPr lang="de-DE" dirty="0"/>
+              <a:t>Best Practices für sichere Webanwendungen – Web Basics</a:t>
+            </a:r>
+          </a:p>
+        </p:txBody>
+      </p:sp>
+      <p:sp>
+        <p:nvSpPr>
+          <p:cNvPr id="5" name="Inhaltsplatzhalter 4">
+            <a:extLst>
+              <a:ext uri="{FF2B5EF4-FFF2-40B4-BE49-F238E27FC236}">
+                <a16:creationId xmlns:a16="http://schemas.microsoft.com/office/drawing/2014/main" id="{930D7833-8270-3D9A-CA5B-5E46879C1B81}"/>
+              </a:ext>
+            </a:extLst>
+          </p:cNvPr>
+          <p:cNvSpPr>
+            <a:spLocks noGrp="1"/>
+          </p:cNvSpPr>
+          <p:nvPr>
+            <p:ph idx="1"/>
+          </p:nvPr>
+        </p:nvSpPr>
+        <p:spPr/>
+        <p:txBody>
+          <a:bodyPr>
+            <a:normAutofit/>
+          </a:bodyPr>
+          <a:lstStyle/>
+          <a:p>
+            <a:r>
+              <a:rPr lang="de-DE" dirty="0"/>
+              <a:t>Eingabevalidierung</a:t>
+            </a:r>
+          </a:p>
+          <a:p>
+            <a:pPr lvl="1"/>
+            <a:r>
+              <a:rPr lang="de-DE" dirty="0"/>
+              <a:t>Bean Validation (@NotBlank, @Pattern, @Min) VOR DB-Zugriff.</a:t>
+            </a:r>
+          </a:p>
+          <a:p>
+            <a:pPr lvl="1"/>
+            <a:r>
+              <a:rPr lang="de-DE" dirty="0" err="1"/>
+              <a:t>Thymeleaf</a:t>
+            </a:r>
+            <a:r>
+              <a:rPr lang="de-DE" dirty="0"/>
+              <a:t>/Spring </a:t>
+            </a:r>
+            <a:r>
+              <a:rPr lang="de-DE" dirty="0" err="1"/>
+              <a:t>WebMvc</a:t>
+            </a:r>
+            <a:r>
+              <a:rPr lang="de-DE" dirty="0"/>
+              <a:t> </a:t>
+            </a:r>
+            <a:r>
+              <a:rPr lang="de-DE" dirty="0" err="1"/>
+              <a:t>encoden</a:t>
+            </a:r>
+            <a:r>
+              <a:rPr lang="de-DE" dirty="0"/>
+              <a:t> automatisch – nicht abschalten</a:t>
+            </a:r>
+          </a:p>
+          <a:p>
+            <a:r>
+              <a:rPr lang="de-DE" dirty="0"/>
+              <a:t>Content Security Policy</a:t>
+            </a:r>
+          </a:p>
+          <a:p>
+            <a:pPr lvl="1"/>
+            <a:r>
+              <a:rPr lang="de-DE" dirty="0"/>
+              <a:t>CSP „</a:t>
+            </a:r>
+            <a:r>
+              <a:rPr lang="de-DE" dirty="0" err="1"/>
+              <a:t>default-src</a:t>
+            </a:r>
+            <a:r>
+              <a:rPr lang="de-DE" dirty="0"/>
+              <a:t> '</a:t>
+            </a:r>
+            <a:r>
+              <a:rPr lang="de-DE" dirty="0" err="1"/>
+              <a:t>self</a:t>
+            </a:r>
+            <a:r>
+              <a:rPr lang="de-DE" dirty="0"/>
+              <a:t>'“ + </a:t>
+            </a:r>
+            <a:r>
+              <a:rPr lang="de-DE" dirty="0" err="1"/>
+              <a:t>Nonces</a:t>
+            </a:r>
+            <a:endParaRPr lang="de-DE" dirty="0"/>
+          </a:p>
+          <a:p>
+            <a:r>
+              <a:rPr lang="de-DE" dirty="0"/>
+              <a:t>CORS-Härtung</a:t>
+            </a:r>
+          </a:p>
+          <a:p>
+            <a:pPr lvl="1"/>
+            <a:r>
+              <a:rPr lang="de-DE" dirty="0"/>
+              <a:t>Nur explizite Origins + Methoden</a:t>
+            </a:r>
+          </a:p>
+          <a:p>
+            <a:r>
+              <a:rPr lang="de-DE" dirty="0"/>
+              <a:t>Brute-Force-Schutz auf Endpoints</a:t>
+            </a:r>
+          </a:p>
+          <a:p>
+            <a:pPr lvl="1"/>
+            <a:r>
+              <a:rPr lang="en-US" dirty="0"/>
+              <a:t>Resilience4j-RateLimiter</a:t>
+            </a:r>
+            <a:endParaRPr lang="de-DE" dirty="0"/>
+          </a:p>
+        </p:txBody>
+      </p:sp>
+    </p:spTree>
+    <p:extLst>
+      <p:ext uri="{BB962C8B-B14F-4D97-AF65-F5344CB8AC3E}">
+        <p14:creationId xmlns:p14="http://schemas.microsoft.com/office/powerpoint/2010/main" val="1315917947"/>
       </p:ext>
     </p:extLst>
   </p:cSld>
@@ -17583,542 +16889,6 @@
   <p:cSld>
     <p:spTree>
       <p:nvGrpSpPr>
-        <p:cNvPr id="1" name=""/>
-        <p:cNvGrpSpPr/>
-        <p:nvPr/>
-      </p:nvGrpSpPr>
-      <p:grpSpPr>
-        <a:xfrm>
-          <a:off x="0" y="0"/>
-          <a:ext cx="0" cy="0"/>
-          <a:chOff x="0" y="0"/>
-          <a:chExt cx="0" cy="0"/>
-        </a:xfrm>
-      </p:grpSpPr>
-      <p:sp>
-        <p:nvSpPr>
-          <p:cNvPr id="2" name="Titel 1">
-            <a:extLst>
-              <a:ext uri="{FF2B5EF4-FFF2-40B4-BE49-F238E27FC236}">
-                <a16:creationId xmlns:a16="http://schemas.microsoft.com/office/drawing/2014/main" id="{8F97EDC5-439A-23F8-C562-7C77037FB61D}"/>
-              </a:ext>
-            </a:extLst>
-          </p:cNvPr>
-          <p:cNvSpPr>
-            <a:spLocks noGrp="1"/>
-          </p:cNvSpPr>
-          <p:nvPr>
-            <p:ph type="title"/>
-          </p:nvPr>
-        </p:nvSpPr>
-        <p:spPr/>
-        <p:txBody>
-          <a:bodyPr/>
-          <a:lstStyle/>
-          <a:p>
-            <a:r>
-              <a:rPr lang="de-DE" dirty="0"/>
-              <a:t>Best Practices für sichere Webanwendungen - Passwörter</a:t>
-            </a:r>
-          </a:p>
-        </p:txBody>
-      </p:sp>
-      <p:sp>
-        <p:nvSpPr>
-          <p:cNvPr id="5" name="Inhaltsplatzhalter 4">
-            <a:extLst>
-              <a:ext uri="{FF2B5EF4-FFF2-40B4-BE49-F238E27FC236}">
-                <a16:creationId xmlns:a16="http://schemas.microsoft.com/office/drawing/2014/main" id="{100B0195-0DDB-6FEB-31AF-78CE724FF4D4}"/>
-              </a:ext>
-            </a:extLst>
-          </p:cNvPr>
-          <p:cNvSpPr>
-            <a:spLocks noGrp="1"/>
-          </p:cNvSpPr>
-          <p:nvPr>
-            <p:ph idx="1"/>
-          </p:nvPr>
-        </p:nvSpPr>
-        <p:spPr/>
-        <p:txBody>
-          <a:bodyPr>
-            <a:normAutofit/>
-          </a:bodyPr>
-          <a:lstStyle/>
-          <a:p>
-            <a:r>
-              <a:rPr lang="de-DE" dirty="0"/>
-              <a:t>Starke Passwortrichtlinien &amp; Hash-Verfahren</a:t>
-            </a:r>
-          </a:p>
-          <a:p>
-            <a:pPr lvl="1"/>
-            <a:r>
-              <a:rPr lang="de-DE" dirty="0"/>
-              <a:t>Passwörter nicht im Klartext speichern, sondern mit </a:t>
-            </a:r>
-            <a:r>
-              <a:rPr lang="de-DE" dirty="0" err="1"/>
-              <a:t>BCrypt</a:t>
-            </a:r>
-            <a:r>
-              <a:rPr lang="de-DE" dirty="0"/>
-              <a:t>/PBKDF2/Argon2.</a:t>
-            </a:r>
-          </a:p>
-          <a:p>
-            <a:r>
-              <a:rPr lang="de-DE" dirty="0"/>
-              <a:t>Geheimnisse aus dem Code verbannen</a:t>
-            </a:r>
-          </a:p>
-          <a:p>
-            <a:pPr lvl="1"/>
-            <a:r>
-              <a:rPr lang="de-DE" dirty="0"/>
-              <a:t>Spring Cloud </a:t>
-            </a:r>
-            <a:r>
-              <a:rPr lang="de-DE" dirty="0" err="1"/>
-              <a:t>Vault</a:t>
-            </a:r>
-            <a:r>
-              <a:rPr lang="de-DE" dirty="0"/>
-              <a:t>/Spring </a:t>
-            </a:r>
-            <a:r>
-              <a:rPr lang="de-DE" dirty="0" err="1"/>
-              <a:t>Config</a:t>
-            </a:r>
-            <a:r>
-              <a:rPr lang="de-DE" dirty="0"/>
-              <a:t> Server einbinden; Rotation automatisieren</a:t>
-            </a:r>
-          </a:p>
-          <a:p>
-            <a:r>
-              <a:rPr lang="de-DE" dirty="0"/>
-              <a:t>Regelmäßige Reviews &amp; Updates</a:t>
-            </a:r>
-          </a:p>
-          <a:p>
-            <a:pPr lvl="1"/>
-            <a:r>
-              <a:rPr lang="de-DE" dirty="0"/>
-              <a:t>Passwortablauf, Rollen-Überprüfung (z.B. </a:t>
-            </a:r>
-            <a:r>
-              <a:rPr lang="de-DE" dirty="0" err="1"/>
-              <a:t>Offboarding</a:t>
-            </a:r>
-            <a:r>
-              <a:rPr lang="de-DE" dirty="0"/>
-              <a:t> von Mitarbeitern).</a:t>
-            </a:r>
-          </a:p>
-          <a:p>
-            <a:r>
-              <a:rPr lang="de-DE" dirty="0"/>
-              <a:t>Multi-Faktor-Authentifizierung (MFA)</a:t>
-            </a:r>
-          </a:p>
-          <a:p>
-            <a:pPr lvl="1"/>
-            <a:r>
-              <a:rPr lang="de-DE" dirty="0"/>
-              <a:t>Wann immer möglich – reduziert stark das Risiko bei kompromittierten Passwörtern.</a:t>
-            </a:r>
-          </a:p>
-        </p:txBody>
-      </p:sp>
-    </p:spTree>
-    <p:extLst>
-      <p:ext uri="{BB962C8B-B14F-4D97-AF65-F5344CB8AC3E}">
-        <p14:creationId xmlns:p14="http://schemas.microsoft.com/office/powerpoint/2010/main" val="1984847707"/>
-      </p:ext>
-    </p:extLst>
-  </p:cSld>
-  <p:clrMapOvr>
-    <a:masterClrMapping/>
-  </p:clrMapOvr>
-</p:sld>
-</file>
-
-<file path=ppt/slides/slide141.xml><?xml version="1.0" encoding="utf-8"?>
-<p:sld xmlns:a="http://schemas.openxmlformats.org/drawingml/2006/main" xmlns:r="http://schemas.openxmlformats.org/officeDocument/2006/relationships" xmlns:p="http://schemas.openxmlformats.org/presentationml/2006/main">
-  <p:cSld>
-    <p:spTree>
-      <p:nvGrpSpPr>
-        <p:cNvPr id="1" name="">
-          <a:extLst>
-            <a:ext uri="{FF2B5EF4-FFF2-40B4-BE49-F238E27FC236}">
-              <a16:creationId xmlns:a16="http://schemas.microsoft.com/office/drawing/2014/main" id="{AE96F067-1313-E841-F25F-C9A4D0F577E8}"/>
-            </a:ext>
-          </a:extLst>
-        </p:cNvPr>
-        <p:cNvGrpSpPr/>
-        <p:nvPr/>
-      </p:nvGrpSpPr>
-      <p:grpSpPr>
-        <a:xfrm>
-          <a:off x="0" y="0"/>
-          <a:ext cx="0" cy="0"/>
-          <a:chOff x="0" y="0"/>
-          <a:chExt cx="0" cy="0"/>
-        </a:xfrm>
-      </p:grpSpPr>
-      <p:sp>
-        <p:nvSpPr>
-          <p:cNvPr id="2" name="Titel 1">
-            <a:extLst>
-              <a:ext uri="{FF2B5EF4-FFF2-40B4-BE49-F238E27FC236}">
-                <a16:creationId xmlns:a16="http://schemas.microsoft.com/office/drawing/2014/main" id="{560C8779-CCE8-0BD8-3447-40097A50B25E}"/>
-              </a:ext>
-            </a:extLst>
-          </p:cNvPr>
-          <p:cNvSpPr>
-            <a:spLocks noGrp="1"/>
-          </p:cNvSpPr>
-          <p:nvPr>
-            <p:ph type="title"/>
-          </p:nvPr>
-        </p:nvSpPr>
-        <p:spPr/>
-        <p:txBody>
-          <a:bodyPr/>
-          <a:lstStyle/>
-          <a:p>
-            <a:r>
-              <a:rPr lang="de-DE" dirty="0"/>
-              <a:t>Best Practices für sichere Webanwendungen - Rechte</a:t>
-            </a:r>
-          </a:p>
-        </p:txBody>
-      </p:sp>
-      <p:sp>
-        <p:nvSpPr>
-          <p:cNvPr id="5" name="Inhaltsplatzhalter 4">
-            <a:extLst>
-              <a:ext uri="{FF2B5EF4-FFF2-40B4-BE49-F238E27FC236}">
-                <a16:creationId xmlns:a16="http://schemas.microsoft.com/office/drawing/2014/main" id="{3C4655A7-1748-1597-1651-23C178400E20}"/>
-              </a:ext>
-            </a:extLst>
-          </p:cNvPr>
-          <p:cNvSpPr>
-            <a:spLocks noGrp="1"/>
-          </p:cNvSpPr>
-          <p:nvPr>
-            <p:ph idx="1"/>
-          </p:nvPr>
-        </p:nvSpPr>
-        <p:spPr/>
-        <p:txBody>
-          <a:bodyPr>
-            <a:normAutofit/>
-          </a:bodyPr>
-          <a:lstStyle/>
-          <a:p>
-            <a:r>
-              <a:rPr lang="de-DE" dirty="0"/>
-              <a:t>Least Privilege </a:t>
-            </a:r>
-            <a:r>
-              <a:rPr lang="de-DE" dirty="0" err="1"/>
-              <a:t>Principle</a:t>
-            </a:r>
-            <a:endParaRPr lang="de-DE" dirty="0"/>
-          </a:p>
-          <a:p>
-            <a:pPr lvl="1"/>
-            <a:r>
-              <a:rPr lang="de-DE" dirty="0"/>
-              <a:t>Nutzer und Dienste erhalten nur die Rechte, die sie wirklich brauchen.</a:t>
-            </a:r>
-          </a:p>
-          <a:p>
-            <a:r>
-              <a:rPr lang="de-DE" dirty="0"/>
-              <a:t>Browser-APIs gezielt freigeben</a:t>
-            </a:r>
-          </a:p>
-          <a:p>
-            <a:pPr lvl="1"/>
-            <a:r>
-              <a:rPr lang="de-DE" dirty="0"/>
-              <a:t>Mikrofon, Kamera, Geo-Location aus wenn nicht benötigt</a:t>
-            </a:r>
-          </a:p>
-          <a:p>
-            <a:r>
-              <a:rPr lang="de-DE" dirty="0"/>
-              <a:t>Session-Fixation verhindern, Timeouts setzen</a:t>
-            </a:r>
-          </a:p>
-          <a:p>
-            <a:pPr lvl="1"/>
-            <a:r>
-              <a:rPr lang="de-DE" dirty="0"/>
-              <a:t>Spring hat </a:t>
-            </a:r>
-            <a:r>
-              <a:rPr lang="de-DE" dirty="0" err="1"/>
-              <a:t>ChangeSessionIdAuthenticationStrategy</a:t>
-            </a:r>
-            <a:r>
-              <a:rPr lang="de-DE" dirty="0"/>
-              <a:t> standardmäßig aktiv.- </a:t>
-            </a:r>
-            <a:r>
-              <a:rPr lang="de-DE" dirty="0" err="1"/>
-              <a:t>server.servlet.session.timeout</a:t>
-            </a:r>
-            <a:r>
-              <a:rPr lang="de-DE" dirty="0"/>
-              <a:t> </a:t>
-            </a:r>
-            <a:r>
-              <a:rPr lang="de-DE" dirty="0" err="1"/>
-              <a:t>und„Remember</a:t>
-            </a:r>
-            <a:r>
-              <a:rPr lang="de-DE" dirty="0"/>
-              <a:t> Me“ bewusst entscheiden.</a:t>
-            </a:r>
-          </a:p>
-          <a:p>
-            <a:r>
-              <a:rPr lang="de-DE" dirty="0"/>
-              <a:t>Cookies</a:t>
-            </a:r>
-          </a:p>
-          <a:p>
-            <a:pPr lvl="1"/>
-            <a:r>
-              <a:rPr lang="de-DE" dirty="0" err="1"/>
-              <a:t>SameSite</a:t>
-            </a:r>
-            <a:r>
-              <a:rPr lang="de-DE" dirty="0"/>
-              <a:t>, Secure, </a:t>
-            </a:r>
-            <a:r>
-              <a:rPr lang="de-DE" dirty="0" err="1"/>
-              <a:t>HttpOnly</a:t>
-            </a:r>
-            <a:r>
-              <a:rPr lang="de-DE" dirty="0"/>
-              <a:t> konsistent</a:t>
-            </a:r>
-          </a:p>
-        </p:txBody>
-      </p:sp>
-    </p:spTree>
-    <p:extLst>
-      <p:ext uri="{BB962C8B-B14F-4D97-AF65-F5344CB8AC3E}">
-        <p14:creationId xmlns:p14="http://schemas.microsoft.com/office/powerpoint/2010/main" val="214868068"/>
-      </p:ext>
-    </p:extLst>
-  </p:cSld>
-  <p:clrMapOvr>
-    <a:masterClrMapping/>
-  </p:clrMapOvr>
-</p:sld>
-</file>
-
-<file path=ppt/slides/slide142.xml><?xml version="1.0" encoding="utf-8"?>
-<p:sld xmlns:a="http://schemas.openxmlformats.org/drawingml/2006/main" xmlns:r="http://schemas.openxmlformats.org/officeDocument/2006/relationships" xmlns:p="http://schemas.openxmlformats.org/presentationml/2006/main">
-  <p:cSld>
-    <p:spTree>
-      <p:nvGrpSpPr>
-        <p:cNvPr id="1" name="">
-          <a:extLst>
-            <a:ext uri="{FF2B5EF4-FFF2-40B4-BE49-F238E27FC236}">
-              <a16:creationId xmlns:a16="http://schemas.microsoft.com/office/drawing/2014/main" id="{20A898C2-960E-5DE2-CD69-D3E09108A63D}"/>
-            </a:ext>
-          </a:extLst>
-        </p:cNvPr>
-        <p:cNvGrpSpPr/>
-        <p:nvPr/>
-      </p:nvGrpSpPr>
-      <p:grpSpPr>
-        <a:xfrm>
-          <a:off x="0" y="0"/>
-          <a:ext cx="0" cy="0"/>
-          <a:chOff x="0" y="0"/>
-          <a:chExt cx="0" cy="0"/>
-        </a:xfrm>
-      </p:grpSpPr>
-      <p:sp>
-        <p:nvSpPr>
-          <p:cNvPr id="2" name="Titel 1">
-            <a:extLst>
-              <a:ext uri="{FF2B5EF4-FFF2-40B4-BE49-F238E27FC236}">
-                <a16:creationId xmlns:a16="http://schemas.microsoft.com/office/drawing/2014/main" id="{3F0B1397-2FF8-D5DF-97CE-80DEA75C6800}"/>
-              </a:ext>
-            </a:extLst>
-          </p:cNvPr>
-          <p:cNvSpPr>
-            <a:spLocks noGrp="1"/>
-          </p:cNvSpPr>
-          <p:nvPr>
-            <p:ph type="title"/>
-          </p:nvPr>
-        </p:nvSpPr>
-        <p:spPr/>
-        <p:txBody>
-          <a:bodyPr/>
-          <a:lstStyle/>
-          <a:p>
-            <a:r>
-              <a:rPr lang="de-DE" dirty="0"/>
-              <a:t>Best Practices für sichere Webanwendungen – Web Basics</a:t>
-            </a:r>
-          </a:p>
-        </p:txBody>
-      </p:sp>
-      <p:sp>
-        <p:nvSpPr>
-          <p:cNvPr id="5" name="Inhaltsplatzhalter 4">
-            <a:extLst>
-              <a:ext uri="{FF2B5EF4-FFF2-40B4-BE49-F238E27FC236}">
-                <a16:creationId xmlns:a16="http://schemas.microsoft.com/office/drawing/2014/main" id="{930D7833-8270-3D9A-CA5B-5E46879C1B81}"/>
-              </a:ext>
-            </a:extLst>
-          </p:cNvPr>
-          <p:cNvSpPr>
-            <a:spLocks noGrp="1"/>
-          </p:cNvSpPr>
-          <p:nvPr>
-            <p:ph idx="1"/>
-          </p:nvPr>
-        </p:nvSpPr>
-        <p:spPr/>
-        <p:txBody>
-          <a:bodyPr>
-            <a:normAutofit/>
-          </a:bodyPr>
-          <a:lstStyle/>
-          <a:p>
-            <a:r>
-              <a:rPr lang="de-DE" dirty="0"/>
-              <a:t>Eingabevalidierung</a:t>
-            </a:r>
-          </a:p>
-          <a:p>
-            <a:pPr lvl="1"/>
-            <a:r>
-              <a:rPr lang="de-DE" dirty="0"/>
-              <a:t>Bean Validation (@NotBlank, @Pattern, @Min) VOR DB-Zugriff.</a:t>
-            </a:r>
-          </a:p>
-          <a:p>
-            <a:pPr lvl="1"/>
-            <a:r>
-              <a:rPr lang="de-DE" dirty="0" err="1"/>
-              <a:t>Thymeleaf</a:t>
-            </a:r>
-            <a:r>
-              <a:rPr lang="de-DE" dirty="0"/>
-              <a:t>/Spring </a:t>
-            </a:r>
-            <a:r>
-              <a:rPr lang="de-DE" dirty="0" err="1"/>
-              <a:t>WebMvc</a:t>
-            </a:r>
-            <a:r>
-              <a:rPr lang="de-DE" dirty="0"/>
-              <a:t> </a:t>
-            </a:r>
-            <a:r>
-              <a:rPr lang="de-DE" dirty="0" err="1"/>
-              <a:t>encoden</a:t>
-            </a:r>
-            <a:r>
-              <a:rPr lang="de-DE" dirty="0"/>
-              <a:t> automatisch – nicht abschalten</a:t>
-            </a:r>
-          </a:p>
-          <a:p>
-            <a:r>
-              <a:rPr lang="de-DE" dirty="0"/>
-              <a:t>Content Security Policy</a:t>
-            </a:r>
-          </a:p>
-          <a:p>
-            <a:pPr lvl="1"/>
-            <a:r>
-              <a:rPr lang="de-DE" dirty="0"/>
-              <a:t>CSP „</a:t>
-            </a:r>
-            <a:r>
-              <a:rPr lang="de-DE" dirty="0" err="1"/>
-              <a:t>default-src</a:t>
-            </a:r>
-            <a:r>
-              <a:rPr lang="de-DE" dirty="0"/>
-              <a:t> '</a:t>
-            </a:r>
-            <a:r>
-              <a:rPr lang="de-DE" dirty="0" err="1"/>
-              <a:t>self</a:t>
-            </a:r>
-            <a:r>
-              <a:rPr lang="de-DE" dirty="0"/>
-              <a:t>'“ + </a:t>
-            </a:r>
-            <a:r>
-              <a:rPr lang="de-DE" dirty="0" err="1"/>
-              <a:t>Nonces</a:t>
-            </a:r>
-            <a:endParaRPr lang="de-DE" dirty="0"/>
-          </a:p>
-          <a:p>
-            <a:r>
-              <a:rPr lang="de-DE" dirty="0"/>
-              <a:t>CORS-Härtung</a:t>
-            </a:r>
-          </a:p>
-          <a:p>
-            <a:pPr lvl="1"/>
-            <a:r>
-              <a:rPr lang="de-DE" dirty="0"/>
-              <a:t>Nur explizite Origins + Methoden</a:t>
-            </a:r>
-          </a:p>
-          <a:p>
-            <a:r>
-              <a:rPr lang="de-DE" dirty="0"/>
-              <a:t>Brute-Force-Schutz auf Endpoints</a:t>
-            </a:r>
-          </a:p>
-          <a:p>
-            <a:pPr lvl="1"/>
-            <a:r>
-              <a:rPr lang="en-US" dirty="0"/>
-              <a:t>Resilience4j-RateLimiter</a:t>
-            </a:r>
-            <a:endParaRPr lang="de-DE" dirty="0"/>
-          </a:p>
-        </p:txBody>
-      </p:sp>
-    </p:spTree>
-    <p:extLst>
-      <p:ext uri="{BB962C8B-B14F-4D97-AF65-F5344CB8AC3E}">
-        <p14:creationId xmlns:p14="http://schemas.microsoft.com/office/powerpoint/2010/main" val="1315917947"/>
-      </p:ext>
-    </p:extLst>
-  </p:cSld>
-  <p:clrMapOvr>
-    <a:masterClrMapping/>
-  </p:clrMapOvr>
-</p:sld>
-</file>
-
-<file path=ppt/slides/slide143.xml><?xml version="1.0" encoding="utf-8"?>
-<p:sld xmlns:a="http://schemas.openxmlformats.org/drawingml/2006/main" xmlns:r="http://schemas.openxmlformats.org/officeDocument/2006/relationships" xmlns:p="http://schemas.openxmlformats.org/presentationml/2006/main">
-  <p:cSld>
-    <p:spTree>
-      <p:nvGrpSpPr>
         <p:cNvPr id="1" name="">
           <a:extLst>
             <a:ext uri="{FF2B5EF4-FFF2-40B4-BE49-F238E27FC236}">
@@ -18310,7 +17080,7 @@
 </p:sld>
 </file>
 
-<file path=ppt/slides/slide144.xml><?xml version="1.0" encoding="utf-8"?>
+<file path=ppt/slides/slide141.xml><?xml version="1.0" encoding="utf-8"?>
 <p:sld xmlns:a="http://schemas.openxmlformats.org/drawingml/2006/main" xmlns:r="http://schemas.openxmlformats.org/officeDocument/2006/relationships" xmlns:p="http://schemas.openxmlformats.org/presentationml/2006/main">
   <p:cSld>
     <p:spTree>

--- a/Spring_Security.pptx
+++ b/Spring_Security.pptx
@@ -5,7 +5,7 @@
     <p:sldMasterId id="2147483648" r:id="rId1"/>
   </p:sldMasterIdLst>
   <p:notesMasterIdLst>
-    <p:notesMasterId r:id="rId143"/>
+    <p:notesMasterId r:id="rId144"/>
   </p:notesMasterIdLst>
   <p:sldIdLst>
     <p:sldId id="256" r:id="rId2"/>
@@ -143,17 +143,18 @@
     <p:sldId id="1042" r:id="rId134"/>
     <p:sldId id="1105" r:id="rId135"/>
     <p:sldId id="1056" r:id="rId136"/>
-    <p:sldId id="1079" r:id="rId137"/>
-    <p:sldId id="979" r:id="rId138"/>
-    <p:sldId id="1095" r:id="rId139"/>
-    <p:sldId id="1096" r:id="rId140"/>
-    <p:sldId id="1097" r:id="rId141"/>
-    <p:sldId id="968" r:id="rId142"/>
+    <p:sldId id="1106" r:id="rId137"/>
+    <p:sldId id="1079" r:id="rId138"/>
+    <p:sldId id="979" r:id="rId139"/>
+    <p:sldId id="1095" r:id="rId140"/>
+    <p:sldId id="1096" r:id="rId141"/>
+    <p:sldId id="1097" r:id="rId142"/>
+    <p:sldId id="968" r:id="rId143"/>
   </p:sldIdLst>
   <p:sldSz cx="12192000" cy="6858000"/>
   <p:notesSz cx="7104063" cy="10234613"/>
   <p:custDataLst>
-    <p:tags r:id="rId144"/>
+    <p:tags r:id="rId145"/>
   </p:custDataLst>
   <p:defaultTextStyle>
     <a:defPPr>
@@ -340,7 +341,7 @@
           <a:p>
             <a:fld id="{A2040813-E246-4EEE-B198-3EDEA39B1BE1}" type="datetimeFigureOut">
               <a:rPr lang="de-DE" smtClean="0"/>
-              <a:t>08.07.2025</a:t>
+              <a:t>09.07.2025</a:t>
             </a:fld>
             <a:endParaRPr lang="de-DE"/>
           </a:p>
@@ -1633,7 +1634,7 @@
           <a:p>
             <a:fld id="{A62ABD72-7CE5-4E13-BAF9-6682705CFA71}" type="slidenum">
               <a:rPr lang="de-DE" smtClean="0"/>
-              <a:t>137</a:t>
+              <a:t>138</a:t>
             </a:fld>
             <a:endParaRPr lang="de-DE"/>
           </a:p>
@@ -1849,7 +1850,7 @@
           <a:p>
             <a:fld id="{A62ABD72-7CE5-4E13-BAF9-6682705CFA71}" type="slidenum">
               <a:rPr lang="de-DE" smtClean="0"/>
-              <a:t>138</a:t>
+              <a:t>139</a:t>
             </a:fld>
             <a:endParaRPr lang="de-DE"/>
           </a:p>
@@ -2051,7 +2052,7 @@
           <a:p>
             <a:fld id="{A62ABD72-7CE5-4E13-BAF9-6682705CFA71}" type="slidenum">
               <a:rPr lang="de-DE" smtClean="0"/>
-              <a:t>139</a:t>
+              <a:t>140</a:t>
             </a:fld>
             <a:endParaRPr lang="de-DE"/>
           </a:p>
@@ -2368,7 +2369,7 @@
           <a:p>
             <a:fld id="{A62ABD72-7CE5-4E13-BAF9-6682705CFA71}" type="slidenum">
               <a:rPr lang="de-DE" smtClean="0"/>
-              <a:t>140</a:t>
+              <a:t>141</a:t>
             </a:fld>
             <a:endParaRPr lang="de-DE"/>
           </a:p>
@@ -3958,7 +3959,7 @@
             <a:fld id="{B61BEF0D-F0BB-DE4B-95CE-6DB70DBA9567}" type="datetimeFigureOut">
               <a:rPr lang="en-US" dirty="0"/>
               <a:pPr/>
-              <a:t>7/8/2025</a:t>
+              <a:t>7/9/2025</a:t>
             </a:fld>
             <a:endParaRPr lang="en-US" dirty="0"/>
           </a:p>
@@ -4206,7 +4207,7 @@
             <a:fld id="{B61BEF0D-F0BB-DE4B-95CE-6DB70DBA9567}" type="datetimeFigureOut">
               <a:rPr lang="en-US" dirty="0"/>
               <a:pPr/>
-              <a:t>7/8/2025</a:t>
+              <a:t>7/9/2025</a:t>
             </a:fld>
             <a:endParaRPr lang="en-US" dirty="0"/>
           </a:p>
@@ -4517,7 +4518,7 @@
             <a:fld id="{B61BEF0D-F0BB-DE4B-95CE-6DB70DBA9567}" type="datetimeFigureOut">
               <a:rPr lang="en-US" dirty="0"/>
               <a:pPr/>
-              <a:t>7/8/2025</a:t>
+              <a:t>7/9/2025</a:t>
             </a:fld>
             <a:endParaRPr lang="en-US" dirty="0"/>
           </a:p>
@@ -4855,7 +4856,7 @@
             <a:fld id="{B61BEF0D-F0BB-DE4B-95CE-6DB70DBA9567}" type="datetimeFigureOut">
               <a:rPr lang="en-US" dirty="0"/>
               <a:pPr/>
-              <a:t>7/8/2025</a:t>
+              <a:t>7/9/2025</a:t>
             </a:fld>
             <a:endParaRPr lang="en-US" dirty="0"/>
           </a:p>
@@ -5166,7 +5167,7 @@
             <a:fld id="{B61BEF0D-F0BB-DE4B-95CE-6DB70DBA9567}" type="datetimeFigureOut">
               <a:rPr lang="en-US" dirty="0"/>
               <a:pPr/>
-              <a:t>7/8/2025</a:t>
+              <a:t>7/9/2025</a:t>
             </a:fld>
             <a:endParaRPr lang="en-US" dirty="0"/>
           </a:p>
@@ -5556,7 +5557,7 @@
             <a:fld id="{B61BEF0D-F0BB-DE4B-95CE-6DB70DBA9567}" type="datetimeFigureOut">
               <a:rPr lang="en-US" dirty="0"/>
               <a:pPr/>
-              <a:t>7/8/2025</a:t>
+              <a:t>7/9/2025</a:t>
             </a:fld>
             <a:endParaRPr lang="en-US" dirty="0"/>
           </a:p>
@@ -5722,7 +5723,7 @@
           <a:p>
             <a:fld id="{55C6B4A9-1611-4792-9094-5F34BCA07E0B}" type="datetimeFigureOut">
               <a:rPr lang="en-US" dirty="0"/>
-              <a:t>7/8/2025</a:t>
+              <a:t>7/9/2025</a:t>
             </a:fld>
             <a:endParaRPr lang="en-US" dirty="0"/>
           </a:p>
@@ -5898,7 +5899,7 @@
             <a:fld id="{B61BEF0D-F0BB-DE4B-95CE-6DB70DBA9567}" type="datetimeFigureOut">
               <a:rPr lang="en-US" dirty="0"/>
               <a:pPr/>
-              <a:t>7/8/2025</a:t>
+              <a:t>7/9/2025</a:t>
             </a:fld>
             <a:endParaRPr lang="en-US" dirty="0"/>
           </a:p>
@@ -6071,7 +6072,7 @@
             <a:fld id="{B61BEF0D-F0BB-DE4B-95CE-6DB70DBA9567}" type="datetimeFigureOut">
               <a:rPr lang="en-US" dirty="0"/>
               <a:pPr/>
-              <a:t>7/8/2025</a:t>
+              <a:t>7/9/2025</a:t>
             </a:fld>
             <a:endParaRPr lang="en-US" dirty="0"/>
           </a:p>
@@ -6315,7 +6316,7 @@
             <a:fld id="{B61BEF0D-F0BB-DE4B-95CE-6DB70DBA9567}" type="datetimeFigureOut">
               <a:rPr lang="en-US" dirty="0"/>
               <a:pPr/>
-              <a:t>7/8/2025</a:t>
+              <a:t>7/9/2025</a:t>
             </a:fld>
             <a:endParaRPr lang="en-US" dirty="0"/>
           </a:p>
@@ -6543,7 +6544,7 @@
           <a:p>
             <a:fld id="{EB712588-04B1-427B-82EE-E8DB90309F08}" type="datetimeFigureOut">
               <a:rPr lang="en-US" dirty="0"/>
-              <a:t>7/8/2025</a:t>
+              <a:t>7/9/2025</a:t>
             </a:fld>
             <a:endParaRPr lang="en-US" dirty="0"/>
           </a:p>
@@ -6913,7 +6914,7 @@
             <a:fld id="{B61BEF0D-F0BB-DE4B-95CE-6DB70DBA9567}" type="datetimeFigureOut">
               <a:rPr lang="en-US" dirty="0"/>
               <a:pPr/>
-              <a:t>7/8/2025</a:t>
+              <a:t>7/9/2025</a:t>
             </a:fld>
             <a:endParaRPr lang="en-US" dirty="0"/>
           </a:p>
@@ -7033,7 +7034,7 @@
             <a:fld id="{B61BEF0D-F0BB-DE4B-95CE-6DB70DBA9567}" type="datetimeFigureOut">
               <a:rPr lang="en-US" dirty="0"/>
               <a:pPr/>
-              <a:t>7/8/2025</a:t>
+              <a:t>7/9/2025</a:t>
             </a:fld>
             <a:endParaRPr lang="en-US" dirty="0"/>
           </a:p>
@@ -7125,7 +7126,7 @@
             <a:fld id="{B61BEF0D-F0BB-DE4B-95CE-6DB70DBA9567}" type="datetimeFigureOut">
               <a:rPr lang="en-US" dirty="0"/>
               <a:pPr/>
-              <a:t>7/8/2025</a:t>
+              <a:t>7/9/2025</a:t>
             </a:fld>
             <a:endParaRPr lang="en-US" dirty="0"/>
           </a:p>
@@ -7376,7 +7377,7 @@
           <a:p>
             <a:fld id="{42A54C80-263E-416B-A8E0-580EDEADCBDC}" type="datetimeFigureOut">
               <a:rPr lang="en-US" dirty="0"/>
-              <a:t>7/8/2025</a:t>
+              <a:t>7/9/2025</a:t>
             </a:fld>
             <a:endParaRPr lang="en-US" dirty="0"/>
           </a:p>
@@ -7635,7 +7636,7 @@
             <a:fld id="{B61BEF0D-F0BB-DE4B-95CE-6DB70DBA9567}" type="datetimeFigureOut">
               <a:rPr lang="en-US" dirty="0"/>
               <a:pPr/>
-              <a:t>7/8/2025</a:t>
+              <a:t>7/9/2025</a:t>
             </a:fld>
             <a:endParaRPr lang="en-US" dirty="0"/>
           </a:p>
@@ -8441,7 +8442,7 @@
             <a:fld id="{B61BEF0D-F0BB-DE4B-95CE-6DB70DBA9567}" type="datetimeFigureOut">
               <a:rPr lang="en-US" dirty="0"/>
               <a:pPr/>
-              <a:t>7/8/2025</a:t>
+              <a:t>7/9/2025</a:t>
             </a:fld>
             <a:endParaRPr lang="en-US" dirty="0"/>
           </a:p>
@@ -15881,6 +15882,355 @@
   <p:cSld>
     <p:spTree>
       <p:nvGrpSpPr>
+        <p:cNvPr id="1" name=""/>
+        <p:cNvGrpSpPr/>
+        <p:nvPr/>
+      </p:nvGrpSpPr>
+      <p:grpSpPr>
+        <a:xfrm>
+          <a:off x="0" y="0"/>
+          <a:ext cx="0" cy="0"/>
+          <a:chOff x="0" y="0"/>
+          <a:chExt cx="0" cy="0"/>
+        </a:xfrm>
+      </p:grpSpPr>
+      <p:sp>
+        <p:nvSpPr>
+          <p:cNvPr id="4" name="Rechteck 3">
+            <a:extLst>
+              <a:ext uri="{FF2B5EF4-FFF2-40B4-BE49-F238E27FC236}">
+                <a16:creationId xmlns:a16="http://schemas.microsoft.com/office/drawing/2014/main" id="{9F3D1022-7185-58AB-3CFE-F49900CD3E0B}"/>
+              </a:ext>
+            </a:extLst>
+          </p:cNvPr>
+          <p:cNvSpPr/>
+          <p:nvPr/>
+        </p:nvSpPr>
+        <p:spPr>
+          <a:xfrm>
+            <a:off x="4200525" y="2247900"/>
+            <a:ext cx="2762250" cy="1466850"/>
+          </a:xfrm>
+          <a:prstGeom prst="rect">
+            <a:avLst/>
+          </a:prstGeom>
+        </p:spPr>
+        <p:style>
+          <a:lnRef idx="2">
+            <a:schemeClr val="accent1">
+              <a:shade val="15000"/>
+            </a:schemeClr>
+          </a:lnRef>
+          <a:fillRef idx="1">
+            <a:schemeClr val="accent1"/>
+          </a:fillRef>
+          <a:effectRef idx="0">
+            <a:schemeClr val="accent1"/>
+          </a:effectRef>
+          <a:fontRef idx="minor">
+            <a:schemeClr val="lt1"/>
+          </a:fontRef>
+        </p:style>
+        <p:txBody>
+          <a:bodyPr rtlCol="0" anchor="ctr"/>
+          <a:lstStyle/>
+          <a:p>
+            <a:pPr algn="ctr"/>
+            <a:r>
+              <a:rPr lang="de-DE" dirty="0"/>
+              <a:t>User, Customer, </a:t>
+            </a:r>
+            <a:r>
+              <a:rPr lang="de-DE" dirty="0" err="1"/>
+              <a:t>Staff</a:t>
+            </a:r>
+            <a:r>
+              <a:rPr lang="de-DE" dirty="0"/>
+              <a:t> </a:t>
+            </a:r>
+            <a:r>
+              <a:rPr lang="de-DE" dirty="0">
+                <a:sym typeface="Wingdings" panose="05000000000000000000" pitchFamily="2" charset="2"/>
+              </a:rPr>
+              <a:t> </a:t>
+            </a:r>
+            <a:r>
+              <a:rPr lang="de-DE" dirty="0" err="1">
+                <a:sym typeface="Wingdings" panose="05000000000000000000" pitchFamily="2" charset="2"/>
+              </a:rPr>
+              <a:t>Authorization</a:t>
+            </a:r>
+            <a:endParaRPr lang="de-DE" dirty="0"/>
+          </a:p>
+        </p:txBody>
+      </p:sp>
+      <p:sp>
+        <p:nvSpPr>
+          <p:cNvPr id="5" name="Rechteck 4">
+            <a:extLst>
+              <a:ext uri="{FF2B5EF4-FFF2-40B4-BE49-F238E27FC236}">
+                <a16:creationId xmlns:a16="http://schemas.microsoft.com/office/drawing/2014/main" id="{EBA78EE4-B6FE-C367-63FA-A158625F21C4}"/>
+              </a:ext>
+            </a:extLst>
+          </p:cNvPr>
+          <p:cNvSpPr/>
+          <p:nvPr/>
+        </p:nvSpPr>
+        <p:spPr>
+          <a:xfrm>
+            <a:off x="7105650" y="4076700"/>
+            <a:ext cx="2762250" cy="1466850"/>
+          </a:xfrm>
+          <a:prstGeom prst="rect">
+            <a:avLst/>
+          </a:prstGeom>
+        </p:spPr>
+        <p:style>
+          <a:lnRef idx="2">
+            <a:schemeClr val="accent1">
+              <a:shade val="15000"/>
+            </a:schemeClr>
+          </a:lnRef>
+          <a:fillRef idx="1">
+            <a:schemeClr val="accent1"/>
+          </a:fillRef>
+          <a:effectRef idx="0">
+            <a:schemeClr val="accent1"/>
+          </a:effectRef>
+          <a:fontRef idx="minor">
+            <a:schemeClr val="lt1"/>
+          </a:fontRef>
+        </p:style>
+        <p:txBody>
+          <a:bodyPr rtlCol="0" anchor="ctr"/>
+          <a:lstStyle/>
+          <a:p>
+            <a:pPr algn="ctr"/>
+            <a:r>
+              <a:rPr lang="de-DE" dirty="0" err="1"/>
+              <a:t>RestController</a:t>
+            </a:r>
+            <a:r>
+              <a:rPr lang="de-DE" dirty="0"/>
+              <a:t> -&gt; </a:t>
+            </a:r>
+            <a:r>
+              <a:rPr lang="de-DE" dirty="0" err="1"/>
+              <a:t>Netzfilm_Ressource</a:t>
+            </a:r>
+            <a:endParaRPr lang="de-DE" dirty="0"/>
+          </a:p>
+        </p:txBody>
+      </p:sp>
+      <p:sp>
+        <p:nvSpPr>
+          <p:cNvPr id="6" name="Rechteck 5">
+            <a:extLst>
+              <a:ext uri="{FF2B5EF4-FFF2-40B4-BE49-F238E27FC236}">
+                <a16:creationId xmlns:a16="http://schemas.microsoft.com/office/drawing/2014/main" id="{24DB4E26-C713-A023-78A5-9662FBDEC17B}"/>
+              </a:ext>
+            </a:extLst>
+          </p:cNvPr>
+          <p:cNvSpPr/>
+          <p:nvPr/>
+        </p:nvSpPr>
+        <p:spPr>
+          <a:xfrm>
+            <a:off x="1247775" y="4076700"/>
+            <a:ext cx="2762250" cy="1466850"/>
+          </a:xfrm>
+          <a:prstGeom prst="rect">
+            <a:avLst/>
+          </a:prstGeom>
+        </p:spPr>
+        <p:style>
+          <a:lnRef idx="2">
+            <a:schemeClr val="accent1">
+              <a:shade val="15000"/>
+            </a:schemeClr>
+          </a:lnRef>
+          <a:fillRef idx="1">
+            <a:schemeClr val="accent1"/>
+          </a:fillRef>
+          <a:effectRef idx="0">
+            <a:schemeClr val="accent1"/>
+          </a:effectRef>
+          <a:fontRef idx="minor">
+            <a:schemeClr val="lt1"/>
+          </a:fontRef>
+        </p:style>
+        <p:txBody>
+          <a:bodyPr rtlCol="0" anchor="ctr"/>
+          <a:lstStyle/>
+          <a:p>
+            <a:pPr algn="ctr"/>
+            <a:r>
+              <a:rPr lang="de-DE" dirty="0" err="1"/>
+              <a:t>Thymeleaf</a:t>
+            </a:r>
+            <a:r>
+              <a:rPr lang="de-DE" dirty="0"/>
+              <a:t>, Controller </a:t>
+            </a:r>
+            <a:r>
+              <a:rPr lang="de-DE" dirty="0">
+                <a:sym typeface="Wingdings" panose="05000000000000000000" pitchFamily="2" charset="2"/>
+              </a:rPr>
+              <a:t> </a:t>
+            </a:r>
+            <a:r>
+              <a:rPr lang="de-DE" dirty="0" err="1"/>
+              <a:t>Netzfilm_UI</a:t>
+            </a:r>
+            <a:endParaRPr lang="de-DE" dirty="0"/>
+          </a:p>
+        </p:txBody>
+      </p:sp>
+      <p:cxnSp>
+        <p:nvCxnSpPr>
+          <p:cNvPr id="8" name="Gerade Verbindung mit Pfeil 7">
+            <a:extLst>
+              <a:ext uri="{FF2B5EF4-FFF2-40B4-BE49-F238E27FC236}">
+                <a16:creationId xmlns:a16="http://schemas.microsoft.com/office/drawing/2014/main" id="{9B1C8AA9-12F5-A8A4-D869-223C273AE9C5}"/>
+              </a:ext>
+            </a:extLst>
+          </p:cNvPr>
+          <p:cNvCxnSpPr/>
+          <p:nvPr/>
+        </p:nvCxnSpPr>
+        <p:spPr>
+          <a:xfrm>
+            <a:off x="4295775" y="4886325"/>
+            <a:ext cx="2571750" cy="0"/>
+          </a:xfrm>
+          <a:prstGeom prst="straightConnector1">
+            <a:avLst/>
+          </a:prstGeom>
+          <a:ln w="57150">
+            <a:headEnd type="triangle"/>
+            <a:tailEnd type="triangle"/>
+          </a:ln>
+        </p:spPr>
+        <p:style>
+          <a:lnRef idx="1">
+            <a:schemeClr val="accent1"/>
+          </a:lnRef>
+          <a:fillRef idx="0">
+            <a:schemeClr val="accent1"/>
+          </a:fillRef>
+          <a:effectRef idx="0">
+            <a:schemeClr val="accent1"/>
+          </a:effectRef>
+          <a:fontRef idx="minor">
+            <a:schemeClr val="tx1"/>
+          </a:fontRef>
+        </p:style>
+      </p:cxnSp>
+      <p:sp>
+        <p:nvSpPr>
+          <p:cNvPr id="9" name="Titel 1">
+            <a:extLst>
+              <a:ext uri="{FF2B5EF4-FFF2-40B4-BE49-F238E27FC236}">
+                <a16:creationId xmlns:a16="http://schemas.microsoft.com/office/drawing/2014/main" id="{AECF39E7-E12D-FAB9-CF4B-3B48F62C11CE}"/>
+              </a:ext>
+            </a:extLst>
+          </p:cNvPr>
+          <p:cNvSpPr>
+            <a:spLocks noGrp="1"/>
+          </p:cNvSpPr>
+          <p:nvPr>
+            <p:ph type="title"/>
+          </p:nvPr>
+        </p:nvSpPr>
+        <p:spPr>
+          <a:xfrm>
+            <a:off x="677334" y="609600"/>
+            <a:ext cx="8596668" cy="1320800"/>
+          </a:xfrm>
+        </p:spPr>
+        <p:txBody>
+          <a:bodyPr/>
+          <a:lstStyle/>
+          <a:p>
+            <a:r>
+              <a:rPr lang="de-DE" dirty="0" err="1"/>
+              <a:t>Netzfilm</a:t>
+            </a:r>
+            <a:r>
+              <a:rPr lang="de-DE" dirty="0"/>
+              <a:t> als </a:t>
+            </a:r>
+            <a:r>
+              <a:rPr lang="de-DE" dirty="0" err="1"/>
+              <a:t>Oauth</a:t>
+            </a:r>
+            <a:r>
+              <a:rPr lang="de-DE" dirty="0"/>
+              <a:t>….</a:t>
+            </a:r>
+          </a:p>
+        </p:txBody>
+      </p:sp>
+      <p:cxnSp>
+        <p:nvCxnSpPr>
+          <p:cNvPr id="10" name="Gerade Verbindung mit Pfeil 9">
+            <a:extLst>
+              <a:ext uri="{FF2B5EF4-FFF2-40B4-BE49-F238E27FC236}">
+                <a16:creationId xmlns:a16="http://schemas.microsoft.com/office/drawing/2014/main" id="{252290AF-9FB5-B9DC-FA9D-E05609E6E523}"/>
+              </a:ext>
+            </a:extLst>
+          </p:cNvPr>
+          <p:cNvCxnSpPr>
+            <a:cxnSpLocks/>
+          </p:cNvCxnSpPr>
+          <p:nvPr/>
+        </p:nvCxnSpPr>
+        <p:spPr>
+          <a:xfrm flipV="1">
+            <a:off x="2466975" y="2981325"/>
+            <a:ext cx="1543050" cy="952500"/>
+          </a:xfrm>
+          <a:prstGeom prst="straightConnector1">
+            <a:avLst/>
+          </a:prstGeom>
+          <a:ln w="57150">
+            <a:headEnd type="triangle"/>
+            <a:tailEnd type="triangle"/>
+          </a:ln>
+        </p:spPr>
+        <p:style>
+          <a:lnRef idx="1">
+            <a:schemeClr val="accent1"/>
+          </a:lnRef>
+          <a:fillRef idx="0">
+            <a:schemeClr val="accent1"/>
+          </a:fillRef>
+          <a:effectRef idx="0">
+            <a:schemeClr val="accent1"/>
+          </a:effectRef>
+          <a:fontRef idx="minor">
+            <a:schemeClr val="tx1"/>
+          </a:fontRef>
+        </p:style>
+      </p:cxnSp>
+    </p:spTree>
+    <p:extLst>
+      <p:ext uri="{BB962C8B-B14F-4D97-AF65-F5344CB8AC3E}">
+        <p14:creationId xmlns:p14="http://schemas.microsoft.com/office/powerpoint/2010/main" val="3984874663"/>
+      </p:ext>
+    </p:extLst>
+  </p:cSld>
+  <p:clrMapOvr>
+    <a:masterClrMapping/>
+  </p:clrMapOvr>
+</p:sld>
+</file>
+
+<file path=ppt/slides/slide137.xml><?xml version="1.0" encoding="utf-8"?>
+<p:sld xmlns:a="http://schemas.openxmlformats.org/drawingml/2006/main" xmlns:r="http://schemas.openxmlformats.org/officeDocument/2006/relationships" xmlns:p="http://schemas.openxmlformats.org/presentationml/2006/main">
+  <p:cSld>
+    <p:spTree>
+      <p:nvGrpSpPr>
         <p:cNvPr id="1" name="">
           <a:extLst>
             <a:ext uri="{FF2B5EF4-FFF2-40B4-BE49-F238E27FC236}">
@@ -16123,7 +16473,7 @@
 </p:sld>
 </file>
 
-<file path=ppt/slides/slide137.xml><?xml version="1.0" encoding="utf-8"?>
+<file path=ppt/slides/slide138.xml><?xml version="1.0" encoding="utf-8"?>
 <p:sld xmlns:a="http://schemas.openxmlformats.org/drawingml/2006/main" xmlns:r="http://schemas.openxmlformats.org/officeDocument/2006/relationships" xmlns:p="http://schemas.openxmlformats.org/presentationml/2006/main">
   <p:cSld>
     <p:spTree>
@@ -16289,7 +16639,7 @@
 </p:sld>
 </file>
 
-<file path=ppt/slides/slide138.xml><?xml version="1.0" encoding="utf-8"?>
+<file path=ppt/slides/slide139.xml><?xml version="1.0" encoding="utf-8"?>
 <p:sld xmlns:a="http://schemas.openxmlformats.org/drawingml/2006/main" xmlns:r="http://schemas.openxmlformats.org/officeDocument/2006/relationships" xmlns:p="http://schemas.openxmlformats.org/presentationml/2006/main">
   <p:cSld>
     <p:spTree>
@@ -16461,195 +16811,6 @@
     <p:extLst>
       <p:ext uri="{BB962C8B-B14F-4D97-AF65-F5344CB8AC3E}">
         <p14:creationId xmlns:p14="http://schemas.microsoft.com/office/powerpoint/2010/main" val="214868068"/>
-      </p:ext>
-    </p:extLst>
-  </p:cSld>
-  <p:clrMapOvr>
-    <a:masterClrMapping/>
-  </p:clrMapOvr>
-</p:sld>
-</file>
-
-<file path=ppt/slides/slide139.xml><?xml version="1.0" encoding="utf-8"?>
-<p:sld xmlns:a="http://schemas.openxmlformats.org/drawingml/2006/main" xmlns:r="http://schemas.openxmlformats.org/officeDocument/2006/relationships" xmlns:p="http://schemas.openxmlformats.org/presentationml/2006/main">
-  <p:cSld>
-    <p:spTree>
-      <p:nvGrpSpPr>
-        <p:cNvPr id="1" name="">
-          <a:extLst>
-            <a:ext uri="{FF2B5EF4-FFF2-40B4-BE49-F238E27FC236}">
-              <a16:creationId xmlns:a16="http://schemas.microsoft.com/office/drawing/2014/main" id="{20A898C2-960E-5DE2-CD69-D3E09108A63D}"/>
-            </a:ext>
-          </a:extLst>
-        </p:cNvPr>
-        <p:cNvGrpSpPr/>
-        <p:nvPr/>
-      </p:nvGrpSpPr>
-      <p:grpSpPr>
-        <a:xfrm>
-          <a:off x="0" y="0"/>
-          <a:ext cx="0" cy="0"/>
-          <a:chOff x="0" y="0"/>
-          <a:chExt cx="0" cy="0"/>
-        </a:xfrm>
-      </p:grpSpPr>
-      <p:sp>
-        <p:nvSpPr>
-          <p:cNvPr id="2" name="Titel 1">
-            <a:extLst>
-              <a:ext uri="{FF2B5EF4-FFF2-40B4-BE49-F238E27FC236}">
-                <a16:creationId xmlns:a16="http://schemas.microsoft.com/office/drawing/2014/main" id="{3F0B1397-2FF8-D5DF-97CE-80DEA75C6800}"/>
-              </a:ext>
-            </a:extLst>
-          </p:cNvPr>
-          <p:cNvSpPr>
-            <a:spLocks noGrp="1"/>
-          </p:cNvSpPr>
-          <p:nvPr>
-            <p:ph type="title"/>
-          </p:nvPr>
-        </p:nvSpPr>
-        <p:spPr/>
-        <p:txBody>
-          <a:bodyPr/>
-          <a:lstStyle/>
-          <a:p>
-            <a:r>
-              <a:rPr lang="de-DE" dirty="0"/>
-              <a:t>Best Practices für sichere Webanwendungen – Web Basics</a:t>
-            </a:r>
-          </a:p>
-        </p:txBody>
-      </p:sp>
-      <p:sp>
-        <p:nvSpPr>
-          <p:cNvPr id="5" name="Inhaltsplatzhalter 4">
-            <a:extLst>
-              <a:ext uri="{FF2B5EF4-FFF2-40B4-BE49-F238E27FC236}">
-                <a16:creationId xmlns:a16="http://schemas.microsoft.com/office/drawing/2014/main" id="{930D7833-8270-3D9A-CA5B-5E46879C1B81}"/>
-              </a:ext>
-            </a:extLst>
-          </p:cNvPr>
-          <p:cNvSpPr>
-            <a:spLocks noGrp="1"/>
-          </p:cNvSpPr>
-          <p:nvPr>
-            <p:ph idx="1"/>
-          </p:nvPr>
-        </p:nvSpPr>
-        <p:spPr/>
-        <p:txBody>
-          <a:bodyPr>
-            <a:normAutofit/>
-          </a:bodyPr>
-          <a:lstStyle/>
-          <a:p>
-            <a:r>
-              <a:rPr lang="de-DE" dirty="0"/>
-              <a:t>Eingabevalidierung</a:t>
-            </a:r>
-          </a:p>
-          <a:p>
-            <a:pPr lvl="1"/>
-            <a:r>
-              <a:rPr lang="de-DE" dirty="0"/>
-              <a:t>Bean Validation (@NotBlank, @Pattern, @Min) VOR DB-Zugriff.</a:t>
-            </a:r>
-          </a:p>
-          <a:p>
-            <a:pPr lvl="1"/>
-            <a:r>
-              <a:rPr lang="de-DE" dirty="0" err="1"/>
-              <a:t>Thymeleaf</a:t>
-            </a:r>
-            <a:r>
-              <a:rPr lang="de-DE" dirty="0"/>
-              <a:t>/Spring </a:t>
-            </a:r>
-            <a:r>
-              <a:rPr lang="de-DE" dirty="0" err="1"/>
-              <a:t>WebMvc</a:t>
-            </a:r>
-            <a:r>
-              <a:rPr lang="de-DE" dirty="0"/>
-              <a:t> </a:t>
-            </a:r>
-            <a:r>
-              <a:rPr lang="de-DE" dirty="0" err="1"/>
-              <a:t>encoden</a:t>
-            </a:r>
-            <a:r>
-              <a:rPr lang="de-DE" dirty="0"/>
-              <a:t> automatisch – nicht abschalten</a:t>
-            </a:r>
-          </a:p>
-          <a:p>
-            <a:r>
-              <a:rPr lang="de-DE" dirty="0"/>
-              <a:t>Content Security Policy</a:t>
-            </a:r>
-          </a:p>
-          <a:p>
-            <a:pPr lvl="1"/>
-            <a:r>
-              <a:rPr lang="de-DE" dirty="0"/>
-              <a:t>CSP „</a:t>
-            </a:r>
-            <a:r>
-              <a:rPr lang="de-DE" dirty="0" err="1"/>
-              <a:t>default-src</a:t>
-            </a:r>
-            <a:r>
-              <a:rPr lang="de-DE" dirty="0"/>
-              <a:t> '</a:t>
-            </a:r>
-            <a:r>
-              <a:rPr lang="de-DE" dirty="0" err="1"/>
-              <a:t>self</a:t>
-            </a:r>
-            <a:r>
-              <a:rPr lang="de-DE" dirty="0"/>
-              <a:t>'“ + </a:t>
-            </a:r>
-            <a:r>
-              <a:rPr lang="de-DE" dirty="0" err="1"/>
-              <a:t>Nonces</a:t>
-            </a:r>
-            <a:endParaRPr lang="de-DE" dirty="0"/>
-          </a:p>
-          <a:p>
-            <a:r>
-              <a:rPr lang="de-DE" dirty="0"/>
-              <a:t>CORS-Härtung</a:t>
-            </a:r>
-          </a:p>
-          <a:p>
-            <a:pPr lvl="1"/>
-            <a:r>
-              <a:rPr lang="de-DE" dirty="0"/>
-              <a:t>Nur explizite Origins + Methoden</a:t>
-            </a:r>
-          </a:p>
-          <a:p>
-            <a:r>
-              <a:rPr lang="de-DE" dirty="0"/>
-              <a:t>Brute-Force-Schutz auf Endpoints</a:t>
-            </a:r>
-          </a:p>
-          <a:p>
-            <a:pPr lvl="1"/>
-            <a:r>
-              <a:rPr lang="en-US" dirty="0"/>
-              <a:t>Resilience4j-RateLimiter</a:t>
-            </a:r>
-            <a:endParaRPr lang="de-DE" dirty="0"/>
-          </a:p>
-        </p:txBody>
-      </p:sp>
-    </p:spTree>
-    <p:extLst>
-      <p:ext uri="{BB962C8B-B14F-4D97-AF65-F5344CB8AC3E}">
-        <p14:creationId xmlns:p14="http://schemas.microsoft.com/office/powerpoint/2010/main" val="1315917947"/>
       </p:ext>
     </p:extLst>
   </p:cSld>
@@ -16892,6 +17053,195 @@
         <p:cNvPr id="1" name="">
           <a:extLst>
             <a:ext uri="{FF2B5EF4-FFF2-40B4-BE49-F238E27FC236}">
+              <a16:creationId xmlns:a16="http://schemas.microsoft.com/office/drawing/2014/main" id="{20A898C2-960E-5DE2-CD69-D3E09108A63D}"/>
+            </a:ext>
+          </a:extLst>
+        </p:cNvPr>
+        <p:cNvGrpSpPr/>
+        <p:nvPr/>
+      </p:nvGrpSpPr>
+      <p:grpSpPr>
+        <a:xfrm>
+          <a:off x="0" y="0"/>
+          <a:ext cx="0" cy="0"/>
+          <a:chOff x="0" y="0"/>
+          <a:chExt cx="0" cy="0"/>
+        </a:xfrm>
+      </p:grpSpPr>
+      <p:sp>
+        <p:nvSpPr>
+          <p:cNvPr id="2" name="Titel 1">
+            <a:extLst>
+              <a:ext uri="{FF2B5EF4-FFF2-40B4-BE49-F238E27FC236}">
+                <a16:creationId xmlns:a16="http://schemas.microsoft.com/office/drawing/2014/main" id="{3F0B1397-2FF8-D5DF-97CE-80DEA75C6800}"/>
+              </a:ext>
+            </a:extLst>
+          </p:cNvPr>
+          <p:cNvSpPr>
+            <a:spLocks noGrp="1"/>
+          </p:cNvSpPr>
+          <p:nvPr>
+            <p:ph type="title"/>
+          </p:nvPr>
+        </p:nvSpPr>
+        <p:spPr/>
+        <p:txBody>
+          <a:bodyPr/>
+          <a:lstStyle/>
+          <a:p>
+            <a:r>
+              <a:rPr lang="de-DE" dirty="0"/>
+              <a:t>Best Practices für sichere Webanwendungen – Web Basics</a:t>
+            </a:r>
+          </a:p>
+        </p:txBody>
+      </p:sp>
+      <p:sp>
+        <p:nvSpPr>
+          <p:cNvPr id="5" name="Inhaltsplatzhalter 4">
+            <a:extLst>
+              <a:ext uri="{FF2B5EF4-FFF2-40B4-BE49-F238E27FC236}">
+                <a16:creationId xmlns:a16="http://schemas.microsoft.com/office/drawing/2014/main" id="{930D7833-8270-3D9A-CA5B-5E46879C1B81}"/>
+              </a:ext>
+            </a:extLst>
+          </p:cNvPr>
+          <p:cNvSpPr>
+            <a:spLocks noGrp="1"/>
+          </p:cNvSpPr>
+          <p:nvPr>
+            <p:ph idx="1"/>
+          </p:nvPr>
+        </p:nvSpPr>
+        <p:spPr/>
+        <p:txBody>
+          <a:bodyPr>
+            <a:normAutofit/>
+          </a:bodyPr>
+          <a:lstStyle/>
+          <a:p>
+            <a:r>
+              <a:rPr lang="de-DE" dirty="0"/>
+              <a:t>Eingabevalidierung</a:t>
+            </a:r>
+          </a:p>
+          <a:p>
+            <a:pPr lvl="1"/>
+            <a:r>
+              <a:rPr lang="de-DE" dirty="0"/>
+              <a:t>Bean Validation (@NotBlank, @Pattern, @Min) VOR DB-Zugriff.</a:t>
+            </a:r>
+          </a:p>
+          <a:p>
+            <a:pPr lvl="1"/>
+            <a:r>
+              <a:rPr lang="de-DE" dirty="0" err="1"/>
+              <a:t>Thymeleaf</a:t>
+            </a:r>
+            <a:r>
+              <a:rPr lang="de-DE" dirty="0"/>
+              <a:t>/Spring </a:t>
+            </a:r>
+            <a:r>
+              <a:rPr lang="de-DE" dirty="0" err="1"/>
+              <a:t>WebMvc</a:t>
+            </a:r>
+            <a:r>
+              <a:rPr lang="de-DE" dirty="0"/>
+              <a:t> </a:t>
+            </a:r>
+            <a:r>
+              <a:rPr lang="de-DE" dirty="0" err="1"/>
+              <a:t>encoden</a:t>
+            </a:r>
+            <a:r>
+              <a:rPr lang="de-DE" dirty="0"/>
+              <a:t> automatisch – nicht abschalten</a:t>
+            </a:r>
+          </a:p>
+          <a:p>
+            <a:r>
+              <a:rPr lang="de-DE" dirty="0"/>
+              <a:t>Content Security Policy</a:t>
+            </a:r>
+          </a:p>
+          <a:p>
+            <a:pPr lvl="1"/>
+            <a:r>
+              <a:rPr lang="de-DE" dirty="0"/>
+              <a:t>CSP „</a:t>
+            </a:r>
+            <a:r>
+              <a:rPr lang="de-DE" dirty="0" err="1"/>
+              <a:t>default-src</a:t>
+            </a:r>
+            <a:r>
+              <a:rPr lang="de-DE" dirty="0"/>
+              <a:t> '</a:t>
+            </a:r>
+            <a:r>
+              <a:rPr lang="de-DE" dirty="0" err="1"/>
+              <a:t>self</a:t>
+            </a:r>
+            <a:r>
+              <a:rPr lang="de-DE" dirty="0"/>
+              <a:t>'“ + </a:t>
+            </a:r>
+            <a:r>
+              <a:rPr lang="de-DE" dirty="0" err="1"/>
+              <a:t>Nonces</a:t>
+            </a:r>
+            <a:endParaRPr lang="de-DE" dirty="0"/>
+          </a:p>
+          <a:p>
+            <a:r>
+              <a:rPr lang="de-DE" dirty="0"/>
+              <a:t>CORS-Härtung</a:t>
+            </a:r>
+          </a:p>
+          <a:p>
+            <a:pPr lvl="1"/>
+            <a:r>
+              <a:rPr lang="de-DE" dirty="0"/>
+              <a:t>Nur explizite Origins + Methoden</a:t>
+            </a:r>
+          </a:p>
+          <a:p>
+            <a:r>
+              <a:rPr lang="de-DE" dirty="0"/>
+              <a:t>Brute-Force-Schutz auf Endpoints</a:t>
+            </a:r>
+          </a:p>
+          <a:p>
+            <a:pPr lvl="1"/>
+            <a:r>
+              <a:rPr lang="en-US" dirty="0"/>
+              <a:t>Resilience4j-RateLimiter</a:t>
+            </a:r>
+            <a:endParaRPr lang="de-DE" dirty="0"/>
+          </a:p>
+        </p:txBody>
+      </p:sp>
+    </p:spTree>
+    <p:extLst>
+      <p:ext uri="{BB962C8B-B14F-4D97-AF65-F5344CB8AC3E}">
+        <p14:creationId xmlns:p14="http://schemas.microsoft.com/office/powerpoint/2010/main" val="1315917947"/>
+      </p:ext>
+    </p:extLst>
+  </p:cSld>
+  <p:clrMapOvr>
+    <a:masterClrMapping/>
+  </p:clrMapOvr>
+</p:sld>
+</file>
+
+<file path=ppt/slides/slide141.xml><?xml version="1.0" encoding="utf-8"?>
+<p:sld xmlns:a="http://schemas.openxmlformats.org/drawingml/2006/main" xmlns:r="http://schemas.openxmlformats.org/officeDocument/2006/relationships" xmlns:p="http://schemas.openxmlformats.org/presentationml/2006/main">
+  <p:cSld>
+    <p:spTree>
+      <p:nvGrpSpPr>
+        <p:cNvPr id="1" name="">
+          <a:extLst>
+            <a:ext uri="{FF2B5EF4-FFF2-40B4-BE49-F238E27FC236}">
               <a16:creationId xmlns:a16="http://schemas.microsoft.com/office/drawing/2014/main" id="{1DD3B17A-70C6-8239-46F5-1C8257EEA056}"/>
             </a:ext>
           </a:extLst>
@@ -17080,7 +17430,7 @@
 </p:sld>
 </file>
 
-<file path=ppt/slides/slide141.xml><?xml version="1.0" encoding="utf-8"?>
+<file path=ppt/slides/slide142.xml><?xml version="1.0" encoding="utf-8"?>
 <p:sld xmlns:a="http://schemas.openxmlformats.org/drawingml/2006/main" xmlns:r="http://schemas.openxmlformats.org/officeDocument/2006/relationships" xmlns:p="http://schemas.openxmlformats.org/presentationml/2006/main">
   <p:cSld>
     <p:spTree>
@@ -35387,7 +35737,7 @@
           <p:nvPr>
             <p:extLst>
               <p:ext uri="{D42A27DB-BD31-4B8C-83A1-F6EECF244321}">
-                <p14:modId xmlns:p14="http://schemas.microsoft.com/office/powerpoint/2010/main" val="510251426"/>
+                <p14:modId xmlns:p14="http://schemas.microsoft.com/office/powerpoint/2010/main" val="2691279122"/>
               </p:ext>
             </p:extLst>
           </p:nvPr>
@@ -35751,7 +36101,7 @@
                       </a:r>
                       <a:r>
                         <a:rPr lang="de-DE" sz="1600" dirty="0" err="1"/>
-                        <a:t>gepoxyt</a:t>
+                        <a:t>geproxyt</a:t>
                       </a:r>
                       <a:r>
                         <a:rPr lang="de-DE" sz="1600" dirty="0"/>
